--- a/Präsentation Web Enginnering neu.pptx
+++ b/Präsentation Web Enginnering neu.pptx
@@ -5,13 +5,27 @@
     <p:sldMasterId id="2147483648" r:id="rId5"/>
   </p:sldMasterIdLst>
   <p:notesMasterIdLst>
-    <p:notesMasterId r:id="rId7"/>
+    <p:notesMasterId r:id="rId21"/>
   </p:notesMasterIdLst>
   <p:handoutMasterIdLst>
-    <p:handoutMasterId r:id="rId8"/>
+    <p:handoutMasterId r:id="rId22"/>
   </p:handoutMasterIdLst>
   <p:sldIdLst>
     <p:sldId id="256" r:id="rId6"/>
+    <p:sldId id="257" r:id="rId7"/>
+    <p:sldId id="258" r:id="rId8"/>
+    <p:sldId id="269" r:id="rId9"/>
+    <p:sldId id="259" r:id="rId10"/>
+    <p:sldId id="261" r:id="rId11"/>
+    <p:sldId id="271" r:id="rId12"/>
+    <p:sldId id="268" r:id="rId13"/>
+    <p:sldId id="270" r:id="rId14"/>
+    <p:sldId id="263" r:id="rId15"/>
+    <p:sldId id="264" r:id="rId16"/>
+    <p:sldId id="265" r:id="rId17"/>
+    <p:sldId id="272" r:id="rId18"/>
+    <p:sldId id="266" r:id="rId19"/>
+    <p:sldId id="267" r:id="rId20"/>
   </p:sldIdLst>
   <p:sldSz cx="12192000" cy="6858000"/>
   <p:notesSz cx="6858000" cy="9144000"/>
@@ -116,6 +130,32 @@
         <p14:section name="Standardabschnitt" id="{4FDC7BB1-83FF-0544-9AF5-7A72CE9E51BD}">
           <p14:sldIdLst>
             <p14:sldId id="256"/>
+            <p14:sldId id="257"/>
+            <p14:sldId id="258"/>
+          </p14:sldIdLst>
+        </p14:section>
+        <p14:section name="Zusammenfassungsabschnitt" id="{9322EA94-6E6E-4A73-9A7E-7370C5B5EA42}">
+          <p14:sldIdLst>
+            <p14:sldId id="269"/>
+          </p14:sldIdLst>
+        </p14:section>
+        <p14:section name="Idee der Website" id="{CA3EB6EA-C6D6-4A07-84D3-1841A2A91601}">
+          <p14:sldIdLst>
+            <p14:sldId id="259"/>
+            <p14:sldId id="261"/>
+            <p14:sldId id="271"/>
+            <p14:sldId id="268"/>
+            <p14:sldId id="270"/>
+            <p14:sldId id="263"/>
+            <p14:sldId id="264"/>
+            <p14:sldId id="265"/>
+            <p14:sldId id="272"/>
+          </p14:sldIdLst>
+        </p14:section>
+        <p14:section name="LIVE-DEMO" id="{96AA8565-90DB-4B66-BA03-CCE1B443894C}">
+          <p14:sldIdLst>
+            <p14:sldId id="266"/>
+            <p14:sldId id="267"/>
           </p14:sldIdLst>
         </p14:section>
       </p14:sectionLst>
@@ -170,8 +210,8 @@
 <file path=ppt/revisionInfo.xml><?xml version="1.0" encoding="utf-8"?>
 <p1510:revInfo xmlns:a="http://schemas.openxmlformats.org/drawingml/2006/main" xmlns:r="http://schemas.openxmlformats.org/officeDocument/2006/relationships" xmlns:p1510="http://schemas.microsoft.com/office/powerpoint/2015/10/main">
   <p1510:revLst>
-    <p1510:client id="{6822969F-EB51-4A37-BA66-31A218C247D6}" v="11" dt="2023-03-07T12:01:52.467"/>
-    <p1510:client id="{71EBC055-9E0B-4319-85A1-F10E59CA9B5E}" v="181" dt="2023-03-08T09:59:38.134"/>
+    <p1510:client id="{4FC6A682-6026-A44F-ACC3-7424230FA640}" v="191" dt="2023-03-14T14:57:27.646"/>
+    <p1510:client id="{E2F7BF3C-AAE6-443E-A3AB-25C3F5D3F771}" v="1026" dt="2023-03-14T19:49:31.751"/>
   </p1510:revLst>
 </p1510:revInfo>
 </file>
@@ -488,6 +528,1349 @@
     </pc:docChg>
   </pc:docChgLst>
   <pc:docChgLst>
+    <pc:chgData name="Yannick Seidel" userId="6d7a51a3-f98a-430f-bf9e-0549f0f0cd64" providerId="ADAL" clId="{4FC6A682-6026-A44F-ACC3-7424230FA640}"/>
+    <pc:docChg chg="undo custSel modSld">
+      <pc:chgData name="Yannick Seidel" userId="6d7a51a3-f98a-430f-bf9e-0549f0f0cd64" providerId="ADAL" clId="{4FC6A682-6026-A44F-ACC3-7424230FA640}" dt="2023-03-14T14:57:27.646" v="190" actId="732"/>
+      <pc:docMkLst>
+        <pc:docMk/>
+      </pc:docMkLst>
+      <pc:sldChg chg="modSp">
+        <pc:chgData name="Yannick Seidel" userId="6d7a51a3-f98a-430f-bf9e-0549f0f0cd64" providerId="ADAL" clId="{4FC6A682-6026-A44F-ACC3-7424230FA640}" dt="2023-03-14T14:57:27.646" v="190" actId="732"/>
+        <pc:sldMkLst>
+          <pc:docMk/>
+          <pc:sldMk cId="3447288858" sldId="259"/>
+        </pc:sldMkLst>
+        <pc:picChg chg="mod modCrop">
+          <ac:chgData name="Yannick Seidel" userId="6d7a51a3-f98a-430f-bf9e-0549f0f0cd64" providerId="ADAL" clId="{4FC6A682-6026-A44F-ACC3-7424230FA640}" dt="2023-03-14T14:57:27.646" v="190" actId="732"/>
+          <ac:picMkLst>
+            <pc:docMk/>
+            <pc:sldMk cId="3447288858" sldId="259"/>
+            <ac:picMk id="5" creationId="{921E42A7-DE82-3720-9624-E8CC22E93667}"/>
+          </ac:picMkLst>
+        </pc:picChg>
+      </pc:sldChg>
+      <pc:sldChg chg="addSp delSp modSp">
+        <pc:chgData name="Yannick Seidel" userId="6d7a51a3-f98a-430f-bf9e-0549f0f0cd64" providerId="ADAL" clId="{4FC6A682-6026-A44F-ACC3-7424230FA640}" dt="2023-03-14T14:53:50.668" v="189"/>
+        <pc:sldMkLst>
+          <pc:docMk/>
+          <pc:sldMk cId="2929809613" sldId="262"/>
+        </pc:sldMkLst>
+        <pc:inkChg chg="add del">
+          <ac:chgData name="Yannick Seidel" userId="6d7a51a3-f98a-430f-bf9e-0549f0f0cd64" providerId="ADAL" clId="{4FC6A682-6026-A44F-ACC3-7424230FA640}" dt="2023-03-14T14:50:18.560" v="11"/>
+          <ac:inkMkLst>
+            <pc:docMk/>
+            <pc:sldMk cId="2929809613" sldId="262"/>
+            <ac:inkMk id="5" creationId="{D8F37D6F-2AF9-E96F-3A12-4D49B41FE198}"/>
+          </ac:inkMkLst>
+        </pc:inkChg>
+        <pc:inkChg chg="add del">
+          <ac:chgData name="Yannick Seidel" userId="6d7a51a3-f98a-430f-bf9e-0549f0f0cd64" providerId="ADAL" clId="{4FC6A682-6026-A44F-ACC3-7424230FA640}" dt="2023-03-14T14:50:18.560" v="11"/>
+          <ac:inkMkLst>
+            <pc:docMk/>
+            <pc:sldMk cId="2929809613" sldId="262"/>
+            <ac:inkMk id="6" creationId="{ADC3115C-3C90-603D-7015-6A2DE6754C00}"/>
+          </ac:inkMkLst>
+        </pc:inkChg>
+        <pc:inkChg chg="add del">
+          <ac:chgData name="Yannick Seidel" userId="6d7a51a3-f98a-430f-bf9e-0549f0f0cd64" providerId="ADAL" clId="{4FC6A682-6026-A44F-ACC3-7424230FA640}" dt="2023-03-14T14:50:18.560" v="11"/>
+          <ac:inkMkLst>
+            <pc:docMk/>
+            <pc:sldMk cId="2929809613" sldId="262"/>
+            <ac:inkMk id="7" creationId="{1A99EB26-E4C7-F1AF-1764-C07B89CC33E8}"/>
+          </ac:inkMkLst>
+        </pc:inkChg>
+        <pc:inkChg chg="add del">
+          <ac:chgData name="Yannick Seidel" userId="6d7a51a3-f98a-430f-bf9e-0549f0f0cd64" providerId="ADAL" clId="{4FC6A682-6026-A44F-ACC3-7424230FA640}" dt="2023-03-14T14:50:18.560" v="11"/>
+          <ac:inkMkLst>
+            <pc:docMk/>
+            <pc:sldMk cId="2929809613" sldId="262"/>
+            <ac:inkMk id="8" creationId="{60D4205E-9630-AD5E-98E8-65B3C726DB91}"/>
+          </ac:inkMkLst>
+        </pc:inkChg>
+        <pc:inkChg chg="add del">
+          <ac:chgData name="Yannick Seidel" userId="6d7a51a3-f98a-430f-bf9e-0549f0f0cd64" providerId="ADAL" clId="{4FC6A682-6026-A44F-ACC3-7424230FA640}" dt="2023-03-14T14:50:18.560" v="11"/>
+          <ac:inkMkLst>
+            <pc:docMk/>
+            <pc:sldMk cId="2929809613" sldId="262"/>
+            <ac:inkMk id="9" creationId="{B897A4F7-D37B-4A11-3A15-31E07DB7C7AC}"/>
+          </ac:inkMkLst>
+        </pc:inkChg>
+        <pc:inkChg chg="add del">
+          <ac:chgData name="Yannick Seidel" userId="6d7a51a3-f98a-430f-bf9e-0549f0f0cd64" providerId="ADAL" clId="{4FC6A682-6026-A44F-ACC3-7424230FA640}" dt="2023-03-14T14:50:18.560" v="11"/>
+          <ac:inkMkLst>
+            <pc:docMk/>
+            <pc:sldMk cId="2929809613" sldId="262"/>
+            <ac:inkMk id="10" creationId="{ABBB32E4-59E5-C77D-3952-F1C6F4697547}"/>
+          </ac:inkMkLst>
+        </pc:inkChg>
+        <pc:inkChg chg="add del">
+          <ac:chgData name="Yannick Seidel" userId="6d7a51a3-f98a-430f-bf9e-0549f0f0cd64" providerId="ADAL" clId="{4FC6A682-6026-A44F-ACC3-7424230FA640}" dt="2023-03-14T14:50:18.560" v="11"/>
+          <ac:inkMkLst>
+            <pc:docMk/>
+            <pc:sldMk cId="2929809613" sldId="262"/>
+            <ac:inkMk id="11" creationId="{EA5DE8BA-3BDF-7E13-D78A-910C427FB2D1}"/>
+          </ac:inkMkLst>
+        </pc:inkChg>
+        <pc:inkChg chg="add del">
+          <ac:chgData name="Yannick Seidel" userId="6d7a51a3-f98a-430f-bf9e-0549f0f0cd64" providerId="ADAL" clId="{4FC6A682-6026-A44F-ACC3-7424230FA640}" dt="2023-03-14T14:50:18.560" v="11"/>
+          <ac:inkMkLst>
+            <pc:docMk/>
+            <pc:sldMk cId="2929809613" sldId="262"/>
+            <ac:inkMk id="12" creationId="{985A9BF0-DADF-1627-9111-13E705A1CB00}"/>
+          </ac:inkMkLst>
+        </pc:inkChg>
+        <pc:inkChg chg="add del">
+          <ac:chgData name="Yannick Seidel" userId="6d7a51a3-f98a-430f-bf9e-0549f0f0cd64" providerId="ADAL" clId="{4FC6A682-6026-A44F-ACC3-7424230FA640}" dt="2023-03-14T14:50:18.560" v="11"/>
+          <ac:inkMkLst>
+            <pc:docMk/>
+            <pc:sldMk cId="2929809613" sldId="262"/>
+            <ac:inkMk id="13" creationId="{72D5BF45-2D79-DC6A-22AA-236EA55133D2}"/>
+          </ac:inkMkLst>
+        </pc:inkChg>
+        <pc:inkChg chg="add del">
+          <ac:chgData name="Yannick Seidel" userId="6d7a51a3-f98a-430f-bf9e-0549f0f0cd64" providerId="ADAL" clId="{4FC6A682-6026-A44F-ACC3-7424230FA640}" dt="2023-03-14T14:50:18.560" v="11"/>
+          <ac:inkMkLst>
+            <pc:docMk/>
+            <pc:sldMk cId="2929809613" sldId="262"/>
+            <ac:inkMk id="14" creationId="{AEBACE9C-4B7F-DF21-AD67-A520C8886AAE}"/>
+          </ac:inkMkLst>
+        </pc:inkChg>
+        <pc:inkChg chg="add del">
+          <ac:chgData name="Yannick Seidel" userId="6d7a51a3-f98a-430f-bf9e-0549f0f0cd64" providerId="ADAL" clId="{4FC6A682-6026-A44F-ACC3-7424230FA640}" dt="2023-03-14T14:50:18.560" v="11"/>
+          <ac:inkMkLst>
+            <pc:docMk/>
+            <pc:sldMk cId="2929809613" sldId="262"/>
+            <ac:inkMk id="15" creationId="{912FF3D3-157F-4EAF-CE58-2EEB35C364B6}"/>
+          </ac:inkMkLst>
+        </pc:inkChg>
+        <pc:inkChg chg="add reco">
+          <ac:chgData name="Yannick Seidel" userId="6d7a51a3-f98a-430f-bf9e-0549f0f0cd64" providerId="ADAL" clId="{4FC6A682-6026-A44F-ACC3-7424230FA640}" dt="2023-03-14T14:50:18.560" v="11"/>
+          <ac:inkMkLst>
+            <pc:docMk/>
+            <pc:sldMk cId="2929809613" sldId="262"/>
+            <ac:inkMk id="16" creationId="{BB0F9497-3748-A34D-5391-148FC2F607A9}"/>
+          </ac:inkMkLst>
+        </pc:inkChg>
+        <pc:inkChg chg="add">
+          <ac:chgData name="Yannick Seidel" userId="6d7a51a3-f98a-430f-bf9e-0549f0f0cd64" providerId="ADAL" clId="{4FC6A682-6026-A44F-ACC3-7424230FA640}" dt="2023-03-14T14:50:27.179" v="12"/>
+          <ac:inkMkLst>
+            <pc:docMk/>
+            <pc:sldMk cId="2929809613" sldId="262"/>
+            <ac:inkMk id="17" creationId="{9A6F2E00-FCF0-8D8B-5AC4-2F096A1164E6}"/>
+          </ac:inkMkLst>
+        </pc:inkChg>
+        <pc:inkChg chg="add del">
+          <ac:chgData name="Yannick Seidel" userId="6d7a51a3-f98a-430f-bf9e-0549f0f0cd64" providerId="ADAL" clId="{4FC6A682-6026-A44F-ACC3-7424230FA640}" dt="2023-03-14T14:50:38.099" v="22"/>
+          <ac:inkMkLst>
+            <pc:docMk/>
+            <pc:sldMk cId="2929809613" sldId="262"/>
+            <ac:inkMk id="18" creationId="{5080C42F-A280-47B3-D545-13C86BDD904F}"/>
+          </ac:inkMkLst>
+        </pc:inkChg>
+        <pc:inkChg chg="add del">
+          <ac:chgData name="Yannick Seidel" userId="6d7a51a3-f98a-430f-bf9e-0549f0f0cd64" providerId="ADAL" clId="{4FC6A682-6026-A44F-ACC3-7424230FA640}" dt="2023-03-14T14:50:38.099" v="22"/>
+          <ac:inkMkLst>
+            <pc:docMk/>
+            <pc:sldMk cId="2929809613" sldId="262"/>
+            <ac:inkMk id="19" creationId="{CCCF2C7D-3418-095A-4A9A-C053D80CEA6A}"/>
+          </ac:inkMkLst>
+        </pc:inkChg>
+        <pc:inkChg chg="add del">
+          <ac:chgData name="Yannick Seidel" userId="6d7a51a3-f98a-430f-bf9e-0549f0f0cd64" providerId="ADAL" clId="{4FC6A682-6026-A44F-ACC3-7424230FA640}" dt="2023-03-14T14:50:38.099" v="22"/>
+          <ac:inkMkLst>
+            <pc:docMk/>
+            <pc:sldMk cId="2929809613" sldId="262"/>
+            <ac:inkMk id="20" creationId="{23DCB557-082E-21D2-5A03-1E0290DBD4FC}"/>
+          </ac:inkMkLst>
+        </pc:inkChg>
+        <pc:inkChg chg="add del">
+          <ac:chgData name="Yannick Seidel" userId="6d7a51a3-f98a-430f-bf9e-0549f0f0cd64" providerId="ADAL" clId="{4FC6A682-6026-A44F-ACC3-7424230FA640}" dt="2023-03-14T14:50:38.099" v="22"/>
+          <ac:inkMkLst>
+            <pc:docMk/>
+            <pc:sldMk cId="2929809613" sldId="262"/>
+            <ac:inkMk id="21" creationId="{1ED3B8A8-596B-FA31-A1A3-14A49239BFBF}"/>
+          </ac:inkMkLst>
+        </pc:inkChg>
+        <pc:inkChg chg="add del">
+          <ac:chgData name="Yannick Seidel" userId="6d7a51a3-f98a-430f-bf9e-0549f0f0cd64" providerId="ADAL" clId="{4FC6A682-6026-A44F-ACC3-7424230FA640}" dt="2023-03-14T14:50:38.099" v="22"/>
+          <ac:inkMkLst>
+            <pc:docMk/>
+            <pc:sldMk cId="2929809613" sldId="262"/>
+            <ac:inkMk id="22" creationId="{567A4F67-42F8-C669-8405-FCADC27BFF14}"/>
+          </ac:inkMkLst>
+        </pc:inkChg>
+        <pc:inkChg chg="add del">
+          <ac:chgData name="Yannick Seidel" userId="6d7a51a3-f98a-430f-bf9e-0549f0f0cd64" providerId="ADAL" clId="{4FC6A682-6026-A44F-ACC3-7424230FA640}" dt="2023-03-14T14:50:38.099" v="22"/>
+          <ac:inkMkLst>
+            <pc:docMk/>
+            <pc:sldMk cId="2929809613" sldId="262"/>
+            <ac:inkMk id="23" creationId="{64622278-FF7B-C2A6-FA7B-D787F522B15A}"/>
+          </ac:inkMkLst>
+        </pc:inkChg>
+        <pc:inkChg chg="add del">
+          <ac:chgData name="Yannick Seidel" userId="6d7a51a3-f98a-430f-bf9e-0549f0f0cd64" providerId="ADAL" clId="{4FC6A682-6026-A44F-ACC3-7424230FA640}" dt="2023-03-14T14:50:38.099" v="22"/>
+          <ac:inkMkLst>
+            <pc:docMk/>
+            <pc:sldMk cId="2929809613" sldId="262"/>
+            <ac:inkMk id="24" creationId="{C8C457BE-0231-C2EE-17AB-C51A22332184}"/>
+          </ac:inkMkLst>
+        </pc:inkChg>
+        <pc:inkChg chg="add del">
+          <ac:chgData name="Yannick Seidel" userId="6d7a51a3-f98a-430f-bf9e-0549f0f0cd64" providerId="ADAL" clId="{4FC6A682-6026-A44F-ACC3-7424230FA640}" dt="2023-03-14T14:50:38.099" v="22"/>
+          <ac:inkMkLst>
+            <pc:docMk/>
+            <pc:sldMk cId="2929809613" sldId="262"/>
+            <ac:inkMk id="25" creationId="{60857130-C5D1-C45F-F46D-9CE59A255863}"/>
+          </ac:inkMkLst>
+        </pc:inkChg>
+        <pc:inkChg chg="add del">
+          <ac:chgData name="Yannick Seidel" userId="6d7a51a3-f98a-430f-bf9e-0549f0f0cd64" providerId="ADAL" clId="{4FC6A682-6026-A44F-ACC3-7424230FA640}" dt="2023-03-14T14:50:38.099" v="22"/>
+          <ac:inkMkLst>
+            <pc:docMk/>
+            <pc:sldMk cId="2929809613" sldId="262"/>
+            <ac:inkMk id="26" creationId="{CDFCEAB0-10A1-FD26-2387-F2FBEF8ABBA8}"/>
+          </ac:inkMkLst>
+        </pc:inkChg>
+        <pc:inkChg chg="add del reco">
+          <ac:chgData name="Yannick Seidel" userId="6d7a51a3-f98a-430f-bf9e-0549f0f0cd64" providerId="ADAL" clId="{4FC6A682-6026-A44F-ACC3-7424230FA640}" dt="2023-03-14T14:50:39.539" v="23"/>
+          <ac:inkMkLst>
+            <pc:docMk/>
+            <pc:sldMk cId="2929809613" sldId="262"/>
+            <ac:inkMk id="27" creationId="{E7D9DD8F-0D48-79C2-6C59-57679CC6B9A9}"/>
+          </ac:inkMkLst>
+        </pc:inkChg>
+        <pc:inkChg chg="add del">
+          <ac:chgData name="Yannick Seidel" userId="6d7a51a3-f98a-430f-bf9e-0549f0f0cd64" providerId="ADAL" clId="{4FC6A682-6026-A44F-ACC3-7424230FA640}" dt="2023-03-14T14:50:44.038" v="33"/>
+          <ac:inkMkLst>
+            <pc:docMk/>
+            <pc:sldMk cId="2929809613" sldId="262"/>
+            <ac:inkMk id="28" creationId="{560EBC6C-6B3A-A745-0466-C13790C29DFD}"/>
+          </ac:inkMkLst>
+        </pc:inkChg>
+        <pc:inkChg chg="add del">
+          <ac:chgData name="Yannick Seidel" userId="6d7a51a3-f98a-430f-bf9e-0549f0f0cd64" providerId="ADAL" clId="{4FC6A682-6026-A44F-ACC3-7424230FA640}" dt="2023-03-14T14:50:44.038" v="33"/>
+          <ac:inkMkLst>
+            <pc:docMk/>
+            <pc:sldMk cId="2929809613" sldId="262"/>
+            <ac:inkMk id="29" creationId="{68B75D4C-D540-9E03-A62B-5A8EEFF8A2D7}"/>
+          </ac:inkMkLst>
+        </pc:inkChg>
+        <pc:inkChg chg="add del">
+          <ac:chgData name="Yannick Seidel" userId="6d7a51a3-f98a-430f-bf9e-0549f0f0cd64" providerId="ADAL" clId="{4FC6A682-6026-A44F-ACC3-7424230FA640}" dt="2023-03-14T14:50:44.038" v="33"/>
+          <ac:inkMkLst>
+            <pc:docMk/>
+            <pc:sldMk cId="2929809613" sldId="262"/>
+            <ac:inkMk id="30" creationId="{B2791E6B-BA2D-3C42-1B89-9BCD0844173B}"/>
+          </ac:inkMkLst>
+        </pc:inkChg>
+        <pc:inkChg chg="add del">
+          <ac:chgData name="Yannick Seidel" userId="6d7a51a3-f98a-430f-bf9e-0549f0f0cd64" providerId="ADAL" clId="{4FC6A682-6026-A44F-ACC3-7424230FA640}" dt="2023-03-14T14:50:44.038" v="33"/>
+          <ac:inkMkLst>
+            <pc:docMk/>
+            <pc:sldMk cId="2929809613" sldId="262"/>
+            <ac:inkMk id="31" creationId="{AA0B1AF8-D485-634C-61E1-75D548AE3525}"/>
+          </ac:inkMkLst>
+        </pc:inkChg>
+        <pc:inkChg chg="add del">
+          <ac:chgData name="Yannick Seidel" userId="6d7a51a3-f98a-430f-bf9e-0549f0f0cd64" providerId="ADAL" clId="{4FC6A682-6026-A44F-ACC3-7424230FA640}" dt="2023-03-14T14:50:44.038" v="33"/>
+          <ac:inkMkLst>
+            <pc:docMk/>
+            <pc:sldMk cId="2929809613" sldId="262"/>
+            <ac:inkMk id="32" creationId="{C48C779F-4169-E971-28E8-82A58CCF8176}"/>
+          </ac:inkMkLst>
+        </pc:inkChg>
+        <pc:inkChg chg="add del">
+          <ac:chgData name="Yannick Seidel" userId="6d7a51a3-f98a-430f-bf9e-0549f0f0cd64" providerId="ADAL" clId="{4FC6A682-6026-A44F-ACC3-7424230FA640}" dt="2023-03-14T14:50:44.038" v="33"/>
+          <ac:inkMkLst>
+            <pc:docMk/>
+            <pc:sldMk cId="2929809613" sldId="262"/>
+            <ac:inkMk id="33" creationId="{88513CEF-0A35-2B69-DF8A-B8E9C3BC32DF}"/>
+          </ac:inkMkLst>
+        </pc:inkChg>
+        <pc:inkChg chg="add del">
+          <ac:chgData name="Yannick Seidel" userId="6d7a51a3-f98a-430f-bf9e-0549f0f0cd64" providerId="ADAL" clId="{4FC6A682-6026-A44F-ACC3-7424230FA640}" dt="2023-03-14T14:50:44.038" v="33"/>
+          <ac:inkMkLst>
+            <pc:docMk/>
+            <pc:sldMk cId="2929809613" sldId="262"/>
+            <ac:inkMk id="34" creationId="{B6085FE0-F4B0-87AC-C9C8-EA72CC535763}"/>
+          </ac:inkMkLst>
+        </pc:inkChg>
+        <pc:inkChg chg="add del">
+          <ac:chgData name="Yannick Seidel" userId="6d7a51a3-f98a-430f-bf9e-0549f0f0cd64" providerId="ADAL" clId="{4FC6A682-6026-A44F-ACC3-7424230FA640}" dt="2023-03-14T14:50:44.038" v="33"/>
+          <ac:inkMkLst>
+            <pc:docMk/>
+            <pc:sldMk cId="2929809613" sldId="262"/>
+            <ac:inkMk id="35" creationId="{CC9F5B75-330F-E658-97B2-07DE4DF78AD6}"/>
+          </ac:inkMkLst>
+        </pc:inkChg>
+        <pc:inkChg chg="add del">
+          <ac:chgData name="Yannick Seidel" userId="6d7a51a3-f98a-430f-bf9e-0549f0f0cd64" providerId="ADAL" clId="{4FC6A682-6026-A44F-ACC3-7424230FA640}" dt="2023-03-14T14:50:44.038" v="33"/>
+          <ac:inkMkLst>
+            <pc:docMk/>
+            <pc:sldMk cId="2929809613" sldId="262"/>
+            <ac:inkMk id="36" creationId="{524C8C61-F263-9110-1F93-E5C799DFCE57}"/>
+          </ac:inkMkLst>
+        </pc:inkChg>
+        <pc:inkChg chg="add reco">
+          <ac:chgData name="Yannick Seidel" userId="6d7a51a3-f98a-430f-bf9e-0549f0f0cd64" providerId="ADAL" clId="{4FC6A682-6026-A44F-ACC3-7424230FA640}" dt="2023-03-14T14:50:44.038" v="33"/>
+          <ac:inkMkLst>
+            <pc:docMk/>
+            <pc:sldMk cId="2929809613" sldId="262"/>
+            <ac:inkMk id="37" creationId="{85CBDC37-6D0C-74B8-158B-B0323ED7424C}"/>
+          </ac:inkMkLst>
+        </pc:inkChg>
+        <pc:inkChg chg="add del">
+          <ac:chgData name="Yannick Seidel" userId="6d7a51a3-f98a-430f-bf9e-0549f0f0cd64" providerId="ADAL" clId="{4FC6A682-6026-A44F-ACC3-7424230FA640}" dt="2023-03-14T14:50:50.789" v="36"/>
+          <ac:inkMkLst>
+            <pc:docMk/>
+            <pc:sldMk cId="2929809613" sldId="262"/>
+            <ac:inkMk id="38" creationId="{0107D63B-54C7-FC31-45F0-D59FE7ABF8D2}"/>
+          </ac:inkMkLst>
+        </pc:inkChg>
+        <pc:inkChg chg="add del">
+          <ac:chgData name="Yannick Seidel" userId="6d7a51a3-f98a-430f-bf9e-0549f0f0cd64" providerId="ADAL" clId="{4FC6A682-6026-A44F-ACC3-7424230FA640}" dt="2023-03-14T14:50:50.789" v="36"/>
+          <ac:inkMkLst>
+            <pc:docMk/>
+            <pc:sldMk cId="2929809613" sldId="262"/>
+            <ac:inkMk id="39" creationId="{572195E6-203E-DC86-F652-579C6397F76C}"/>
+          </ac:inkMkLst>
+        </pc:inkChg>
+        <pc:inkChg chg="add mod reco modStrokes">
+          <ac:chgData name="Yannick Seidel" userId="6d7a51a3-f98a-430f-bf9e-0549f0f0cd64" providerId="ADAL" clId="{4FC6A682-6026-A44F-ACC3-7424230FA640}" dt="2023-03-14T14:50:51.006" v="37"/>
+          <ac:inkMkLst>
+            <pc:docMk/>
+            <pc:sldMk cId="2929809613" sldId="262"/>
+            <ac:inkMk id="40" creationId="{08F50EF8-7233-0C0A-F475-05FDAF537626}"/>
+          </ac:inkMkLst>
+        </pc:inkChg>
+        <pc:inkChg chg="add del">
+          <ac:chgData name="Yannick Seidel" userId="6d7a51a3-f98a-430f-bf9e-0549f0f0cd64" providerId="ADAL" clId="{4FC6A682-6026-A44F-ACC3-7424230FA640}" dt="2023-03-14T14:50:54.397" v="40"/>
+          <ac:inkMkLst>
+            <pc:docMk/>
+            <pc:sldMk cId="2929809613" sldId="262"/>
+            <ac:inkMk id="41" creationId="{82FDC566-EBC6-42CC-342E-8AEFAB3EB7D8}"/>
+          </ac:inkMkLst>
+        </pc:inkChg>
+        <pc:inkChg chg="add del">
+          <ac:chgData name="Yannick Seidel" userId="6d7a51a3-f98a-430f-bf9e-0549f0f0cd64" providerId="ADAL" clId="{4FC6A682-6026-A44F-ACC3-7424230FA640}" dt="2023-03-14T14:50:54.397" v="40"/>
+          <ac:inkMkLst>
+            <pc:docMk/>
+            <pc:sldMk cId="2929809613" sldId="262"/>
+            <ac:inkMk id="42" creationId="{1D016D57-1C6B-E57A-F9FC-77169B0F0459}"/>
+          </ac:inkMkLst>
+        </pc:inkChg>
+        <pc:inkChg chg="add del reco">
+          <ac:chgData name="Yannick Seidel" userId="6d7a51a3-f98a-430f-bf9e-0549f0f0cd64" providerId="ADAL" clId="{4FC6A682-6026-A44F-ACC3-7424230FA640}" dt="2023-03-14T14:53:20.500" v="148"/>
+          <ac:inkMkLst>
+            <pc:docMk/>
+            <pc:sldMk cId="2929809613" sldId="262"/>
+            <ac:inkMk id="43" creationId="{0B910157-4E4B-C060-39A5-7166F282D392}"/>
+          </ac:inkMkLst>
+        </pc:inkChg>
+        <pc:inkChg chg="add del">
+          <ac:chgData name="Yannick Seidel" userId="6d7a51a3-f98a-430f-bf9e-0549f0f0cd64" providerId="ADAL" clId="{4FC6A682-6026-A44F-ACC3-7424230FA640}" dt="2023-03-14T14:51:12.338" v="50"/>
+          <ac:inkMkLst>
+            <pc:docMk/>
+            <pc:sldMk cId="2929809613" sldId="262"/>
+            <ac:inkMk id="44" creationId="{843A4786-6692-1410-846D-61BE7182E89F}"/>
+          </ac:inkMkLst>
+        </pc:inkChg>
+        <pc:inkChg chg="add del">
+          <ac:chgData name="Yannick Seidel" userId="6d7a51a3-f98a-430f-bf9e-0549f0f0cd64" providerId="ADAL" clId="{4FC6A682-6026-A44F-ACC3-7424230FA640}" dt="2023-03-14T14:51:12.338" v="50"/>
+          <ac:inkMkLst>
+            <pc:docMk/>
+            <pc:sldMk cId="2929809613" sldId="262"/>
+            <ac:inkMk id="45" creationId="{6CB888DE-E097-95DC-31BB-8AA3F2BA3B16}"/>
+          </ac:inkMkLst>
+        </pc:inkChg>
+        <pc:inkChg chg="add del">
+          <ac:chgData name="Yannick Seidel" userId="6d7a51a3-f98a-430f-bf9e-0549f0f0cd64" providerId="ADAL" clId="{4FC6A682-6026-A44F-ACC3-7424230FA640}" dt="2023-03-14T14:51:12.338" v="50"/>
+          <ac:inkMkLst>
+            <pc:docMk/>
+            <pc:sldMk cId="2929809613" sldId="262"/>
+            <ac:inkMk id="46" creationId="{77B40490-9347-F40B-DAAC-3D4550E88FA2}"/>
+          </ac:inkMkLst>
+        </pc:inkChg>
+        <pc:inkChg chg="add del">
+          <ac:chgData name="Yannick Seidel" userId="6d7a51a3-f98a-430f-bf9e-0549f0f0cd64" providerId="ADAL" clId="{4FC6A682-6026-A44F-ACC3-7424230FA640}" dt="2023-03-14T14:51:12.338" v="50"/>
+          <ac:inkMkLst>
+            <pc:docMk/>
+            <pc:sldMk cId="2929809613" sldId="262"/>
+            <ac:inkMk id="47" creationId="{004747E5-8427-06E3-AB7F-3438ECD80EE7}"/>
+          </ac:inkMkLst>
+        </pc:inkChg>
+        <pc:inkChg chg="add del">
+          <ac:chgData name="Yannick Seidel" userId="6d7a51a3-f98a-430f-bf9e-0549f0f0cd64" providerId="ADAL" clId="{4FC6A682-6026-A44F-ACC3-7424230FA640}" dt="2023-03-14T14:51:12.338" v="50"/>
+          <ac:inkMkLst>
+            <pc:docMk/>
+            <pc:sldMk cId="2929809613" sldId="262"/>
+            <ac:inkMk id="48" creationId="{77B8ACA6-B71F-39B0-7932-54428E80A970}"/>
+          </ac:inkMkLst>
+        </pc:inkChg>
+        <pc:inkChg chg="add del">
+          <ac:chgData name="Yannick Seidel" userId="6d7a51a3-f98a-430f-bf9e-0549f0f0cd64" providerId="ADAL" clId="{4FC6A682-6026-A44F-ACC3-7424230FA640}" dt="2023-03-14T14:51:12.338" v="50"/>
+          <ac:inkMkLst>
+            <pc:docMk/>
+            <pc:sldMk cId="2929809613" sldId="262"/>
+            <ac:inkMk id="49" creationId="{58936E61-6766-1260-3A4C-5FD690418FF6}"/>
+          </ac:inkMkLst>
+        </pc:inkChg>
+        <pc:inkChg chg="add del">
+          <ac:chgData name="Yannick Seidel" userId="6d7a51a3-f98a-430f-bf9e-0549f0f0cd64" providerId="ADAL" clId="{4FC6A682-6026-A44F-ACC3-7424230FA640}" dt="2023-03-14T14:51:12.338" v="50"/>
+          <ac:inkMkLst>
+            <pc:docMk/>
+            <pc:sldMk cId="2929809613" sldId="262"/>
+            <ac:inkMk id="50" creationId="{66660A4B-3102-555E-BD3E-0CFF4C5757ED}"/>
+          </ac:inkMkLst>
+        </pc:inkChg>
+        <pc:inkChg chg="add del">
+          <ac:chgData name="Yannick Seidel" userId="6d7a51a3-f98a-430f-bf9e-0549f0f0cd64" providerId="ADAL" clId="{4FC6A682-6026-A44F-ACC3-7424230FA640}" dt="2023-03-14T14:51:12.338" v="50"/>
+          <ac:inkMkLst>
+            <pc:docMk/>
+            <pc:sldMk cId="2929809613" sldId="262"/>
+            <ac:inkMk id="51" creationId="{87F2A963-6E55-AA06-47E4-C7F5ED6E80BC}"/>
+          </ac:inkMkLst>
+        </pc:inkChg>
+        <pc:inkChg chg="add del">
+          <ac:chgData name="Yannick Seidel" userId="6d7a51a3-f98a-430f-bf9e-0549f0f0cd64" providerId="ADAL" clId="{4FC6A682-6026-A44F-ACC3-7424230FA640}" dt="2023-03-14T14:51:12.338" v="50"/>
+          <ac:inkMkLst>
+            <pc:docMk/>
+            <pc:sldMk cId="2929809613" sldId="262"/>
+            <ac:inkMk id="52" creationId="{2F0CF37F-DF0A-861C-1955-9A50DF46AAE9}"/>
+          </ac:inkMkLst>
+        </pc:inkChg>
+        <pc:inkChg chg="add del reco">
+          <ac:chgData name="Yannick Seidel" userId="6d7a51a3-f98a-430f-bf9e-0549f0f0cd64" providerId="ADAL" clId="{4FC6A682-6026-A44F-ACC3-7424230FA640}" dt="2023-03-14T14:53:20.503" v="149"/>
+          <ac:inkMkLst>
+            <pc:docMk/>
+            <pc:sldMk cId="2929809613" sldId="262"/>
+            <ac:inkMk id="53" creationId="{E128EA43-C6E0-D57E-AFCC-2FE2A2C21084}"/>
+          </ac:inkMkLst>
+        </pc:inkChg>
+        <pc:inkChg chg="add del">
+          <ac:chgData name="Yannick Seidel" userId="6d7a51a3-f98a-430f-bf9e-0549f0f0cd64" providerId="ADAL" clId="{4FC6A682-6026-A44F-ACC3-7424230FA640}" dt="2023-03-14T14:51:25.681" v="62"/>
+          <ac:inkMkLst>
+            <pc:docMk/>
+            <pc:sldMk cId="2929809613" sldId="262"/>
+            <ac:inkMk id="54" creationId="{4C395482-E8DE-FB0B-3E13-B2BD45A56E34}"/>
+          </ac:inkMkLst>
+        </pc:inkChg>
+        <pc:inkChg chg="add del">
+          <ac:chgData name="Yannick Seidel" userId="6d7a51a3-f98a-430f-bf9e-0549f0f0cd64" providerId="ADAL" clId="{4FC6A682-6026-A44F-ACC3-7424230FA640}" dt="2023-03-14T14:51:25.681" v="62"/>
+          <ac:inkMkLst>
+            <pc:docMk/>
+            <pc:sldMk cId="2929809613" sldId="262"/>
+            <ac:inkMk id="55" creationId="{6BEFD053-8B59-C01D-636F-3A3B0ACA3026}"/>
+          </ac:inkMkLst>
+        </pc:inkChg>
+        <pc:inkChg chg="add del">
+          <ac:chgData name="Yannick Seidel" userId="6d7a51a3-f98a-430f-bf9e-0549f0f0cd64" providerId="ADAL" clId="{4FC6A682-6026-A44F-ACC3-7424230FA640}" dt="2023-03-14T14:51:25.681" v="62"/>
+          <ac:inkMkLst>
+            <pc:docMk/>
+            <pc:sldMk cId="2929809613" sldId="262"/>
+            <ac:inkMk id="56" creationId="{1D2B0457-B9DE-4D60-1C45-F900BFD20DC4}"/>
+          </ac:inkMkLst>
+        </pc:inkChg>
+        <pc:inkChg chg="add del">
+          <ac:chgData name="Yannick Seidel" userId="6d7a51a3-f98a-430f-bf9e-0549f0f0cd64" providerId="ADAL" clId="{4FC6A682-6026-A44F-ACC3-7424230FA640}" dt="2023-03-14T14:51:25.681" v="62"/>
+          <ac:inkMkLst>
+            <pc:docMk/>
+            <pc:sldMk cId="2929809613" sldId="262"/>
+            <ac:inkMk id="57" creationId="{DD285E9D-A734-BBF5-2877-176FA6E647AC}"/>
+          </ac:inkMkLst>
+        </pc:inkChg>
+        <pc:inkChg chg="add del">
+          <ac:chgData name="Yannick Seidel" userId="6d7a51a3-f98a-430f-bf9e-0549f0f0cd64" providerId="ADAL" clId="{4FC6A682-6026-A44F-ACC3-7424230FA640}" dt="2023-03-14T14:51:25.681" v="62"/>
+          <ac:inkMkLst>
+            <pc:docMk/>
+            <pc:sldMk cId="2929809613" sldId="262"/>
+            <ac:inkMk id="58" creationId="{781C99D1-166D-3379-146F-6DBE494E9879}"/>
+          </ac:inkMkLst>
+        </pc:inkChg>
+        <pc:inkChg chg="add del">
+          <ac:chgData name="Yannick Seidel" userId="6d7a51a3-f98a-430f-bf9e-0549f0f0cd64" providerId="ADAL" clId="{4FC6A682-6026-A44F-ACC3-7424230FA640}" dt="2023-03-14T14:51:25.681" v="62"/>
+          <ac:inkMkLst>
+            <pc:docMk/>
+            <pc:sldMk cId="2929809613" sldId="262"/>
+            <ac:inkMk id="59" creationId="{7F05E709-33F5-2B25-DDDF-B1945FF8C6BA}"/>
+          </ac:inkMkLst>
+        </pc:inkChg>
+        <pc:inkChg chg="add del">
+          <ac:chgData name="Yannick Seidel" userId="6d7a51a3-f98a-430f-bf9e-0549f0f0cd64" providerId="ADAL" clId="{4FC6A682-6026-A44F-ACC3-7424230FA640}" dt="2023-03-14T14:51:25.681" v="62"/>
+          <ac:inkMkLst>
+            <pc:docMk/>
+            <pc:sldMk cId="2929809613" sldId="262"/>
+            <ac:inkMk id="60" creationId="{976CA258-EAC3-9107-1714-51854FE38648}"/>
+          </ac:inkMkLst>
+        </pc:inkChg>
+        <pc:inkChg chg="add del">
+          <ac:chgData name="Yannick Seidel" userId="6d7a51a3-f98a-430f-bf9e-0549f0f0cd64" providerId="ADAL" clId="{4FC6A682-6026-A44F-ACC3-7424230FA640}" dt="2023-03-14T14:51:25.681" v="62"/>
+          <ac:inkMkLst>
+            <pc:docMk/>
+            <pc:sldMk cId="2929809613" sldId="262"/>
+            <ac:inkMk id="61" creationId="{CC5481FA-514C-87F2-F010-4CA2598BDCE0}"/>
+          </ac:inkMkLst>
+        </pc:inkChg>
+        <pc:inkChg chg="add del">
+          <ac:chgData name="Yannick Seidel" userId="6d7a51a3-f98a-430f-bf9e-0549f0f0cd64" providerId="ADAL" clId="{4FC6A682-6026-A44F-ACC3-7424230FA640}" dt="2023-03-14T14:51:25.681" v="62"/>
+          <ac:inkMkLst>
+            <pc:docMk/>
+            <pc:sldMk cId="2929809613" sldId="262"/>
+            <ac:inkMk id="62" creationId="{54834F0B-CD23-0C76-2355-84C0B9BD15B3}"/>
+          </ac:inkMkLst>
+        </pc:inkChg>
+        <pc:inkChg chg="add del">
+          <ac:chgData name="Yannick Seidel" userId="6d7a51a3-f98a-430f-bf9e-0549f0f0cd64" providerId="ADAL" clId="{4FC6A682-6026-A44F-ACC3-7424230FA640}" dt="2023-03-14T14:51:25.681" v="62"/>
+          <ac:inkMkLst>
+            <pc:docMk/>
+            <pc:sldMk cId="2929809613" sldId="262"/>
+            <ac:inkMk id="63" creationId="{774CC7AB-307A-CC5C-0664-325837AA3A6D}"/>
+          </ac:inkMkLst>
+        </pc:inkChg>
+        <pc:inkChg chg="add del">
+          <ac:chgData name="Yannick Seidel" userId="6d7a51a3-f98a-430f-bf9e-0549f0f0cd64" providerId="ADAL" clId="{4FC6A682-6026-A44F-ACC3-7424230FA640}" dt="2023-03-14T14:51:25.681" v="62"/>
+          <ac:inkMkLst>
+            <pc:docMk/>
+            <pc:sldMk cId="2929809613" sldId="262"/>
+            <ac:inkMk id="64" creationId="{737FD941-CDA9-2DE6-FC5B-E286FB16B8EE}"/>
+          </ac:inkMkLst>
+        </pc:inkChg>
+        <pc:inkChg chg="add mod reco">
+          <ac:chgData name="Yannick Seidel" userId="6d7a51a3-f98a-430f-bf9e-0549f0f0cd64" providerId="ADAL" clId="{4FC6A682-6026-A44F-ACC3-7424230FA640}" dt="2023-03-14T14:53:17.074" v="147" actId="1076"/>
+          <ac:inkMkLst>
+            <pc:docMk/>
+            <pc:sldMk cId="2929809613" sldId="262"/>
+            <ac:inkMk id="65" creationId="{2E9886C5-0086-7EFE-8910-23FAF4ADA18A}"/>
+          </ac:inkMkLst>
+        </pc:inkChg>
+        <pc:inkChg chg="add mod">
+          <ac:chgData name="Yannick Seidel" userId="6d7a51a3-f98a-430f-bf9e-0549f0f0cd64" providerId="ADAL" clId="{4FC6A682-6026-A44F-ACC3-7424230FA640}" dt="2023-03-14T14:53:17.074" v="147" actId="1076"/>
+          <ac:inkMkLst>
+            <pc:docMk/>
+            <pc:sldMk cId="2929809613" sldId="262"/>
+            <ac:inkMk id="66" creationId="{950A34E4-DAD6-B515-14AD-C81C4071DA5A}"/>
+          </ac:inkMkLst>
+        </pc:inkChg>
+        <pc:inkChg chg="add del">
+          <ac:chgData name="Yannick Seidel" userId="6d7a51a3-f98a-430f-bf9e-0549f0f0cd64" providerId="ADAL" clId="{4FC6A682-6026-A44F-ACC3-7424230FA640}" dt="2023-03-14T14:52:59.515" v="143"/>
+          <ac:inkMkLst>
+            <pc:docMk/>
+            <pc:sldMk cId="2929809613" sldId="262"/>
+            <ac:inkMk id="67" creationId="{7E91D369-F109-AFC2-EAA7-A0AB98E2B170}"/>
+          </ac:inkMkLst>
+        </pc:inkChg>
+        <pc:inkChg chg="add del mod">
+          <ac:chgData name="Yannick Seidel" userId="6d7a51a3-f98a-430f-bf9e-0549f0f0cd64" providerId="ADAL" clId="{4FC6A682-6026-A44F-ACC3-7424230FA640}" dt="2023-03-14T14:52:59.516" v="144"/>
+          <ac:inkMkLst>
+            <pc:docMk/>
+            <pc:sldMk cId="2929809613" sldId="262"/>
+            <ac:inkMk id="68" creationId="{0C36932E-1F78-A98F-1F5F-999FFE088F49}"/>
+          </ac:inkMkLst>
+        </pc:inkChg>
+        <pc:inkChg chg="add del mod">
+          <ac:chgData name="Yannick Seidel" userId="6d7a51a3-f98a-430f-bf9e-0549f0f0cd64" providerId="ADAL" clId="{4FC6A682-6026-A44F-ACC3-7424230FA640}" dt="2023-03-14T14:53:36.437" v="177"/>
+          <ac:inkMkLst>
+            <pc:docMk/>
+            <pc:sldMk cId="2929809613" sldId="262"/>
+            <ac:inkMk id="69" creationId="{340203D2-7AC9-787B-6B8F-8BAAACB3F12B}"/>
+          </ac:inkMkLst>
+        </pc:inkChg>
+        <pc:inkChg chg="add del mod">
+          <ac:chgData name="Yannick Seidel" userId="6d7a51a3-f98a-430f-bf9e-0549f0f0cd64" providerId="ADAL" clId="{4FC6A682-6026-A44F-ACC3-7424230FA640}" dt="2023-03-14T14:53:36.437" v="177"/>
+          <ac:inkMkLst>
+            <pc:docMk/>
+            <pc:sldMk cId="2929809613" sldId="262"/>
+            <ac:inkMk id="70" creationId="{CD7B2181-927D-64E0-075C-9A253B27C0EE}"/>
+          </ac:inkMkLst>
+        </pc:inkChg>
+        <pc:inkChg chg="add del mod">
+          <ac:chgData name="Yannick Seidel" userId="6d7a51a3-f98a-430f-bf9e-0549f0f0cd64" providerId="ADAL" clId="{4FC6A682-6026-A44F-ACC3-7424230FA640}" dt="2023-03-14T14:53:36.437" v="177"/>
+          <ac:inkMkLst>
+            <pc:docMk/>
+            <pc:sldMk cId="2929809613" sldId="262"/>
+            <ac:inkMk id="71" creationId="{381DB7FF-3396-C4F3-78A4-6E534C3B1F2A}"/>
+          </ac:inkMkLst>
+        </pc:inkChg>
+        <pc:inkChg chg="add del mod">
+          <ac:chgData name="Yannick Seidel" userId="6d7a51a3-f98a-430f-bf9e-0549f0f0cd64" providerId="ADAL" clId="{4FC6A682-6026-A44F-ACC3-7424230FA640}" dt="2023-03-14T14:53:36.437" v="177"/>
+          <ac:inkMkLst>
+            <pc:docMk/>
+            <pc:sldMk cId="2929809613" sldId="262"/>
+            <ac:inkMk id="72" creationId="{8EE92D92-D357-C15F-0FB3-3FECACF41454}"/>
+          </ac:inkMkLst>
+        </pc:inkChg>
+        <pc:inkChg chg="add del mod">
+          <ac:chgData name="Yannick Seidel" userId="6d7a51a3-f98a-430f-bf9e-0549f0f0cd64" providerId="ADAL" clId="{4FC6A682-6026-A44F-ACC3-7424230FA640}" dt="2023-03-14T14:53:36.437" v="177"/>
+          <ac:inkMkLst>
+            <pc:docMk/>
+            <pc:sldMk cId="2929809613" sldId="262"/>
+            <ac:inkMk id="73" creationId="{061A8EF7-C8EF-E471-3140-039A3EACBCB6}"/>
+          </ac:inkMkLst>
+        </pc:inkChg>
+        <pc:inkChg chg="add del mod">
+          <ac:chgData name="Yannick Seidel" userId="6d7a51a3-f98a-430f-bf9e-0549f0f0cd64" providerId="ADAL" clId="{4FC6A682-6026-A44F-ACC3-7424230FA640}" dt="2023-03-14T14:53:36.437" v="177"/>
+          <ac:inkMkLst>
+            <pc:docMk/>
+            <pc:sldMk cId="2929809613" sldId="262"/>
+            <ac:inkMk id="74" creationId="{569CFD48-1F5C-3A2F-CDE6-CE9E0DC7E4CE}"/>
+          </ac:inkMkLst>
+        </pc:inkChg>
+        <pc:inkChg chg="add del mod">
+          <ac:chgData name="Yannick Seidel" userId="6d7a51a3-f98a-430f-bf9e-0549f0f0cd64" providerId="ADAL" clId="{4FC6A682-6026-A44F-ACC3-7424230FA640}" dt="2023-03-14T14:53:36.437" v="177"/>
+          <ac:inkMkLst>
+            <pc:docMk/>
+            <pc:sldMk cId="2929809613" sldId="262"/>
+            <ac:inkMk id="75" creationId="{7B158DD4-592E-2AD7-FB61-30F660D00887}"/>
+          </ac:inkMkLst>
+        </pc:inkChg>
+        <pc:inkChg chg="add del mod">
+          <ac:chgData name="Yannick Seidel" userId="6d7a51a3-f98a-430f-bf9e-0549f0f0cd64" providerId="ADAL" clId="{4FC6A682-6026-A44F-ACC3-7424230FA640}" dt="2023-03-14T14:53:36.437" v="177"/>
+          <ac:inkMkLst>
+            <pc:docMk/>
+            <pc:sldMk cId="2929809613" sldId="262"/>
+            <ac:inkMk id="76" creationId="{BB9BFBC4-B6E7-4EF6-2D60-05B500EDF2EC}"/>
+          </ac:inkMkLst>
+        </pc:inkChg>
+        <pc:inkChg chg="add del mod">
+          <ac:chgData name="Yannick Seidel" userId="6d7a51a3-f98a-430f-bf9e-0549f0f0cd64" providerId="ADAL" clId="{4FC6A682-6026-A44F-ACC3-7424230FA640}" dt="2023-03-14T14:53:36.437" v="177"/>
+          <ac:inkMkLst>
+            <pc:docMk/>
+            <pc:sldMk cId="2929809613" sldId="262"/>
+            <ac:inkMk id="77" creationId="{7D0B21C5-AF54-4635-7F24-E6F1A4E6D57B}"/>
+          </ac:inkMkLst>
+        </pc:inkChg>
+        <pc:inkChg chg="add del mod">
+          <ac:chgData name="Yannick Seidel" userId="6d7a51a3-f98a-430f-bf9e-0549f0f0cd64" providerId="ADAL" clId="{4FC6A682-6026-A44F-ACC3-7424230FA640}" dt="2023-03-14T14:53:36.437" v="177"/>
+          <ac:inkMkLst>
+            <pc:docMk/>
+            <pc:sldMk cId="2929809613" sldId="262"/>
+            <ac:inkMk id="78" creationId="{F305C490-E64B-5D53-6BA3-51367A7F63E6}"/>
+          </ac:inkMkLst>
+        </pc:inkChg>
+        <pc:inkChg chg="add del">
+          <ac:chgData name="Yannick Seidel" userId="6d7a51a3-f98a-430f-bf9e-0549f0f0cd64" providerId="ADAL" clId="{4FC6A682-6026-A44F-ACC3-7424230FA640}" dt="2023-03-14T14:51:48.618" v="87"/>
+          <ac:inkMkLst>
+            <pc:docMk/>
+            <pc:sldMk cId="2929809613" sldId="262"/>
+            <ac:inkMk id="81" creationId="{B53B6BC4-D325-9DC7-5DC9-976A5AC8027A}"/>
+          </ac:inkMkLst>
+        </pc:inkChg>
+        <pc:inkChg chg="add del">
+          <ac:chgData name="Yannick Seidel" userId="6d7a51a3-f98a-430f-bf9e-0549f0f0cd64" providerId="ADAL" clId="{4FC6A682-6026-A44F-ACC3-7424230FA640}" dt="2023-03-14T14:51:48.618" v="87"/>
+          <ac:inkMkLst>
+            <pc:docMk/>
+            <pc:sldMk cId="2929809613" sldId="262"/>
+            <ac:inkMk id="82" creationId="{5C69EF59-C7B8-D080-34FC-4A3E5805DF56}"/>
+          </ac:inkMkLst>
+        </pc:inkChg>
+        <pc:inkChg chg="add del">
+          <ac:chgData name="Yannick Seidel" userId="6d7a51a3-f98a-430f-bf9e-0549f0f0cd64" providerId="ADAL" clId="{4FC6A682-6026-A44F-ACC3-7424230FA640}" dt="2023-03-14T14:51:48.618" v="87"/>
+          <ac:inkMkLst>
+            <pc:docMk/>
+            <pc:sldMk cId="2929809613" sldId="262"/>
+            <ac:inkMk id="83" creationId="{B1A26B09-CBF7-C5C9-37BD-10E4E2B03D9A}"/>
+          </ac:inkMkLst>
+        </pc:inkChg>
+        <pc:inkChg chg="add del">
+          <ac:chgData name="Yannick Seidel" userId="6d7a51a3-f98a-430f-bf9e-0549f0f0cd64" providerId="ADAL" clId="{4FC6A682-6026-A44F-ACC3-7424230FA640}" dt="2023-03-14T14:51:48.618" v="87"/>
+          <ac:inkMkLst>
+            <pc:docMk/>
+            <pc:sldMk cId="2929809613" sldId="262"/>
+            <ac:inkMk id="84" creationId="{F801013F-4E9F-3EA7-434A-EF9904FF61D9}"/>
+          </ac:inkMkLst>
+        </pc:inkChg>
+        <pc:inkChg chg="add del">
+          <ac:chgData name="Yannick Seidel" userId="6d7a51a3-f98a-430f-bf9e-0549f0f0cd64" providerId="ADAL" clId="{4FC6A682-6026-A44F-ACC3-7424230FA640}" dt="2023-03-14T14:51:48.618" v="87"/>
+          <ac:inkMkLst>
+            <pc:docMk/>
+            <pc:sldMk cId="2929809613" sldId="262"/>
+            <ac:inkMk id="85" creationId="{FEDED03B-FBC2-F02C-4759-2F18AD2DAC2D}"/>
+          </ac:inkMkLst>
+        </pc:inkChg>
+        <pc:inkChg chg="add del">
+          <ac:chgData name="Yannick Seidel" userId="6d7a51a3-f98a-430f-bf9e-0549f0f0cd64" providerId="ADAL" clId="{4FC6A682-6026-A44F-ACC3-7424230FA640}" dt="2023-03-14T14:51:48.618" v="87"/>
+          <ac:inkMkLst>
+            <pc:docMk/>
+            <pc:sldMk cId="2929809613" sldId="262"/>
+            <ac:inkMk id="86" creationId="{234FBE30-33FA-C0EA-56F8-414FBC74B478}"/>
+          </ac:inkMkLst>
+        </pc:inkChg>
+        <pc:inkChg chg="add del">
+          <ac:chgData name="Yannick Seidel" userId="6d7a51a3-f98a-430f-bf9e-0549f0f0cd64" providerId="ADAL" clId="{4FC6A682-6026-A44F-ACC3-7424230FA640}" dt="2023-03-14T14:51:48.618" v="87"/>
+          <ac:inkMkLst>
+            <pc:docMk/>
+            <pc:sldMk cId="2929809613" sldId="262"/>
+            <ac:inkMk id="87" creationId="{3D843B5C-D98C-3D66-57DA-656D9B9E9B3E}"/>
+          </ac:inkMkLst>
+        </pc:inkChg>
+        <pc:inkChg chg="add del">
+          <ac:chgData name="Yannick Seidel" userId="6d7a51a3-f98a-430f-bf9e-0549f0f0cd64" providerId="ADAL" clId="{4FC6A682-6026-A44F-ACC3-7424230FA640}" dt="2023-03-14T14:51:48.618" v="87"/>
+          <ac:inkMkLst>
+            <pc:docMk/>
+            <pc:sldMk cId="2929809613" sldId="262"/>
+            <ac:inkMk id="88" creationId="{58D57438-3348-A018-4FA8-96B788B42C09}"/>
+          </ac:inkMkLst>
+        </pc:inkChg>
+        <pc:inkChg chg="add del">
+          <ac:chgData name="Yannick Seidel" userId="6d7a51a3-f98a-430f-bf9e-0549f0f0cd64" providerId="ADAL" clId="{4FC6A682-6026-A44F-ACC3-7424230FA640}" dt="2023-03-14T14:51:48.618" v="87"/>
+          <ac:inkMkLst>
+            <pc:docMk/>
+            <pc:sldMk cId="2929809613" sldId="262"/>
+            <ac:inkMk id="89" creationId="{A6C222D7-5636-3B92-73B6-74C0E327292B}"/>
+          </ac:inkMkLst>
+        </pc:inkChg>
+        <pc:inkChg chg="add del">
+          <ac:chgData name="Yannick Seidel" userId="6d7a51a3-f98a-430f-bf9e-0549f0f0cd64" providerId="ADAL" clId="{4FC6A682-6026-A44F-ACC3-7424230FA640}" dt="2023-03-14T14:51:48.618" v="87"/>
+          <ac:inkMkLst>
+            <pc:docMk/>
+            <pc:sldMk cId="2929809613" sldId="262"/>
+            <ac:inkMk id="90" creationId="{0462128D-6F29-3773-BDA4-1606B7D8DC97}"/>
+          </ac:inkMkLst>
+        </pc:inkChg>
+        <pc:inkChg chg="add del">
+          <ac:chgData name="Yannick Seidel" userId="6d7a51a3-f98a-430f-bf9e-0549f0f0cd64" providerId="ADAL" clId="{4FC6A682-6026-A44F-ACC3-7424230FA640}" dt="2023-03-14T14:51:48.618" v="87"/>
+          <ac:inkMkLst>
+            <pc:docMk/>
+            <pc:sldMk cId="2929809613" sldId="262"/>
+            <ac:inkMk id="91" creationId="{404735FD-9890-D46B-F39E-0C8F1B412F38}"/>
+          </ac:inkMkLst>
+        </pc:inkChg>
+        <pc:inkChg chg="add del reco">
+          <ac:chgData name="Yannick Seidel" userId="6d7a51a3-f98a-430f-bf9e-0549f0f0cd64" providerId="ADAL" clId="{4FC6A682-6026-A44F-ACC3-7424230FA640}" dt="2023-03-14T14:52:59.513" v="142"/>
+          <ac:inkMkLst>
+            <pc:docMk/>
+            <pc:sldMk cId="2929809613" sldId="262"/>
+            <ac:inkMk id="92" creationId="{926C685D-77C3-2DAC-1A76-20AA73155C37}"/>
+          </ac:inkMkLst>
+        </pc:inkChg>
+        <pc:inkChg chg="add del">
+          <ac:chgData name="Yannick Seidel" userId="6d7a51a3-f98a-430f-bf9e-0549f0f0cd64" providerId="ADAL" clId="{4FC6A682-6026-A44F-ACC3-7424230FA640}" dt="2023-03-14T14:51:56.137" v="101"/>
+          <ac:inkMkLst>
+            <pc:docMk/>
+            <pc:sldMk cId="2929809613" sldId="262"/>
+            <ac:inkMk id="93" creationId="{30D6F7F2-8A79-711C-F7FF-839F8AB4A7EE}"/>
+          </ac:inkMkLst>
+        </pc:inkChg>
+        <pc:inkChg chg="add del">
+          <ac:chgData name="Yannick Seidel" userId="6d7a51a3-f98a-430f-bf9e-0549f0f0cd64" providerId="ADAL" clId="{4FC6A682-6026-A44F-ACC3-7424230FA640}" dt="2023-03-14T14:51:56.137" v="101"/>
+          <ac:inkMkLst>
+            <pc:docMk/>
+            <pc:sldMk cId="2929809613" sldId="262"/>
+            <ac:inkMk id="94" creationId="{6B86E86F-2F9E-EFB3-F5FD-14EE169771ED}"/>
+          </ac:inkMkLst>
+        </pc:inkChg>
+        <pc:inkChg chg="add del">
+          <ac:chgData name="Yannick Seidel" userId="6d7a51a3-f98a-430f-bf9e-0549f0f0cd64" providerId="ADAL" clId="{4FC6A682-6026-A44F-ACC3-7424230FA640}" dt="2023-03-14T14:51:56.137" v="101"/>
+          <ac:inkMkLst>
+            <pc:docMk/>
+            <pc:sldMk cId="2929809613" sldId="262"/>
+            <ac:inkMk id="95" creationId="{BA602422-477A-AF12-BC96-A5CC8CE7AF14}"/>
+          </ac:inkMkLst>
+        </pc:inkChg>
+        <pc:inkChg chg="add del">
+          <ac:chgData name="Yannick Seidel" userId="6d7a51a3-f98a-430f-bf9e-0549f0f0cd64" providerId="ADAL" clId="{4FC6A682-6026-A44F-ACC3-7424230FA640}" dt="2023-03-14T14:51:56.137" v="101"/>
+          <ac:inkMkLst>
+            <pc:docMk/>
+            <pc:sldMk cId="2929809613" sldId="262"/>
+            <ac:inkMk id="96" creationId="{E2D55CDC-0D86-73DC-AA23-5778DC4D813E}"/>
+          </ac:inkMkLst>
+        </pc:inkChg>
+        <pc:inkChg chg="add del">
+          <ac:chgData name="Yannick Seidel" userId="6d7a51a3-f98a-430f-bf9e-0549f0f0cd64" providerId="ADAL" clId="{4FC6A682-6026-A44F-ACC3-7424230FA640}" dt="2023-03-14T14:51:56.137" v="101"/>
+          <ac:inkMkLst>
+            <pc:docMk/>
+            <pc:sldMk cId="2929809613" sldId="262"/>
+            <ac:inkMk id="97" creationId="{599DF013-784A-3F0A-34C2-72E77CB8541D}"/>
+          </ac:inkMkLst>
+        </pc:inkChg>
+        <pc:inkChg chg="add del">
+          <ac:chgData name="Yannick Seidel" userId="6d7a51a3-f98a-430f-bf9e-0549f0f0cd64" providerId="ADAL" clId="{4FC6A682-6026-A44F-ACC3-7424230FA640}" dt="2023-03-14T14:51:56.137" v="101"/>
+          <ac:inkMkLst>
+            <pc:docMk/>
+            <pc:sldMk cId="2929809613" sldId="262"/>
+            <ac:inkMk id="98" creationId="{6B84868A-9EE1-C672-348B-75A4F2EF1656}"/>
+          </ac:inkMkLst>
+        </pc:inkChg>
+        <pc:inkChg chg="add del">
+          <ac:chgData name="Yannick Seidel" userId="6d7a51a3-f98a-430f-bf9e-0549f0f0cd64" providerId="ADAL" clId="{4FC6A682-6026-A44F-ACC3-7424230FA640}" dt="2023-03-14T14:51:56.137" v="101"/>
+          <ac:inkMkLst>
+            <pc:docMk/>
+            <pc:sldMk cId="2929809613" sldId="262"/>
+            <ac:inkMk id="99" creationId="{0A09ACB2-AC39-0BF9-70E6-0D29AC9284BB}"/>
+          </ac:inkMkLst>
+        </pc:inkChg>
+        <pc:inkChg chg="add del">
+          <ac:chgData name="Yannick Seidel" userId="6d7a51a3-f98a-430f-bf9e-0549f0f0cd64" providerId="ADAL" clId="{4FC6A682-6026-A44F-ACC3-7424230FA640}" dt="2023-03-14T14:51:56.137" v="101"/>
+          <ac:inkMkLst>
+            <pc:docMk/>
+            <pc:sldMk cId="2929809613" sldId="262"/>
+            <ac:inkMk id="100" creationId="{8720E4FD-71A8-5135-510F-52656B622C99}"/>
+          </ac:inkMkLst>
+        </pc:inkChg>
+        <pc:inkChg chg="add del">
+          <ac:chgData name="Yannick Seidel" userId="6d7a51a3-f98a-430f-bf9e-0549f0f0cd64" providerId="ADAL" clId="{4FC6A682-6026-A44F-ACC3-7424230FA640}" dt="2023-03-14T14:51:56.137" v="101"/>
+          <ac:inkMkLst>
+            <pc:docMk/>
+            <pc:sldMk cId="2929809613" sldId="262"/>
+            <ac:inkMk id="101" creationId="{908BE6F2-D974-3967-738C-DF2C9C858305}"/>
+          </ac:inkMkLst>
+        </pc:inkChg>
+        <pc:inkChg chg="add del">
+          <ac:chgData name="Yannick Seidel" userId="6d7a51a3-f98a-430f-bf9e-0549f0f0cd64" providerId="ADAL" clId="{4FC6A682-6026-A44F-ACC3-7424230FA640}" dt="2023-03-14T14:51:56.137" v="101"/>
+          <ac:inkMkLst>
+            <pc:docMk/>
+            <pc:sldMk cId="2929809613" sldId="262"/>
+            <ac:inkMk id="102" creationId="{F29AB17D-F32C-F65B-A8A8-FE34E786ECBF}"/>
+          </ac:inkMkLst>
+        </pc:inkChg>
+        <pc:inkChg chg="add del">
+          <ac:chgData name="Yannick Seidel" userId="6d7a51a3-f98a-430f-bf9e-0549f0f0cd64" providerId="ADAL" clId="{4FC6A682-6026-A44F-ACC3-7424230FA640}" dt="2023-03-14T14:51:56.137" v="101"/>
+          <ac:inkMkLst>
+            <pc:docMk/>
+            <pc:sldMk cId="2929809613" sldId="262"/>
+            <ac:inkMk id="103" creationId="{DD5F6F66-8EB7-9574-5AE8-957955B53EDC}"/>
+          </ac:inkMkLst>
+        </pc:inkChg>
+        <pc:inkChg chg="add del">
+          <ac:chgData name="Yannick Seidel" userId="6d7a51a3-f98a-430f-bf9e-0549f0f0cd64" providerId="ADAL" clId="{4FC6A682-6026-A44F-ACC3-7424230FA640}" dt="2023-03-14T14:51:56.137" v="101"/>
+          <ac:inkMkLst>
+            <pc:docMk/>
+            <pc:sldMk cId="2929809613" sldId="262"/>
+            <ac:inkMk id="104" creationId="{17AE4080-C548-A898-4FED-CC8633612CC2}"/>
+          </ac:inkMkLst>
+        </pc:inkChg>
+        <pc:inkChg chg="add del">
+          <ac:chgData name="Yannick Seidel" userId="6d7a51a3-f98a-430f-bf9e-0549f0f0cd64" providerId="ADAL" clId="{4FC6A682-6026-A44F-ACC3-7424230FA640}" dt="2023-03-14T14:51:56.137" v="101"/>
+          <ac:inkMkLst>
+            <pc:docMk/>
+            <pc:sldMk cId="2929809613" sldId="262"/>
+            <ac:inkMk id="105" creationId="{4E72989C-08D6-44B2-24F7-5B72083B1F41}"/>
+          </ac:inkMkLst>
+        </pc:inkChg>
+        <pc:inkChg chg="add mod reco">
+          <ac:chgData name="Yannick Seidel" userId="6d7a51a3-f98a-430f-bf9e-0549f0f0cd64" providerId="ADAL" clId="{4FC6A682-6026-A44F-ACC3-7424230FA640}" dt="2023-03-14T14:53:03.975" v="145" actId="1076"/>
+          <ac:inkMkLst>
+            <pc:docMk/>
+            <pc:sldMk cId="2929809613" sldId="262"/>
+            <ac:inkMk id="106" creationId="{050DF84D-2757-F1CA-FD19-27C00DC5064C}"/>
+          </ac:inkMkLst>
+        </pc:inkChg>
+        <pc:inkChg chg="add del">
+          <ac:chgData name="Yannick Seidel" userId="6d7a51a3-f98a-430f-bf9e-0549f0f0cd64" providerId="ADAL" clId="{4FC6A682-6026-A44F-ACC3-7424230FA640}" dt="2023-03-14T14:51:57.618" v="103"/>
+          <ac:inkMkLst>
+            <pc:docMk/>
+            <pc:sldMk cId="2929809613" sldId="262"/>
+            <ac:inkMk id="107" creationId="{3919F909-A852-8F74-DB24-6CE3F0037555}"/>
+          </ac:inkMkLst>
+        </pc:inkChg>
+        <pc:inkChg chg="add del">
+          <ac:chgData name="Yannick Seidel" userId="6d7a51a3-f98a-430f-bf9e-0549f0f0cd64" providerId="ADAL" clId="{4FC6A682-6026-A44F-ACC3-7424230FA640}" dt="2023-03-14T14:51:59.851" v="107"/>
+          <ac:inkMkLst>
+            <pc:docMk/>
+            <pc:sldMk cId="2929809613" sldId="262"/>
+            <ac:inkMk id="108" creationId="{38B90C9D-0018-FC82-071B-1A03E7745A10}"/>
+          </ac:inkMkLst>
+        </pc:inkChg>
+        <pc:inkChg chg="add del">
+          <ac:chgData name="Yannick Seidel" userId="6d7a51a3-f98a-430f-bf9e-0549f0f0cd64" providerId="ADAL" clId="{4FC6A682-6026-A44F-ACC3-7424230FA640}" dt="2023-03-14T14:51:59.851" v="107"/>
+          <ac:inkMkLst>
+            <pc:docMk/>
+            <pc:sldMk cId="2929809613" sldId="262"/>
+            <ac:inkMk id="109" creationId="{C44CE3C4-277C-6EEB-15F4-A22E78883E17}"/>
+          </ac:inkMkLst>
+        </pc:inkChg>
+        <pc:inkChg chg="add del">
+          <ac:chgData name="Yannick Seidel" userId="6d7a51a3-f98a-430f-bf9e-0549f0f0cd64" providerId="ADAL" clId="{4FC6A682-6026-A44F-ACC3-7424230FA640}" dt="2023-03-14T14:51:59.851" v="107"/>
+          <ac:inkMkLst>
+            <pc:docMk/>
+            <pc:sldMk cId="2929809613" sldId="262"/>
+            <ac:inkMk id="110" creationId="{0319AEA6-3112-4BCB-FDF8-5E9D818DC79A}"/>
+          </ac:inkMkLst>
+        </pc:inkChg>
+        <pc:inkChg chg="add del reco">
+          <ac:chgData name="Yannick Seidel" userId="6d7a51a3-f98a-430f-bf9e-0549f0f0cd64" providerId="ADAL" clId="{4FC6A682-6026-A44F-ACC3-7424230FA640}" dt="2023-03-14T14:52:07.806" v="123"/>
+          <ac:inkMkLst>
+            <pc:docMk/>
+            <pc:sldMk cId="2929809613" sldId="262"/>
+            <ac:inkMk id="111" creationId="{569333C8-0CDA-451B-DF67-A3D64D8F4841}"/>
+          </ac:inkMkLst>
+        </pc:inkChg>
+        <pc:inkChg chg="add del">
+          <ac:chgData name="Yannick Seidel" userId="6d7a51a3-f98a-430f-bf9e-0549f0f0cd64" providerId="ADAL" clId="{4FC6A682-6026-A44F-ACC3-7424230FA640}" dt="2023-03-14T14:52:01.998" v="114"/>
+          <ac:inkMkLst>
+            <pc:docMk/>
+            <pc:sldMk cId="2929809613" sldId="262"/>
+            <ac:inkMk id="112" creationId="{D2312485-C8D2-6D2C-324F-2E2BDD299F04}"/>
+          </ac:inkMkLst>
+        </pc:inkChg>
+        <pc:inkChg chg="add del">
+          <ac:chgData name="Yannick Seidel" userId="6d7a51a3-f98a-430f-bf9e-0549f0f0cd64" providerId="ADAL" clId="{4FC6A682-6026-A44F-ACC3-7424230FA640}" dt="2023-03-14T14:52:02.447" v="115"/>
+          <ac:inkMkLst>
+            <pc:docMk/>
+            <pc:sldMk cId="2929809613" sldId="262"/>
+            <ac:inkMk id="113" creationId="{C2D31978-140E-B91E-62D8-3E357712836A}"/>
+          </ac:inkMkLst>
+        </pc:inkChg>
+        <pc:inkChg chg="add del">
+          <ac:chgData name="Yannick Seidel" userId="6d7a51a3-f98a-430f-bf9e-0549f0f0cd64" providerId="ADAL" clId="{4FC6A682-6026-A44F-ACC3-7424230FA640}" dt="2023-03-14T14:52:01.996" v="112"/>
+          <ac:inkMkLst>
+            <pc:docMk/>
+            <pc:sldMk cId="2929809613" sldId="262"/>
+            <ac:inkMk id="114" creationId="{DEA1EF2A-288A-9A2D-F40C-2010237DBB15}"/>
+          </ac:inkMkLst>
+        </pc:inkChg>
+        <pc:inkChg chg="add del">
+          <ac:chgData name="Yannick Seidel" userId="6d7a51a3-f98a-430f-bf9e-0549f0f0cd64" providerId="ADAL" clId="{4FC6A682-6026-A44F-ACC3-7424230FA640}" dt="2023-03-14T14:52:01.997" v="113"/>
+          <ac:inkMkLst>
+            <pc:docMk/>
+            <pc:sldMk cId="2929809613" sldId="262"/>
+            <ac:inkMk id="115" creationId="{7E20100E-884E-0344-B111-0186783EABD3}"/>
+          </ac:inkMkLst>
+        </pc:inkChg>
+        <pc:inkChg chg="add del">
+          <ac:chgData name="Yannick Seidel" userId="6d7a51a3-f98a-430f-bf9e-0549f0f0cd64" providerId="ADAL" clId="{4FC6A682-6026-A44F-ACC3-7424230FA640}" dt="2023-03-14T14:52:05.675" v="122"/>
+          <ac:inkMkLst>
+            <pc:docMk/>
+            <pc:sldMk cId="2929809613" sldId="262"/>
+            <ac:inkMk id="116" creationId="{74E502A8-A9B3-949F-4087-DECF7E79D4BD}"/>
+          </ac:inkMkLst>
+        </pc:inkChg>
+        <pc:inkChg chg="add del">
+          <ac:chgData name="Yannick Seidel" userId="6d7a51a3-f98a-430f-bf9e-0549f0f0cd64" providerId="ADAL" clId="{4FC6A682-6026-A44F-ACC3-7424230FA640}" dt="2023-03-14T14:52:05.675" v="122"/>
+          <ac:inkMkLst>
+            <pc:docMk/>
+            <pc:sldMk cId="2929809613" sldId="262"/>
+            <ac:inkMk id="117" creationId="{3CC0C3CC-C465-53CF-AC0F-C77B1A68BFAC}"/>
+          </ac:inkMkLst>
+        </pc:inkChg>
+        <pc:inkChg chg="add del">
+          <ac:chgData name="Yannick Seidel" userId="6d7a51a3-f98a-430f-bf9e-0549f0f0cd64" providerId="ADAL" clId="{4FC6A682-6026-A44F-ACC3-7424230FA640}" dt="2023-03-14T14:52:05.675" v="122"/>
+          <ac:inkMkLst>
+            <pc:docMk/>
+            <pc:sldMk cId="2929809613" sldId="262"/>
+            <ac:inkMk id="118" creationId="{41758F5F-7BF7-0384-9F4E-D9FA7C419BAE}"/>
+          </ac:inkMkLst>
+        </pc:inkChg>
+        <pc:inkChg chg="add del">
+          <ac:chgData name="Yannick Seidel" userId="6d7a51a3-f98a-430f-bf9e-0549f0f0cd64" providerId="ADAL" clId="{4FC6A682-6026-A44F-ACC3-7424230FA640}" dt="2023-03-14T14:52:05.675" v="122"/>
+          <ac:inkMkLst>
+            <pc:docMk/>
+            <pc:sldMk cId="2929809613" sldId="262"/>
+            <ac:inkMk id="119" creationId="{617EC24F-20B6-B722-5508-6EE1301199AD}"/>
+          </ac:inkMkLst>
+        </pc:inkChg>
+        <pc:inkChg chg="add del">
+          <ac:chgData name="Yannick Seidel" userId="6d7a51a3-f98a-430f-bf9e-0549f0f0cd64" providerId="ADAL" clId="{4FC6A682-6026-A44F-ACC3-7424230FA640}" dt="2023-03-14T14:52:05.675" v="122"/>
+          <ac:inkMkLst>
+            <pc:docMk/>
+            <pc:sldMk cId="2929809613" sldId="262"/>
+            <ac:inkMk id="120" creationId="{29B9E74B-D7E8-5BEF-2C25-3C890F797B54}"/>
+          </ac:inkMkLst>
+        </pc:inkChg>
+        <pc:inkChg chg="add del">
+          <ac:chgData name="Yannick Seidel" userId="6d7a51a3-f98a-430f-bf9e-0549f0f0cd64" providerId="ADAL" clId="{4FC6A682-6026-A44F-ACC3-7424230FA640}" dt="2023-03-14T14:52:05.675" v="122"/>
+          <ac:inkMkLst>
+            <pc:docMk/>
+            <pc:sldMk cId="2929809613" sldId="262"/>
+            <ac:inkMk id="121" creationId="{2FAAB2D1-DA60-AC95-E2BF-0C4FFAC9C5BA}"/>
+          </ac:inkMkLst>
+        </pc:inkChg>
+        <pc:inkChg chg="add del reco">
+          <ac:chgData name="Yannick Seidel" userId="6d7a51a3-f98a-430f-bf9e-0549f0f0cd64" providerId="ADAL" clId="{4FC6A682-6026-A44F-ACC3-7424230FA640}" dt="2023-03-14T14:52:07.808" v="124"/>
+          <ac:inkMkLst>
+            <pc:docMk/>
+            <pc:sldMk cId="2929809613" sldId="262"/>
+            <ac:inkMk id="122" creationId="{31040A8C-F2D3-AEDF-39F8-E59B0B84126A}"/>
+          </ac:inkMkLst>
+        </pc:inkChg>
+        <pc:inkChg chg="add del">
+          <ac:chgData name="Yannick Seidel" userId="6d7a51a3-f98a-430f-bf9e-0549f0f0cd64" providerId="ADAL" clId="{4FC6A682-6026-A44F-ACC3-7424230FA640}" dt="2023-03-14T14:52:13.552" v="133"/>
+          <ac:inkMkLst>
+            <pc:docMk/>
+            <pc:sldMk cId="2929809613" sldId="262"/>
+            <ac:inkMk id="123" creationId="{A14EBCB8-302F-7E60-8FDB-C9DF88F21061}"/>
+          </ac:inkMkLst>
+        </pc:inkChg>
+        <pc:inkChg chg="add del">
+          <ac:chgData name="Yannick Seidel" userId="6d7a51a3-f98a-430f-bf9e-0549f0f0cd64" providerId="ADAL" clId="{4FC6A682-6026-A44F-ACC3-7424230FA640}" dt="2023-03-14T14:52:13.552" v="133"/>
+          <ac:inkMkLst>
+            <pc:docMk/>
+            <pc:sldMk cId="2929809613" sldId="262"/>
+            <ac:inkMk id="124" creationId="{CFDA0463-7862-4849-79C1-52D0BB73A069}"/>
+          </ac:inkMkLst>
+        </pc:inkChg>
+        <pc:inkChg chg="add del">
+          <ac:chgData name="Yannick Seidel" userId="6d7a51a3-f98a-430f-bf9e-0549f0f0cd64" providerId="ADAL" clId="{4FC6A682-6026-A44F-ACC3-7424230FA640}" dt="2023-03-14T14:52:13.552" v="133"/>
+          <ac:inkMkLst>
+            <pc:docMk/>
+            <pc:sldMk cId="2929809613" sldId="262"/>
+            <ac:inkMk id="125" creationId="{2922377C-6114-404D-FC42-F22997296DB6}"/>
+          </ac:inkMkLst>
+        </pc:inkChg>
+        <pc:inkChg chg="add del">
+          <ac:chgData name="Yannick Seidel" userId="6d7a51a3-f98a-430f-bf9e-0549f0f0cd64" providerId="ADAL" clId="{4FC6A682-6026-A44F-ACC3-7424230FA640}" dt="2023-03-14T14:52:13.552" v="133"/>
+          <ac:inkMkLst>
+            <pc:docMk/>
+            <pc:sldMk cId="2929809613" sldId="262"/>
+            <ac:inkMk id="126" creationId="{DC582A18-1324-6A7F-0381-82F54FBD1F27}"/>
+          </ac:inkMkLst>
+        </pc:inkChg>
+        <pc:inkChg chg="add del">
+          <ac:chgData name="Yannick Seidel" userId="6d7a51a3-f98a-430f-bf9e-0549f0f0cd64" providerId="ADAL" clId="{4FC6A682-6026-A44F-ACC3-7424230FA640}" dt="2023-03-14T14:52:13.552" v="133"/>
+          <ac:inkMkLst>
+            <pc:docMk/>
+            <pc:sldMk cId="2929809613" sldId="262"/>
+            <ac:inkMk id="127" creationId="{B0B980FD-71EB-520A-C235-BC656F9F6B1A}"/>
+          </ac:inkMkLst>
+        </pc:inkChg>
+        <pc:inkChg chg="add del">
+          <ac:chgData name="Yannick Seidel" userId="6d7a51a3-f98a-430f-bf9e-0549f0f0cd64" providerId="ADAL" clId="{4FC6A682-6026-A44F-ACC3-7424230FA640}" dt="2023-03-14T14:52:13.552" v="133"/>
+          <ac:inkMkLst>
+            <pc:docMk/>
+            <pc:sldMk cId="2929809613" sldId="262"/>
+            <ac:inkMk id="128" creationId="{66041397-5977-A81E-D4E8-C4FA2C353912}"/>
+          </ac:inkMkLst>
+        </pc:inkChg>
+        <pc:inkChg chg="add del">
+          <ac:chgData name="Yannick Seidel" userId="6d7a51a3-f98a-430f-bf9e-0549f0f0cd64" providerId="ADAL" clId="{4FC6A682-6026-A44F-ACC3-7424230FA640}" dt="2023-03-14T14:52:13.552" v="133"/>
+          <ac:inkMkLst>
+            <pc:docMk/>
+            <pc:sldMk cId="2929809613" sldId="262"/>
+            <ac:inkMk id="129" creationId="{9D09FCC9-8054-D7D8-5A74-4D6D02FA0B53}"/>
+          </ac:inkMkLst>
+        </pc:inkChg>
+        <pc:inkChg chg="add del">
+          <ac:chgData name="Yannick Seidel" userId="6d7a51a3-f98a-430f-bf9e-0549f0f0cd64" providerId="ADAL" clId="{4FC6A682-6026-A44F-ACC3-7424230FA640}" dt="2023-03-14T14:52:13.552" v="133"/>
+          <ac:inkMkLst>
+            <pc:docMk/>
+            <pc:sldMk cId="2929809613" sldId="262"/>
+            <ac:inkMk id="130" creationId="{2978BF19-2BAD-4942-07C3-D8EA7E0E2954}"/>
+          </ac:inkMkLst>
+        </pc:inkChg>
+        <pc:inkChg chg="add del reco">
+          <ac:chgData name="Yannick Seidel" userId="6d7a51a3-f98a-430f-bf9e-0549f0f0cd64" providerId="ADAL" clId="{4FC6A682-6026-A44F-ACC3-7424230FA640}" dt="2023-03-14T14:52:59.510" v="141"/>
+          <ac:inkMkLst>
+            <pc:docMk/>
+            <pc:sldMk cId="2929809613" sldId="262"/>
+            <ac:inkMk id="131" creationId="{9E5D5C3A-CDD2-7B02-2308-F2C4B441E08A}"/>
+          </ac:inkMkLst>
+        </pc:inkChg>
+        <pc:inkChg chg="add del">
+          <ac:chgData name="Yannick Seidel" userId="6d7a51a3-f98a-430f-bf9e-0549f0f0cd64" providerId="ADAL" clId="{4FC6A682-6026-A44F-ACC3-7424230FA640}" dt="2023-03-14T14:53:28.109" v="161"/>
+          <ac:inkMkLst>
+            <pc:docMk/>
+            <pc:sldMk cId="2929809613" sldId="262"/>
+            <ac:inkMk id="132" creationId="{7BCA3244-CD18-D556-D49C-09782E05BFC8}"/>
+          </ac:inkMkLst>
+        </pc:inkChg>
+        <pc:inkChg chg="add del">
+          <ac:chgData name="Yannick Seidel" userId="6d7a51a3-f98a-430f-bf9e-0549f0f0cd64" providerId="ADAL" clId="{4FC6A682-6026-A44F-ACC3-7424230FA640}" dt="2023-03-14T14:53:28.109" v="161"/>
+          <ac:inkMkLst>
+            <pc:docMk/>
+            <pc:sldMk cId="2929809613" sldId="262"/>
+            <ac:inkMk id="133" creationId="{039CD6E2-9082-D521-BCC9-867CB9BD185C}"/>
+          </ac:inkMkLst>
+        </pc:inkChg>
+        <pc:inkChg chg="add del">
+          <ac:chgData name="Yannick Seidel" userId="6d7a51a3-f98a-430f-bf9e-0549f0f0cd64" providerId="ADAL" clId="{4FC6A682-6026-A44F-ACC3-7424230FA640}" dt="2023-03-14T14:53:28.109" v="161"/>
+          <ac:inkMkLst>
+            <pc:docMk/>
+            <pc:sldMk cId="2929809613" sldId="262"/>
+            <ac:inkMk id="134" creationId="{3033BB15-60A3-CD6D-A6B6-905019A000BE}"/>
+          </ac:inkMkLst>
+        </pc:inkChg>
+        <pc:inkChg chg="add del">
+          <ac:chgData name="Yannick Seidel" userId="6d7a51a3-f98a-430f-bf9e-0549f0f0cd64" providerId="ADAL" clId="{4FC6A682-6026-A44F-ACC3-7424230FA640}" dt="2023-03-14T14:53:28.109" v="161"/>
+          <ac:inkMkLst>
+            <pc:docMk/>
+            <pc:sldMk cId="2929809613" sldId="262"/>
+            <ac:inkMk id="135" creationId="{67E1F83A-356B-63E5-A335-F5BA83949994}"/>
+          </ac:inkMkLst>
+        </pc:inkChg>
+        <pc:inkChg chg="add del">
+          <ac:chgData name="Yannick Seidel" userId="6d7a51a3-f98a-430f-bf9e-0549f0f0cd64" providerId="ADAL" clId="{4FC6A682-6026-A44F-ACC3-7424230FA640}" dt="2023-03-14T14:53:28.109" v="161"/>
+          <ac:inkMkLst>
+            <pc:docMk/>
+            <pc:sldMk cId="2929809613" sldId="262"/>
+            <ac:inkMk id="136" creationId="{55095C94-5E23-C5C2-0340-E2B07B978C9B}"/>
+          </ac:inkMkLst>
+        </pc:inkChg>
+        <pc:inkChg chg="add del">
+          <ac:chgData name="Yannick Seidel" userId="6d7a51a3-f98a-430f-bf9e-0549f0f0cd64" providerId="ADAL" clId="{4FC6A682-6026-A44F-ACC3-7424230FA640}" dt="2023-03-14T14:53:28.109" v="161"/>
+          <ac:inkMkLst>
+            <pc:docMk/>
+            <pc:sldMk cId="2929809613" sldId="262"/>
+            <ac:inkMk id="137" creationId="{D2DD298C-73C8-2A08-5BE9-0A56C3A9F486}"/>
+          </ac:inkMkLst>
+        </pc:inkChg>
+        <pc:inkChg chg="add del">
+          <ac:chgData name="Yannick Seidel" userId="6d7a51a3-f98a-430f-bf9e-0549f0f0cd64" providerId="ADAL" clId="{4FC6A682-6026-A44F-ACC3-7424230FA640}" dt="2023-03-14T14:53:28.109" v="161"/>
+          <ac:inkMkLst>
+            <pc:docMk/>
+            <pc:sldMk cId="2929809613" sldId="262"/>
+            <ac:inkMk id="138" creationId="{3BD0523E-CC3F-E167-DB43-280CBB7BF431}"/>
+          </ac:inkMkLst>
+        </pc:inkChg>
+        <pc:inkChg chg="add del">
+          <ac:chgData name="Yannick Seidel" userId="6d7a51a3-f98a-430f-bf9e-0549f0f0cd64" providerId="ADAL" clId="{4FC6A682-6026-A44F-ACC3-7424230FA640}" dt="2023-03-14T14:53:28.109" v="161"/>
+          <ac:inkMkLst>
+            <pc:docMk/>
+            <pc:sldMk cId="2929809613" sldId="262"/>
+            <ac:inkMk id="139" creationId="{CF30F165-181B-C579-2F46-3A376A6F78C2}"/>
+          </ac:inkMkLst>
+        </pc:inkChg>
+        <pc:inkChg chg="add del">
+          <ac:chgData name="Yannick Seidel" userId="6d7a51a3-f98a-430f-bf9e-0549f0f0cd64" providerId="ADAL" clId="{4FC6A682-6026-A44F-ACC3-7424230FA640}" dt="2023-03-14T14:53:28.109" v="161"/>
+          <ac:inkMkLst>
+            <pc:docMk/>
+            <pc:sldMk cId="2929809613" sldId="262"/>
+            <ac:inkMk id="140" creationId="{3CAEF8DE-8A59-716A-F58A-393A703B6165}"/>
+          </ac:inkMkLst>
+        </pc:inkChg>
+        <pc:inkChg chg="add del">
+          <ac:chgData name="Yannick Seidel" userId="6d7a51a3-f98a-430f-bf9e-0549f0f0cd64" providerId="ADAL" clId="{4FC6A682-6026-A44F-ACC3-7424230FA640}" dt="2023-03-14T14:53:28.109" v="161"/>
+          <ac:inkMkLst>
+            <pc:docMk/>
+            <pc:sldMk cId="2929809613" sldId="262"/>
+            <ac:inkMk id="141" creationId="{8F582017-1F54-4DC4-6983-CCE3CEAFB31D}"/>
+          </ac:inkMkLst>
+        </pc:inkChg>
+        <pc:inkChg chg="add del">
+          <ac:chgData name="Yannick Seidel" userId="6d7a51a3-f98a-430f-bf9e-0549f0f0cd64" providerId="ADAL" clId="{4FC6A682-6026-A44F-ACC3-7424230FA640}" dt="2023-03-14T14:53:28.109" v="161"/>
+          <ac:inkMkLst>
+            <pc:docMk/>
+            <pc:sldMk cId="2929809613" sldId="262"/>
+            <ac:inkMk id="142" creationId="{AC9442BB-F389-0647-75E8-B8C03CDE870C}"/>
+          </ac:inkMkLst>
+        </pc:inkChg>
+        <pc:inkChg chg="add reco">
+          <ac:chgData name="Yannick Seidel" userId="6d7a51a3-f98a-430f-bf9e-0549f0f0cd64" providerId="ADAL" clId="{4FC6A682-6026-A44F-ACC3-7424230FA640}" dt="2023-03-14T14:53:28.109" v="161"/>
+          <ac:inkMkLst>
+            <pc:docMk/>
+            <pc:sldMk cId="2929809613" sldId="262"/>
+            <ac:inkMk id="143" creationId="{AF78894F-BFDD-2B6D-3ABA-FD68AE30DEFD}"/>
+          </ac:inkMkLst>
+        </pc:inkChg>
+        <pc:inkChg chg="add del">
+          <ac:chgData name="Yannick Seidel" userId="6d7a51a3-f98a-430f-bf9e-0549f0f0cd64" providerId="ADAL" clId="{4FC6A682-6026-A44F-ACC3-7424230FA640}" dt="2023-03-14T14:53:33.382" v="174"/>
+          <ac:inkMkLst>
+            <pc:docMk/>
+            <pc:sldMk cId="2929809613" sldId="262"/>
+            <ac:inkMk id="144" creationId="{A9FEC249-4121-F9A6-81EA-B4BE1A4539EF}"/>
+          </ac:inkMkLst>
+        </pc:inkChg>
+        <pc:inkChg chg="add del">
+          <ac:chgData name="Yannick Seidel" userId="6d7a51a3-f98a-430f-bf9e-0549f0f0cd64" providerId="ADAL" clId="{4FC6A682-6026-A44F-ACC3-7424230FA640}" dt="2023-03-14T14:53:33.382" v="174"/>
+          <ac:inkMkLst>
+            <pc:docMk/>
+            <pc:sldMk cId="2929809613" sldId="262"/>
+            <ac:inkMk id="145" creationId="{9F35DCAC-F8CD-562F-BC4C-CFB945810BDC}"/>
+          </ac:inkMkLst>
+        </pc:inkChg>
+        <pc:inkChg chg="add del">
+          <ac:chgData name="Yannick Seidel" userId="6d7a51a3-f98a-430f-bf9e-0549f0f0cd64" providerId="ADAL" clId="{4FC6A682-6026-A44F-ACC3-7424230FA640}" dt="2023-03-14T14:53:33.382" v="174"/>
+          <ac:inkMkLst>
+            <pc:docMk/>
+            <pc:sldMk cId="2929809613" sldId="262"/>
+            <ac:inkMk id="146" creationId="{5005F24B-DC6A-B986-A690-38221C1C8C39}"/>
+          </ac:inkMkLst>
+        </pc:inkChg>
+        <pc:inkChg chg="add del">
+          <ac:chgData name="Yannick Seidel" userId="6d7a51a3-f98a-430f-bf9e-0549f0f0cd64" providerId="ADAL" clId="{4FC6A682-6026-A44F-ACC3-7424230FA640}" dt="2023-03-14T14:53:33.382" v="174"/>
+          <ac:inkMkLst>
+            <pc:docMk/>
+            <pc:sldMk cId="2929809613" sldId="262"/>
+            <ac:inkMk id="147" creationId="{B5A47972-35C5-561B-4DB7-9A777418E2B2}"/>
+          </ac:inkMkLst>
+        </pc:inkChg>
+        <pc:inkChg chg="add del">
+          <ac:chgData name="Yannick Seidel" userId="6d7a51a3-f98a-430f-bf9e-0549f0f0cd64" providerId="ADAL" clId="{4FC6A682-6026-A44F-ACC3-7424230FA640}" dt="2023-03-14T14:53:33.382" v="174"/>
+          <ac:inkMkLst>
+            <pc:docMk/>
+            <pc:sldMk cId="2929809613" sldId="262"/>
+            <ac:inkMk id="148" creationId="{07DD4E3E-AEF2-EAE1-8018-4D2B205956C9}"/>
+          </ac:inkMkLst>
+        </pc:inkChg>
+        <pc:inkChg chg="add del">
+          <ac:chgData name="Yannick Seidel" userId="6d7a51a3-f98a-430f-bf9e-0549f0f0cd64" providerId="ADAL" clId="{4FC6A682-6026-A44F-ACC3-7424230FA640}" dt="2023-03-14T14:53:33.382" v="174"/>
+          <ac:inkMkLst>
+            <pc:docMk/>
+            <pc:sldMk cId="2929809613" sldId="262"/>
+            <ac:inkMk id="149" creationId="{4B96B54A-5FA8-208F-9F89-7F78E5B767E1}"/>
+          </ac:inkMkLst>
+        </pc:inkChg>
+        <pc:inkChg chg="add del">
+          <ac:chgData name="Yannick Seidel" userId="6d7a51a3-f98a-430f-bf9e-0549f0f0cd64" providerId="ADAL" clId="{4FC6A682-6026-A44F-ACC3-7424230FA640}" dt="2023-03-14T14:53:33.382" v="174"/>
+          <ac:inkMkLst>
+            <pc:docMk/>
+            <pc:sldMk cId="2929809613" sldId="262"/>
+            <ac:inkMk id="150" creationId="{B37DD824-F1A1-1DB5-6566-4181C5866F29}"/>
+          </ac:inkMkLst>
+        </pc:inkChg>
+        <pc:inkChg chg="add del">
+          <ac:chgData name="Yannick Seidel" userId="6d7a51a3-f98a-430f-bf9e-0549f0f0cd64" providerId="ADAL" clId="{4FC6A682-6026-A44F-ACC3-7424230FA640}" dt="2023-03-14T14:53:33.382" v="174"/>
+          <ac:inkMkLst>
+            <pc:docMk/>
+            <pc:sldMk cId="2929809613" sldId="262"/>
+            <ac:inkMk id="151" creationId="{6E56EED2-F440-C97A-4507-25E9B74D7C06}"/>
+          </ac:inkMkLst>
+        </pc:inkChg>
+        <pc:inkChg chg="add del">
+          <ac:chgData name="Yannick Seidel" userId="6d7a51a3-f98a-430f-bf9e-0549f0f0cd64" providerId="ADAL" clId="{4FC6A682-6026-A44F-ACC3-7424230FA640}" dt="2023-03-14T14:53:33.382" v="174"/>
+          <ac:inkMkLst>
+            <pc:docMk/>
+            <pc:sldMk cId="2929809613" sldId="262"/>
+            <ac:inkMk id="152" creationId="{F6C56433-ED1F-6F61-1CB5-E69CB4462B9B}"/>
+          </ac:inkMkLst>
+        </pc:inkChg>
+        <pc:inkChg chg="add del">
+          <ac:chgData name="Yannick Seidel" userId="6d7a51a3-f98a-430f-bf9e-0549f0f0cd64" providerId="ADAL" clId="{4FC6A682-6026-A44F-ACC3-7424230FA640}" dt="2023-03-14T14:53:33.382" v="174"/>
+          <ac:inkMkLst>
+            <pc:docMk/>
+            <pc:sldMk cId="2929809613" sldId="262"/>
+            <ac:inkMk id="153" creationId="{3FCEAC8F-0A24-4FDE-EB3D-0C8EA0747D65}"/>
+          </ac:inkMkLst>
+        </pc:inkChg>
+        <pc:inkChg chg="add del">
+          <ac:chgData name="Yannick Seidel" userId="6d7a51a3-f98a-430f-bf9e-0549f0f0cd64" providerId="ADAL" clId="{4FC6A682-6026-A44F-ACC3-7424230FA640}" dt="2023-03-14T14:53:33.382" v="174"/>
+          <ac:inkMkLst>
+            <pc:docMk/>
+            <pc:sldMk cId="2929809613" sldId="262"/>
+            <ac:inkMk id="154" creationId="{6C5B8C89-7BBC-3CA8-7CF2-B047D494B8FD}"/>
+          </ac:inkMkLst>
+        </pc:inkChg>
+        <pc:inkChg chg="add del">
+          <ac:chgData name="Yannick Seidel" userId="6d7a51a3-f98a-430f-bf9e-0549f0f0cd64" providerId="ADAL" clId="{4FC6A682-6026-A44F-ACC3-7424230FA640}" dt="2023-03-14T14:53:33.382" v="174"/>
+          <ac:inkMkLst>
+            <pc:docMk/>
+            <pc:sldMk cId="2929809613" sldId="262"/>
+            <ac:inkMk id="155" creationId="{F2157E91-4DE6-27E9-BF91-C79CE1DEA5EF}"/>
+          </ac:inkMkLst>
+        </pc:inkChg>
+        <pc:inkChg chg="add reco">
+          <ac:chgData name="Yannick Seidel" userId="6d7a51a3-f98a-430f-bf9e-0549f0f0cd64" providerId="ADAL" clId="{4FC6A682-6026-A44F-ACC3-7424230FA640}" dt="2023-03-14T14:53:33.382" v="174"/>
+          <ac:inkMkLst>
+            <pc:docMk/>
+            <pc:sldMk cId="2929809613" sldId="262"/>
+            <ac:inkMk id="156" creationId="{44B959B1-ABE2-0D14-B8ED-21776B79A01E}"/>
+          </ac:inkMkLst>
+        </pc:inkChg>
+        <pc:inkChg chg="add del">
+          <ac:chgData name="Yannick Seidel" userId="6d7a51a3-f98a-430f-bf9e-0549f0f0cd64" providerId="ADAL" clId="{4FC6A682-6026-A44F-ACC3-7424230FA640}" dt="2023-03-14T14:53:36.437" v="177"/>
+          <ac:inkMkLst>
+            <pc:docMk/>
+            <pc:sldMk cId="2929809613" sldId="262"/>
+            <ac:inkMk id="157" creationId="{32568D27-2396-CFC7-40B9-63B5AC12E81E}"/>
+          </ac:inkMkLst>
+        </pc:inkChg>
+        <pc:inkChg chg="add del">
+          <ac:chgData name="Yannick Seidel" userId="6d7a51a3-f98a-430f-bf9e-0549f0f0cd64" providerId="ADAL" clId="{4FC6A682-6026-A44F-ACC3-7424230FA640}" dt="2023-03-14T14:53:36.437" v="177"/>
+          <ac:inkMkLst>
+            <pc:docMk/>
+            <pc:sldMk cId="2929809613" sldId="262"/>
+            <ac:inkMk id="158" creationId="{0AF41CFE-4728-87D1-3F3A-6D4974732A56}"/>
+          </ac:inkMkLst>
+        </pc:inkChg>
+        <pc:inkChg chg="add reco">
+          <ac:chgData name="Yannick Seidel" userId="6d7a51a3-f98a-430f-bf9e-0549f0f0cd64" providerId="ADAL" clId="{4FC6A682-6026-A44F-ACC3-7424230FA640}" dt="2023-03-14T14:53:36.437" v="177"/>
+          <ac:inkMkLst>
+            <pc:docMk/>
+            <pc:sldMk cId="2929809613" sldId="262"/>
+            <ac:inkMk id="159" creationId="{098025B3-1D96-0009-B4E1-11239936BF9B}"/>
+          </ac:inkMkLst>
+        </pc:inkChg>
+        <pc:inkChg chg="add del">
+          <ac:chgData name="Yannick Seidel" userId="6d7a51a3-f98a-430f-bf9e-0549f0f0cd64" providerId="ADAL" clId="{4FC6A682-6026-A44F-ACC3-7424230FA640}" dt="2023-03-14T14:53:42.846" v="182"/>
+          <ac:inkMkLst>
+            <pc:docMk/>
+            <pc:sldMk cId="2929809613" sldId="262"/>
+            <ac:inkMk id="160" creationId="{F902BFA6-6F54-D913-2F01-72AAB4DB5EA7}"/>
+          </ac:inkMkLst>
+        </pc:inkChg>
+        <pc:inkChg chg="add del">
+          <ac:chgData name="Yannick Seidel" userId="6d7a51a3-f98a-430f-bf9e-0549f0f0cd64" providerId="ADAL" clId="{4FC6A682-6026-A44F-ACC3-7424230FA640}" dt="2023-03-14T14:53:42.846" v="182"/>
+          <ac:inkMkLst>
+            <pc:docMk/>
+            <pc:sldMk cId="2929809613" sldId="262"/>
+            <ac:inkMk id="161" creationId="{F7087D78-D138-25A6-D9AF-56EE9A7BBCD7}"/>
+          </ac:inkMkLst>
+        </pc:inkChg>
+        <pc:inkChg chg="add del">
+          <ac:chgData name="Yannick Seidel" userId="6d7a51a3-f98a-430f-bf9e-0549f0f0cd64" providerId="ADAL" clId="{4FC6A682-6026-A44F-ACC3-7424230FA640}" dt="2023-03-14T14:53:42.846" v="182"/>
+          <ac:inkMkLst>
+            <pc:docMk/>
+            <pc:sldMk cId="2929809613" sldId="262"/>
+            <ac:inkMk id="162" creationId="{D4471A9A-B761-512B-B787-FF999162ACE9}"/>
+          </ac:inkMkLst>
+        </pc:inkChg>
+        <pc:inkChg chg="add del">
+          <ac:chgData name="Yannick Seidel" userId="6d7a51a3-f98a-430f-bf9e-0549f0f0cd64" providerId="ADAL" clId="{4FC6A682-6026-A44F-ACC3-7424230FA640}" dt="2023-03-14T14:53:42.846" v="182"/>
+          <ac:inkMkLst>
+            <pc:docMk/>
+            <pc:sldMk cId="2929809613" sldId="262"/>
+            <ac:inkMk id="163" creationId="{A98AE03B-C05E-4641-DDA7-27C8F326A8D5}"/>
+          </ac:inkMkLst>
+        </pc:inkChg>
+        <pc:inkChg chg="add reco">
+          <ac:chgData name="Yannick Seidel" userId="6d7a51a3-f98a-430f-bf9e-0549f0f0cd64" providerId="ADAL" clId="{4FC6A682-6026-A44F-ACC3-7424230FA640}" dt="2023-03-14T14:53:42.846" v="182"/>
+          <ac:inkMkLst>
+            <pc:docMk/>
+            <pc:sldMk cId="2929809613" sldId="262"/>
+            <ac:inkMk id="164" creationId="{19EB8269-221D-EB06-DA11-F539A0D46B6C}"/>
+          </ac:inkMkLst>
+        </pc:inkChg>
+        <pc:inkChg chg="add reco">
+          <ac:chgData name="Yannick Seidel" userId="6d7a51a3-f98a-430f-bf9e-0549f0f0cd64" providerId="ADAL" clId="{4FC6A682-6026-A44F-ACC3-7424230FA640}" dt="2023-03-14T14:53:42.846" v="182"/>
+          <ac:inkMkLst>
+            <pc:docMk/>
+            <pc:sldMk cId="2929809613" sldId="262"/>
+            <ac:inkMk id="165" creationId="{CC7656DA-6E1A-7345-597C-99D9ECF166E1}"/>
+          </ac:inkMkLst>
+        </pc:inkChg>
+        <pc:inkChg chg="add del">
+          <ac:chgData name="Yannick Seidel" userId="6d7a51a3-f98a-430f-bf9e-0549f0f0cd64" providerId="ADAL" clId="{4FC6A682-6026-A44F-ACC3-7424230FA640}" dt="2023-03-14T14:53:44.799" v="185"/>
+          <ac:inkMkLst>
+            <pc:docMk/>
+            <pc:sldMk cId="2929809613" sldId="262"/>
+            <ac:inkMk id="166" creationId="{69CB28D1-9A22-90C1-80B0-A5456E767540}"/>
+          </ac:inkMkLst>
+        </pc:inkChg>
+        <pc:inkChg chg="add del">
+          <ac:chgData name="Yannick Seidel" userId="6d7a51a3-f98a-430f-bf9e-0549f0f0cd64" providerId="ADAL" clId="{4FC6A682-6026-A44F-ACC3-7424230FA640}" dt="2023-03-14T14:53:44.799" v="185"/>
+          <ac:inkMkLst>
+            <pc:docMk/>
+            <pc:sldMk cId="2929809613" sldId="262"/>
+            <ac:inkMk id="167" creationId="{0B92D187-1DAD-7E58-5360-CCC56784B070}"/>
+          </ac:inkMkLst>
+        </pc:inkChg>
+        <pc:inkChg chg="add mod reco modStrokes">
+          <ac:chgData name="Yannick Seidel" userId="6d7a51a3-f98a-430f-bf9e-0549f0f0cd64" providerId="ADAL" clId="{4FC6A682-6026-A44F-ACC3-7424230FA640}" dt="2023-03-14T14:53:47.694" v="186"/>
+          <ac:inkMkLst>
+            <pc:docMk/>
+            <pc:sldMk cId="2929809613" sldId="262"/>
+            <ac:inkMk id="168" creationId="{C7E7F401-B3A9-A354-E341-6E7772E20F80}"/>
+          </ac:inkMkLst>
+        </pc:inkChg>
+        <pc:inkChg chg="add del">
+          <ac:chgData name="Yannick Seidel" userId="6d7a51a3-f98a-430f-bf9e-0549f0f0cd64" providerId="ADAL" clId="{4FC6A682-6026-A44F-ACC3-7424230FA640}" dt="2023-03-14T14:53:49.701" v="188"/>
+          <ac:inkMkLst>
+            <pc:docMk/>
+            <pc:sldMk cId="2929809613" sldId="262"/>
+            <ac:inkMk id="169" creationId="{81E9CCE7-AA14-1325-EDD3-562E5A8876BB}"/>
+          </ac:inkMkLst>
+        </pc:inkChg>
+        <pc:inkChg chg="add">
+          <ac:chgData name="Yannick Seidel" userId="6d7a51a3-f98a-430f-bf9e-0549f0f0cd64" providerId="ADAL" clId="{4FC6A682-6026-A44F-ACC3-7424230FA640}" dt="2023-03-14T14:53:50.668" v="189"/>
+          <ac:inkMkLst>
+            <pc:docMk/>
+            <pc:sldMk cId="2929809613" sldId="262"/>
+            <ac:inkMk id="170" creationId="{0035D719-B402-E897-295C-19AC91303B18}"/>
+          </ac:inkMkLst>
+        </pc:inkChg>
+      </pc:sldChg>
+    </pc:docChg>
+  </pc:docChgLst>
+  <pc:docChgLst>
     <pc:chgData name="Yannick Seidel" userId="6d7a51a3-f98a-430f-bf9e-0549f0f0cd64" providerId="ADAL" clId="{6822969F-EB51-4A37-BA66-31A218C247D6}"/>
     <pc:docChg chg="custSel addSld delSld modSld modMainMaster modSection">
       <pc:chgData name="Yannick Seidel" userId="6d7a51a3-f98a-430f-bf9e-0549f0f0cd64" providerId="ADAL" clId="{6822969F-EB51-4A37-BA66-31A218C247D6}" dt="2023-03-07T12:13:09.927" v="203" actId="6549"/>
@@ -1706,6 +3089,1217 @@
       </pc:sldMasterChg>
     </pc:docChg>
   </pc:docChgLst>
+  <pc:docChgLst>
+    <pc:chgData name="Yannick Seidel" userId="6d7a51a3-f98a-430f-bf9e-0549f0f0cd64" providerId="ADAL" clId="{E2F7BF3C-AAE6-443E-A3AB-25C3F5D3F771}"/>
+    <pc:docChg chg="undo redo custSel addSld delSld modSld sldOrd modMainMaster addSection modSection">
+      <pc:chgData name="Yannick Seidel" userId="6d7a51a3-f98a-430f-bf9e-0549f0f0cd64" providerId="ADAL" clId="{E2F7BF3C-AAE6-443E-A3AB-25C3F5D3F771}" dt="2023-03-14T20:01:22.628" v="4123" actId="20577"/>
+      <pc:docMkLst>
+        <pc:docMk/>
+      </pc:docMkLst>
+      <pc:sldChg chg="addSp delSp modSp mod modTransition modNotesTx">
+        <pc:chgData name="Yannick Seidel" userId="6d7a51a3-f98a-430f-bf9e-0549f0f0cd64" providerId="ADAL" clId="{E2F7BF3C-AAE6-443E-A3AB-25C3F5D3F771}" dt="2023-03-14T19:59:22.158" v="4057" actId="20577"/>
+        <pc:sldMkLst>
+          <pc:docMk/>
+          <pc:sldMk cId="3481668810" sldId="256"/>
+        </pc:sldMkLst>
+        <pc:spChg chg="mod">
+          <ac:chgData name="Yannick Seidel" userId="6d7a51a3-f98a-430f-bf9e-0549f0f0cd64" providerId="ADAL" clId="{E2F7BF3C-AAE6-443E-A3AB-25C3F5D3F771}" dt="2023-03-14T14:32:55.352" v="31" actId="20577"/>
+          <ac:spMkLst>
+            <pc:docMk/>
+            <pc:sldMk cId="3481668810" sldId="256"/>
+            <ac:spMk id="2" creationId="{E91ED80D-B8C1-A613-CEA9-E38815402300}"/>
+          </ac:spMkLst>
+        </pc:spChg>
+        <pc:spChg chg="mod">
+          <ac:chgData name="Yannick Seidel" userId="6d7a51a3-f98a-430f-bf9e-0549f0f0cd64" providerId="ADAL" clId="{E2F7BF3C-AAE6-443E-A3AB-25C3F5D3F771}" dt="2023-03-14T14:33:18.082" v="127" actId="20577"/>
+          <ac:spMkLst>
+            <pc:docMk/>
+            <pc:sldMk cId="3481668810" sldId="256"/>
+            <ac:spMk id="3" creationId="{20621124-D7A1-C1AB-B93E-E56CF8E42349}"/>
+          </ac:spMkLst>
+        </pc:spChg>
+        <pc:picChg chg="add del mod">
+          <ac:chgData name="Yannick Seidel" userId="6d7a51a3-f98a-430f-bf9e-0549f0f0cd64" providerId="ADAL" clId="{E2F7BF3C-AAE6-443E-A3AB-25C3F5D3F771}" dt="2023-03-14T14:32:30.549" v="12" actId="478"/>
+          <ac:picMkLst>
+            <pc:docMk/>
+            <pc:sldMk cId="3481668810" sldId="256"/>
+            <ac:picMk id="4" creationId="{99FD6CE6-B0A7-DE14-BA28-59A579184457}"/>
+          </ac:picMkLst>
+        </pc:picChg>
+        <pc:picChg chg="add mod">
+          <ac:chgData name="Yannick Seidel" userId="6d7a51a3-f98a-430f-bf9e-0549f0f0cd64" providerId="ADAL" clId="{E2F7BF3C-AAE6-443E-A3AB-25C3F5D3F771}" dt="2023-03-14T14:33:38.230" v="130"/>
+          <ac:picMkLst>
+            <pc:docMk/>
+            <pc:sldMk cId="3481668810" sldId="256"/>
+            <ac:picMk id="5" creationId="{D6020AF1-379E-634B-8A35-C23D52E71C52}"/>
+          </ac:picMkLst>
+        </pc:picChg>
+        <pc:picChg chg="add del mod">
+          <ac:chgData name="Yannick Seidel" userId="6d7a51a3-f98a-430f-bf9e-0549f0f0cd64" providerId="ADAL" clId="{E2F7BF3C-AAE6-443E-A3AB-25C3F5D3F771}" dt="2023-03-14T17:56:51.680" v="3974" actId="478"/>
+          <ac:picMkLst>
+            <pc:docMk/>
+            <pc:sldMk cId="3481668810" sldId="256"/>
+            <ac:picMk id="4098" creationId="{EA1BEC54-955A-E682-EF18-49137A3B8CBE}"/>
+          </ac:picMkLst>
+        </pc:picChg>
+      </pc:sldChg>
+      <pc:sldChg chg="addSp delSp modSp add mod modTransition">
+        <pc:chgData name="Yannick Seidel" userId="6d7a51a3-f98a-430f-bf9e-0549f0f0cd64" providerId="ADAL" clId="{E2F7BF3C-AAE6-443E-A3AB-25C3F5D3F771}" dt="2023-03-14T17:56:54.122" v="3975" actId="478"/>
+        <pc:sldMkLst>
+          <pc:docMk/>
+          <pc:sldMk cId="1495873032" sldId="257"/>
+        </pc:sldMkLst>
+        <pc:spChg chg="mod">
+          <ac:chgData name="Yannick Seidel" userId="6d7a51a3-f98a-430f-bf9e-0549f0f0cd64" providerId="ADAL" clId="{E2F7BF3C-AAE6-443E-A3AB-25C3F5D3F771}" dt="2023-03-14T17:11:25.620" v="3379" actId="242"/>
+          <ac:spMkLst>
+            <pc:docMk/>
+            <pc:sldMk cId="1495873032" sldId="257"/>
+            <ac:spMk id="2" creationId="{E91ED80D-B8C1-A613-CEA9-E38815402300}"/>
+          </ac:spMkLst>
+        </pc:spChg>
+        <pc:picChg chg="add mod">
+          <ac:chgData name="Yannick Seidel" userId="6d7a51a3-f98a-430f-bf9e-0549f0f0cd64" providerId="ADAL" clId="{E2F7BF3C-AAE6-443E-A3AB-25C3F5D3F771}" dt="2023-03-14T17:11:38.408" v="3383" actId="171"/>
+          <ac:picMkLst>
+            <pc:docMk/>
+            <pc:sldMk cId="1495873032" sldId="257"/>
+            <ac:picMk id="4" creationId="{9CA4527D-0B29-6BEA-FB5F-78B5E8158AFC}"/>
+          </ac:picMkLst>
+        </pc:picChg>
+        <pc:picChg chg="add del mod">
+          <ac:chgData name="Yannick Seidel" userId="6d7a51a3-f98a-430f-bf9e-0549f0f0cd64" providerId="ADAL" clId="{E2F7BF3C-AAE6-443E-A3AB-25C3F5D3F771}" dt="2023-03-14T17:56:54.122" v="3975" actId="478"/>
+          <ac:picMkLst>
+            <pc:docMk/>
+            <pc:sldMk cId="1495873032" sldId="257"/>
+            <ac:picMk id="5" creationId="{F5C20213-0F7B-AFB4-BABB-A7ECF62E8F3B}"/>
+          </ac:picMkLst>
+        </pc:picChg>
+      </pc:sldChg>
+      <pc:sldChg chg="addSp delSp modSp new del mod modClrScheme chgLayout">
+        <pc:chgData name="Yannick Seidel" userId="6d7a51a3-f98a-430f-bf9e-0549f0f0cd64" providerId="ADAL" clId="{E2F7BF3C-AAE6-443E-A3AB-25C3F5D3F771}" dt="2023-03-14T14:32:35.366" v="13" actId="47"/>
+        <pc:sldMkLst>
+          <pc:docMk/>
+          <pc:sldMk cId="3866517537" sldId="257"/>
+        </pc:sldMkLst>
+        <pc:spChg chg="del mod ord">
+          <ac:chgData name="Yannick Seidel" userId="6d7a51a3-f98a-430f-bf9e-0549f0f0cd64" providerId="ADAL" clId="{E2F7BF3C-AAE6-443E-A3AB-25C3F5D3F771}" dt="2023-03-14T14:32:25.747" v="5" actId="700"/>
+          <ac:spMkLst>
+            <pc:docMk/>
+            <pc:sldMk cId="3866517537" sldId="257"/>
+            <ac:spMk id="2" creationId="{0E76B214-385C-77AF-E9B9-B9E7D8AA34AB}"/>
+          </ac:spMkLst>
+        </pc:spChg>
+        <pc:spChg chg="del mod ord">
+          <ac:chgData name="Yannick Seidel" userId="6d7a51a3-f98a-430f-bf9e-0549f0f0cd64" providerId="ADAL" clId="{E2F7BF3C-AAE6-443E-A3AB-25C3F5D3F771}" dt="2023-03-14T14:32:25.747" v="5" actId="700"/>
+          <ac:spMkLst>
+            <pc:docMk/>
+            <pc:sldMk cId="3866517537" sldId="257"/>
+            <ac:spMk id="3" creationId="{6C94779A-BFCD-5505-E6AE-D731EC2D89DC}"/>
+          </ac:spMkLst>
+        </pc:spChg>
+        <pc:spChg chg="mod ord">
+          <ac:chgData name="Yannick Seidel" userId="6d7a51a3-f98a-430f-bf9e-0549f0f0cd64" providerId="ADAL" clId="{E2F7BF3C-AAE6-443E-A3AB-25C3F5D3F771}" dt="2023-03-14T14:32:25.747" v="5" actId="700"/>
+          <ac:spMkLst>
+            <pc:docMk/>
+            <pc:sldMk cId="3866517537" sldId="257"/>
+            <ac:spMk id="4" creationId="{4F86D4EB-D330-5F38-1E87-F53A713611C1}"/>
+          </ac:spMkLst>
+        </pc:spChg>
+        <pc:spChg chg="add mod ord">
+          <ac:chgData name="Yannick Seidel" userId="6d7a51a3-f98a-430f-bf9e-0549f0f0cd64" providerId="ADAL" clId="{E2F7BF3C-AAE6-443E-A3AB-25C3F5D3F771}" dt="2023-03-14T14:32:27.543" v="11" actId="20577"/>
+          <ac:spMkLst>
+            <pc:docMk/>
+            <pc:sldMk cId="3866517537" sldId="257"/>
+            <ac:spMk id="6" creationId="{73C6A4AC-AD3C-9818-BDCD-F75407B59CF5}"/>
+          </ac:spMkLst>
+        </pc:spChg>
+        <pc:spChg chg="add mod ord">
+          <ac:chgData name="Yannick Seidel" userId="6d7a51a3-f98a-430f-bf9e-0549f0f0cd64" providerId="ADAL" clId="{E2F7BF3C-AAE6-443E-A3AB-25C3F5D3F771}" dt="2023-03-14T14:32:25.747" v="5" actId="700"/>
+          <ac:spMkLst>
+            <pc:docMk/>
+            <pc:sldMk cId="3866517537" sldId="257"/>
+            <ac:spMk id="7" creationId="{6791C054-52E5-E966-7A3C-A160E5F64C3F}"/>
+          </ac:spMkLst>
+        </pc:spChg>
+        <pc:picChg chg="add del mod">
+          <ac:chgData name="Yannick Seidel" userId="6d7a51a3-f98a-430f-bf9e-0549f0f0cd64" providerId="ADAL" clId="{E2F7BF3C-AAE6-443E-A3AB-25C3F5D3F771}" dt="2023-03-14T14:32:19.375" v="4" actId="478"/>
+          <ac:picMkLst>
+            <pc:docMk/>
+            <pc:sldMk cId="3866517537" sldId="257"/>
+            <ac:picMk id="5" creationId="{51ECC33E-0E5E-459F-CCA2-433A0D804CF8}"/>
+          </ac:picMkLst>
+        </pc:picChg>
+      </pc:sldChg>
+      <pc:sldChg chg="new del">
+        <pc:chgData name="Yannick Seidel" userId="6d7a51a3-f98a-430f-bf9e-0549f0f0cd64" providerId="ADAL" clId="{E2F7BF3C-AAE6-443E-A3AB-25C3F5D3F771}" dt="2023-03-14T14:32:36.717" v="14" actId="47"/>
+        <pc:sldMkLst>
+          <pc:docMk/>
+          <pc:sldMk cId="714809098" sldId="258"/>
+        </pc:sldMkLst>
+      </pc:sldChg>
+      <pc:sldChg chg="addSp modSp add mod modTransition">
+        <pc:chgData name="Yannick Seidel" userId="6d7a51a3-f98a-430f-bf9e-0549f0f0cd64" providerId="ADAL" clId="{E2F7BF3C-AAE6-443E-A3AB-25C3F5D3F771}" dt="2023-03-14T16:51:35.308" v="2944" actId="242"/>
+        <pc:sldMkLst>
+          <pc:docMk/>
+          <pc:sldMk cId="2318039090" sldId="258"/>
+        </pc:sldMkLst>
+        <pc:spChg chg="mod">
+          <ac:chgData name="Yannick Seidel" userId="6d7a51a3-f98a-430f-bf9e-0549f0f0cd64" providerId="ADAL" clId="{E2F7BF3C-AAE6-443E-A3AB-25C3F5D3F771}" dt="2023-03-14T16:51:35.308" v="2944" actId="242"/>
+          <ac:spMkLst>
+            <pc:docMk/>
+            <pc:sldMk cId="2318039090" sldId="258"/>
+            <ac:spMk id="2" creationId="{E91ED80D-B8C1-A613-CEA9-E38815402300}"/>
+          </ac:spMkLst>
+        </pc:spChg>
+        <pc:picChg chg="add mod">
+          <ac:chgData name="Yannick Seidel" userId="6d7a51a3-f98a-430f-bf9e-0549f0f0cd64" providerId="ADAL" clId="{E2F7BF3C-AAE6-443E-A3AB-25C3F5D3F771}" dt="2023-03-14T14:33:56.097" v="132"/>
+          <ac:picMkLst>
+            <pc:docMk/>
+            <pc:sldMk cId="2318039090" sldId="258"/>
+            <ac:picMk id="4" creationId="{407C4956-DAFB-E0AE-B6C1-4B4208ABB6DC}"/>
+          </ac:picMkLst>
+        </pc:picChg>
+      </pc:sldChg>
+      <pc:sldChg chg="addSp delSp modSp new mod modTransition modNotesTx">
+        <pc:chgData name="Yannick Seidel" userId="6d7a51a3-f98a-430f-bf9e-0549f0f0cd64" providerId="ADAL" clId="{E2F7BF3C-AAE6-443E-A3AB-25C3F5D3F771}" dt="2023-03-14T19:59:58.230" v="4106" actId="20577"/>
+        <pc:sldMkLst>
+          <pc:docMk/>
+          <pc:sldMk cId="3447288858" sldId="259"/>
+        </pc:sldMkLst>
+        <pc:spChg chg="del">
+          <ac:chgData name="Yannick Seidel" userId="6d7a51a3-f98a-430f-bf9e-0549f0f0cd64" providerId="ADAL" clId="{E2F7BF3C-AAE6-443E-A3AB-25C3F5D3F771}" dt="2023-03-14T14:36:27.444" v="140" actId="26606"/>
+          <ac:spMkLst>
+            <pc:docMk/>
+            <pc:sldMk cId="3447288858" sldId="259"/>
+            <ac:spMk id="2" creationId="{F4D50577-C513-7F5C-CD17-458D57176407}"/>
+          </ac:spMkLst>
+        </pc:spChg>
+        <pc:spChg chg="del">
+          <ac:chgData name="Yannick Seidel" userId="6d7a51a3-f98a-430f-bf9e-0549f0f0cd64" providerId="ADAL" clId="{E2F7BF3C-AAE6-443E-A3AB-25C3F5D3F771}" dt="2023-03-14T14:36:24.762" v="139"/>
+          <ac:spMkLst>
+            <pc:docMk/>
+            <pc:sldMk cId="3447288858" sldId="259"/>
+            <ac:spMk id="3" creationId="{8BDD68CC-474E-DB3B-4522-31B4F598EDB6}"/>
+          </ac:spMkLst>
+        </pc:spChg>
+        <pc:spChg chg="mod ord">
+          <ac:chgData name="Yannick Seidel" userId="6d7a51a3-f98a-430f-bf9e-0549f0f0cd64" providerId="ADAL" clId="{E2F7BF3C-AAE6-443E-A3AB-25C3F5D3F771}" dt="2023-03-14T15:36:45.029" v="1474" actId="20577"/>
+          <ac:spMkLst>
+            <pc:docMk/>
+            <pc:sldMk cId="3447288858" sldId="259"/>
+            <ac:spMk id="4" creationId="{3664F8B5-4288-8689-40FD-F2F05111D534}"/>
+          </ac:spMkLst>
+        </pc:spChg>
+        <pc:spChg chg="add mod">
+          <ac:chgData name="Yannick Seidel" userId="6d7a51a3-f98a-430f-bf9e-0549f0f0cd64" providerId="ADAL" clId="{E2F7BF3C-AAE6-443E-A3AB-25C3F5D3F771}" dt="2023-03-14T17:58:34.709" v="3976" actId="242"/>
+          <ac:spMkLst>
+            <pc:docMk/>
+            <pc:sldMk cId="3447288858" sldId="259"/>
+            <ac:spMk id="10" creationId="{4AFA1535-93CE-40C9-AEEE-16A232D9FCFD}"/>
+          </ac:spMkLst>
+        </pc:spChg>
+        <pc:picChg chg="add mod modCrop">
+          <ac:chgData name="Yannick Seidel" userId="6d7a51a3-f98a-430f-bf9e-0549f0f0cd64" providerId="ADAL" clId="{E2F7BF3C-AAE6-443E-A3AB-25C3F5D3F771}" dt="2023-03-14T15:06:38.178" v="726" actId="11530"/>
+          <ac:picMkLst>
+            <pc:docMk/>
+            <pc:sldMk cId="3447288858" sldId="259"/>
+            <ac:picMk id="5" creationId="{921E42A7-DE82-3720-9624-E8CC22E93667}"/>
+          </ac:picMkLst>
+        </pc:picChg>
+      </pc:sldChg>
+      <pc:sldChg chg="modSp new del mod ord">
+        <pc:chgData name="Yannick Seidel" userId="6d7a51a3-f98a-430f-bf9e-0549f0f0cd64" providerId="ADAL" clId="{E2F7BF3C-AAE6-443E-A3AB-25C3F5D3F771}" dt="2023-03-14T15:25:29.471" v="1257" actId="47"/>
+        <pc:sldMkLst>
+          <pc:docMk/>
+          <pc:sldMk cId="2274018473" sldId="260"/>
+        </pc:sldMkLst>
+        <pc:spChg chg="mod">
+          <ac:chgData name="Yannick Seidel" userId="6d7a51a3-f98a-430f-bf9e-0549f0f0cd64" providerId="ADAL" clId="{E2F7BF3C-AAE6-443E-A3AB-25C3F5D3F771}" dt="2023-03-14T14:37:00.134" v="181" actId="20577"/>
+          <ac:spMkLst>
+            <pc:docMk/>
+            <pc:sldMk cId="2274018473" sldId="260"/>
+            <ac:spMk id="2" creationId="{CC8D880A-3DDD-5ED1-AC83-BE24E0FCC874}"/>
+          </ac:spMkLst>
+        </pc:spChg>
+        <pc:spChg chg="mod">
+          <ac:chgData name="Yannick Seidel" userId="6d7a51a3-f98a-430f-bf9e-0549f0f0cd64" providerId="ADAL" clId="{E2F7BF3C-AAE6-443E-A3AB-25C3F5D3F771}" dt="2023-03-14T15:21:50.371" v="1201" actId="20577"/>
+          <ac:spMkLst>
+            <pc:docMk/>
+            <pc:sldMk cId="2274018473" sldId="260"/>
+            <ac:spMk id="3" creationId="{EC14108C-01B3-B249-D342-0056DFA5C74C}"/>
+          </ac:spMkLst>
+        </pc:spChg>
+      </pc:sldChg>
+      <pc:sldChg chg="addSp modSp new mod modTransition modNotesTx">
+        <pc:chgData name="Yannick Seidel" userId="6d7a51a3-f98a-430f-bf9e-0549f0f0cd64" providerId="ADAL" clId="{E2F7BF3C-AAE6-443E-A3AB-25C3F5D3F771}" dt="2023-03-14T19:36:20.297" v="3983" actId="20577"/>
+        <pc:sldMkLst>
+          <pc:docMk/>
+          <pc:sldMk cId="2568044303" sldId="261"/>
+        </pc:sldMkLst>
+        <pc:spChg chg="mod">
+          <ac:chgData name="Yannick Seidel" userId="6d7a51a3-f98a-430f-bf9e-0549f0f0cd64" providerId="ADAL" clId="{E2F7BF3C-AAE6-443E-A3AB-25C3F5D3F771}" dt="2023-03-14T16:18:46.700" v="1604" actId="242"/>
+          <ac:spMkLst>
+            <pc:docMk/>
+            <pc:sldMk cId="2568044303" sldId="261"/>
+            <ac:spMk id="2" creationId="{AE6A7BEC-3E97-EDE3-E80C-BE2BE397DAEC}"/>
+          </ac:spMkLst>
+        </pc:spChg>
+        <pc:spChg chg="mod">
+          <ac:chgData name="Yannick Seidel" userId="6d7a51a3-f98a-430f-bf9e-0549f0f0cd64" providerId="ADAL" clId="{E2F7BF3C-AAE6-443E-A3AB-25C3F5D3F771}" dt="2023-03-14T16:15:14.151" v="1534" actId="403"/>
+          <ac:spMkLst>
+            <pc:docMk/>
+            <pc:sldMk cId="2568044303" sldId="261"/>
+            <ac:spMk id="3" creationId="{39F0BD38-A3B4-A170-386E-C3063979287F}"/>
+          </ac:spMkLst>
+        </pc:spChg>
+        <pc:spChg chg="mod">
+          <ac:chgData name="Yannick Seidel" userId="6d7a51a3-f98a-430f-bf9e-0549f0f0cd64" providerId="ADAL" clId="{E2F7BF3C-AAE6-443E-A3AB-25C3F5D3F771}" dt="2023-03-14T19:36:20.297" v="3983" actId="20577"/>
+          <ac:spMkLst>
+            <pc:docMk/>
+            <pc:sldMk cId="2568044303" sldId="261"/>
+            <ac:spMk id="4" creationId="{743FE134-2636-949D-5907-BEE2AE178142}"/>
+          </ac:spMkLst>
+        </pc:spChg>
+        <pc:spChg chg="add mod">
+          <ac:chgData name="Yannick Seidel" userId="6d7a51a3-f98a-430f-bf9e-0549f0f0cd64" providerId="ADAL" clId="{E2F7BF3C-AAE6-443E-A3AB-25C3F5D3F771}" dt="2023-03-14T16:33:27.992" v="2663" actId="14861"/>
+          <ac:spMkLst>
+            <pc:docMk/>
+            <pc:sldMk cId="2568044303" sldId="261"/>
+            <ac:spMk id="5" creationId="{D2E87BF0-58AF-9342-B01D-296FE4DF103B}"/>
+          </ac:spMkLst>
+        </pc:spChg>
+        <pc:spChg chg="add mod">
+          <ac:chgData name="Yannick Seidel" userId="6d7a51a3-f98a-430f-bf9e-0549f0f0cd64" providerId="ADAL" clId="{E2F7BF3C-AAE6-443E-A3AB-25C3F5D3F771}" dt="2023-03-14T16:33:27.992" v="2663" actId="14861"/>
+          <ac:spMkLst>
+            <pc:docMk/>
+            <pc:sldMk cId="2568044303" sldId="261"/>
+            <ac:spMk id="6" creationId="{1AE0B659-9464-FC49-6D76-7B1A1515C269}"/>
+          </ac:spMkLst>
+        </pc:spChg>
+        <pc:spChg chg="add mod">
+          <ac:chgData name="Yannick Seidel" userId="6d7a51a3-f98a-430f-bf9e-0549f0f0cd64" providerId="ADAL" clId="{E2F7BF3C-AAE6-443E-A3AB-25C3F5D3F771}" dt="2023-03-14T16:20:37.162" v="1642" actId="1076"/>
+          <ac:spMkLst>
+            <pc:docMk/>
+            <pc:sldMk cId="2568044303" sldId="261"/>
+            <ac:spMk id="7" creationId="{A30A987F-C147-423A-2195-DE583FAC1DA7}"/>
+          </ac:spMkLst>
+        </pc:spChg>
+        <pc:spChg chg="add mod">
+          <ac:chgData name="Yannick Seidel" userId="6d7a51a3-f98a-430f-bf9e-0549f0f0cd64" providerId="ADAL" clId="{E2F7BF3C-AAE6-443E-A3AB-25C3F5D3F771}" dt="2023-03-14T16:30:54.089" v="2516" actId="1036"/>
+          <ac:spMkLst>
+            <pc:docMk/>
+            <pc:sldMk cId="2568044303" sldId="261"/>
+            <ac:spMk id="8" creationId="{32611366-2518-530D-1772-25503A05E6DB}"/>
+          </ac:spMkLst>
+        </pc:spChg>
+        <pc:spChg chg="add mod ord">
+          <ac:chgData name="Yannick Seidel" userId="6d7a51a3-f98a-430f-bf9e-0549f0f0cd64" providerId="ADAL" clId="{E2F7BF3C-AAE6-443E-A3AB-25C3F5D3F771}" dt="2023-03-14T16:34:15.736" v="2677" actId="171"/>
+          <ac:spMkLst>
+            <pc:docMk/>
+            <pc:sldMk cId="2568044303" sldId="261"/>
+            <ac:spMk id="9" creationId="{13F231FE-64FE-E4BC-92B7-52F6E929E65A}"/>
+          </ac:spMkLst>
+        </pc:spChg>
+      </pc:sldChg>
+      <pc:sldChg chg="modSp new del mod modShow">
+        <pc:chgData name="Yannick Seidel" userId="6d7a51a3-f98a-430f-bf9e-0549f0f0cd64" providerId="ADAL" clId="{E2F7BF3C-AAE6-443E-A3AB-25C3F5D3F771}" dt="2023-03-14T19:53:04.940" v="4035" actId="47"/>
+        <pc:sldMkLst>
+          <pc:docMk/>
+          <pc:sldMk cId="2929809613" sldId="262"/>
+        </pc:sldMkLst>
+        <pc:spChg chg="mod">
+          <ac:chgData name="Yannick Seidel" userId="6d7a51a3-f98a-430f-bf9e-0549f0f0cd64" providerId="ADAL" clId="{E2F7BF3C-AAE6-443E-A3AB-25C3F5D3F771}" dt="2023-03-14T14:37:45.955" v="234" actId="20577"/>
+          <ac:spMkLst>
+            <pc:docMk/>
+            <pc:sldMk cId="2929809613" sldId="262"/>
+            <ac:spMk id="2" creationId="{687E9147-2AA0-4D78-8E06-9DECDF8A9B79}"/>
+          </ac:spMkLst>
+        </pc:spChg>
+        <pc:spChg chg="mod">
+          <ac:chgData name="Yannick Seidel" userId="6d7a51a3-f98a-430f-bf9e-0549f0f0cd64" providerId="ADAL" clId="{E2F7BF3C-AAE6-443E-A3AB-25C3F5D3F771}" dt="2023-03-14T14:47:53.338" v="486" actId="20577"/>
+          <ac:spMkLst>
+            <pc:docMk/>
+            <pc:sldMk cId="2929809613" sldId="262"/>
+            <ac:spMk id="3" creationId="{292323C2-5286-8E3E-77D1-46DCE185740E}"/>
+          </ac:spMkLst>
+        </pc:spChg>
+      </pc:sldChg>
+      <pc:sldChg chg="addSp delSp modSp new mod modTransition">
+        <pc:chgData name="Yannick Seidel" userId="6d7a51a3-f98a-430f-bf9e-0549f0f0cd64" providerId="ADAL" clId="{E2F7BF3C-AAE6-443E-A3AB-25C3F5D3F771}" dt="2023-03-14T19:36:39.810" v="3987" actId="20577"/>
+        <pc:sldMkLst>
+          <pc:docMk/>
+          <pc:sldMk cId="3260330487" sldId="263"/>
+        </pc:sldMkLst>
+        <pc:spChg chg="mod">
+          <ac:chgData name="Yannick Seidel" userId="6d7a51a3-f98a-430f-bf9e-0549f0f0cd64" providerId="ADAL" clId="{E2F7BF3C-AAE6-443E-A3AB-25C3F5D3F771}" dt="2023-03-14T16:51:00.802" v="2942" actId="242"/>
+          <ac:spMkLst>
+            <pc:docMk/>
+            <pc:sldMk cId="3260330487" sldId="263"/>
+            <ac:spMk id="2" creationId="{87358716-49FB-FD0B-3383-E1F6B99C68B9}"/>
+          </ac:spMkLst>
+        </pc:spChg>
+        <pc:spChg chg="del mod">
+          <ac:chgData name="Yannick Seidel" userId="6d7a51a3-f98a-430f-bf9e-0549f0f0cd64" providerId="ADAL" clId="{E2F7BF3C-AAE6-443E-A3AB-25C3F5D3F771}" dt="2023-03-14T16:44:54.962" v="2929" actId="478"/>
+          <ac:spMkLst>
+            <pc:docMk/>
+            <pc:sldMk cId="3260330487" sldId="263"/>
+            <ac:spMk id="3" creationId="{B1B0456B-08F6-C83D-F780-2CA06992DAD9}"/>
+          </ac:spMkLst>
+        </pc:spChg>
+        <pc:spChg chg="mod">
+          <ac:chgData name="Yannick Seidel" userId="6d7a51a3-f98a-430f-bf9e-0549f0f0cd64" providerId="ADAL" clId="{E2F7BF3C-AAE6-443E-A3AB-25C3F5D3F771}" dt="2023-03-14T19:36:39.810" v="3987" actId="20577"/>
+          <ac:spMkLst>
+            <pc:docMk/>
+            <pc:sldMk cId="3260330487" sldId="263"/>
+            <ac:spMk id="4" creationId="{F1CF1996-76A4-4CB3-35AD-F4BEBEBF6ED4}"/>
+          </ac:spMkLst>
+        </pc:spChg>
+        <pc:spChg chg="add mod">
+          <ac:chgData name="Yannick Seidel" userId="6d7a51a3-f98a-430f-bf9e-0549f0f0cd64" providerId="ADAL" clId="{E2F7BF3C-AAE6-443E-A3AB-25C3F5D3F771}" dt="2023-03-14T16:50:54.132" v="2941" actId="1036"/>
+          <ac:spMkLst>
+            <pc:docMk/>
+            <pc:sldMk cId="3260330487" sldId="263"/>
+            <ac:spMk id="6" creationId="{B0CA573D-572A-9A85-F83A-947815737B8D}"/>
+          </ac:spMkLst>
+        </pc:spChg>
+        <pc:spChg chg="add del mod">
+          <ac:chgData name="Yannick Seidel" userId="6d7a51a3-f98a-430f-bf9e-0549f0f0cd64" providerId="ADAL" clId="{E2F7BF3C-AAE6-443E-A3AB-25C3F5D3F771}" dt="2023-03-14T16:35:55.113" v="2696" actId="478"/>
+          <ac:spMkLst>
+            <pc:docMk/>
+            <pc:sldMk cId="3260330487" sldId="263"/>
+            <ac:spMk id="7" creationId="{71833541-D3BC-F173-19B7-9C1550466B6F}"/>
+          </ac:spMkLst>
+        </pc:spChg>
+        <pc:spChg chg="add del mod ord">
+          <ac:chgData name="Yannick Seidel" userId="6d7a51a3-f98a-430f-bf9e-0549f0f0cd64" providerId="ADAL" clId="{E2F7BF3C-AAE6-443E-A3AB-25C3F5D3F771}" dt="2023-03-14T16:38:54.049" v="2799" actId="478"/>
+          <ac:spMkLst>
+            <pc:docMk/>
+            <pc:sldMk cId="3260330487" sldId="263"/>
+            <ac:spMk id="8" creationId="{231F5900-7FAF-6B07-5551-37C1ED8295E4}"/>
+          </ac:spMkLst>
+        </pc:spChg>
+        <pc:spChg chg="add mod">
+          <ac:chgData name="Yannick Seidel" userId="6d7a51a3-f98a-430f-bf9e-0549f0f0cd64" providerId="ADAL" clId="{E2F7BF3C-AAE6-443E-A3AB-25C3F5D3F771}" dt="2023-03-14T16:38:10.728" v="2790" actId="20577"/>
+          <ac:spMkLst>
+            <pc:docMk/>
+            <pc:sldMk cId="3260330487" sldId="263"/>
+            <ac:spMk id="9" creationId="{E57772D7-421C-B621-EDD4-EE71BFB1A450}"/>
+          </ac:spMkLst>
+        </pc:spChg>
+        <pc:spChg chg="add mod">
+          <ac:chgData name="Yannick Seidel" userId="6d7a51a3-f98a-430f-bf9e-0549f0f0cd64" providerId="ADAL" clId="{E2F7BF3C-AAE6-443E-A3AB-25C3F5D3F771}" dt="2023-03-14T16:57:20.554" v="2999" actId="1076"/>
+          <ac:spMkLst>
+            <pc:docMk/>
+            <pc:sldMk cId="3260330487" sldId="263"/>
+            <ac:spMk id="10" creationId="{73A5E16F-8565-3BC5-1456-ED4602A1510B}"/>
+          </ac:spMkLst>
+        </pc:spChg>
+        <pc:spChg chg="add del mod">
+          <ac:chgData name="Yannick Seidel" userId="6d7a51a3-f98a-430f-bf9e-0549f0f0cd64" providerId="ADAL" clId="{E2F7BF3C-AAE6-443E-A3AB-25C3F5D3F771}" dt="2023-03-14T16:43:12.976" v="2876" actId="478"/>
+          <ac:spMkLst>
+            <pc:docMk/>
+            <pc:sldMk cId="3260330487" sldId="263"/>
+            <ac:spMk id="11" creationId="{EF6716DB-55A1-107E-621E-4021E68A0F56}"/>
+          </ac:spMkLst>
+        </pc:spChg>
+        <pc:spChg chg="add del mod">
+          <ac:chgData name="Yannick Seidel" userId="6d7a51a3-f98a-430f-bf9e-0549f0f0cd64" providerId="ADAL" clId="{E2F7BF3C-AAE6-443E-A3AB-25C3F5D3F771}" dt="2023-03-14T16:43:08.363" v="2874" actId="478"/>
+          <ac:spMkLst>
+            <pc:docMk/>
+            <pc:sldMk cId="3260330487" sldId="263"/>
+            <ac:spMk id="12" creationId="{9273D6D2-4AC5-2BFC-BD3C-2A45F5162F0A}"/>
+          </ac:spMkLst>
+        </pc:spChg>
+        <pc:spChg chg="add mod">
+          <ac:chgData name="Yannick Seidel" userId="6d7a51a3-f98a-430f-bf9e-0549f0f0cd64" providerId="ADAL" clId="{E2F7BF3C-AAE6-443E-A3AB-25C3F5D3F771}" dt="2023-03-14T16:57:17.270" v="2998" actId="1076"/>
+          <ac:spMkLst>
+            <pc:docMk/>
+            <pc:sldMk cId="3260330487" sldId="263"/>
+            <ac:spMk id="13" creationId="{A7B0E687-BFE5-7285-1089-4B0DBE5440F7}"/>
+          </ac:spMkLst>
+        </pc:spChg>
+        <pc:spChg chg="add mod">
+          <ac:chgData name="Yannick Seidel" userId="6d7a51a3-f98a-430f-bf9e-0549f0f0cd64" providerId="ADAL" clId="{E2F7BF3C-AAE6-443E-A3AB-25C3F5D3F771}" dt="2023-03-14T16:56:37.354" v="2992" actId="207"/>
+          <ac:spMkLst>
+            <pc:docMk/>
+            <pc:sldMk cId="3260330487" sldId="263"/>
+            <ac:spMk id="14" creationId="{F76C6566-F907-D48C-E1FC-4AB2A7B51630}"/>
+          </ac:spMkLst>
+        </pc:spChg>
+        <pc:spChg chg="add mod">
+          <ac:chgData name="Yannick Seidel" userId="6d7a51a3-f98a-430f-bf9e-0549f0f0cd64" providerId="ADAL" clId="{E2F7BF3C-AAE6-443E-A3AB-25C3F5D3F771}" dt="2023-03-14T16:56:37.354" v="2992" actId="207"/>
+          <ac:spMkLst>
+            <pc:docMk/>
+            <pc:sldMk cId="3260330487" sldId="263"/>
+            <ac:spMk id="15" creationId="{DBEE27AF-2D44-A253-A3F8-A16680F3F0DB}"/>
+          </ac:spMkLst>
+        </pc:spChg>
+        <pc:spChg chg="add mod">
+          <ac:chgData name="Yannick Seidel" userId="6d7a51a3-f98a-430f-bf9e-0549f0f0cd64" providerId="ADAL" clId="{E2F7BF3C-AAE6-443E-A3AB-25C3F5D3F771}" dt="2023-03-14T16:57:26.904" v="3000" actId="1076"/>
+          <ac:spMkLst>
+            <pc:docMk/>
+            <pc:sldMk cId="3260330487" sldId="263"/>
+            <ac:spMk id="16" creationId="{E13459D0-DC69-B6E4-842F-914C1FDB9DF8}"/>
+          </ac:spMkLst>
+        </pc:spChg>
+        <pc:spChg chg="add mod">
+          <ac:chgData name="Yannick Seidel" userId="6d7a51a3-f98a-430f-bf9e-0549f0f0cd64" providerId="ADAL" clId="{E2F7BF3C-AAE6-443E-A3AB-25C3F5D3F771}" dt="2023-03-14T16:57:31.602" v="3001" actId="1076"/>
+          <ac:spMkLst>
+            <pc:docMk/>
+            <pc:sldMk cId="3260330487" sldId="263"/>
+            <ac:spMk id="17" creationId="{6901FDA4-A85F-6A68-5B26-4EAB4CE38487}"/>
+          </ac:spMkLst>
+        </pc:spChg>
+        <pc:graphicFrameChg chg="add del mod modGraphic">
+          <ac:chgData name="Yannick Seidel" userId="6d7a51a3-f98a-430f-bf9e-0549f0f0cd64" providerId="ADAL" clId="{E2F7BF3C-AAE6-443E-A3AB-25C3F5D3F771}" dt="2023-03-14T16:35:26.590" v="2690" actId="478"/>
+          <ac:graphicFrameMkLst>
+            <pc:docMk/>
+            <pc:sldMk cId="3260330487" sldId="263"/>
+            <ac:graphicFrameMk id="5" creationId="{7CD9D3A7-AE8F-E383-47DA-901786A96FCB}"/>
+          </ac:graphicFrameMkLst>
+        </pc:graphicFrameChg>
+        <pc:picChg chg="add del mod">
+          <ac:chgData name="Yannick Seidel" userId="6d7a51a3-f98a-430f-bf9e-0549f0f0cd64" providerId="ADAL" clId="{E2F7BF3C-AAE6-443E-A3AB-25C3F5D3F771}" dt="2023-03-14T16:38:10.219" v="2789"/>
+          <ac:picMkLst>
+            <pc:docMk/>
+            <pc:sldMk cId="3260330487" sldId="263"/>
+            <ac:picMk id="2050" creationId="{227D5FCA-11B7-3E1B-0B23-81D957AB05D3}"/>
+          </ac:picMkLst>
+        </pc:picChg>
+      </pc:sldChg>
+      <pc:sldChg chg="addSp modSp new mod modTransition">
+        <pc:chgData name="Yannick Seidel" userId="6d7a51a3-f98a-430f-bf9e-0549f0f0cd64" providerId="ADAL" clId="{E2F7BF3C-AAE6-443E-A3AB-25C3F5D3F771}" dt="2023-03-14T19:36:44.567" v="3988" actId="20577"/>
+        <pc:sldMkLst>
+          <pc:docMk/>
+          <pc:sldMk cId="1597247208" sldId="264"/>
+        </pc:sldMkLst>
+        <pc:spChg chg="mod">
+          <ac:chgData name="Yannick Seidel" userId="6d7a51a3-f98a-430f-bf9e-0549f0f0cd64" providerId="ADAL" clId="{E2F7BF3C-AAE6-443E-A3AB-25C3F5D3F771}" dt="2023-03-14T14:38:35.602" v="312" actId="20577"/>
+          <ac:spMkLst>
+            <pc:docMk/>
+            <pc:sldMk cId="1597247208" sldId="264"/>
+            <ac:spMk id="2" creationId="{97DA1A72-3B5E-221C-E6A8-180020955F2A}"/>
+          </ac:spMkLst>
+        </pc:spChg>
+        <pc:spChg chg="mod">
+          <ac:chgData name="Yannick Seidel" userId="6d7a51a3-f98a-430f-bf9e-0549f0f0cd64" providerId="ADAL" clId="{E2F7BF3C-AAE6-443E-A3AB-25C3F5D3F771}" dt="2023-03-14T17:56:34.485" v="3973" actId="20577"/>
+          <ac:spMkLst>
+            <pc:docMk/>
+            <pc:sldMk cId="1597247208" sldId="264"/>
+            <ac:spMk id="3" creationId="{E631BBC3-BAB5-316F-FE45-44502000F94E}"/>
+          </ac:spMkLst>
+        </pc:spChg>
+        <pc:spChg chg="mod">
+          <ac:chgData name="Yannick Seidel" userId="6d7a51a3-f98a-430f-bf9e-0549f0f0cd64" providerId="ADAL" clId="{E2F7BF3C-AAE6-443E-A3AB-25C3F5D3F771}" dt="2023-03-14T19:36:44.567" v="3988" actId="20577"/>
+          <ac:spMkLst>
+            <pc:docMk/>
+            <pc:sldMk cId="1597247208" sldId="264"/>
+            <ac:spMk id="4" creationId="{B703965B-5F83-A9D8-4A80-A4290F45E16E}"/>
+          </ac:spMkLst>
+        </pc:spChg>
+        <pc:picChg chg="add mod">
+          <ac:chgData name="Yannick Seidel" userId="6d7a51a3-f98a-430f-bf9e-0549f0f0cd64" providerId="ADAL" clId="{E2F7BF3C-AAE6-443E-A3AB-25C3F5D3F771}" dt="2023-03-14T17:55:53.933" v="3942" actId="1076"/>
+          <ac:picMkLst>
+            <pc:docMk/>
+            <pc:sldMk cId="1597247208" sldId="264"/>
+            <ac:picMk id="6" creationId="{0BCC1B94-6548-2287-5763-2DD685BCC3BB}"/>
+          </ac:picMkLst>
+        </pc:picChg>
+      </pc:sldChg>
+      <pc:sldChg chg="addSp delSp modSp new mod modTransition">
+        <pc:chgData name="Yannick Seidel" userId="6d7a51a3-f98a-430f-bf9e-0549f0f0cd64" providerId="ADAL" clId="{E2F7BF3C-AAE6-443E-A3AB-25C3F5D3F771}" dt="2023-03-14T19:36:48.754" v="3989" actId="20577"/>
+        <pc:sldMkLst>
+          <pc:docMk/>
+          <pc:sldMk cId="3573600852" sldId="265"/>
+        </pc:sldMkLst>
+        <pc:spChg chg="mod">
+          <ac:chgData name="Yannick Seidel" userId="6d7a51a3-f98a-430f-bf9e-0549f0f0cd64" providerId="ADAL" clId="{E2F7BF3C-AAE6-443E-A3AB-25C3F5D3F771}" dt="2023-03-14T14:38:44.980" v="332" actId="20577"/>
+          <ac:spMkLst>
+            <pc:docMk/>
+            <pc:sldMk cId="3573600852" sldId="265"/>
+            <ac:spMk id="2" creationId="{D3E272DC-FD13-B524-E24B-09914961DCDE}"/>
+          </ac:spMkLst>
+        </pc:spChg>
+        <pc:spChg chg="mod">
+          <ac:chgData name="Yannick Seidel" userId="6d7a51a3-f98a-430f-bf9e-0549f0f0cd64" providerId="ADAL" clId="{E2F7BF3C-AAE6-443E-A3AB-25C3F5D3F771}" dt="2023-03-14T17:26:23.040" v="3458" actId="255"/>
+          <ac:spMkLst>
+            <pc:docMk/>
+            <pc:sldMk cId="3573600852" sldId="265"/>
+            <ac:spMk id="3" creationId="{D5359747-ECC9-66A1-FBCF-81B5C184B0D6}"/>
+          </ac:spMkLst>
+        </pc:spChg>
+        <pc:spChg chg="mod">
+          <ac:chgData name="Yannick Seidel" userId="6d7a51a3-f98a-430f-bf9e-0549f0f0cd64" providerId="ADAL" clId="{E2F7BF3C-AAE6-443E-A3AB-25C3F5D3F771}" dt="2023-03-14T19:36:48.754" v="3989" actId="20577"/>
+          <ac:spMkLst>
+            <pc:docMk/>
+            <pc:sldMk cId="3573600852" sldId="265"/>
+            <ac:spMk id="4" creationId="{BBFEC472-605A-C2E6-922B-7CE1D967BD8B}"/>
+          </ac:spMkLst>
+        </pc:spChg>
+        <pc:spChg chg="add del">
+          <ac:chgData name="Yannick Seidel" userId="6d7a51a3-f98a-430f-bf9e-0549f0f0cd64" providerId="ADAL" clId="{E2F7BF3C-AAE6-443E-A3AB-25C3F5D3F771}" dt="2023-03-14T17:23:24.494" v="3412" actId="478"/>
+          <ac:spMkLst>
+            <pc:docMk/>
+            <pc:sldMk cId="3573600852" sldId="265"/>
+            <ac:spMk id="5" creationId="{FF6B4973-0E71-0DE5-760A-15BA055EDB00}"/>
+          </ac:spMkLst>
+        </pc:spChg>
+        <pc:spChg chg="add mod ord">
+          <ac:chgData name="Yannick Seidel" userId="6d7a51a3-f98a-430f-bf9e-0549f0f0cd64" providerId="ADAL" clId="{E2F7BF3C-AAE6-443E-A3AB-25C3F5D3F771}" dt="2023-03-14T17:26:51.978" v="3463" actId="207"/>
+          <ac:spMkLst>
+            <pc:docMk/>
+            <pc:sldMk cId="3573600852" sldId="265"/>
+            <ac:spMk id="16" creationId="{F436CB55-4B27-86AE-25ED-746656EF682B}"/>
+          </ac:spMkLst>
+        </pc:spChg>
+        <pc:picChg chg="add mod">
+          <ac:chgData name="Yannick Seidel" userId="6d7a51a3-f98a-430f-bf9e-0549f0f0cd64" providerId="ADAL" clId="{E2F7BF3C-AAE6-443E-A3AB-25C3F5D3F771}" dt="2023-03-14T17:26:29.518" v="3459" actId="1076"/>
+          <ac:picMkLst>
+            <pc:docMk/>
+            <pc:sldMk cId="3573600852" sldId="265"/>
+            <ac:picMk id="7" creationId="{A381D2C9-ED66-67DB-2EC4-891D6F47D220}"/>
+          </ac:picMkLst>
+        </pc:picChg>
+        <pc:picChg chg="add del mod">
+          <ac:chgData name="Yannick Seidel" userId="6d7a51a3-f98a-430f-bf9e-0549f0f0cd64" providerId="ADAL" clId="{E2F7BF3C-AAE6-443E-A3AB-25C3F5D3F771}" dt="2023-03-14T17:20:48.854" v="3403" actId="931"/>
+          <ac:picMkLst>
+            <pc:docMk/>
+            <pc:sldMk cId="3573600852" sldId="265"/>
+            <ac:picMk id="9" creationId="{55213DB5-5F74-0905-56AA-1B59573A9EFF}"/>
+          </ac:picMkLst>
+        </pc:picChg>
+        <pc:picChg chg="add mod">
+          <ac:chgData name="Yannick Seidel" userId="6d7a51a3-f98a-430f-bf9e-0549f0f0cd64" providerId="ADAL" clId="{E2F7BF3C-AAE6-443E-A3AB-25C3F5D3F771}" dt="2023-03-14T17:26:32.189" v="3460" actId="1076"/>
+          <ac:picMkLst>
+            <pc:docMk/>
+            <pc:sldMk cId="3573600852" sldId="265"/>
+            <ac:picMk id="11" creationId="{2FD9B2D5-8358-B2B3-2967-890DDBD8E0FC}"/>
+          </ac:picMkLst>
+        </pc:picChg>
+        <pc:cxnChg chg="add del mod">
+          <ac:chgData name="Yannick Seidel" userId="6d7a51a3-f98a-430f-bf9e-0549f0f0cd64" providerId="ADAL" clId="{E2F7BF3C-AAE6-443E-A3AB-25C3F5D3F771}" dt="2023-03-14T17:23:03.069" v="3411" actId="478"/>
+          <ac:cxnSpMkLst>
+            <pc:docMk/>
+            <pc:sldMk cId="3573600852" sldId="265"/>
+            <ac:cxnSpMk id="13" creationId="{40C5A5DF-D84A-EE09-D0A6-6C8EDCCA976B}"/>
+          </ac:cxnSpMkLst>
+        </pc:cxnChg>
+        <pc:cxnChg chg="add del mod">
+          <ac:chgData name="Yannick Seidel" userId="6d7a51a3-f98a-430f-bf9e-0549f0f0cd64" providerId="ADAL" clId="{E2F7BF3C-AAE6-443E-A3AB-25C3F5D3F771}" dt="2023-03-14T17:25:18.872" v="3448" actId="478"/>
+          <ac:cxnSpMkLst>
+            <pc:docMk/>
+            <pc:sldMk cId="3573600852" sldId="265"/>
+            <ac:cxnSpMk id="15" creationId="{64FB3065-BD73-B938-A403-9607C9BCF69E}"/>
+          </ac:cxnSpMkLst>
+        </pc:cxnChg>
+        <pc:cxnChg chg="add mod">
+          <ac:chgData name="Yannick Seidel" userId="6d7a51a3-f98a-430f-bf9e-0549f0f0cd64" providerId="ADAL" clId="{E2F7BF3C-AAE6-443E-A3AB-25C3F5D3F771}" dt="2023-03-14T17:28:25.332" v="3496" actId="1035"/>
+          <ac:cxnSpMkLst>
+            <pc:docMk/>
+            <pc:sldMk cId="3573600852" sldId="265"/>
+            <ac:cxnSpMk id="18" creationId="{C35749F3-9E2C-DAB9-62BF-09B556BF88CB}"/>
+          </ac:cxnSpMkLst>
+        </pc:cxnChg>
+      </pc:sldChg>
+      <pc:sldChg chg="addSp delSp modSp new mod modTransition modClrScheme chgLayout">
+        <pc:chgData name="Yannick Seidel" userId="6d7a51a3-f98a-430f-bf9e-0549f0f0cd64" providerId="ADAL" clId="{E2F7BF3C-AAE6-443E-A3AB-25C3F5D3F771}" dt="2023-03-14T19:38:08.477" v="4034" actId="1037"/>
+        <pc:sldMkLst>
+          <pc:docMk/>
+          <pc:sldMk cId="1211156781" sldId="266"/>
+        </pc:sldMkLst>
+        <pc:spChg chg="del">
+          <ac:chgData name="Yannick Seidel" userId="6d7a51a3-f98a-430f-bf9e-0549f0f0cd64" providerId="ADAL" clId="{E2F7BF3C-AAE6-443E-A3AB-25C3F5D3F771}" dt="2023-03-14T14:38:59.626" v="334" actId="700"/>
+          <ac:spMkLst>
+            <pc:docMk/>
+            <pc:sldMk cId="1211156781" sldId="266"/>
+            <ac:spMk id="2" creationId="{CF939643-5FCC-3725-4011-9800FC0732C6}"/>
+          </ac:spMkLst>
+        </pc:spChg>
+        <pc:spChg chg="del">
+          <ac:chgData name="Yannick Seidel" userId="6d7a51a3-f98a-430f-bf9e-0549f0f0cd64" providerId="ADAL" clId="{E2F7BF3C-AAE6-443E-A3AB-25C3F5D3F771}" dt="2023-03-14T14:38:59.626" v="334" actId="700"/>
+          <ac:spMkLst>
+            <pc:docMk/>
+            <pc:sldMk cId="1211156781" sldId="266"/>
+            <ac:spMk id="3" creationId="{E98CC56D-5D72-F975-5C64-B463BFDC66E4}"/>
+          </ac:spMkLst>
+        </pc:spChg>
+        <pc:spChg chg="mod ord">
+          <ac:chgData name="Yannick Seidel" userId="6d7a51a3-f98a-430f-bf9e-0549f0f0cd64" providerId="ADAL" clId="{E2F7BF3C-AAE6-443E-A3AB-25C3F5D3F771}" dt="2023-03-14T19:38:08.477" v="4034" actId="1037"/>
+          <ac:spMkLst>
+            <pc:docMk/>
+            <pc:sldMk cId="1211156781" sldId="266"/>
+            <ac:spMk id="4" creationId="{4444E0CD-C653-495C-28BD-5DAD2730F8D2}"/>
+          </ac:spMkLst>
+        </pc:spChg>
+        <pc:spChg chg="add del mod ord">
+          <ac:chgData name="Yannick Seidel" userId="6d7a51a3-f98a-430f-bf9e-0549f0f0cd64" providerId="ADAL" clId="{E2F7BF3C-AAE6-443E-A3AB-25C3F5D3F771}" dt="2023-03-14T14:39:01.570" v="335" actId="700"/>
+          <ac:spMkLst>
+            <pc:docMk/>
+            <pc:sldMk cId="1211156781" sldId="266"/>
+            <ac:spMk id="5" creationId="{8A0555F2-EFBD-0D93-C759-2D47C4CC39AC}"/>
+          </ac:spMkLst>
+        </pc:spChg>
+        <pc:spChg chg="add del mod ord">
+          <ac:chgData name="Yannick Seidel" userId="6d7a51a3-f98a-430f-bf9e-0549f0f0cd64" providerId="ADAL" clId="{E2F7BF3C-AAE6-443E-A3AB-25C3F5D3F771}" dt="2023-03-14T14:39:01.570" v="335" actId="700"/>
+          <ac:spMkLst>
+            <pc:docMk/>
+            <pc:sldMk cId="1211156781" sldId="266"/>
+            <ac:spMk id="6" creationId="{0C09A427-3C0E-3A7C-51CF-4F3294E00B91}"/>
+          </ac:spMkLst>
+        </pc:spChg>
+        <pc:spChg chg="add mod ord">
+          <ac:chgData name="Yannick Seidel" userId="6d7a51a3-f98a-430f-bf9e-0549f0f0cd64" providerId="ADAL" clId="{E2F7BF3C-AAE6-443E-A3AB-25C3F5D3F771}" dt="2023-03-14T15:32:20.689" v="1358" actId="20577"/>
+          <ac:spMkLst>
+            <pc:docMk/>
+            <pc:sldMk cId="1211156781" sldId="266"/>
+            <ac:spMk id="7" creationId="{9A123FFD-B7FB-1165-7115-6E3FA9199927}"/>
+          </ac:spMkLst>
+        </pc:spChg>
+        <pc:spChg chg="add del mod ord">
+          <ac:chgData name="Yannick Seidel" userId="6d7a51a3-f98a-430f-bf9e-0549f0f0cd64" providerId="ADAL" clId="{E2F7BF3C-AAE6-443E-A3AB-25C3F5D3F771}" dt="2023-03-14T15:25:37.515" v="1258" actId="478"/>
+          <ac:spMkLst>
+            <pc:docMk/>
+            <pc:sldMk cId="1211156781" sldId="266"/>
+            <ac:spMk id="8" creationId="{ACCBBB4D-93F9-EE26-4017-34072F6228EE}"/>
+          </ac:spMkLst>
+        </pc:spChg>
+        <pc:spChg chg="add mod">
+          <ac:chgData name="Yannick Seidel" userId="6d7a51a3-f98a-430f-bf9e-0549f0f0cd64" providerId="ADAL" clId="{E2F7BF3C-AAE6-443E-A3AB-25C3F5D3F771}" dt="2023-03-14T15:32:47.047" v="1370" actId="1076"/>
+          <ac:spMkLst>
+            <pc:docMk/>
+            <pc:sldMk cId="1211156781" sldId="266"/>
+            <ac:spMk id="11" creationId="{898CE6F4-9847-C24A-E49E-CF5AE1F96798}"/>
+          </ac:spMkLst>
+        </pc:spChg>
+        <pc:spChg chg="add del mod">
+          <ac:chgData name="Yannick Seidel" userId="6d7a51a3-f98a-430f-bf9e-0549f0f0cd64" providerId="ADAL" clId="{E2F7BF3C-AAE6-443E-A3AB-25C3F5D3F771}" dt="2023-03-14T19:37:15.550" v="4000" actId="478"/>
+          <ac:spMkLst>
+            <pc:docMk/>
+            <pc:sldMk cId="1211156781" sldId="266"/>
+            <ac:spMk id="12" creationId="{7D26051D-0C35-43BB-A4E2-BDB6EEC39D4C}"/>
+          </ac:spMkLst>
+        </pc:spChg>
+        <pc:picChg chg="add mod">
+          <ac:chgData name="Yannick Seidel" userId="6d7a51a3-f98a-430f-bf9e-0549f0f0cd64" providerId="ADAL" clId="{E2F7BF3C-AAE6-443E-A3AB-25C3F5D3F771}" dt="2023-03-14T15:32:26.217" v="1362" actId="27957"/>
+          <ac:picMkLst>
+            <pc:docMk/>
+            <pc:sldMk cId="1211156781" sldId="266"/>
+            <ac:picMk id="10" creationId="{5518E45D-C4E6-D210-F551-FB89A53E679A}"/>
+          </ac:picMkLst>
+        </pc:picChg>
+      </pc:sldChg>
+      <pc:sldChg chg="addSp delSp modSp new mod modTransition modNotesTx">
+        <pc:chgData name="Yannick Seidel" userId="6d7a51a3-f98a-430f-bf9e-0549f0f0cd64" providerId="ADAL" clId="{E2F7BF3C-AAE6-443E-A3AB-25C3F5D3F771}" dt="2023-03-14T20:01:22.628" v="4123" actId="20577"/>
+        <pc:sldMkLst>
+          <pc:docMk/>
+          <pc:sldMk cId="1978059231" sldId="267"/>
+        </pc:sldMkLst>
+        <pc:spChg chg="mod">
+          <ac:chgData name="Yannick Seidel" userId="6d7a51a3-f98a-430f-bf9e-0549f0f0cd64" providerId="ADAL" clId="{E2F7BF3C-AAE6-443E-A3AB-25C3F5D3F771}" dt="2023-03-14T19:53:59.416" v="4036" actId="242"/>
+          <ac:spMkLst>
+            <pc:docMk/>
+            <pc:sldMk cId="1978059231" sldId="267"/>
+            <ac:spMk id="2" creationId="{B810F3A7-8936-FAA6-1683-F52AD988008C}"/>
+          </ac:spMkLst>
+        </pc:spChg>
+        <pc:spChg chg="del">
+          <ac:chgData name="Yannick Seidel" userId="6d7a51a3-f98a-430f-bf9e-0549f0f0cd64" providerId="ADAL" clId="{E2F7BF3C-AAE6-443E-A3AB-25C3F5D3F771}" dt="2023-03-14T14:39:57.773" v="346"/>
+          <ac:spMkLst>
+            <pc:docMk/>
+            <pc:sldMk cId="1978059231" sldId="267"/>
+            <ac:spMk id="3" creationId="{92AE371C-47DB-E1BE-5B85-1ACFA92AA1CE}"/>
+          </ac:spMkLst>
+        </pc:spChg>
+        <pc:spChg chg="mod">
+          <ac:chgData name="Yannick Seidel" userId="6d7a51a3-f98a-430f-bf9e-0549f0f0cd64" providerId="ADAL" clId="{E2F7BF3C-AAE6-443E-A3AB-25C3F5D3F771}" dt="2023-03-14T19:37:56.544" v="4013" actId="20577"/>
+          <ac:spMkLst>
+            <pc:docMk/>
+            <pc:sldMk cId="1978059231" sldId="267"/>
+            <ac:spMk id="4" creationId="{40BB8FC5-3279-0DFB-7899-90D945F9D391}"/>
+          </ac:spMkLst>
+        </pc:spChg>
+        <pc:picChg chg="add mod">
+          <ac:chgData name="Yannick Seidel" userId="6d7a51a3-f98a-430f-bf9e-0549f0f0cd64" providerId="ADAL" clId="{E2F7BF3C-AAE6-443E-A3AB-25C3F5D3F771}" dt="2023-03-14T14:40:19.345" v="366" actId="1076"/>
+          <ac:picMkLst>
+            <pc:docMk/>
+            <pc:sldMk cId="1978059231" sldId="267"/>
+            <ac:picMk id="1026" creationId="{F0C46998-F4D2-ACC2-4E87-C1A075DF24E8}"/>
+          </ac:picMkLst>
+        </pc:picChg>
+      </pc:sldChg>
+      <pc:sldChg chg="addSp delSp modSp new mod modTransition">
+        <pc:chgData name="Yannick Seidel" userId="6d7a51a3-f98a-430f-bf9e-0549f0f0cd64" providerId="ADAL" clId="{E2F7BF3C-AAE6-443E-A3AB-25C3F5D3F771}" dt="2023-03-14T19:36:30.800" v="3985" actId="20577"/>
+        <pc:sldMkLst>
+          <pc:docMk/>
+          <pc:sldMk cId="1199100795" sldId="268"/>
+        </pc:sldMkLst>
+        <pc:spChg chg="mod">
+          <ac:chgData name="Yannick Seidel" userId="6d7a51a3-f98a-430f-bf9e-0549f0f0cd64" providerId="ADAL" clId="{E2F7BF3C-AAE6-443E-A3AB-25C3F5D3F771}" dt="2023-03-14T16:51:08.189" v="2943" actId="242"/>
+          <ac:spMkLst>
+            <pc:docMk/>
+            <pc:sldMk cId="1199100795" sldId="268"/>
+            <ac:spMk id="2" creationId="{F2115426-7491-11AC-E2CB-B436DF0BF595}"/>
+          </ac:spMkLst>
+        </pc:spChg>
+        <pc:spChg chg="add del mod">
+          <ac:chgData name="Yannick Seidel" userId="6d7a51a3-f98a-430f-bf9e-0549f0f0cd64" providerId="ADAL" clId="{E2F7BF3C-AAE6-443E-A3AB-25C3F5D3F771}" dt="2023-03-14T17:01:51.154" v="3005" actId="1076"/>
+          <ac:spMkLst>
+            <pc:docMk/>
+            <pc:sldMk cId="1199100795" sldId="268"/>
+            <ac:spMk id="3" creationId="{400FA8B6-BB31-5F6F-5766-ABD6838A9BCF}"/>
+          </ac:spMkLst>
+        </pc:spChg>
+        <pc:spChg chg="mod">
+          <ac:chgData name="Yannick Seidel" userId="6d7a51a3-f98a-430f-bf9e-0549f0f0cd64" providerId="ADAL" clId="{E2F7BF3C-AAE6-443E-A3AB-25C3F5D3F771}" dt="2023-03-14T19:36:30.800" v="3985" actId="20577"/>
+          <ac:spMkLst>
+            <pc:docMk/>
+            <pc:sldMk cId="1199100795" sldId="268"/>
+            <ac:spMk id="4" creationId="{5D8D1C76-AA18-8AC9-1A79-AD9B4685A036}"/>
+          </ac:spMkLst>
+        </pc:spChg>
+        <pc:spChg chg="add mod">
+          <ac:chgData name="Yannick Seidel" userId="6d7a51a3-f98a-430f-bf9e-0549f0f0cd64" providerId="ADAL" clId="{E2F7BF3C-AAE6-443E-A3AB-25C3F5D3F771}" dt="2023-03-14T16:34:53.823" v="2682" actId="207"/>
+          <ac:spMkLst>
+            <pc:docMk/>
+            <pc:sldMk cId="1199100795" sldId="268"/>
+            <ac:spMk id="5" creationId="{F7D03D49-F4EE-05BC-EF19-98B22C5707D6}"/>
+          </ac:spMkLst>
+        </pc:spChg>
+        <pc:spChg chg="add mod">
+          <ac:chgData name="Yannick Seidel" userId="6d7a51a3-f98a-430f-bf9e-0549f0f0cd64" providerId="ADAL" clId="{E2F7BF3C-AAE6-443E-A3AB-25C3F5D3F771}" dt="2023-03-14T15:14:11.124" v="882" actId="1035"/>
+          <ac:spMkLst>
+            <pc:docMk/>
+            <pc:sldMk cId="1199100795" sldId="268"/>
+            <ac:spMk id="7" creationId="{F4F27440-88AE-2708-1B26-D7033DDF8912}"/>
+          </ac:spMkLst>
+        </pc:spChg>
+        <pc:spChg chg="add mod">
+          <ac:chgData name="Yannick Seidel" userId="6d7a51a3-f98a-430f-bf9e-0549f0f0cd64" providerId="ADAL" clId="{E2F7BF3C-AAE6-443E-A3AB-25C3F5D3F771}" dt="2023-03-14T15:16:01.117" v="936" actId="1036"/>
+          <ac:spMkLst>
+            <pc:docMk/>
+            <pc:sldMk cId="1199100795" sldId="268"/>
+            <ac:spMk id="8" creationId="{47F66B8D-7547-6ECF-C479-6E3A625A5548}"/>
+          </ac:spMkLst>
+        </pc:spChg>
+        <pc:spChg chg="add del mod">
+          <ac:chgData name="Yannick Seidel" userId="6d7a51a3-f98a-430f-bf9e-0549f0f0cd64" providerId="ADAL" clId="{E2F7BF3C-AAE6-443E-A3AB-25C3F5D3F771}" dt="2023-03-14T15:08:54.334" v="769" actId="478"/>
+          <ac:spMkLst>
+            <pc:docMk/>
+            <pc:sldMk cId="1199100795" sldId="268"/>
+            <ac:spMk id="9" creationId="{FED6C790-58A7-2B0D-F81B-8707C12D3015}"/>
+          </ac:spMkLst>
+        </pc:spChg>
+        <pc:spChg chg="add del mod">
+          <ac:chgData name="Yannick Seidel" userId="6d7a51a3-f98a-430f-bf9e-0549f0f0cd64" providerId="ADAL" clId="{E2F7BF3C-AAE6-443E-A3AB-25C3F5D3F771}" dt="2023-03-14T15:08:53.093" v="768" actId="478"/>
+          <ac:spMkLst>
+            <pc:docMk/>
+            <pc:sldMk cId="1199100795" sldId="268"/>
+            <ac:spMk id="10" creationId="{A11AAE4D-6529-683A-BA22-9CD6FFCAC2FC}"/>
+          </ac:spMkLst>
+        </pc:spChg>
+        <pc:spChg chg="add mod">
+          <ac:chgData name="Yannick Seidel" userId="6d7a51a3-f98a-430f-bf9e-0549f0f0cd64" providerId="ADAL" clId="{E2F7BF3C-AAE6-443E-A3AB-25C3F5D3F771}" dt="2023-03-14T15:12:46.636" v="870" actId="1076"/>
+          <ac:spMkLst>
+            <pc:docMk/>
+            <pc:sldMk cId="1199100795" sldId="268"/>
+            <ac:spMk id="11" creationId="{5E7C9ABD-EA4C-D6FB-6C30-C90F20202A22}"/>
+          </ac:spMkLst>
+        </pc:spChg>
+        <pc:spChg chg="add mod">
+          <ac:chgData name="Yannick Seidel" userId="6d7a51a3-f98a-430f-bf9e-0549f0f0cd64" providerId="ADAL" clId="{E2F7BF3C-AAE6-443E-A3AB-25C3F5D3F771}" dt="2023-03-14T15:17:22.159" v="952" actId="1076"/>
+          <ac:spMkLst>
+            <pc:docMk/>
+            <pc:sldMk cId="1199100795" sldId="268"/>
+            <ac:spMk id="12" creationId="{FFE28D8D-D029-54E6-6E76-8E0FD6B64F8E}"/>
+          </ac:spMkLst>
+        </pc:spChg>
+        <pc:spChg chg="add mod">
+          <ac:chgData name="Yannick Seidel" userId="6d7a51a3-f98a-430f-bf9e-0549f0f0cd64" providerId="ADAL" clId="{E2F7BF3C-AAE6-443E-A3AB-25C3F5D3F771}" dt="2023-03-14T15:16:01.117" v="936" actId="1036"/>
+          <ac:spMkLst>
+            <pc:docMk/>
+            <pc:sldMk cId="1199100795" sldId="268"/>
+            <ac:spMk id="13" creationId="{5BB0A520-4F43-A798-2D66-41E7B319FCDC}"/>
+          </ac:spMkLst>
+        </pc:spChg>
+        <pc:spChg chg="add mod">
+          <ac:chgData name="Yannick Seidel" userId="6d7a51a3-f98a-430f-bf9e-0549f0f0cd64" providerId="ADAL" clId="{E2F7BF3C-AAE6-443E-A3AB-25C3F5D3F771}" dt="2023-03-14T15:16:01.117" v="936" actId="1036"/>
+          <ac:spMkLst>
+            <pc:docMk/>
+            <pc:sldMk cId="1199100795" sldId="268"/>
+            <ac:spMk id="14" creationId="{B1D4FE55-421E-7E37-6072-FD08F258B67F}"/>
+          </ac:spMkLst>
+        </pc:spChg>
+        <pc:spChg chg="add mod">
+          <ac:chgData name="Yannick Seidel" userId="6d7a51a3-f98a-430f-bf9e-0549f0f0cd64" providerId="ADAL" clId="{E2F7BF3C-AAE6-443E-A3AB-25C3F5D3F771}" dt="2023-03-14T15:16:01.117" v="936" actId="1036"/>
+          <ac:spMkLst>
+            <pc:docMk/>
+            <pc:sldMk cId="1199100795" sldId="268"/>
+            <ac:spMk id="15" creationId="{F5A08663-B789-4226-1642-FC5891DC3BD6}"/>
+          </ac:spMkLst>
+        </pc:spChg>
+        <pc:spChg chg="add mod">
+          <ac:chgData name="Yannick Seidel" userId="6d7a51a3-f98a-430f-bf9e-0549f0f0cd64" providerId="ADAL" clId="{E2F7BF3C-AAE6-443E-A3AB-25C3F5D3F771}" dt="2023-03-14T15:15:48.988" v="931" actId="1035"/>
+          <ac:spMkLst>
+            <pc:docMk/>
+            <pc:sldMk cId="1199100795" sldId="268"/>
+            <ac:spMk id="26" creationId="{CE13CECD-00DA-CE38-C60E-4B64DD97DCF7}"/>
+          </ac:spMkLst>
+        </pc:spChg>
+        <pc:spChg chg="add mod ord">
+          <ac:chgData name="Yannick Seidel" userId="6d7a51a3-f98a-430f-bf9e-0549f0f0cd64" providerId="ADAL" clId="{E2F7BF3C-AAE6-443E-A3AB-25C3F5D3F771}" dt="2023-03-14T16:34:40.944" v="2681" actId="167"/>
+          <ac:spMkLst>
+            <pc:docMk/>
+            <pc:sldMk cId="1199100795" sldId="268"/>
+            <ac:spMk id="38" creationId="{8D6601A8-022C-6052-515B-C0375D903F8B}"/>
+          </ac:spMkLst>
+        </pc:spChg>
+        <pc:spChg chg="add mod ord">
+          <ac:chgData name="Yannick Seidel" userId="6d7a51a3-f98a-430f-bf9e-0549f0f0cd64" providerId="ADAL" clId="{E2F7BF3C-AAE6-443E-A3AB-25C3F5D3F771}" dt="2023-03-14T16:35:16.103" v="2688" actId="167"/>
+          <ac:spMkLst>
+            <pc:docMk/>
+            <pc:sldMk cId="1199100795" sldId="268"/>
+            <ac:spMk id="39" creationId="{5CE8AF55-0AC1-4E15-9582-84A208B3EB33}"/>
+          </ac:spMkLst>
+        </pc:spChg>
+        <pc:spChg chg="add del mod">
+          <ac:chgData name="Yannick Seidel" userId="6d7a51a3-f98a-430f-bf9e-0549f0f0cd64" providerId="ADAL" clId="{E2F7BF3C-AAE6-443E-A3AB-25C3F5D3F771}" dt="2023-03-14T16:36:06.276" v="2698"/>
+          <ac:spMkLst>
+            <pc:docMk/>
+            <pc:sldMk cId="1199100795" sldId="268"/>
+            <ac:spMk id="40" creationId="{DB72F9C2-B5D4-30C3-42DC-0D36FEB94D70}"/>
+          </ac:spMkLst>
+        </pc:spChg>
+        <pc:spChg chg="add del mod">
+          <ac:chgData name="Yannick Seidel" userId="6d7a51a3-f98a-430f-bf9e-0549f0f0cd64" providerId="ADAL" clId="{E2F7BF3C-AAE6-443E-A3AB-25C3F5D3F771}" dt="2023-03-14T16:36:11.171" v="2700" actId="478"/>
+          <ac:spMkLst>
+            <pc:docMk/>
+            <pc:sldMk cId="1199100795" sldId="268"/>
+            <ac:spMk id="41" creationId="{E8EA98E5-6E93-9174-4CA9-58A1E5142EC3}"/>
+          </ac:spMkLst>
+        </pc:spChg>
+        <pc:spChg chg="add del mod">
+          <ac:chgData name="Yannick Seidel" userId="6d7a51a3-f98a-430f-bf9e-0549f0f0cd64" providerId="ADAL" clId="{E2F7BF3C-AAE6-443E-A3AB-25C3F5D3F771}" dt="2023-03-14T16:36:20.740" v="2702" actId="478"/>
+          <ac:spMkLst>
+            <pc:docMk/>
+            <pc:sldMk cId="1199100795" sldId="268"/>
+            <ac:spMk id="42" creationId="{76E2DC6E-C714-6933-A4AF-3746F5103696}"/>
+          </ac:spMkLst>
+        </pc:spChg>
+        <pc:spChg chg="add del mod">
+          <ac:chgData name="Yannick Seidel" userId="6d7a51a3-f98a-430f-bf9e-0549f0f0cd64" providerId="ADAL" clId="{E2F7BF3C-AAE6-443E-A3AB-25C3F5D3F771}" dt="2023-03-14T17:01:59.068" v="3009" actId="478"/>
+          <ac:spMkLst>
+            <pc:docMk/>
+            <pc:sldMk cId="1199100795" sldId="268"/>
+            <ac:spMk id="43" creationId="{E9878973-49A0-AC0F-59A7-1E3AB2BB064D}"/>
+          </ac:spMkLst>
+        </pc:spChg>
+        <pc:graphicFrameChg chg="add del modGraphic">
+          <ac:chgData name="Yannick Seidel" userId="6d7a51a3-f98a-430f-bf9e-0549f0f0cd64" providerId="ADAL" clId="{E2F7BF3C-AAE6-443E-A3AB-25C3F5D3F771}" dt="2023-03-14T14:55:39.741" v="636" actId="1032"/>
+          <ac:graphicFrameMkLst>
+            <pc:docMk/>
+            <pc:sldMk cId="1199100795" sldId="268"/>
+            <ac:graphicFrameMk id="6" creationId="{DD797473-1ABE-7E69-AE49-DDB555721184}"/>
+          </ac:graphicFrameMkLst>
+        </pc:graphicFrameChg>
+        <pc:cxnChg chg="add del mod">
+          <ac:chgData name="Yannick Seidel" userId="6d7a51a3-f98a-430f-bf9e-0549f0f0cd64" providerId="ADAL" clId="{E2F7BF3C-AAE6-443E-A3AB-25C3F5D3F771}" dt="2023-03-14T15:13:19.659" v="875" actId="11529"/>
+          <ac:cxnSpMkLst>
+            <pc:docMk/>
+            <pc:sldMk cId="1199100795" sldId="268"/>
+            <ac:cxnSpMk id="17" creationId="{FA2C954D-DD1B-AE41-F478-96F075616280}"/>
+          </ac:cxnSpMkLst>
+        </pc:cxnChg>
+        <pc:cxnChg chg="add mod">
+          <ac:chgData name="Yannick Seidel" userId="6d7a51a3-f98a-430f-bf9e-0549f0f0cd64" providerId="ADAL" clId="{E2F7BF3C-AAE6-443E-A3AB-25C3F5D3F771}" dt="2023-03-14T15:14:53.592" v="889" actId="208"/>
+          <ac:cxnSpMkLst>
+            <pc:docMk/>
+            <pc:sldMk cId="1199100795" sldId="268"/>
+            <ac:cxnSpMk id="19" creationId="{DF26007D-CA01-4AF5-DFF6-D0C1530A5462}"/>
+          </ac:cxnSpMkLst>
+        </pc:cxnChg>
+        <pc:cxnChg chg="add mod">
+          <ac:chgData name="Yannick Seidel" userId="6d7a51a3-f98a-430f-bf9e-0549f0f0cd64" providerId="ADAL" clId="{E2F7BF3C-AAE6-443E-A3AB-25C3F5D3F771}" dt="2023-03-14T15:14:53.592" v="889" actId="208"/>
+          <ac:cxnSpMkLst>
+            <pc:docMk/>
+            <pc:sldMk cId="1199100795" sldId="268"/>
+            <ac:cxnSpMk id="21" creationId="{6E6A7499-5069-E4BD-2807-16FBBD535A9B}"/>
+          </ac:cxnSpMkLst>
+        </pc:cxnChg>
+        <pc:cxnChg chg="add mod">
+          <ac:chgData name="Yannick Seidel" userId="6d7a51a3-f98a-430f-bf9e-0549f0f0cd64" providerId="ADAL" clId="{E2F7BF3C-AAE6-443E-A3AB-25C3F5D3F771}" dt="2023-03-14T15:19:43.564" v="1135" actId="1036"/>
+          <ac:cxnSpMkLst>
+            <pc:docMk/>
+            <pc:sldMk cId="1199100795" sldId="268"/>
+            <ac:cxnSpMk id="28" creationId="{53272532-C65C-0ECA-20A8-4A909C52FCC2}"/>
+          </ac:cxnSpMkLst>
+        </pc:cxnChg>
+        <pc:cxnChg chg="add mod">
+          <ac:chgData name="Yannick Seidel" userId="6d7a51a3-f98a-430f-bf9e-0549f0f0cd64" providerId="ADAL" clId="{E2F7BF3C-AAE6-443E-A3AB-25C3F5D3F771}" dt="2023-03-14T15:20:10.772" v="1169" actId="1035"/>
+          <ac:cxnSpMkLst>
+            <pc:docMk/>
+            <pc:sldMk cId="1199100795" sldId="268"/>
+            <ac:cxnSpMk id="31" creationId="{C9264529-D693-134D-69EC-834EBA493FF9}"/>
+          </ac:cxnSpMkLst>
+        </pc:cxnChg>
+        <pc:cxnChg chg="add mod">
+          <ac:chgData name="Yannick Seidel" userId="6d7a51a3-f98a-430f-bf9e-0549f0f0cd64" providerId="ADAL" clId="{E2F7BF3C-AAE6-443E-A3AB-25C3F5D3F771}" dt="2023-03-14T15:20:02.587" v="1158" actId="1036"/>
+          <ac:cxnSpMkLst>
+            <pc:docMk/>
+            <pc:sldMk cId="1199100795" sldId="268"/>
+            <ac:cxnSpMk id="34" creationId="{474201F2-66FA-B0B2-CE7E-2BB3B6834932}"/>
+          </ac:cxnSpMkLst>
+        </pc:cxnChg>
+        <pc:cxnChg chg="add del mod">
+          <ac:chgData name="Yannick Seidel" userId="6d7a51a3-f98a-430f-bf9e-0549f0f0cd64" providerId="ADAL" clId="{E2F7BF3C-AAE6-443E-A3AB-25C3F5D3F771}" dt="2023-03-14T15:19:14.163" v="1045" actId="478"/>
+          <ac:cxnSpMkLst>
+            <pc:docMk/>
+            <pc:sldMk cId="1199100795" sldId="268"/>
+            <ac:cxnSpMk id="35" creationId="{5CE1FC10-6331-B0AB-D181-44E0D1E0E791}"/>
+          </ac:cxnSpMkLst>
+        </pc:cxnChg>
+        <pc:cxnChg chg="add mod">
+          <ac:chgData name="Yannick Seidel" userId="6d7a51a3-f98a-430f-bf9e-0549f0f0cd64" providerId="ADAL" clId="{E2F7BF3C-AAE6-443E-A3AB-25C3F5D3F771}" dt="2023-03-14T15:19:32.604" v="1113" actId="1038"/>
+          <ac:cxnSpMkLst>
+            <pc:docMk/>
+            <pc:sldMk cId="1199100795" sldId="268"/>
+            <ac:cxnSpMk id="37" creationId="{9DC7DA65-5397-11E9-3DF0-0B0BFCFB131E}"/>
+          </ac:cxnSpMkLst>
+        </pc:cxnChg>
+      </pc:sldChg>
+      <pc:sldChg chg="addSp modSp new mod modTransition modNotesTx">
+        <pc:chgData name="Yannick Seidel" userId="6d7a51a3-f98a-430f-bf9e-0549f0f0cd64" providerId="ADAL" clId="{E2F7BF3C-AAE6-443E-A3AB-25C3F5D3F771}" dt="2023-03-14T17:50:31.556" v="3910"/>
+        <pc:sldMkLst>
+          <pc:docMk/>
+          <pc:sldMk cId="2030789095" sldId="269"/>
+        </pc:sldMkLst>
+        <pc:spChg chg="mod">
+          <ac:chgData name="Yannick Seidel" userId="6d7a51a3-f98a-430f-bf9e-0549f0f0cd64" providerId="ADAL" clId="{E2F7BF3C-AAE6-443E-A3AB-25C3F5D3F771}" dt="2023-03-14T15:24:33.741" v="1247" actId="20577"/>
+          <ac:spMkLst>
+            <pc:docMk/>
+            <pc:sldMk cId="2030789095" sldId="269"/>
+            <ac:spMk id="2" creationId="{FCC2BB7B-E8CE-DFC7-90F6-2CD3AFEE20B7}"/>
+          </ac:spMkLst>
+        </pc:spChg>
+        <pc:spChg chg="mod">
+          <ac:chgData name="Yannick Seidel" userId="6d7a51a3-f98a-430f-bf9e-0549f0f0cd64" providerId="ADAL" clId="{E2F7BF3C-AAE6-443E-A3AB-25C3F5D3F771}" dt="2023-03-14T15:36:36.361" v="1473" actId="20577"/>
+          <ac:spMkLst>
+            <pc:docMk/>
+            <pc:sldMk cId="2030789095" sldId="269"/>
+            <ac:spMk id="4" creationId="{20AF8C77-62AB-4338-BD7B-16F804BD7E9A}"/>
+          </ac:spMkLst>
+        </pc:spChg>
+        <pc:graphicFrameChg chg="add modGraphic">
+          <ac:chgData name="Yannick Seidel" userId="6d7a51a3-f98a-430f-bf9e-0549f0f0cd64" providerId="ADAL" clId="{E2F7BF3C-AAE6-443E-A3AB-25C3F5D3F771}" dt="2023-03-14T15:22:34.698" v="1202" actId="27022"/>
+          <ac:graphicFrameMkLst>
+            <pc:docMk/>
+            <pc:sldMk cId="2030789095" sldId="269"/>
+            <ac:graphicFrameMk id="6" creationId="{672418B2-9551-42F7-440B-A3ACA07B93D6}"/>
+          </ac:graphicFrameMkLst>
+        </pc:graphicFrameChg>
+      </pc:sldChg>
+      <pc:sldChg chg="addSp delSp modSp new mod ord modTransition modNotesTx">
+        <pc:chgData name="Yannick Seidel" userId="6d7a51a3-f98a-430f-bf9e-0549f0f0cd64" providerId="ADAL" clId="{E2F7BF3C-AAE6-443E-A3AB-25C3F5D3F771}" dt="2023-03-14T19:36:35.867" v="3986" actId="20577"/>
+        <pc:sldMkLst>
+          <pc:docMk/>
+          <pc:sldMk cId="88418452" sldId="270"/>
+        </pc:sldMkLst>
+        <pc:spChg chg="mod">
+          <ac:chgData name="Yannick Seidel" userId="6d7a51a3-f98a-430f-bf9e-0549f0f0cd64" providerId="ADAL" clId="{E2F7BF3C-AAE6-443E-A3AB-25C3F5D3F771}" dt="2023-03-14T17:04:22.023" v="3037" actId="242"/>
+          <ac:spMkLst>
+            <pc:docMk/>
+            <pc:sldMk cId="88418452" sldId="270"/>
+            <ac:spMk id="2" creationId="{7C0BE096-D696-4C4B-934F-D38A803E8236}"/>
+          </ac:spMkLst>
+        </pc:spChg>
+        <pc:spChg chg="del">
+          <ac:chgData name="Yannick Seidel" userId="6d7a51a3-f98a-430f-bf9e-0549f0f0cd64" providerId="ADAL" clId="{E2F7BF3C-AAE6-443E-A3AB-25C3F5D3F771}" dt="2023-03-14T17:04:05.940" v="3031" actId="22"/>
+          <ac:spMkLst>
+            <pc:docMk/>
+            <pc:sldMk cId="88418452" sldId="270"/>
+            <ac:spMk id="3" creationId="{23D986B9-0D79-8D41-8C85-8D3BF944EAE1}"/>
+          </ac:spMkLst>
+        </pc:spChg>
+        <pc:spChg chg="mod">
+          <ac:chgData name="Yannick Seidel" userId="6d7a51a3-f98a-430f-bf9e-0549f0f0cd64" providerId="ADAL" clId="{E2F7BF3C-AAE6-443E-A3AB-25C3F5D3F771}" dt="2023-03-14T19:36:35.867" v="3986" actId="20577"/>
+          <ac:spMkLst>
+            <pc:docMk/>
+            <pc:sldMk cId="88418452" sldId="270"/>
+            <ac:spMk id="4" creationId="{D5BF2453-EBC7-ADD8-7575-DCE84FED9246}"/>
+          </ac:spMkLst>
+        </pc:spChg>
+        <pc:spChg chg="add mod">
+          <ac:chgData name="Yannick Seidel" userId="6d7a51a3-f98a-430f-bf9e-0549f0f0cd64" providerId="ADAL" clId="{E2F7BF3C-AAE6-443E-A3AB-25C3F5D3F771}" dt="2023-03-14T17:08:27.799" v="3344"/>
+          <ac:spMkLst>
+            <pc:docMk/>
+            <pc:sldMk cId="88418452" sldId="270"/>
+            <ac:spMk id="7" creationId="{DFBCF7A0-178E-E8C9-F649-04D561855FAB}"/>
+          </ac:spMkLst>
+        </pc:spChg>
+        <pc:picChg chg="add mod ord">
+          <ac:chgData name="Yannick Seidel" userId="6d7a51a3-f98a-430f-bf9e-0549f0f0cd64" providerId="ADAL" clId="{E2F7BF3C-AAE6-443E-A3AB-25C3F5D3F771}" dt="2023-03-14T17:08:36.343" v="3346" actId="1076"/>
+          <ac:picMkLst>
+            <pc:docMk/>
+            <pc:sldMk cId="88418452" sldId="270"/>
+            <ac:picMk id="6" creationId="{7B283FB8-4D58-C94F-D268-EE21C0C55F55}"/>
+          </ac:picMkLst>
+        </pc:picChg>
+      </pc:sldChg>
+      <pc:sldChg chg="modSp new del mod">
+        <pc:chgData name="Yannick Seidel" userId="6d7a51a3-f98a-430f-bf9e-0549f0f0cd64" providerId="ADAL" clId="{E2F7BF3C-AAE6-443E-A3AB-25C3F5D3F771}" dt="2023-03-14T16:22:35.589" v="1694" actId="2696"/>
+        <pc:sldMkLst>
+          <pc:docMk/>
+          <pc:sldMk cId="1714685612" sldId="270"/>
+        </pc:sldMkLst>
+        <pc:spChg chg="mod">
+          <ac:chgData name="Yannick Seidel" userId="6d7a51a3-f98a-430f-bf9e-0549f0f0cd64" providerId="ADAL" clId="{E2F7BF3C-AAE6-443E-A3AB-25C3F5D3F771}" dt="2023-03-14T16:22:19.591" v="1693" actId="20577"/>
+          <ac:spMkLst>
+            <pc:docMk/>
+            <pc:sldMk cId="1714685612" sldId="270"/>
+            <ac:spMk id="2" creationId="{20C0B5A1-3D76-A533-CE57-6C3505528397}"/>
+          </ac:spMkLst>
+        </pc:spChg>
+      </pc:sldChg>
+      <pc:sldChg chg="modSp new del mod">
+        <pc:chgData name="Yannick Seidel" userId="6d7a51a3-f98a-430f-bf9e-0549f0f0cd64" providerId="ADAL" clId="{E2F7BF3C-AAE6-443E-A3AB-25C3F5D3F771}" dt="2023-03-14T16:22:08.888" v="1681" actId="2696"/>
+        <pc:sldMkLst>
+          <pc:docMk/>
+          <pc:sldMk cId="3276217865" sldId="270"/>
+        </pc:sldMkLst>
+        <pc:spChg chg="mod">
+          <ac:chgData name="Yannick Seidel" userId="6d7a51a3-f98a-430f-bf9e-0549f0f0cd64" providerId="ADAL" clId="{E2F7BF3C-AAE6-443E-A3AB-25C3F5D3F771}" dt="2023-03-14T16:21:28.704" v="1680" actId="242"/>
+          <ac:spMkLst>
+            <pc:docMk/>
+            <pc:sldMk cId="3276217865" sldId="270"/>
+            <ac:spMk id="2" creationId="{E56B3EE1-0B13-FDAF-ECBA-28FA0C943681}"/>
+          </ac:spMkLst>
+        </pc:spChg>
+      </pc:sldChg>
+      <pc:sldChg chg="addSp delSp modSp new mod modTransition modNotesTx">
+        <pc:chgData name="Yannick Seidel" userId="6d7a51a3-f98a-430f-bf9e-0549f0f0cd64" providerId="ADAL" clId="{E2F7BF3C-AAE6-443E-A3AB-25C3F5D3F771}" dt="2023-03-14T19:36:24.905" v="3984" actId="20577"/>
+        <pc:sldMkLst>
+          <pc:docMk/>
+          <pc:sldMk cId="1805205273" sldId="271"/>
+        </pc:sldMkLst>
+        <pc:spChg chg="mod">
+          <ac:chgData name="Yannick Seidel" userId="6d7a51a3-f98a-430f-bf9e-0549f0f0cd64" providerId="ADAL" clId="{E2F7BF3C-AAE6-443E-A3AB-25C3F5D3F771}" dt="2023-03-14T17:08:16.230" v="3342" actId="962"/>
+          <ac:spMkLst>
+            <pc:docMk/>
+            <pc:sldMk cId="1805205273" sldId="271"/>
+            <ac:spMk id="2" creationId="{447F92D2-E961-0345-38A4-AD6F817DAD54}"/>
+          </ac:spMkLst>
+        </pc:spChg>
+        <pc:spChg chg="del">
+          <ac:chgData name="Yannick Seidel" userId="6d7a51a3-f98a-430f-bf9e-0549f0f0cd64" providerId="ADAL" clId="{E2F7BF3C-AAE6-443E-A3AB-25C3F5D3F771}" dt="2023-03-14T17:08:09.237" v="3338" actId="22"/>
+          <ac:spMkLst>
+            <pc:docMk/>
+            <pc:sldMk cId="1805205273" sldId="271"/>
+            <ac:spMk id="3" creationId="{7F2C6BD0-7463-6543-E1CF-A36F041AA94E}"/>
+          </ac:spMkLst>
+        </pc:spChg>
+        <pc:spChg chg="mod">
+          <ac:chgData name="Yannick Seidel" userId="6d7a51a3-f98a-430f-bf9e-0549f0f0cd64" providerId="ADAL" clId="{E2F7BF3C-AAE6-443E-A3AB-25C3F5D3F771}" dt="2023-03-14T19:36:24.905" v="3984" actId="20577"/>
+          <ac:spMkLst>
+            <pc:docMk/>
+            <pc:sldMk cId="1805205273" sldId="271"/>
+            <ac:spMk id="4" creationId="{DF273705-1339-3133-F8F4-322FE3DE4493}"/>
+          </ac:spMkLst>
+        </pc:spChg>
+        <pc:spChg chg="add mod">
+          <ac:chgData name="Yannick Seidel" userId="6d7a51a3-f98a-430f-bf9e-0549f0f0cd64" providerId="ADAL" clId="{E2F7BF3C-AAE6-443E-A3AB-25C3F5D3F771}" dt="2023-03-14T17:08:22.471" v="3343"/>
+          <ac:spMkLst>
+            <pc:docMk/>
+            <pc:sldMk cId="1805205273" sldId="271"/>
+            <ac:spMk id="7" creationId="{A4D9673A-91F2-4B58-DF48-620ED2393FA5}"/>
+          </ac:spMkLst>
+        </pc:spChg>
+        <pc:picChg chg="add mod ord">
+          <ac:chgData name="Yannick Seidel" userId="6d7a51a3-f98a-430f-bf9e-0549f0f0cd64" providerId="ADAL" clId="{E2F7BF3C-AAE6-443E-A3AB-25C3F5D3F771}" dt="2023-03-14T17:09:17.123" v="3360" actId="1038"/>
+          <ac:picMkLst>
+            <pc:docMk/>
+            <pc:sldMk cId="1805205273" sldId="271"/>
+            <ac:picMk id="6" creationId="{6B654EF9-9D34-76B0-925F-2647D9320F0C}"/>
+          </ac:picMkLst>
+        </pc:picChg>
+      </pc:sldChg>
+      <pc:sldChg chg="new del">
+        <pc:chgData name="Yannick Seidel" userId="6d7a51a3-f98a-430f-bf9e-0549f0f0cd64" providerId="ADAL" clId="{E2F7BF3C-AAE6-443E-A3AB-25C3F5D3F771}" dt="2023-03-14T17:12:48.553" v="3385" actId="47"/>
+        <pc:sldMkLst>
+          <pc:docMk/>
+          <pc:sldMk cId="649925438" sldId="272"/>
+        </pc:sldMkLst>
+      </pc:sldChg>
+      <pc:sldChg chg="modSp new mod modTransition">
+        <pc:chgData name="Yannick Seidel" userId="6d7a51a3-f98a-430f-bf9e-0549f0f0cd64" providerId="ADAL" clId="{E2F7BF3C-AAE6-443E-A3AB-25C3F5D3F771}" dt="2023-03-14T19:36:53.108" v="3990" actId="20577"/>
+        <pc:sldMkLst>
+          <pc:docMk/>
+          <pc:sldMk cId="1235327902" sldId="272"/>
+        </pc:sldMkLst>
+        <pc:spChg chg="mod">
+          <ac:chgData name="Yannick Seidel" userId="6d7a51a3-f98a-430f-bf9e-0549f0f0cd64" providerId="ADAL" clId="{E2F7BF3C-AAE6-443E-A3AB-25C3F5D3F771}" dt="2023-03-14T17:29:24.258" v="3519" actId="20577"/>
+          <ac:spMkLst>
+            <pc:docMk/>
+            <pc:sldMk cId="1235327902" sldId="272"/>
+            <ac:spMk id="2" creationId="{129402A3-9587-94D2-65CF-B78801C61EB5}"/>
+          </ac:spMkLst>
+        </pc:spChg>
+        <pc:spChg chg="mod">
+          <ac:chgData name="Yannick Seidel" userId="6d7a51a3-f98a-430f-bf9e-0549f0f0cd64" providerId="ADAL" clId="{E2F7BF3C-AAE6-443E-A3AB-25C3F5D3F771}" dt="2023-03-14T17:37:23.225" v="3897" actId="113"/>
+          <ac:spMkLst>
+            <pc:docMk/>
+            <pc:sldMk cId="1235327902" sldId="272"/>
+            <ac:spMk id="3" creationId="{0300C9A2-5BD6-8F5C-4FDD-8DEED46069E7}"/>
+          </ac:spMkLst>
+        </pc:spChg>
+        <pc:spChg chg="mod">
+          <ac:chgData name="Yannick Seidel" userId="6d7a51a3-f98a-430f-bf9e-0549f0f0cd64" providerId="ADAL" clId="{E2F7BF3C-AAE6-443E-A3AB-25C3F5D3F771}" dt="2023-03-14T19:36:53.108" v="3990" actId="20577"/>
+          <ac:spMkLst>
+            <pc:docMk/>
+            <pc:sldMk cId="1235327902" sldId="272"/>
+            <ac:spMk id="4" creationId="{6289511C-08B3-9B92-E15D-AD550DC8232B}"/>
+          </ac:spMkLst>
+        </pc:spChg>
+      </pc:sldChg>
+      <pc:sldMasterChg chg="delSp mod modSldLayout">
+        <pc:chgData name="Yannick Seidel" userId="6d7a51a3-f98a-430f-bf9e-0549f0f0cd64" providerId="ADAL" clId="{E2F7BF3C-AAE6-443E-A3AB-25C3F5D3F771}" dt="2023-03-14T15:23:29.422" v="1235" actId="478"/>
+        <pc:sldMasterMkLst>
+          <pc:docMk/>
+          <pc:sldMasterMk cId="3833001750" sldId="2147483648"/>
+        </pc:sldMasterMkLst>
+        <pc:spChg chg="del">
+          <ac:chgData name="Yannick Seidel" userId="6d7a51a3-f98a-430f-bf9e-0549f0f0cd64" providerId="ADAL" clId="{E2F7BF3C-AAE6-443E-A3AB-25C3F5D3F771}" dt="2023-03-14T15:23:29.422" v="1235" actId="478"/>
+          <ac:spMkLst>
+            <pc:docMk/>
+            <pc:sldMasterMk cId="3833001750" sldId="2147483648"/>
+            <ac:spMk id="2" creationId="{00000000-0000-0000-0000-000000000000}"/>
+          </ac:spMkLst>
+        </pc:spChg>
+        <pc:spChg chg="del">
+          <ac:chgData name="Yannick Seidel" userId="6d7a51a3-f98a-430f-bf9e-0549f0f0cd64" providerId="ADAL" clId="{E2F7BF3C-AAE6-443E-A3AB-25C3F5D3F771}" dt="2023-03-14T15:23:25.895" v="1234" actId="478"/>
+          <ac:spMkLst>
+            <pc:docMk/>
+            <pc:sldMasterMk cId="3833001750" sldId="2147483648"/>
+            <ac:spMk id="3" creationId="{00000000-0000-0000-0000-000000000000}"/>
+          </ac:spMkLst>
+        </pc:spChg>
+        <pc:sldLayoutChg chg="modSp mod">
+          <pc:chgData name="Yannick Seidel" userId="6d7a51a3-f98a-430f-bf9e-0549f0f0cd64" providerId="ADAL" clId="{E2F7BF3C-AAE6-443E-A3AB-25C3F5D3F771}" dt="2023-03-14T14:40:58.046" v="370" actId="1036"/>
+          <pc:sldLayoutMkLst>
+            <pc:docMk/>
+            <pc:sldMasterMk cId="3833001750" sldId="2147483648"/>
+            <pc:sldLayoutMk cId="3863310458" sldId="2147483650"/>
+          </pc:sldLayoutMkLst>
+          <pc:spChg chg="mod">
+            <ac:chgData name="Yannick Seidel" userId="6d7a51a3-f98a-430f-bf9e-0549f0f0cd64" providerId="ADAL" clId="{E2F7BF3C-AAE6-443E-A3AB-25C3F5D3F771}" dt="2023-03-14T14:40:58.046" v="370" actId="1036"/>
+            <ac:spMkLst>
+              <pc:docMk/>
+              <pc:sldMasterMk cId="3833001750" sldId="2147483648"/>
+              <pc:sldLayoutMk cId="3863310458" sldId="2147483650"/>
+              <ac:spMk id="2" creationId="{00000000-0000-0000-0000-000000000000}"/>
+            </ac:spMkLst>
+          </pc:spChg>
+        </pc:sldLayoutChg>
+      </pc:sldMasterChg>
+    </pc:docChg>
+  </pc:docChgLst>
 </pc:chgInfo>
 </file>
 
@@ -1791,7 +4385,7 @@
           <a:p>
             <a:fld id="{07BEDEEB-833C-42BB-8678-D937F93AD633}" type="datetimeFigureOut">
               <a:rPr lang="de-DE" smtClean="0"/>
-              <a:t>08.03.2023</a:t>
+              <a:t>14.03.2023</a:t>
             </a:fld>
             <a:endParaRPr lang="de-DE"/>
           </a:p>
@@ -1956,7 +4550,7 @@
           <a:p>
             <a:fld id="{3DBB0473-ED6C-4E1A-9762-E81DF49C2CA2}" type="datetimeFigureOut">
               <a:rPr lang="de-DE" smtClean="0"/>
-              <a:t>08.03.2023</a:t>
+              <a:t>14.03.2023</a:t>
             </a:fld>
             <a:endParaRPr lang="de-DE"/>
           </a:p>
@@ -2223,6 +4817,908 @@
 </p:notesMaster>
 </file>
 
+<file path=ppt/notesSlides/notesSlide1.xml><?xml version="1.0" encoding="utf-8"?>
+<p:notes xmlns:a="http://schemas.openxmlformats.org/drawingml/2006/main" xmlns:r="http://schemas.openxmlformats.org/officeDocument/2006/relationships" xmlns:p="http://schemas.openxmlformats.org/presentationml/2006/main">
+  <p:cSld>
+    <p:spTree>
+      <p:nvGrpSpPr>
+        <p:cNvPr id="1" name=""/>
+        <p:cNvGrpSpPr/>
+        <p:nvPr/>
+      </p:nvGrpSpPr>
+      <p:grpSpPr>
+        <a:xfrm>
+          <a:off x="0" y="0"/>
+          <a:ext cx="0" cy="0"/>
+          <a:chOff x="0" y="0"/>
+          <a:chExt cx="0" cy="0"/>
+        </a:xfrm>
+      </p:grpSpPr>
+      <p:sp>
+        <p:nvSpPr>
+          <p:cNvPr id="2" name="Folienbildplatzhalter 1"/>
+          <p:cNvSpPr>
+            <a:spLocks noGrp="1" noRot="1" noChangeAspect="1"/>
+          </p:cNvSpPr>
+          <p:nvPr>
+            <p:ph type="sldImg"/>
+          </p:nvPr>
+        </p:nvSpPr>
+        <p:spPr/>
+      </p:sp>
+      <p:sp>
+        <p:nvSpPr>
+          <p:cNvPr id="3" name="Notizenplatzhalter 2"/>
+          <p:cNvSpPr>
+            <a:spLocks noGrp="1"/>
+          </p:cNvSpPr>
+          <p:nvPr>
+            <p:ph type="body" idx="1"/>
+          </p:nvPr>
+        </p:nvSpPr>
+        <p:spPr/>
+        <p:txBody>
+          <a:bodyPr/>
+          <a:lstStyle/>
+          <a:p>
+            <a:r>
+              <a:rPr lang="de-DE" dirty="0" err="1"/>
+              <a:t>Bildlink</a:t>
+            </a:r>
+            <a:r>
+              <a:rPr lang="de-DE" dirty="0"/>
+              <a:t>: https://www.behance.net/gallery/59192949/Free-Social-Media-Mockups-and-Guidelines</a:t>
+            </a:r>
+          </a:p>
+        </p:txBody>
+      </p:sp>
+      <p:sp>
+        <p:nvSpPr>
+          <p:cNvPr id="4" name="Foliennummernplatzhalter 3"/>
+          <p:cNvSpPr>
+            <a:spLocks noGrp="1"/>
+          </p:cNvSpPr>
+          <p:nvPr>
+            <p:ph type="sldNum" sz="quarter" idx="5"/>
+          </p:nvPr>
+        </p:nvSpPr>
+        <p:spPr/>
+        <p:txBody>
+          <a:bodyPr/>
+          <a:lstStyle/>
+          <a:p>
+            <a:fld id="{C66D9F2B-5E54-4A14-9CD5-BB615536ED89}" type="slidenum">
+              <a:rPr lang="de-DE" smtClean="0"/>
+              <a:t>0</a:t>
+            </a:fld>
+            <a:endParaRPr lang="de-DE"/>
+          </a:p>
+        </p:txBody>
+      </p:sp>
+    </p:spTree>
+    <p:extLst>
+      <p:ext uri="{BB962C8B-B14F-4D97-AF65-F5344CB8AC3E}">
+        <p14:creationId xmlns:p14="http://schemas.microsoft.com/office/powerpoint/2010/main" val="1161877859"/>
+      </p:ext>
+    </p:extLst>
+  </p:cSld>
+  <p:clrMapOvr>
+    <a:masterClrMapping/>
+  </p:clrMapOvr>
+</p:notes>
+</file>
+
+<file path=ppt/notesSlides/notesSlide2.xml><?xml version="1.0" encoding="utf-8"?>
+<p:notes xmlns:a="http://schemas.openxmlformats.org/drawingml/2006/main" xmlns:r="http://schemas.openxmlformats.org/officeDocument/2006/relationships" xmlns:p="http://schemas.openxmlformats.org/presentationml/2006/main">
+  <p:cSld>
+    <p:spTree>
+      <p:nvGrpSpPr>
+        <p:cNvPr id="1" name=""/>
+        <p:cNvGrpSpPr/>
+        <p:nvPr/>
+      </p:nvGrpSpPr>
+      <p:grpSpPr>
+        <a:xfrm>
+          <a:off x="0" y="0"/>
+          <a:ext cx="0" cy="0"/>
+          <a:chOff x="0" y="0"/>
+          <a:chExt cx="0" cy="0"/>
+        </a:xfrm>
+      </p:grpSpPr>
+      <p:sp>
+        <p:nvSpPr>
+          <p:cNvPr id="2" name="Folienbildplatzhalter 1"/>
+          <p:cNvSpPr>
+            <a:spLocks noGrp="1" noRot="1" noChangeAspect="1"/>
+          </p:cNvSpPr>
+          <p:nvPr>
+            <p:ph type="sldImg"/>
+          </p:nvPr>
+        </p:nvSpPr>
+        <p:spPr/>
+      </p:sp>
+      <p:sp>
+        <p:nvSpPr>
+          <p:cNvPr id="3" name="Notizenplatzhalter 2"/>
+          <p:cNvSpPr>
+            <a:spLocks noGrp="1"/>
+          </p:cNvSpPr>
+          <p:nvPr>
+            <p:ph type="body" idx="1"/>
+          </p:nvPr>
+        </p:nvSpPr>
+        <p:spPr/>
+        <p:txBody>
+          <a:bodyPr/>
+          <a:lstStyle/>
+          <a:p>
+            <a:r>
+              <a:rPr lang="de-DE" dirty="0"/>
+              <a:t>Die Präsentation ist in zwei Teile gegliedert:</a:t>
+            </a:r>
+          </a:p>
+          <a:p>
+            <a:pPr marL="228600" indent="-228600">
+              <a:buAutoNum type="arabicPeriod"/>
+            </a:pPr>
+            <a:r>
+              <a:rPr lang="de-DE" b="1" dirty="0"/>
+              <a:t>Idee der Website</a:t>
+            </a:r>
+            <a:r>
+              <a:rPr lang="de-DE" dirty="0"/>
+              <a:t> sowie die </a:t>
+            </a:r>
+            <a:r>
+              <a:rPr lang="de-DE" b="1" dirty="0"/>
+              <a:t>verwendeten Technologien </a:t>
+            </a:r>
+            <a:r>
+              <a:rPr lang="de-DE" b="0" dirty="0"/>
+              <a:t>passend</a:t>
+            </a:r>
+            <a:r>
+              <a:rPr lang="de-DE" b="1" dirty="0"/>
+              <a:t> </a:t>
+            </a:r>
+            <a:r>
+              <a:rPr lang="de-DE" dirty="0"/>
+              <a:t>entlang der Nutzererfahrung der Website</a:t>
+            </a:r>
+          </a:p>
+          <a:p>
+            <a:pPr marL="228600" indent="-228600">
+              <a:buAutoNum type="arabicPeriod"/>
+            </a:pPr>
+            <a:r>
+              <a:rPr lang="de-DE" dirty="0"/>
+              <a:t>Live-Demo unserer Website, einmal den Prozess durchlaufen</a:t>
+            </a:r>
+          </a:p>
+        </p:txBody>
+      </p:sp>
+      <p:sp>
+        <p:nvSpPr>
+          <p:cNvPr id="4" name="Foliennummernplatzhalter 3"/>
+          <p:cNvSpPr>
+            <a:spLocks noGrp="1"/>
+          </p:cNvSpPr>
+          <p:nvPr>
+            <p:ph type="sldNum" sz="quarter" idx="5"/>
+          </p:nvPr>
+        </p:nvSpPr>
+        <p:spPr/>
+        <p:txBody>
+          <a:bodyPr/>
+          <a:lstStyle/>
+          <a:p>
+            <a:fld id="{C66D9F2B-5E54-4A14-9CD5-BB615536ED89}" type="slidenum">
+              <a:rPr lang="de-DE" smtClean="0"/>
+              <a:t>3</a:t>
+            </a:fld>
+            <a:endParaRPr lang="de-DE"/>
+          </a:p>
+        </p:txBody>
+      </p:sp>
+    </p:spTree>
+    <p:extLst>
+      <p:ext uri="{BB962C8B-B14F-4D97-AF65-F5344CB8AC3E}">
+        <p14:creationId xmlns:p14="http://schemas.microsoft.com/office/powerpoint/2010/main" val="1878744599"/>
+      </p:ext>
+    </p:extLst>
+  </p:cSld>
+  <p:clrMapOvr>
+    <a:masterClrMapping/>
+  </p:clrMapOvr>
+</p:notes>
+</file>
+
+<file path=ppt/notesSlides/notesSlide3.xml><?xml version="1.0" encoding="utf-8"?>
+<p:notes xmlns:a="http://schemas.openxmlformats.org/drawingml/2006/main" xmlns:r="http://schemas.openxmlformats.org/officeDocument/2006/relationships" xmlns:p="http://schemas.openxmlformats.org/presentationml/2006/main">
+  <p:cSld>
+    <p:spTree>
+      <p:nvGrpSpPr>
+        <p:cNvPr id="1" name=""/>
+        <p:cNvGrpSpPr/>
+        <p:nvPr/>
+      </p:nvGrpSpPr>
+      <p:grpSpPr>
+        <a:xfrm>
+          <a:off x="0" y="0"/>
+          <a:ext cx="0" cy="0"/>
+          <a:chOff x="0" y="0"/>
+          <a:chExt cx="0" cy="0"/>
+        </a:xfrm>
+      </p:grpSpPr>
+      <p:sp>
+        <p:nvSpPr>
+          <p:cNvPr id="2" name="Folienbildplatzhalter 1"/>
+          <p:cNvSpPr>
+            <a:spLocks noGrp="1" noRot="1" noChangeAspect="1"/>
+          </p:cNvSpPr>
+          <p:nvPr>
+            <p:ph type="sldImg"/>
+          </p:nvPr>
+        </p:nvSpPr>
+        <p:spPr/>
+      </p:sp>
+      <p:sp>
+        <p:nvSpPr>
+          <p:cNvPr id="3" name="Notizenplatzhalter 2"/>
+          <p:cNvSpPr>
+            <a:spLocks noGrp="1"/>
+          </p:cNvSpPr>
+          <p:nvPr>
+            <p:ph type="body" idx="1"/>
+          </p:nvPr>
+        </p:nvSpPr>
+        <p:spPr/>
+        <p:txBody>
+          <a:bodyPr/>
+          <a:lstStyle/>
+          <a:p>
+            <a:endParaRPr lang="de-DE" dirty="0"/>
+          </a:p>
+          <a:p>
+            <a:endParaRPr lang="de-DE" dirty="0"/>
+          </a:p>
+          <a:p>
+            <a:endParaRPr lang="de-DE" dirty="0"/>
+          </a:p>
+          <a:p>
+            <a:endParaRPr lang="de-DE" dirty="0"/>
+          </a:p>
+          <a:p>
+            <a:endParaRPr lang="de-DE" dirty="0"/>
+          </a:p>
+          <a:p>
+            <a:endParaRPr lang="de-DE" dirty="0"/>
+          </a:p>
+          <a:p>
+            <a:endParaRPr lang="de-DE" dirty="0"/>
+          </a:p>
+          <a:p>
+            <a:endParaRPr lang="de-DE" dirty="0"/>
+          </a:p>
+          <a:p>
+            <a:endParaRPr lang="de-DE" dirty="0"/>
+          </a:p>
+          <a:p>
+            <a:endParaRPr lang="de-DE" dirty="0"/>
+          </a:p>
+          <a:p>
+            <a:endParaRPr lang="de-DE" dirty="0"/>
+          </a:p>
+          <a:p>
+            <a:endParaRPr lang="de-DE" dirty="0"/>
+          </a:p>
+          <a:p>
+            <a:endParaRPr lang="de-DE" dirty="0"/>
+          </a:p>
+          <a:p>
+            <a:endParaRPr lang="de-DE" dirty="0"/>
+          </a:p>
+          <a:p>
+            <a:endParaRPr lang="de-DE" dirty="0"/>
+          </a:p>
+          <a:p>
+            <a:endParaRPr lang="de-DE" dirty="0"/>
+          </a:p>
+          <a:p>
+            <a:endParaRPr lang="de-DE" dirty="0"/>
+          </a:p>
+          <a:p>
+            <a:endParaRPr lang="de-DE" dirty="0"/>
+          </a:p>
+          <a:p>
+            <a:endParaRPr lang="de-DE" dirty="0"/>
+          </a:p>
+          <a:p>
+            <a:endParaRPr lang="de-DE" dirty="0"/>
+          </a:p>
+          <a:p>
+            <a:endParaRPr lang="de-DE" dirty="0"/>
+          </a:p>
+          <a:p>
+            <a:endParaRPr lang="de-DE" dirty="0"/>
+          </a:p>
+          <a:p>
+            <a:endParaRPr lang="de-DE" dirty="0"/>
+          </a:p>
+          <a:p>
+            <a:endParaRPr lang="de-DE" dirty="0"/>
+          </a:p>
+          <a:p>
+            <a:endParaRPr lang="de-DE" dirty="0"/>
+          </a:p>
+          <a:p>
+            <a:endParaRPr lang="de-DE" dirty="0"/>
+          </a:p>
+          <a:p>
+            <a:endParaRPr lang="de-DE" dirty="0"/>
+          </a:p>
+          <a:p>
+            <a:r>
+              <a:rPr lang="de-DE" dirty="0" err="1"/>
+              <a:t>Bildlink</a:t>
+            </a:r>
+            <a:r>
+              <a:rPr lang="de-DE" dirty="0"/>
+              <a:t>: https://www.spd-wirtschaftsforum.de/wp-content/uploads/2018/09/Fotolia_202818439_L.jpg</a:t>
+            </a:r>
+          </a:p>
+          <a:p>
+            <a:r>
+              <a:rPr lang="de-DE" dirty="0"/>
+              <a:t>bearbeitet</a:t>
+            </a:r>
+          </a:p>
+        </p:txBody>
+      </p:sp>
+      <p:sp>
+        <p:nvSpPr>
+          <p:cNvPr id="4" name="Foliennummernplatzhalter 3"/>
+          <p:cNvSpPr>
+            <a:spLocks noGrp="1"/>
+          </p:cNvSpPr>
+          <p:nvPr>
+            <p:ph type="sldNum" sz="quarter" idx="5"/>
+          </p:nvPr>
+        </p:nvSpPr>
+        <p:spPr/>
+        <p:txBody>
+          <a:bodyPr/>
+          <a:lstStyle/>
+          <a:p>
+            <a:fld id="{C66D9F2B-5E54-4A14-9CD5-BB615536ED89}" type="slidenum">
+              <a:rPr lang="de-DE" smtClean="0"/>
+              <a:t>4</a:t>
+            </a:fld>
+            <a:endParaRPr lang="de-DE"/>
+          </a:p>
+        </p:txBody>
+      </p:sp>
+    </p:spTree>
+    <p:extLst>
+      <p:ext uri="{BB962C8B-B14F-4D97-AF65-F5344CB8AC3E}">
+        <p14:creationId xmlns:p14="http://schemas.microsoft.com/office/powerpoint/2010/main" val="3396641019"/>
+      </p:ext>
+    </p:extLst>
+  </p:cSld>
+  <p:clrMapOvr>
+    <a:masterClrMapping/>
+  </p:clrMapOvr>
+</p:notes>
+</file>
+
+<file path=ppt/notesSlides/notesSlide4.xml><?xml version="1.0" encoding="utf-8"?>
+<p:notes xmlns:a="http://schemas.openxmlformats.org/drawingml/2006/main" xmlns:r="http://schemas.openxmlformats.org/officeDocument/2006/relationships" xmlns:p="http://schemas.openxmlformats.org/presentationml/2006/main">
+  <p:cSld>
+    <p:spTree>
+      <p:nvGrpSpPr>
+        <p:cNvPr id="1" name=""/>
+        <p:cNvGrpSpPr/>
+        <p:nvPr/>
+      </p:nvGrpSpPr>
+      <p:grpSpPr>
+        <a:xfrm>
+          <a:off x="0" y="0"/>
+          <a:ext cx="0" cy="0"/>
+          <a:chOff x="0" y="0"/>
+          <a:chExt cx="0" cy="0"/>
+        </a:xfrm>
+      </p:grpSpPr>
+      <p:sp>
+        <p:nvSpPr>
+          <p:cNvPr id="2" name="Folienbildplatzhalter 1"/>
+          <p:cNvSpPr>
+            <a:spLocks noGrp="1" noRot="1" noChangeAspect="1"/>
+          </p:cNvSpPr>
+          <p:nvPr>
+            <p:ph type="sldImg"/>
+          </p:nvPr>
+        </p:nvSpPr>
+        <p:spPr/>
+      </p:sp>
+      <p:sp>
+        <p:nvSpPr>
+          <p:cNvPr id="3" name="Notizenplatzhalter 2"/>
+          <p:cNvSpPr>
+            <a:spLocks noGrp="1"/>
+          </p:cNvSpPr>
+          <p:nvPr>
+            <p:ph type="body" idx="1"/>
+          </p:nvPr>
+        </p:nvSpPr>
+        <p:spPr/>
+        <p:txBody>
+          <a:bodyPr/>
+          <a:lstStyle/>
+          <a:p>
+            <a:r>
+              <a:rPr lang="de-DE" dirty="0"/>
+              <a:t>Hier und auf allen anderen Pages verwenden wir eine Templating Engine:</a:t>
+            </a:r>
+          </a:p>
+          <a:p>
+            <a:pPr marL="171450" indent="-171450">
+              <a:buFontTx/>
+              <a:buChar char="-"/>
+            </a:pPr>
+            <a:r>
+              <a:rPr lang="de-DE" dirty="0"/>
+              <a:t>das heißt, wir können bestimmte Elemente auf allen Seiten unserer Website nutzen, ohne den Code immer wieder zu schreiben</a:t>
+            </a:r>
+          </a:p>
+          <a:p>
+            <a:pPr marL="171450" indent="-171450">
+              <a:buFontTx/>
+              <a:buChar char="-"/>
+            </a:pPr>
+            <a:r>
+              <a:rPr lang="de-DE" dirty="0"/>
+              <a:t>nur der Body wird dann noch für jede Seite benötigt und in </a:t>
+            </a:r>
+            <a:r>
+              <a:rPr lang="de-DE" dirty="0" err="1"/>
+              <a:t>ejs</a:t>
+            </a:r>
+            <a:r>
+              <a:rPr lang="de-DE" dirty="0"/>
+              <a:t> (</a:t>
+            </a:r>
+            <a:r>
+              <a:rPr lang="de-DE" dirty="0" err="1"/>
+              <a:t>embedded</a:t>
+            </a:r>
+            <a:r>
+              <a:rPr lang="de-DE" dirty="0"/>
+              <a:t> JavaScript) – Dateien gespeichert</a:t>
+            </a:r>
+          </a:p>
+        </p:txBody>
+      </p:sp>
+      <p:sp>
+        <p:nvSpPr>
+          <p:cNvPr id="4" name="Foliennummernplatzhalter 3"/>
+          <p:cNvSpPr>
+            <a:spLocks noGrp="1"/>
+          </p:cNvSpPr>
+          <p:nvPr>
+            <p:ph type="sldNum" sz="quarter" idx="5"/>
+          </p:nvPr>
+        </p:nvSpPr>
+        <p:spPr/>
+        <p:txBody>
+          <a:bodyPr/>
+          <a:lstStyle/>
+          <a:p>
+            <a:fld id="{C66D9F2B-5E54-4A14-9CD5-BB615536ED89}" type="slidenum">
+              <a:rPr lang="de-DE" smtClean="0"/>
+              <a:t>5</a:t>
+            </a:fld>
+            <a:endParaRPr lang="de-DE"/>
+          </a:p>
+        </p:txBody>
+      </p:sp>
+    </p:spTree>
+    <p:extLst>
+      <p:ext uri="{BB962C8B-B14F-4D97-AF65-F5344CB8AC3E}">
+        <p14:creationId xmlns:p14="http://schemas.microsoft.com/office/powerpoint/2010/main" val="4096763194"/>
+      </p:ext>
+    </p:extLst>
+  </p:cSld>
+  <p:clrMapOvr>
+    <a:masterClrMapping/>
+  </p:clrMapOvr>
+</p:notes>
+</file>
+
+<file path=ppt/notesSlides/notesSlide5.xml><?xml version="1.0" encoding="utf-8"?>
+<p:notes xmlns:a="http://schemas.openxmlformats.org/drawingml/2006/main" xmlns:r="http://schemas.openxmlformats.org/officeDocument/2006/relationships" xmlns:p="http://schemas.openxmlformats.org/presentationml/2006/main">
+  <p:cSld>
+    <p:spTree>
+      <p:nvGrpSpPr>
+        <p:cNvPr id="1" name=""/>
+        <p:cNvGrpSpPr/>
+        <p:nvPr/>
+      </p:nvGrpSpPr>
+      <p:grpSpPr>
+        <a:xfrm>
+          <a:off x="0" y="0"/>
+          <a:ext cx="0" cy="0"/>
+          <a:chOff x="0" y="0"/>
+          <a:chExt cx="0" cy="0"/>
+        </a:xfrm>
+      </p:grpSpPr>
+      <p:sp>
+        <p:nvSpPr>
+          <p:cNvPr id="2" name="Folienbildplatzhalter 1"/>
+          <p:cNvSpPr>
+            <a:spLocks noGrp="1" noRot="1" noChangeAspect="1"/>
+          </p:cNvSpPr>
+          <p:nvPr>
+            <p:ph type="sldImg"/>
+          </p:nvPr>
+        </p:nvSpPr>
+        <p:spPr/>
+      </p:sp>
+      <p:sp>
+        <p:nvSpPr>
+          <p:cNvPr id="3" name="Notizenplatzhalter 2"/>
+          <p:cNvSpPr>
+            <a:spLocks noGrp="1"/>
+          </p:cNvSpPr>
+          <p:nvPr>
+            <p:ph type="body" idx="1"/>
+          </p:nvPr>
+        </p:nvSpPr>
+        <p:spPr/>
+        <p:txBody>
+          <a:bodyPr/>
+          <a:lstStyle/>
+          <a:p>
+            <a:r>
+              <a:rPr lang="de-DE" dirty="0"/>
+              <a:t>Zeile 1: 	hier</a:t>
+            </a:r>
+          </a:p>
+          <a:p>
+            <a:r>
+              <a:rPr lang="de-DE" dirty="0"/>
+              <a:t>Zeile 2:	</a:t>
+            </a:r>
+          </a:p>
+        </p:txBody>
+      </p:sp>
+      <p:sp>
+        <p:nvSpPr>
+          <p:cNvPr id="4" name="Foliennummernplatzhalter 3"/>
+          <p:cNvSpPr>
+            <a:spLocks noGrp="1"/>
+          </p:cNvSpPr>
+          <p:nvPr>
+            <p:ph type="sldNum" sz="quarter" idx="5"/>
+          </p:nvPr>
+        </p:nvSpPr>
+        <p:spPr/>
+        <p:txBody>
+          <a:bodyPr/>
+          <a:lstStyle/>
+          <a:p>
+            <a:fld id="{C66D9F2B-5E54-4A14-9CD5-BB615536ED89}" type="slidenum">
+              <a:rPr lang="de-DE" smtClean="0"/>
+              <a:t>6</a:t>
+            </a:fld>
+            <a:endParaRPr lang="de-DE"/>
+          </a:p>
+        </p:txBody>
+      </p:sp>
+    </p:spTree>
+    <p:extLst>
+      <p:ext uri="{BB962C8B-B14F-4D97-AF65-F5344CB8AC3E}">
+        <p14:creationId xmlns:p14="http://schemas.microsoft.com/office/powerpoint/2010/main" val="2789332368"/>
+      </p:ext>
+    </p:extLst>
+  </p:cSld>
+  <p:clrMapOvr>
+    <a:masterClrMapping/>
+  </p:clrMapOvr>
+</p:notes>
+</file>
+
+<file path=ppt/notesSlides/notesSlide6.xml><?xml version="1.0" encoding="utf-8"?>
+<p:notes xmlns:a="http://schemas.openxmlformats.org/drawingml/2006/main" xmlns:r="http://schemas.openxmlformats.org/officeDocument/2006/relationships" xmlns:p="http://schemas.openxmlformats.org/presentationml/2006/main">
+  <p:cSld>
+    <p:spTree>
+      <p:nvGrpSpPr>
+        <p:cNvPr id="1" name=""/>
+        <p:cNvGrpSpPr/>
+        <p:nvPr/>
+      </p:nvGrpSpPr>
+      <p:grpSpPr>
+        <a:xfrm>
+          <a:off x="0" y="0"/>
+          <a:ext cx="0" cy="0"/>
+          <a:chOff x="0" y="0"/>
+          <a:chExt cx="0" cy="0"/>
+        </a:xfrm>
+      </p:grpSpPr>
+      <p:sp>
+        <p:nvSpPr>
+          <p:cNvPr id="2" name="Folienbildplatzhalter 1"/>
+          <p:cNvSpPr>
+            <a:spLocks noGrp="1" noRot="1" noChangeAspect="1"/>
+          </p:cNvSpPr>
+          <p:nvPr>
+            <p:ph type="sldImg"/>
+          </p:nvPr>
+        </p:nvSpPr>
+        <p:spPr/>
+      </p:sp>
+      <p:sp>
+        <p:nvSpPr>
+          <p:cNvPr id="3" name="Notizenplatzhalter 2"/>
+          <p:cNvSpPr>
+            <a:spLocks noGrp="1"/>
+          </p:cNvSpPr>
+          <p:nvPr>
+            <p:ph type="body" idx="1"/>
+          </p:nvPr>
+        </p:nvSpPr>
+        <p:spPr/>
+        <p:txBody>
+          <a:bodyPr/>
+          <a:lstStyle/>
+          <a:p>
+            <a:r>
+              <a:rPr lang="de-DE" dirty="0"/>
+              <a:t>Zeile 1: 	Abfrage der Gültigkeit der Userdaten durch die API</a:t>
+            </a:r>
+          </a:p>
+          <a:p>
+            <a:r>
+              <a:rPr lang="de-DE" dirty="0"/>
+              <a:t>Zeile 2: 	Abfrage des Nutzers nach seiner ID</a:t>
+            </a:r>
+          </a:p>
+          <a:p>
+            <a:r>
+              <a:rPr lang="de-DE" dirty="0"/>
+              <a:t>Zeile 3: 	Registrieren eines neuen Nutzers über die API in der Datenbank</a:t>
+            </a:r>
+          </a:p>
+        </p:txBody>
+      </p:sp>
+      <p:sp>
+        <p:nvSpPr>
+          <p:cNvPr id="4" name="Foliennummernplatzhalter 3"/>
+          <p:cNvSpPr>
+            <a:spLocks noGrp="1"/>
+          </p:cNvSpPr>
+          <p:nvPr>
+            <p:ph type="sldNum" sz="quarter" idx="5"/>
+          </p:nvPr>
+        </p:nvSpPr>
+        <p:spPr/>
+        <p:txBody>
+          <a:bodyPr/>
+          <a:lstStyle/>
+          <a:p>
+            <a:fld id="{C66D9F2B-5E54-4A14-9CD5-BB615536ED89}" type="slidenum">
+              <a:rPr lang="de-DE" smtClean="0"/>
+              <a:t>8</a:t>
+            </a:fld>
+            <a:endParaRPr lang="de-DE"/>
+          </a:p>
+        </p:txBody>
+      </p:sp>
+    </p:spTree>
+    <p:extLst>
+      <p:ext uri="{BB962C8B-B14F-4D97-AF65-F5344CB8AC3E}">
+        <p14:creationId xmlns:p14="http://schemas.microsoft.com/office/powerpoint/2010/main" val="2626302612"/>
+      </p:ext>
+    </p:extLst>
+  </p:cSld>
+  <p:clrMapOvr>
+    <a:masterClrMapping/>
+  </p:clrMapOvr>
+</p:notes>
+</file>
+
+<file path=ppt/notesSlides/notesSlide7.xml><?xml version="1.0" encoding="utf-8"?>
+<p:notes xmlns:a="http://schemas.openxmlformats.org/drawingml/2006/main" xmlns:r="http://schemas.openxmlformats.org/officeDocument/2006/relationships" xmlns:p="http://schemas.openxmlformats.org/presentationml/2006/main">
+  <p:cSld>
+    <p:spTree>
+      <p:nvGrpSpPr>
+        <p:cNvPr id="1" name=""/>
+        <p:cNvGrpSpPr/>
+        <p:nvPr/>
+      </p:nvGrpSpPr>
+      <p:grpSpPr>
+        <a:xfrm>
+          <a:off x="0" y="0"/>
+          <a:ext cx="0" cy="0"/>
+          <a:chOff x="0" y="0"/>
+          <a:chExt cx="0" cy="0"/>
+        </a:xfrm>
+      </p:grpSpPr>
+      <p:sp>
+        <p:nvSpPr>
+          <p:cNvPr id="2" name="Folienbildplatzhalter 1"/>
+          <p:cNvSpPr>
+            <a:spLocks noGrp="1" noRot="1" noChangeAspect="1"/>
+          </p:cNvSpPr>
+          <p:nvPr>
+            <p:ph type="sldImg"/>
+          </p:nvPr>
+        </p:nvSpPr>
+        <p:spPr/>
+      </p:sp>
+      <p:sp>
+        <p:nvSpPr>
+          <p:cNvPr id="3" name="Notizenplatzhalter 2"/>
+          <p:cNvSpPr>
+            <a:spLocks noGrp="1"/>
+          </p:cNvSpPr>
+          <p:nvPr>
+            <p:ph type="body" idx="1"/>
+          </p:nvPr>
+        </p:nvSpPr>
+        <p:spPr/>
+        <p:txBody>
+          <a:bodyPr/>
+          <a:lstStyle/>
+          <a:p>
+            <a:endParaRPr lang="de-DE" dirty="0"/>
+          </a:p>
+        </p:txBody>
+      </p:sp>
+      <p:sp>
+        <p:nvSpPr>
+          <p:cNvPr id="4" name="Foliennummernplatzhalter 3"/>
+          <p:cNvSpPr>
+            <a:spLocks noGrp="1"/>
+          </p:cNvSpPr>
+          <p:nvPr>
+            <p:ph type="sldNum" sz="quarter" idx="5"/>
+          </p:nvPr>
+        </p:nvSpPr>
+        <p:spPr/>
+        <p:txBody>
+          <a:bodyPr/>
+          <a:lstStyle/>
+          <a:p>
+            <a:fld id="{C66D9F2B-5E54-4A14-9CD5-BB615536ED89}" type="slidenum">
+              <a:rPr lang="de-DE" smtClean="0"/>
+              <a:t>13</a:t>
+            </a:fld>
+            <a:endParaRPr lang="de-DE"/>
+          </a:p>
+        </p:txBody>
+      </p:sp>
+    </p:spTree>
+    <p:extLst>
+      <p:ext uri="{BB962C8B-B14F-4D97-AF65-F5344CB8AC3E}">
+        <p14:creationId xmlns:p14="http://schemas.microsoft.com/office/powerpoint/2010/main" val="4224672391"/>
+      </p:ext>
+    </p:extLst>
+  </p:cSld>
+  <p:clrMapOvr>
+    <a:masterClrMapping/>
+  </p:clrMapOvr>
+</p:notes>
+</file>
+
+<file path=ppt/notesSlides/notesSlide8.xml><?xml version="1.0" encoding="utf-8"?>
+<p:notes xmlns:a="http://schemas.openxmlformats.org/drawingml/2006/main" xmlns:r="http://schemas.openxmlformats.org/officeDocument/2006/relationships" xmlns:p="http://schemas.openxmlformats.org/presentationml/2006/main">
+  <p:cSld>
+    <p:spTree>
+      <p:nvGrpSpPr>
+        <p:cNvPr id="1" name=""/>
+        <p:cNvGrpSpPr/>
+        <p:nvPr/>
+      </p:nvGrpSpPr>
+      <p:grpSpPr>
+        <a:xfrm>
+          <a:off x="0" y="0"/>
+          <a:ext cx="0" cy="0"/>
+          <a:chOff x="0" y="0"/>
+          <a:chExt cx="0" cy="0"/>
+        </a:xfrm>
+      </p:grpSpPr>
+      <p:sp>
+        <p:nvSpPr>
+          <p:cNvPr id="2" name="Folienbildplatzhalter 1"/>
+          <p:cNvSpPr>
+            <a:spLocks noGrp="1" noRot="1" noChangeAspect="1"/>
+          </p:cNvSpPr>
+          <p:nvPr>
+            <p:ph type="sldImg"/>
+          </p:nvPr>
+        </p:nvSpPr>
+        <p:spPr/>
+      </p:sp>
+      <p:sp>
+        <p:nvSpPr>
+          <p:cNvPr id="3" name="Notizenplatzhalter 2"/>
+          <p:cNvSpPr>
+            <a:spLocks noGrp="1"/>
+          </p:cNvSpPr>
+          <p:nvPr>
+            <p:ph type="body" idx="1"/>
+          </p:nvPr>
+        </p:nvSpPr>
+        <p:spPr/>
+        <p:txBody>
+          <a:bodyPr/>
+          <a:lstStyle/>
+          <a:p>
+            <a:endParaRPr lang="de-DE" dirty="0"/>
+          </a:p>
+          <a:p>
+            <a:endParaRPr lang="de-DE" dirty="0"/>
+          </a:p>
+          <a:p>
+            <a:endParaRPr lang="de-DE" dirty="0"/>
+          </a:p>
+          <a:p>
+            <a:endParaRPr lang="de-DE" dirty="0"/>
+          </a:p>
+          <a:p>
+            <a:endParaRPr lang="de-DE" dirty="0"/>
+          </a:p>
+          <a:p>
+            <a:endParaRPr lang="de-DE" dirty="0"/>
+          </a:p>
+          <a:p>
+            <a:r>
+              <a:rPr lang="de-DE" dirty="0" err="1"/>
+              <a:t>Bildlink</a:t>
+            </a:r>
+            <a:r>
+              <a:rPr lang="de-DE" dirty="0"/>
+              <a:t>: https://pixabay.com/de/illustrations/fragezeichen-hinweis-duplikat-2405202/</a:t>
+            </a:r>
+          </a:p>
+        </p:txBody>
+      </p:sp>
+      <p:sp>
+        <p:nvSpPr>
+          <p:cNvPr id="4" name="Foliennummernplatzhalter 3"/>
+          <p:cNvSpPr>
+            <a:spLocks noGrp="1"/>
+          </p:cNvSpPr>
+          <p:nvPr>
+            <p:ph type="sldNum" sz="quarter" idx="5"/>
+          </p:nvPr>
+        </p:nvSpPr>
+        <p:spPr/>
+        <p:txBody>
+          <a:bodyPr/>
+          <a:lstStyle/>
+          <a:p>
+            <a:fld id="{C66D9F2B-5E54-4A14-9CD5-BB615536ED89}" type="slidenum">
+              <a:rPr lang="de-DE" smtClean="0"/>
+              <a:t>14</a:t>
+            </a:fld>
+            <a:endParaRPr lang="de-DE"/>
+          </a:p>
+        </p:txBody>
+      </p:sp>
+    </p:spTree>
+    <p:extLst>
+      <p:ext uri="{BB962C8B-B14F-4D97-AF65-F5344CB8AC3E}">
+        <p14:creationId xmlns:p14="http://schemas.microsoft.com/office/powerpoint/2010/main" val="3160837711"/>
+      </p:ext>
+    </p:extLst>
+  </p:cSld>
+  <p:clrMapOvr>
+    <a:masterClrMapping/>
+  </p:clrMapOvr>
+</p:notes>
+</file>
+
 <file path=ppt/slideLayouts/slideLayout1.xml><?xml version="1.0" encoding="utf-8"?>
 <p:sldLayout xmlns:a="http://schemas.openxmlformats.org/drawingml/2006/main" xmlns:r="http://schemas.openxmlformats.org/officeDocument/2006/relationships" xmlns:p="http://schemas.openxmlformats.org/presentationml/2006/main" type="title" preserve="1">
   <p:cSld name="Titelfolie">
@@ -2255,6 +5751,9 @@
             <a:off x="914400" y="2130426"/>
             <a:ext cx="10363200" cy="1470025"/>
           </a:xfrm>
+          <a:prstGeom prst="rect">
+            <a:avLst/>
+          </a:prstGeom>
         </p:spPr>
         <p:txBody>
           <a:bodyPr/>
@@ -2290,6 +5789,9 @@
             <a:off x="1828800" y="3886200"/>
             <a:ext cx="8534400" cy="1752600"/>
           </a:xfrm>
+          <a:prstGeom prst="rect">
+            <a:avLst/>
+          </a:prstGeom>
         </p:spPr>
         <p:txBody>
           <a:bodyPr/>
@@ -2447,7 +5949,15 @@
             <p:ph type="title"/>
           </p:nvPr>
         </p:nvSpPr>
-        <p:spPr/>
+        <p:spPr>
+          <a:xfrm>
+            <a:off x="609600" y="274638"/>
+            <a:ext cx="10972800" cy="1143000"/>
+          </a:xfrm>
+          <a:prstGeom prst="rect">
+            <a:avLst/>
+          </a:prstGeom>
+        </p:spPr>
         <p:txBody>
           <a:bodyPr/>
           <a:lstStyle>
@@ -2477,7 +5987,15 @@
             <p:ph type="body" orient="vert" idx="1"/>
           </p:nvPr>
         </p:nvSpPr>
-        <p:spPr/>
+        <p:spPr>
+          <a:xfrm>
+            <a:off x="609600" y="1600201"/>
+            <a:ext cx="10972800" cy="4525963"/>
+          </a:xfrm>
+          <a:prstGeom prst="rect">
+            <a:avLst/>
+          </a:prstGeom>
+        </p:spPr>
         <p:txBody>
           <a:bodyPr vert="eaVert"/>
           <a:lstStyle>
@@ -2685,6 +6203,9 @@
             <a:off x="8839200" y="274639"/>
             <a:ext cx="2743200" cy="5851525"/>
           </a:xfrm>
+          <a:prstGeom prst="rect">
+            <a:avLst/>
+          </a:prstGeom>
         </p:spPr>
         <p:txBody>
           <a:bodyPr vert="eaVert"/>
@@ -2720,6 +6241,9 @@
             <a:off x="609600" y="274639"/>
             <a:ext cx="8026400" cy="5851525"/>
           </a:xfrm>
+          <a:prstGeom prst="rect">
+            <a:avLst/>
+          </a:prstGeom>
         </p:spPr>
         <p:txBody>
           <a:bodyPr vert="eaVert"/>
@@ -2925,9 +6449,12 @@
         </p:nvSpPr>
         <p:spPr>
           <a:xfrm>
-            <a:off x="609600" y="44624"/>
+            <a:off x="609600" y="95424"/>
             <a:ext cx="10972800" cy="1143000"/>
           </a:xfrm>
+          <a:prstGeom prst="rect">
+            <a:avLst/>
+          </a:prstGeom>
         </p:spPr>
         <p:txBody>
           <a:bodyPr/>
@@ -2958,7 +6485,15 @@
             <p:ph idx="1"/>
           </p:nvPr>
         </p:nvSpPr>
-        <p:spPr/>
+        <p:spPr>
+          <a:xfrm>
+            <a:off x="609600" y="1600201"/>
+            <a:ext cx="10972800" cy="4525963"/>
+          </a:xfrm>
+          <a:prstGeom prst="rect">
+            <a:avLst/>
+          </a:prstGeom>
+        </p:spPr>
         <p:txBody>
           <a:bodyPr/>
           <a:lstStyle>
@@ -3208,6 +6743,9 @@
             <a:off x="963084" y="4406901"/>
             <a:ext cx="10363200" cy="1362075"/>
           </a:xfrm>
+          <a:prstGeom prst="rect">
+            <a:avLst/>
+          </a:prstGeom>
         </p:spPr>
         <p:txBody>
           <a:bodyPr anchor="t"/>
@@ -3243,6 +6781,9 @@
             <a:off x="963084" y="2906713"/>
             <a:ext cx="10363200" cy="1500187"/>
           </a:xfrm>
+          <a:prstGeom prst="rect">
+            <a:avLst/>
+          </a:prstGeom>
         </p:spPr>
         <p:txBody>
           <a:bodyPr anchor="b"/>
@@ -3444,7 +6985,15 @@
             <p:ph type="title"/>
           </p:nvPr>
         </p:nvSpPr>
-        <p:spPr/>
+        <p:spPr>
+          <a:xfrm>
+            <a:off x="609600" y="274638"/>
+            <a:ext cx="10972800" cy="1143000"/>
+          </a:xfrm>
+          <a:prstGeom prst="rect">
+            <a:avLst/>
+          </a:prstGeom>
+        </p:spPr>
         <p:txBody>
           <a:bodyPr/>
           <a:lstStyle>
@@ -3479,6 +7028,9 @@
             <a:off x="609600" y="1600201"/>
             <a:ext cx="5384800" cy="4525963"/>
           </a:xfrm>
+          <a:prstGeom prst="rect">
+            <a:avLst/>
+          </a:prstGeom>
         </p:spPr>
         <p:txBody>
           <a:bodyPr/>
@@ -3583,6 +7135,9 @@
             <a:off x="6197600" y="1600201"/>
             <a:ext cx="5384800" cy="4525963"/>
           </a:xfrm>
+          <a:prstGeom prst="rect">
+            <a:avLst/>
+          </a:prstGeom>
         </p:spPr>
         <p:txBody>
           <a:bodyPr/>
@@ -3771,7 +7326,15 @@
             <p:ph type="title"/>
           </p:nvPr>
         </p:nvSpPr>
-        <p:spPr/>
+        <p:spPr>
+          <a:xfrm>
+            <a:off x="609600" y="274638"/>
+            <a:ext cx="10972800" cy="1143000"/>
+          </a:xfrm>
+          <a:prstGeom prst="rect">
+            <a:avLst/>
+          </a:prstGeom>
+        </p:spPr>
         <p:txBody>
           <a:bodyPr/>
           <a:lstStyle>
@@ -3806,6 +7369,9 @@
             <a:off x="609600" y="1535113"/>
             <a:ext cx="5386917" cy="639762"/>
           </a:xfrm>
+          <a:prstGeom prst="rect">
+            <a:avLst/>
+          </a:prstGeom>
         </p:spPr>
         <p:txBody>
           <a:bodyPr anchor="b"/>
@@ -3875,6 +7441,9 @@
             <a:off x="609600" y="2174875"/>
             <a:ext cx="5386917" cy="3951288"/>
           </a:xfrm>
+          <a:prstGeom prst="rect">
+            <a:avLst/>
+          </a:prstGeom>
         </p:spPr>
         <p:txBody>
           <a:bodyPr/>
@@ -3979,6 +7548,9 @@
             <a:off x="6193368" y="1535113"/>
             <a:ext cx="5389033" cy="639762"/>
           </a:xfrm>
+          <a:prstGeom prst="rect">
+            <a:avLst/>
+          </a:prstGeom>
         </p:spPr>
         <p:txBody>
           <a:bodyPr anchor="b"/>
@@ -4048,6 +7620,9 @@
             <a:off x="6193368" y="2174875"/>
             <a:ext cx="5389033" cy="3951288"/>
           </a:xfrm>
+          <a:prstGeom prst="rect">
+            <a:avLst/>
+          </a:prstGeom>
         </p:spPr>
         <p:txBody>
           <a:bodyPr/>
@@ -4263,7 +7838,15 @@
             <p:ph type="title"/>
           </p:nvPr>
         </p:nvSpPr>
-        <p:spPr/>
+        <p:spPr>
+          <a:xfrm>
+            <a:off x="609600" y="274638"/>
+            <a:ext cx="10972800" cy="1143000"/>
+          </a:xfrm>
+          <a:prstGeom prst="rect">
+            <a:avLst/>
+          </a:prstGeom>
+        </p:spPr>
         <p:txBody>
           <a:bodyPr/>
           <a:lstStyle>
@@ -4530,6 +8113,9 @@
             <a:off x="609601" y="273050"/>
             <a:ext cx="4011084" cy="1162050"/>
           </a:xfrm>
+          <a:prstGeom prst="rect">
+            <a:avLst/>
+          </a:prstGeom>
         </p:spPr>
         <p:txBody>
           <a:bodyPr anchor="b"/>
@@ -4565,6 +8151,9 @@
             <a:off x="4766733" y="273051"/>
             <a:ext cx="6815667" cy="5853113"/>
           </a:xfrm>
+          <a:prstGeom prst="rect">
+            <a:avLst/>
+          </a:prstGeom>
         </p:spPr>
         <p:txBody>
           <a:bodyPr/>
@@ -4669,6 +8258,9 @@
             <a:off x="609601" y="1435101"/>
             <a:ext cx="4011084" cy="4691063"/>
           </a:xfrm>
+          <a:prstGeom prst="rect">
+            <a:avLst/>
+          </a:prstGeom>
         </p:spPr>
         <p:txBody>
           <a:bodyPr/>
@@ -4827,6 +8419,9 @@
             <a:off x="2389717" y="4800600"/>
             <a:ext cx="7315200" cy="566738"/>
           </a:xfrm>
+          <a:prstGeom prst="rect">
+            <a:avLst/>
+          </a:prstGeom>
         </p:spPr>
         <p:txBody>
           <a:bodyPr anchor="b"/>
@@ -4862,6 +8457,9 @@
             <a:off x="2389717" y="612775"/>
             <a:ext cx="7315200" cy="4114800"/>
           </a:xfrm>
+          <a:prstGeom prst="rect">
+            <a:avLst/>
+          </a:prstGeom>
         </p:spPr>
         <p:txBody>
           <a:bodyPr/>
@@ -4930,6 +8528,9 @@
             <a:off x="2389717" y="5367338"/>
             <a:ext cx="7315200" cy="804862"/>
           </a:xfrm>
+          <a:prstGeom prst="rect">
+            <a:avLst/>
+          </a:prstGeom>
         </p:spPr>
         <p:txBody>
           <a:bodyPr/>
@@ -5105,99 +8706,6 @@
           <a:chExt cx="0" cy="0"/>
         </a:xfrm>
       </p:grpSpPr>
-      <p:sp>
-        <p:nvSpPr>
-          <p:cNvPr id="2" name="Titelplatzhalter 1"/>
-          <p:cNvSpPr>
-            <a:spLocks noGrp="1"/>
-          </p:cNvSpPr>
-          <p:nvPr>
-            <p:ph type="title"/>
-          </p:nvPr>
-        </p:nvSpPr>
-        <p:spPr>
-          <a:xfrm>
-            <a:off x="609600" y="274638"/>
-            <a:ext cx="10972800" cy="1143000"/>
-          </a:xfrm>
-          <a:prstGeom prst="rect">
-            <a:avLst/>
-          </a:prstGeom>
-        </p:spPr>
-        <p:txBody>
-          <a:bodyPr vert="horz" lIns="91440" tIns="45720" rIns="91440" bIns="45720" rtlCol="0" anchor="ctr">
-            <a:normAutofit/>
-          </a:bodyPr>
-          <a:lstStyle/>
-          <a:p>
-            <a:r>
-              <a:rPr lang="de-DE" dirty="0"/>
-              <a:t>Titelmasterformat durch Klicken bearbeiten</a:t>
-            </a:r>
-          </a:p>
-        </p:txBody>
-      </p:sp>
-      <p:sp>
-        <p:nvSpPr>
-          <p:cNvPr id="3" name="Textplatzhalter 2"/>
-          <p:cNvSpPr>
-            <a:spLocks noGrp="1"/>
-          </p:cNvSpPr>
-          <p:nvPr>
-            <p:ph type="body" idx="1"/>
-          </p:nvPr>
-        </p:nvSpPr>
-        <p:spPr>
-          <a:xfrm>
-            <a:off x="609600" y="1600201"/>
-            <a:ext cx="10972800" cy="4525963"/>
-          </a:xfrm>
-          <a:prstGeom prst="rect">
-            <a:avLst/>
-          </a:prstGeom>
-        </p:spPr>
-        <p:txBody>
-          <a:bodyPr vert="horz" lIns="91440" tIns="45720" rIns="91440" bIns="45720" rtlCol="0">
-            <a:normAutofit/>
-          </a:bodyPr>
-          <a:lstStyle/>
-          <a:p>
-            <a:pPr lvl="0"/>
-            <a:r>
-              <a:rPr lang="de-DE"/>
-              <a:t>Textmasterformat bearbeiten</a:t>
-            </a:r>
-          </a:p>
-          <a:p>
-            <a:pPr lvl="1"/>
-            <a:r>
-              <a:rPr lang="de-DE"/>
-              <a:t>Zweite Ebene</a:t>
-            </a:r>
-          </a:p>
-          <a:p>
-            <a:pPr lvl="2"/>
-            <a:r>
-              <a:rPr lang="de-DE"/>
-              <a:t>Dritte Ebene</a:t>
-            </a:r>
-          </a:p>
-          <a:p>
-            <a:pPr lvl="3"/>
-            <a:r>
-              <a:rPr lang="de-DE"/>
-              <a:t>Vierte Ebene</a:t>
-            </a:r>
-          </a:p>
-          <a:p>
-            <a:pPr lvl="4"/>
-            <a:r>
-              <a:rPr lang="de-DE"/>
-              <a:t>Fünfte Ebene</a:t>
-            </a:r>
-          </a:p>
-        </p:txBody>
-      </p:sp>
       <p:sp>
         <p:nvSpPr>
           <p:cNvPr id="4" name="Datumsplatzhalter 3"/>
@@ -6941,7 +10449,10 @@
           <a:bodyPr/>
           <a:lstStyle/>
           <a:p>
-            <a:endParaRPr lang="de-DE" dirty="0"/>
+            <a:r>
+              <a:rPr lang="de-DE" dirty="0"/>
+              <a:t>Web Engineering</a:t>
+            </a:r>
           </a:p>
         </p:txBody>
       </p:sp>
@@ -6966,10 +10477,142 @@
           <a:bodyPr/>
           <a:lstStyle/>
           <a:p>
-            <a:endParaRPr lang="de-DE" dirty="0"/>
+            <a:r>
+              <a:rPr lang="de-DE" dirty="0"/>
+              <a:t>Leander Gmeiner, Frederik Junk,</a:t>
+            </a:r>
+          </a:p>
+          <a:p>
+            <a:r>
+              <a:rPr lang="de-DE" dirty="0"/>
+              <a:t>Yannick Seidel, Daniel Siegert</a:t>
+            </a:r>
           </a:p>
         </p:txBody>
       </p:sp>
+      <p:pic>
+        <p:nvPicPr>
+          <p:cNvPr id="5" name="Grafik 4">
+            <a:extLst>
+              <a:ext uri="{FF2B5EF4-FFF2-40B4-BE49-F238E27FC236}">
+                <a16:creationId xmlns:a16="http://schemas.microsoft.com/office/drawing/2014/main" id="{D6020AF1-379E-634B-8A35-C23D52E71C52}"/>
+              </a:ext>
+            </a:extLst>
+          </p:cNvPr>
+          <p:cNvPicPr>
+            <a:picLocks noChangeAspect="1" noChangeArrowheads="1"/>
+          </p:cNvPicPr>
+          <p:nvPr/>
+        </p:nvPicPr>
+        <p:blipFill>
+          <a:blip r:embed="rId3">
+            <a:extLst>
+              <a:ext uri="{28A0092B-C50C-407E-A947-70E740481C1C}">
+                <a14:useLocalDpi xmlns:a14="http://schemas.microsoft.com/office/drawing/2010/main" val="0"/>
+              </a:ext>
+            </a:extLst>
+          </a:blip>
+          <a:srcRect/>
+          <a:stretch>
+            <a:fillRect/>
+          </a:stretch>
+        </p:blipFill>
+        <p:spPr bwMode="auto">
+          <a:xfrm>
+            <a:off x="-1390329" y="-141049"/>
+            <a:ext cx="14972658" cy="11989227"/>
+          </a:xfrm>
+          <a:custGeom>
+            <a:avLst/>
+            <a:gdLst>
+              <a:gd name="connsiteX0" fmla="*/ 6781800 w 14747132"/>
+              <a:gd name="connsiteY0" fmla="*/ 8008028 h 11808639"/>
+              <a:gd name="connsiteX1" fmla="*/ 6781800 w 14747132"/>
+              <a:gd name="connsiteY1" fmla="*/ 10954428 h 11808639"/>
+              <a:gd name="connsiteX2" fmla="*/ 11729720 w 14747132"/>
+              <a:gd name="connsiteY2" fmla="*/ 10954428 h 11808639"/>
+              <a:gd name="connsiteX3" fmla="*/ 11729720 w 14747132"/>
+              <a:gd name="connsiteY3" fmla="*/ 8008028 h 11808639"/>
+              <a:gd name="connsiteX4" fmla="*/ 0 w 14747132"/>
+              <a:gd name="connsiteY4" fmla="*/ 0 h 11808639"/>
+              <a:gd name="connsiteX5" fmla="*/ 14747132 w 14747132"/>
+              <a:gd name="connsiteY5" fmla="*/ 0 h 11808639"/>
+              <a:gd name="connsiteX6" fmla="*/ 14747132 w 14747132"/>
+              <a:gd name="connsiteY6" fmla="*/ 11808639 h 11808639"/>
+              <a:gd name="connsiteX7" fmla="*/ 0 w 14747132"/>
+              <a:gd name="connsiteY7" fmla="*/ 11808639 h 11808639"/>
+            </a:gdLst>
+            <a:ahLst/>
+            <a:cxnLst>
+              <a:cxn ang="0">
+                <a:pos x="connsiteX0" y="connsiteY0"/>
+              </a:cxn>
+              <a:cxn ang="0">
+                <a:pos x="connsiteX1" y="connsiteY1"/>
+              </a:cxn>
+              <a:cxn ang="0">
+                <a:pos x="connsiteX2" y="connsiteY2"/>
+              </a:cxn>
+              <a:cxn ang="0">
+                <a:pos x="connsiteX3" y="connsiteY3"/>
+              </a:cxn>
+              <a:cxn ang="0">
+                <a:pos x="connsiteX4" y="connsiteY4"/>
+              </a:cxn>
+              <a:cxn ang="0">
+                <a:pos x="connsiteX5" y="connsiteY5"/>
+              </a:cxn>
+              <a:cxn ang="0">
+                <a:pos x="connsiteX6" y="connsiteY6"/>
+              </a:cxn>
+              <a:cxn ang="0">
+                <a:pos x="connsiteX7" y="connsiteY7"/>
+              </a:cxn>
+            </a:cxnLst>
+            <a:rect l="l" t="t" r="r" b="b"/>
+            <a:pathLst>
+              <a:path w="14747132" h="11808639">
+                <a:moveTo>
+                  <a:pt x="6781800" y="8008028"/>
+                </a:moveTo>
+                <a:lnTo>
+                  <a:pt x="6781800" y="10954428"/>
+                </a:lnTo>
+                <a:lnTo>
+                  <a:pt x="11729720" y="10954428"/>
+                </a:lnTo>
+                <a:lnTo>
+                  <a:pt x="11729720" y="8008028"/>
+                </a:lnTo>
+                <a:close/>
+                <a:moveTo>
+                  <a:pt x="0" y="0"/>
+                </a:moveTo>
+                <a:lnTo>
+                  <a:pt x="14747132" y="0"/>
+                </a:lnTo>
+                <a:lnTo>
+                  <a:pt x="14747132" y="11808639"/>
+                </a:lnTo>
+                <a:lnTo>
+                  <a:pt x="0" y="11808639"/>
+                </a:lnTo>
+                <a:close/>
+              </a:path>
+            </a:pathLst>
+          </a:custGeom>
+          <a:noFill/>
+          <a:extLst>
+            <a:ext uri="{909E8E84-426E-40DD-AFC4-6F175D3DCCD1}">
+              <a14:hiddenFill xmlns:a14="http://schemas.microsoft.com/office/drawing/2010/main">
+                <a:solidFill>
+                  <a:srgbClr val="FFFFFF"/>
+                </a:solidFill>
+              </a14:hiddenFill>
+            </a:ext>
+          </a:extLst>
+        </p:spPr>
+      </p:pic>
     </p:spTree>
     <p:extLst>
       <p:ext uri="{BB962C8B-B14F-4D97-AF65-F5344CB8AC3E}">
@@ -6980,6 +10623,4704 @@
   <p:clrMapOvr>
     <a:masterClrMapping/>
   </p:clrMapOvr>
+</p:sld>
+</file>
+
+<file path=ppt/slides/slide10.xml><?xml version="1.0" encoding="utf-8"?>
+<p:sld xmlns:a="http://schemas.openxmlformats.org/drawingml/2006/main" xmlns:r="http://schemas.openxmlformats.org/officeDocument/2006/relationships" xmlns:p="http://schemas.openxmlformats.org/presentationml/2006/main">
+  <p:cSld>
+    <p:spTree>
+      <p:nvGrpSpPr>
+        <p:cNvPr id="1" name=""/>
+        <p:cNvGrpSpPr/>
+        <p:nvPr/>
+      </p:nvGrpSpPr>
+      <p:grpSpPr>
+        <a:xfrm>
+          <a:off x="0" y="0"/>
+          <a:ext cx="0" cy="0"/>
+          <a:chOff x="0" y="0"/>
+          <a:chExt cx="0" cy="0"/>
+        </a:xfrm>
+      </p:grpSpPr>
+      <p:sp>
+        <p:nvSpPr>
+          <p:cNvPr id="2" name="Titel 1">
+            <a:extLst>
+              <a:ext uri="{FF2B5EF4-FFF2-40B4-BE49-F238E27FC236}">
+                <a16:creationId xmlns:a16="http://schemas.microsoft.com/office/drawing/2014/main" id="{87358716-49FB-FD0B-3383-E1F6B99C68B9}"/>
+              </a:ext>
+            </a:extLst>
+          </p:cNvPr>
+          <p:cNvSpPr>
+            <a:spLocks noGrp="1"/>
+          </p:cNvSpPr>
+          <p:nvPr>
+            <p:ph type="title"/>
+          </p:nvPr>
+        </p:nvSpPr>
+        <p:spPr/>
+        <p:txBody>
+          <a:bodyPr anchor="ctr"/>
+          <a:lstStyle/>
+          <a:p>
+            <a:r>
+              <a:rPr lang="de-DE" dirty="0"/>
+              <a:t>Produktübersicht</a:t>
+            </a:r>
+          </a:p>
+        </p:txBody>
+      </p:sp>
+      <p:sp>
+        <p:nvSpPr>
+          <p:cNvPr id="4" name="Foliennummernplatzhalter 3">
+            <a:extLst>
+              <a:ext uri="{FF2B5EF4-FFF2-40B4-BE49-F238E27FC236}">
+                <a16:creationId xmlns:a16="http://schemas.microsoft.com/office/drawing/2014/main" id="{F1CF1996-76A4-4CB3-35AD-F4BEBEBF6ED4}"/>
+              </a:ext>
+            </a:extLst>
+          </p:cNvPr>
+          <p:cNvSpPr>
+            <a:spLocks noGrp="1"/>
+          </p:cNvSpPr>
+          <p:nvPr>
+            <p:ph type="sldNum" sz="quarter" idx="12"/>
+          </p:nvPr>
+        </p:nvSpPr>
+        <p:spPr/>
+        <p:txBody>
+          <a:bodyPr/>
+          <a:lstStyle/>
+          <a:p>
+            <a:r>
+              <a:rPr lang="de-DE" dirty="0"/>
+              <a:t>6</a:t>
+            </a:r>
+          </a:p>
+        </p:txBody>
+      </p:sp>
+      <p:sp>
+        <p:nvSpPr>
+          <p:cNvPr id="6" name="Rechteck 5">
+            <a:extLst>
+              <a:ext uri="{FF2B5EF4-FFF2-40B4-BE49-F238E27FC236}">
+                <a16:creationId xmlns:a16="http://schemas.microsoft.com/office/drawing/2014/main" id="{B0CA573D-572A-9A85-F83A-947815737B8D}"/>
+              </a:ext>
+            </a:extLst>
+          </p:cNvPr>
+          <p:cNvSpPr/>
+          <p:nvPr/>
+        </p:nvSpPr>
+        <p:spPr>
+          <a:xfrm>
+            <a:off x="1114166" y="2663611"/>
+            <a:ext cx="9963667" cy="3401926"/>
+          </a:xfrm>
+          <a:prstGeom prst="rect">
+            <a:avLst/>
+          </a:prstGeom>
+          <a:solidFill>
+            <a:schemeClr val="bg1">
+              <a:lumMod val="75000"/>
+            </a:schemeClr>
+          </a:solidFill>
+          <a:effectLst>
+            <a:outerShdw blurRad="50800" dist="38100" dir="2700000" algn="tl" rotWithShape="0">
+              <a:prstClr val="black">
+                <a:alpha val="40000"/>
+              </a:prstClr>
+            </a:outerShdw>
+          </a:effectLst>
+        </p:spPr>
+        <p:style>
+          <a:lnRef idx="2">
+            <a:schemeClr val="accent1">
+              <a:shade val="50000"/>
+            </a:schemeClr>
+          </a:lnRef>
+          <a:fillRef idx="1">
+            <a:schemeClr val="accent1"/>
+          </a:fillRef>
+          <a:effectRef idx="0">
+            <a:schemeClr val="accent1"/>
+          </a:effectRef>
+          <a:fontRef idx="minor">
+            <a:schemeClr val="lt1"/>
+          </a:fontRef>
+        </p:style>
+        <p:txBody>
+          <a:bodyPr rtlCol="0" anchor="ctr"/>
+          <a:lstStyle/>
+          <a:p>
+            <a:pPr algn="ctr"/>
+            <a:endParaRPr lang="de-DE" sz="2000" b="1" dirty="0"/>
+          </a:p>
+        </p:txBody>
+      </p:sp>
+      <p:sp>
+        <p:nvSpPr>
+          <p:cNvPr id="9" name="Inhaltsplatzhalter 2">
+            <a:extLst>
+              <a:ext uri="{FF2B5EF4-FFF2-40B4-BE49-F238E27FC236}">
+                <a16:creationId xmlns:a16="http://schemas.microsoft.com/office/drawing/2014/main" id="{E57772D7-421C-B621-EDD4-EE71BFB1A450}"/>
+              </a:ext>
+            </a:extLst>
+          </p:cNvPr>
+          <p:cNvSpPr txBox="1">
+            <a:spLocks/>
+          </p:cNvSpPr>
+          <p:nvPr/>
+        </p:nvSpPr>
+        <p:spPr>
+          <a:xfrm>
+            <a:off x="609600" y="1600201"/>
+            <a:ext cx="10972800" cy="4525963"/>
+          </a:xfrm>
+          <a:prstGeom prst="rect">
+            <a:avLst/>
+          </a:prstGeom>
+        </p:spPr>
+        <p:txBody>
+          <a:bodyPr>
+            <a:normAutofit/>
+          </a:bodyPr>
+          <a:lstStyle>
+            <a:lvl1pPr marL="342900" indent="-342900" algn="l" defTabSz="914400" rtl="0" eaLnBrk="1" latinLnBrk="0" hangingPunct="1">
+              <a:spcBef>
+                <a:spcPct val="20000"/>
+              </a:spcBef>
+              <a:buFont typeface="Arial" pitchFamily="34" charset="0"/>
+              <a:buChar char="•"/>
+              <a:defRPr sz="3200" kern="1200">
+                <a:solidFill>
+                  <a:srgbClr val="5D6971"/>
+                </a:solidFill>
+                <a:latin typeface="+mn-lt"/>
+                <a:ea typeface="+mn-ea"/>
+                <a:cs typeface="+mn-cs"/>
+              </a:defRPr>
+            </a:lvl1pPr>
+            <a:lvl2pPr marL="742950" indent="-285750" algn="l" defTabSz="914400" rtl="0" eaLnBrk="1" latinLnBrk="0" hangingPunct="1">
+              <a:spcBef>
+                <a:spcPct val="20000"/>
+              </a:spcBef>
+              <a:buFont typeface="Arial" pitchFamily="34" charset="0"/>
+              <a:buChar char="–"/>
+              <a:defRPr sz="2800" kern="1200">
+                <a:solidFill>
+                  <a:srgbClr val="5D6971"/>
+                </a:solidFill>
+                <a:latin typeface="+mn-lt"/>
+                <a:ea typeface="+mn-ea"/>
+                <a:cs typeface="+mn-cs"/>
+              </a:defRPr>
+            </a:lvl2pPr>
+            <a:lvl3pPr marL="1143000" indent="-228600" algn="l" defTabSz="914400" rtl="0" eaLnBrk="1" latinLnBrk="0" hangingPunct="1">
+              <a:spcBef>
+                <a:spcPct val="20000"/>
+              </a:spcBef>
+              <a:buFont typeface="Arial" pitchFamily="34" charset="0"/>
+              <a:buChar char="•"/>
+              <a:defRPr sz="2400" kern="1200">
+                <a:solidFill>
+                  <a:srgbClr val="5D6971"/>
+                </a:solidFill>
+                <a:latin typeface="+mn-lt"/>
+                <a:ea typeface="+mn-ea"/>
+                <a:cs typeface="+mn-cs"/>
+              </a:defRPr>
+            </a:lvl3pPr>
+            <a:lvl4pPr marL="1600200" indent="-228600" algn="l" defTabSz="914400" rtl="0" eaLnBrk="1" latinLnBrk="0" hangingPunct="1">
+              <a:spcBef>
+                <a:spcPct val="20000"/>
+              </a:spcBef>
+              <a:buFont typeface="Arial" pitchFamily="34" charset="0"/>
+              <a:buChar char="–"/>
+              <a:defRPr sz="2000" kern="1200">
+                <a:solidFill>
+                  <a:srgbClr val="5D6971"/>
+                </a:solidFill>
+                <a:latin typeface="+mn-lt"/>
+                <a:ea typeface="+mn-ea"/>
+                <a:cs typeface="+mn-cs"/>
+              </a:defRPr>
+            </a:lvl4pPr>
+            <a:lvl5pPr marL="2057400" indent="-228600" algn="l" defTabSz="914400" rtl="0" eaLnBrk="1" latinLnBrk="0" hangingPunct="1">
+              <a:spcBef>
+                <a:spcPct val="20000"/>
+              </a:spcBef>
+              <a:buFont typeface="Arial" pitchFamily="34" charset="0"/>
+              <a:buChar char="»"/>
+              <a:defRPr sz="2000" kern="1200">
+                <a:solidFill>
+                  <a:srgbClr val="5D6971"/>
+                </a:solidFill>
+                <a:latin typeface="+mn-lt"/>
+                <a:ea typeface="+mn-ea"/>
+                <a:cs typeface="+mn-cs"/>
+              </a:defRPr>
+            </a:lvl5pPr>
+            <a:lvl6pPr marL="2514600" indent="-228600" algn="l" defTabSz="914400" rtl="0" eaLnBrk="1" latinLnBrk="0" hangingPunct="1">
+              <a:spcBef>
+                <a:spcPct val="20000"/>
+              </a:spcBef>
+              <a:buFont typeface="Arial" pitchFamily="34" charset="0"/>
+              <a:buChar char="•"/>
+              <a:defRPr sz="2000" kern="1200">
+                <a:solidFill>
+                  <a:schemeClr val="tx1"/>
+                </a:solidFill>
+                <a:latin typeface="+mn-lt"/>
+                <a:ea typeface="+mn-ea"/>
+                <a:cs typeface="+mn-cs"/>
+              </a:defRPr>
+            </a:lvl6pPr>
+            <a:lvl7pPr marL="2971800" indent="-228600" algn="l" defTabSz="914400" rtl="0" eaLnBrk="1" latinLnBrk="0" hangingPunct="1">
+              <a:spcBef>
+                <a:spcPct val="20000"/>
+              </a:spcBef>
+              <a:buFont typeface="Arial" pitchFamily="34" charset="0"/>
+              <a:buChar char="•"/>
+              <a:defRPr sz="2000" kern="1200">
+                <a:solidFill>
+                  <a:schemeClr val="tx1"/>
+                </a:solidFill>
+                <a:latin typeface="+mn-lt"/>
+                <a:ea typeface="+mn-ea"/>
+                <a:cs typeface="+mn-cs"/>
+              </a:defRPr>
+            </a:lvl7pPr>
+            <a:lvl8pPr marL="3429000" indent="-228600" algn="l" defTabSz="914400" rtl="0" eaLnBrk="1" latinLnBrk="0" hangingPunct="1">
+              <a:spcBef>
+                <a:spcPct val="20000"/>
+              </a:spcBef>
+              <a:buFont typeface="Arial" pitchFamily="34" charset="0"/>
+              <a:buChar char="•"/>
+              <a:defRPr sz="2000" kern="1200">
+                <a:solidFill>
+                  <a:schemeClr val="tx1"/>
+                </a:solidFill>
+                <a:latin typeface="+mn-lt"/>
+                <a:ea typeface="+mn-ea"/>
+                <a:cs typeface="+mn-cs"/>
+              </a:defRPr>
+            </a:lvl8pPr>
+            <a:lvl9pPr marL="3886200" indent="-228600" algn="l" defTabSz="914400" rtl="0" eaLnBrk="1" latinLnBrk="0" hangingPunct="1">
+              <a:spcBef>
+                <a:spcPct val="20000"/>
+              </a:spcBef>
+              <a:buFont typeface="Arial" pitchFamily="34" charset="0"/>
+              <a:buChar char="•"/>
+              <a:defRPr sz="2000" kern="1200">
+                <a:solidFill>
+                  <a:schemeClr val="tx1"/>
+                </a:solidFill>
+                <a:latin typeface="+mn-lt"/>
+                <a:ea typeface="+mn-ea"/>
+                <a:cs typeface="+mn-cs"/>
+              </a:defRPr>
+            </a:lvl9pPr>
+          </a:lstStyle>
+          <a:p>
+            <a:pPr marL="0" indent="0">
+              <a:buFont typeface="Arial" pitchFamily="34" charset="0"/>
+              <a:buNone/>
+            </a:pPr>
+            <a:endParaRPr lang="de-DE" sz="100" b="1" dirty="0"/>
+          </a:p>
+          <a:p>
+            <a:pPr marL="0" indent="0">
+              <a:buFont typeface="Arial" pitchFamily="34" charset="0"/>
+              <a:buNone/>
+            </a:pPr>
+            <a:r>
+              <a:rPr lang="de-DE" sz="3600" b="1" dirty="0"/>
+              <a:t>Datenbank mit </a:t>
+            </a:r>
+            <a:r>
+              <a:rPr lang="de-DE" sz="3600" b="1" u="sng" dirty="0"/>
+              <a:t>MongoDB</a:t>
+            </a:r>
+          </a:p>
+        </p:txBody>
+      </p:sp>
+      <p:sp>
+        <p:nvSpPr>
+          <p:cNvPr id="10" name="Rechteck 9">
+            <a:extLst>
+              <a:ext uri="{FF2B5EF4-FFF2-40B4-BE49-F238E27FC236}">
+                <a16:creationId xmlns:a16="http://schemas.microsoft.com/office/drawing/2014/main" id="{73A5E16F-8565-3BC5-1456-ED4602A1510B}"/>
+              </a:ext>
+            </a:extLst>
+          </p:cNvPr>
+          <p:cNvSpPr/>
+          <p:nvPr/>
+        </p:nvSpPr>
+        <p:spPr>
+          <a:xfrm>
+            <a:off x="1665171" y="3043073"/>
+            <a:ext cx="2415941" cy="2666198"/>
+          </a:xfrm>
+          <a:prstGeom prst="rect">
+            <a:avLst/>
+          </a:prstGeom>
+          <a:solidFill>
+            <a:schemeClr val="bg1">
+              <a:lumMod val="85000"/>
+            </a:schemeClr>
+          </a:solidFill>
+          <a:effectLst>
+            <a:glow rad="63500">
+              <a:schemeClr val="accent1">
+                <a:satMod val="175000"/>
+                <a:alpha val="40000"/>
+              </a:schemeClr>
+            </a:glow>
+            <a:softEdge rad="12700"/>
+          </a:effectLst>
+        </p:spPr>
+        <p:style>
+          <a:lnRef idx="2">
+            <a:schemeClr val="accent1">
+              <a:shade val="50000"/>
+            </a:schemeClr>
+          </a:lnRef>
+          <a:fillRef idx="1">
+            <a:schemeClr val="accent1"/>
+          </a:fillRef>
+          <a:effectRef idx="0">
+            <a:schemeClr val="accent1"/>
+          </a:effectRef>
+          <a:fontRef idx="minor">
+            <a:schemeClr val="lt1"/>
+          </a:fontRef>
+        </p:style>
+        <p:txBody>
+          <a:bodyPr rtlCol="0" anchor="ctr"/>
+          <a:lstStyle/>
+          <a:p>
+            <a:pPr algn="ctr"/>
+            <a:endParaRPr lang="de-DE"/>
+          </a:p>
+        </p:txBody>
+      </p:sp>
+      <p:sp>
+        <p:nvSpPr>
+          <p:cNvPr id="13" name="Textfeld 12">
+            <a:extLst>
+              <a:ext uri="{FF2B5EF4-FFF2-40B4-BE49-F238E27FC236}">
+                <a16:creationId xmlns:a16="http://schemas.microsoft.com/office/drawing/2014/main" id="{A7B0E687-BFE5-7285-1089-4B0DBE5440F7}"/>
+              </a:ext>
+            </a:extLst>
+          </p:cNvPr>
+          <p:cNvSpPr txBox="1"/>
+          <p:nvPr/>
+        </p:nvSpPr>
+        <p:spPr>
+          <a:xfrm>
+            <a:off x="1665176" y="3837563"/>
+            <a:ext cx="2415938" cy="1077218"/>
+          </a:xfrm>
+          <a:prstGeom prst="rect">
+            <a:avLst/>
+          </a:prstGeom>
+          <a:noFill/>
+        </p:spPr>
+        <p:txBody>
+          <a:bodyPr wrap="square" rtlCol="0">
+            <a:spAutoFit/>
+          </a:bodyPr>
+          <a:lstStyle/>
+          <a:p>
+            <a:pPr algn="ctr"/>
+            <a:r>
+              <a:rPr lang="de-DE" sz="3200" b="1" dirty="0">
+                <a:solidFill>
+                  <a:srgbClr val="5D6971"/>
+                </a:solidFill>
+              </a:rPr>
+              <a:t>Private</a:t>
+            </a:r>
+          </a:p>
+          <a:p>
+            <a:pPr algn="ctr"/>
+            <a:r>
+              <a:rPr lang="de-DE" sz="3200" b="1" dirty="0">
+                <a:solidFill>
+                  <a:srgbClr val="5D6971"/>
+                </a:solidFill>
+              </a:rPr>
+              <a:t>User</a:t>
+            </a:r>
+          </a:p>
+        </p:txBody>
+      </p:sp>
+      <p:sp>
+        <p:nvSpPr>
+          <p:cNvPr id="14" name="Rechteck 13">
+            <a:extLst>
+              <a:ext uri="{FF2B5EF4-FFF2-40B4-BE49-F238E27FC236}">
+                <a16:creationId xmlns:a16="http://schemas.microsoft.com/office/drawing/2014/main" id="{F76C6566-F907-D48C-E1FC-4AB2A7B51630}"/>
+              </a:ext>
+            </a:extLst>
+          </p:cNvPr>
+          <p:cNvSpPr/>
+          <p:nvPr/>
+        </p:nvSpPr>
+        <p:spPr>
+          <a:xfrm>
+            <a:off x="4888029" y="3031475"/>
+            <a:ext cx="2415941" cy="2666198"/>
+          </a:xfrm>
+          <a:prstGeom prst="rect">
+            <a:avLst/>
+          </a:prstGeom>
+          <a:solidFill>
+            <a:schemeClr val="bg1">
+              <a:lumMod val="85000"/>
+            </a:schemeClr>
+          </a:solidFill>
+          <a:effectLst>
+            <a:glow rad="63500">
+              <a:schemeClr val="accent1">
+                <a:satMod val="175000"/>
+                <a:alpha val="40000"/>
+              </a:schemeClr>
+            </a:glow>
+            <a:softEdge rad="12700"/>
+          </a:effectLst>
+        </p:spPr>
+        <p:style>
+          <a:lnRef idx="2">
+            <a:schemeClr val="accent1">
+              <a:shade val="50000"/>
+            </a:schemeClr>
+          </a:lnRef>
+          <a:fillRef idx="1">
+            <a:schemeClr val="accent1"/>
+          </a:fillRef>
+          <a:effectRef idx="0">
+            <a:schemeClr val="accent1"/>
+          </a:effectRef>
+          <a:fontRef idx="minor">
+            <a:schemeClr val="lt1"/>
+          </a:fontRef>
+        </p:style>
+        <p:txBody>
+          <a:bodyPr rtlCol="0" anchor="ctr"/>
+          <a:lstStyle/>
+          <a:p>
+            <a:pPr algn="ctr"/>
+            <a:endParaRPr lang="de-DE"/>
+          </a:p>
+        </p:txBody>
+      </p:sp>
+      <p:sp>
+        <p:nvSpPr>
+          <p:cNvPr id="15" name="Rechteck 14">
+            <a:extLst>
+              <a:ext uri="{FF2B5EF4-FFF2-40B4-BE49-F238E27FC236}">
+                <a16:creationId xmlns:a16="http://schemas.microsoft.com/office/drawing/2014/main" id="{DBEE27AF-2D44-A253-A3F8-A16680F3F0DB}"/>
+              </a:ext>
+            </a:extLst>
+          </p:cNvPr>
+          <p:cNvSpPr/>
+          <p:nvPr/>
+        </p:nvSpPr>
+        <p:spPr>
+          <a:xfrm>
+            <a:off x="8110887" y="3031475"/>
+            <a:ext cx="2415941" cy="2666198"/>
+          </a:xfrm>
+          <a:prstGeom prst="rect">
+            <a:avLst/>
+          </a:prstGeom>
+          <a:solidFill>
+            <a:schemeClr val="bg1">
+              <a:lumMod val="85000"/>
+            </a:schemeClr>
+          </a:solidFill>
+          <a:effectLst>
+            <a:glow rad="63500">
+              <a:schemeClr val="accent1">
+                <a:satMod val="175000"/>
+                <a:alpha val="40000"/>
+              </a:schemeClr>
+            </a:glow>
+            <a:softEdge rad="12700"/>
+          </a:effectLst>
+        </p:spPr>
+        <p:style>
+          <a:lnRef idx="2">
+            <a:schemeClr val="accent1">
+              <a:shade val="50000"/>
+            </a:schemeClr>
+          </a:lnRef>
+          <a:fillRef idx="1">
+            <a:schemeClr val="accent1"/>
+          </a:fillRef>
+          <a:effectRef idx="0">
+            <a:schemeClr val="accent1"/>
+          </a:effectRef>
+          <a:fontRef idx="minor">
+            <a:schemeClr val="lt1"/>
+          </a:fontRef>
+        </p:style>
+        <p:txBody>
+          <a:bodyPr rtlCol="0" anchor="ctr"/>
+          <a:lstStyle/>
+          <a:p>
+            <a:pPr algn="ctr"/>
+            <a:endParaRPr lang="de-DE"/>
+          </a:p>
+        </p:txBody>
+      </p:sp>
+      <p:sp>
+        <p:nvSpPr>
+          <p:cNvPr id="16" name="Textfeld 15">
+            <a:extLst>
+              <a:ext uri="{FF2B5EF4-FFF2-40B4-BE49-F238E27FC236}">
+                <a16:creationId xmlns:a16="http://schemas.microsoft.com/office/drawing/2014/main" id="{E13459D0-DC69-B6E4-842F-914C1FDB9DF8}"/>
+              </a:ext>
+            </a:extLst>
+          </p:cNvPr>
+          <p:cNvSpPr txBox="1"/>
+          <p:nvPr/>
+        </p:nvSpPr>
+        <p:spPr>
+          <a:xfrm>
+            <a:off x="4888032" y="3863182"/>
+            <a:ext cx="2415938" cy="1077218"/>
+          </a:xfrm>
+          <a:prstGeom prst="rect">
+            <a:avLst/>
+          </a:prstGeom>
+          <a:noFill/>
+        </p:spPr>
+        <p:txBody>
+          <a:bodyPr wrap="square" rtlCol="0">
+            <a:spAutoFit/>
+          </a:bodyPr>
+          <a:lstStyle/>
+          <a:p>
+            <a:pPr algn="ctr"/>
+            <a:r>
+              <a:rPr lang="de-DE" sz="3200" b="1" dirty="0">
+                <a:solidFill>
+                  <a:srgbClr val="5D6971"/>
+                </a:solidFill>
+              </a:rPr>
+              <a:t>Company</a:t>
+            </a:r>
+          </a:p>
+          <a:p>
+            <a:pPr algn="ctr"/>
+            <a:r>
+              <a:rPr lang="de-DE" sz="3200" b="1" dirty="0">
+                <a:solidFill>
+                  <a:srgbClr val="5D6971"/>
+                </a:solidFill>
+              </a:rPr>
+              <a:t>User</a:t>
+            </a:r>
+          </a:p>
+        </p:txBody>
+      </p:sp>
+      <p:sp>
+        <p:nvSpPr>
+          <p:cNvPr id="17" name="Textfeld 16">
+            <a:extLst>
+              <a:ext uri="{FF2B5EF4-FFF2-40B4-BE49-F238E27FC236}">
+                <a16:creationId xmlns:a16="http://schemas.microsoft.com/office/drawing/2014/main" id="{6901FDA4-A85F-6A68-5B26-4EAB4CE38487}"/>
+              </a:ext>
+            </a:extLst>
+          </p:cNvPr>
+          <p:cNvSpPr txBox="1"/>
+          <p:nvPr/>
+        </p:nvSpPr>
+        <p:spPr>
+          <a:xfrm>
+            <a:off x="8110888" y="4072186"/>
+            <a:ext cx="2415938" cy="584775"/>
+          </a:xfrm>
+          <a:prstGeom prst="rect">
+            <a:avLst/>
+          </a:prstGeom>
+          <a:noFill/>
+        </p:spPr>
+        <p:txBody>
+          <a:bodyPr wrap="square" rtlCol="0">
+            <a:spAutoFit/>
+          </a:bodyPr>
+          <a:lstStyle/>
+          <a:p>
+            <a:pPr algn="ctr"/>
+            <a:r>
+              <a:rPr lang="de-DE" sz="3200" b="1" dirty="0">
+                <a:solidFill>
+                  <a:srgbClr val="5D6971"/>
+                </a:solidFill>
+              </a:rPr>
+              <a:t>Product</a:t>
+            </a:r>
+          </a:p>
+        </p:txBody>
+      </p:sp>
+    </p:spTree>
+    <p:extLst>
+      <p:ext uri="{BB962C8B-B14F-4D97-AF65-F5344CB8AC3E}">
+        <p14:creationId xmlns:p14="http://schemas.microsoft.com/office/powerpoint/2010/main" val="3260330487"/>
+      </p:ext>
+    </p:extLst>
+  </p:cSld>
+  <p:clrMapOvr>
+    <a:masterClrMapping/>
+  </p:clrMapOvr>
+  <mc:AlternateContent xmlns:mc="http://schemas.openxmlformats.org/markup-compatibility/2006" xmlns:p14="http://schemas.microsoft.com/office/powerpoint/2010/main">
+    <mc:Choice Requires="p14">
+      <p:transition spd="med" p14:dur="700">
+        <p:fade/>
+      </p:transition>
+    </mc:Choice>
+    <mc:Fallback xmlns="">
+      <p:transition spd="med">
+        <p:fade/>
+      </p:transition>
+    </mc:Fallback>
+  </mc:AlternateContent>
+</p:sld>
+</file>
+
+<file path=ppt/slides/slide11.xml><?xml version="1.0" encoding="utf-8"?>
+<p:sld xmlns:a="http://schemas.openxmlformats.org/drawingml/2006/main" xmlns:r="http://schemas.openxmlformats.org/officeDocument/2006/relationships" xmlns:p="http://schemas.openxmlformats.org/presentationml/2006/main">
+  <p:cSld>
+    <p:spTree>
+      <p:nvGrpSpPr>
+        <p:cNvPr id="1" name=""/>
+        <p:cNvGrpSpPr/>
+        <p:nvPr/>
+      </p:nvGrpSpPr>
+      <p:grpSpPr>
+        <a:xfrm>
+          <a:off x="0" y="0"/>
+          <a:ext cx="0" cy="0"/>
+          <a:chOff x="0" y="0"/>
+          <a:chExt cx="0" cy="0"/>
+        </a:xfrm>
+      </p:grpSpPr>
+      <p:sp>
+        <p:nvSpPr>
+          <p:cNvPr id="2" name="Titel 1">
+            <a:extLst>
+              <a:ext uri="{FF2B5EF4-FFF2-40B4-BE49-F238E27FC236}">
+                <a16:creationId xmlns:a16="http://schemas.microsoft.com/office/drawing/2014/main" id="{97DA1A72-3B5E-221C-E6A8-180020955F2A}"/>
+              </a:ext>
+            </a:extLst>
+          </p:cNvPr>
+          <p:cNvSpPr>
+            <a:spLocks noGrp="1"/>
+          </p:cNvSpPr>
+          <p:nvPr>
+            <p:ph type="title"/>
+          </p:nvPr>
+        </p:nvSpPr>
+        <p:spPr/>
+        <p:txBody>
+          <a:bodyPr/>
+          <a:lstStyle/>
+          <a:p>
+            <a:r>
+              <a:rPr lang="de-DE" dirty="0"/>
+              <a:t>Detailseite und Warenkorb</a:t>
+            </a:r>
+          </a:p>
+        </p:txBody>
+      </p:sp>
+      <p:sp>
+        <p:nvSpPr>
+          <p:cNvPr id="3" name="Inhaltsplatzhalter 2">
+            <a:extLst>
+              <a:ext uri="{FF2B5EF4-FFF2-40B4-BE49-F238E27FC236}">
+                <a16:creationId xmlns:a16="http://schemas.microsoft.com/office/drawing/2014/main" id="{E631BBC3-BAB5-316F-FE45-44502000F94E}"/>
+              </a:ext>
+            </a:extLst>
+          </p:cNvPr>
+          <p:cNvSpPr>
+            <a:spLocks noGrp="1"/>
+          </p:cNvSpPr>
+          <p:nvPr>
+            <p:ph idx="1"/>
+          </p:nvPr>
+        </p:nvSpPr>
+        <p:spPr/>
+        <p:txBody>
+          <a:bodyPr anchor="t"/>
+          <a:lstStyle/>
+          <a:p>
+            <a:pPr>
+              <a:lnSpc>
+                <a:spcPct val="150000"/>
+              </a:lnSpc>
+            </a:pPr>
+            <a:r>
+              <a:rPr lang="de-DE" dirty="0"/>
+              <a:t>vergrößerte, detailliertere </a:t>
+            </a:r>
+            <a:r>
+              <a:rPr lang="de-DE" b="1" dirty="0"/>
+              <a:t>Produktansicht</a:t>
+            </a:r>
+            <a:r>
+              <a:rPr lang="de-DE" dirty="0"/>
+              <a:t> und -</a:t>
+            </a:r>
+            <a:r>
+              <a:rPr lang="de-DE" b="1" dirty="0"/>
+              <a:t>beschreibung</a:t>
+            </a:r>
+          </a:p>
+          <a:p>
+            <a:pPr>
+              <a:lnSpc>
+                <a:spcPct val="150000"/>
+              </a:lnSpc>
+            </a:pPr>
+            <a:r>
+              <a:rPr lang="de-DE" b="1" dirty="0"/>
+              <a:t>Warenkorb</a:t>
+            </a:r>
+            <a:r>
+              <a:rPr lang="de-DE" dirty="0"/>
+              <a:t> zeigt alle hinzugefügten Produkte an</a:t>
+            </a:r>
+          </a:p>
+          <a:p>
+            <a:pPr marL="0" indent="0">
+              <a:buNone/>
+            </a:pPr>
+            <a:r>
+              <a:rPr lang="de-DE" dirty="0">
+                <a:sym typeface="Wingdings" panose="05000000000000000000" pitchFamily="2" charset="2"/>
+              </a:rPr>
+              <a:t>     </a:t>
+            </a:r>
+            <a:r>
+              <a:rPr lang="de-DE" dirty="0"/>
+              <a:t>Möglichkeit zum Kauf oder Entfernen</a:t>
+            </a:r>
+          </a:p>
+          <a:p>
+            <a:endParaRPr lang="de-DE" dirty="0"/>
+          </a:p>
+        </p:txBody>
+      </p:sp>
+      <p:sp>
+        <p:nvSpPr>
+          <p:cNvPr id="4" name="Foliennummernplatzhalter 3">
+            <a:extLst>
+              <a:ext uri="{FF2B5EF4-FFF2-40B4-BE49-F238E27FC236}">
+                <a16:creationId xmlns:a16="http://schemas.microsoft.com/office/drawing/2014/main" id="{B703965B-5F83-A9D8-4A80-A4290F45E16E}"/>
+              </a:ext>
+            </a:extLst>
+          </p:cNvPr>
+          <p:cNvSpPr>
+            <a:spLocks noGrp="1"/>
+          </p:cNvSpPr>
+          <p:nvPr>
+            <p:ph type="sldNum" sz="quarter" idx="12"/>
+          </p:nvPr>
+        </p:nvSpPr>
+        <p:spPr/>
+        <p:txBody>
+          <a:bodyPr/>
+          <a:lstStyle/>
+          <a:p>
+            <a:r>
+              <a:rPr lang="de-DE" dirty="0"/>
+              <a:t>7</a:t>
+            </a:r>
+          </a:p>
+        </p:txBody>
+      </p:sp>
+      <p:pic>
+        <p:nvPicPr>
+          <p:cNvPr id="6" name="Grafik 5">
+            <a:extLst>
+              <a:ext uri="{FF2B5EF4-FFF2-40B4-BE49-F238E27FC236}">
+                <a16:creationId xmlns:a16="http://schemas.microsoft.com/office/drawing/2014/main" id="{0BCC1B94-6548-2287-5763-2DD685BCC3BB}"/>
+              </a:ext>
+            </a:extLst>
+          </p:cNvPr>
+          <p:cNvPicPr>
+            <a:picLocks noChangeAspect="1"/>
+          </p:cNvPicPr>
+          <p:nvPr/>
+        </p:nvPicPr>
+        <p:blipFill>
+          <a:blip r:embed="rId2"/>
+          <a:stretch>
+            <a:fillRect/>
+          </a:stretch>
+        </p:blipFill>
+        <p:spPr>
+          <a:xfrm>
+            <a:off x="726909" y="4367187"/>
+            <a:ext cx="11020749" cy="1758977"/>
+          </a:xfrm>
+          <a:prstGeom prst="rect">
+            <a:avLst/>
+          </a:prstGeom>
+        </p:spPr>
+      </p:pic>
+    </p:spTree>
+    <p:extLst>
+      <p:ext uri="{BB962C8B-B14F-4D97-AF65-F5344CB8AC3E}">
+        <p14:creationId xmlns:p14="http://schemas.microsoft.com/office/powerpoint/2010/main" val="1597247208"/>
+      </p:ext>
+    </p:extLst>
+  </p:cSld>
+  <p:clrMapOvr>
+    <a:masterClrMapping/>
+  </p:clrMapOvr>
+  <mc:AlternateContent xmlns:mc="http://schemas.openxmlformats.org/markup-compatibility/2006" xmlns:p14="http://schemas.microsoft.com/office/powerpoint/2010/main">
+    <mc:Choice Requires="p14">
+      <p:transition spd="med" p14:dur="700">
+        <p:fade/>
+      </p:transition>
+    </mc:Choice>
+    <mc:Fallback xmlns="">
+      <p:transition spd="med">
+        <p:fade/>
+      </p:transition>
+    </mc:Fallback>
+  </mc:AlternateContent>
+</p:sld>
+</file>
+
+<file path=ppt/slides/slide12.xml><?xml version="1.0" encoding="utf-8"?>
+<p:sld xmlns:a="http://schemas.openxmlformats.org/drawingml/2006/main" xmlns:r="http://schemas.openxmlformats.org/officeDocument/2006/relationships" xmlns:p="http://schemas.openxmlformats.org/presentationml/2006/main">
+  <p:cSld>
+    <p:spTree>
+      <p:nvGrpSpPr>
+        <p:cNvPr id="1" name=""/>
+        <p:cNvGrpSpPr/>
+        <p:nvPr/>
+      </p:nvGrpSpPr>
+      <p:grpSpPr>
+        <a:xfrm>
+          <a:off x="0" y="0"/>
+          <a:ext cx="0" cy="0"/>
+          <a:chOff x="0" y="0"/>
+          <a:chExt cx="0" cy="0"/>
+        </a:xfrm>
+      </p:grpSpPr>
+      <p:sp>
+        <p:nvSpPr>
+          <p:cNvPr id="16" name="Rechteck 15">
+            <a:extLst>
+              <a:ext uri="{FF2B5EF4-FFF2-40B4-BE49-F238E27FC236}">
+                <a16:creationId xmlns:a16="http://schemas.microsoft.com/office/drawing/2014/main" id="{F436CB55-4B27-86AE-25ED-746656EF682B}"/>
+              </a:ext>
+            </a:extLst>
+          </p:cNvPr>
+          <p:cNvSpPr/>
+          <p:nvPr/>
+        </p:nvSpPr>
+        <p:spPr>
+          <a:xfrm>
+            <a:off x="3721100" y="3962400"/>
+            <a:ext cx="4724400" cy="1498600"/>
+          </a:xfrm>
+          <a:prstGeom prst="rect">
+            <a:avLst/>
+          </a:prstGeom>
+          <a:solidFill>
+            <a:schemeClr val="bg1">
+              <a:lumMod val="85000"/>
+            </a:schemeClr>
+          </a:solidFill>
+        </p:spPr>
+        <p:style>
+          <a:lnRef idx="2">
+            <a:schemeClr val="accent1">
+              <a:shade val="50000"/>
+            </a:schemeClr>
+          </a:lnRef>
+          <a:fillRef idx="1">
+            <a:schemeClr val="accent1"/>
+          </a:fillRef>
+          <a:effectRef idx="0">
+            <a:schemeClr val="accent1"/>
+          </a:effectRef>
+          <a:fontRef idx="minor">
+            <a:schemeClr val="lt1"/>
+          </a:fontRef>
+        </p:style>
+        <p:txBody>
+          <a:bodyPr rtlCol="0" anchor="ctr"/>
+          <a:lstStyle/>
+          <a:p>
+            <a:pPr algn="ctr"/>
+            <a:endParaRPr lang="de-DE"/>
+          </a:p>
+        </p:txBody>
+      </p:sp>
+      <p:sp>
+        <p:nvSpPr>
+          <p:cNvPr id="2" name="Titel 1">
+            <a:extLst>
+              <a:ext uri="{FF2B5EF4-FFF2-40B4-BE49-F238E27FC236}">
+                <a16:creationId xmlns:a16="http://schemas.microsoft.com/office/drawing/2014/main" id="{D3E272DC-FD13-B524-E24B-09914961DCDE}"/>
+              </a:ext>
+            </a:extLst>
+          </p:cNvPr>
+          <p:cNvSpPr>
+            <a:spLocks noGrp="1"/>
+          </p:cNvSpPr>
+          <p:nvPr>
+            <p:ph type="title"/>
+          </p:nvPr>
+        </p:nvSpPr>
+        <p:spPr/>
+        <p:txBody>
+          <a:bodyPr/>
+          <a:lstStyle/>
+          <a:p>
+            <a:r>
+              <a:rPr lang="de-DE" dirty="0"/>
+              <a:t>Dynamische Elemente</a:t>
+            </a:r>
+          </a:p>
+        </p:txBody>
+      </p:sp>
+      <p:sp>
+        <p:nvSpPr>
+          <p:cNvPr id="3" name="Inhaltsplatzhalter 2">
+            <a:extLst>
+              <a:ext uri="{FF2B5EF4-FFF2-40B4-BE49-F238E27FC236}">
+                <a16:creationId xmlns:a16="http://schemas.microsoft.com/office/drawing/2014/main" id="{D5359747-ECC9-66A1-FBCF-81B5C184B0D6}"/>
+              </a:ext>
+            </a:extLst>
+          </p:cNvPr>
+          <p:cNvSpPr>
+            <a:spLocks noGrp="1"/>
+          </p:cNvSpPr>
+          <p:nvPr>
+            <p:ph idx="1"/>
+          </p:nvPr>
+        </p:nvSpPr>
+        <p:spPr/>
+        <p:txBody>
+          <a:bodyPr/>
+          <a:lstStyle/>
+          <a:p>
+            <a:pPr marL="0" indent="0">
+              <a:buNone/>
+            </a:pPr>
+            <a:endParaRPr lang="de-DE" sz="100" b="1" dirty="0"/>
+          </a:p>
+          <a:p>
+            <a:pPr marL="0" indent="0">
+              <a:buNone/>
+            </a:pPr>
+            <a:r>
+              <a:rPr lang="de-DE" b="1" dirty="0"/>
+              <a:t>Anpassung der Nutzeroberfläche anhand des </a:t>
+            </a:r>
+            <a:r>
+              <a:rPr lang="de-DE" b="1" dirty="0" err="1"/>
+              <a:t>Usertyps</a:t>
+            </a:r>
+            <a:r>
+              <a:rPr lang="de-DE" b="1" dirty="0"/>
+              <a:t> </a:t>
+            </a:r>
+          </a:p>
+          <a:p>
+            <a:r>
+              <a:rPr lang="de-DE" sz="2800" dirty="0"/>
+              <a:t>Privater Nutzer: hat Überblick über die Produkte, kann Warenkorb füllen</a:t>
+            </a:r>
+          </a:p>
+          <a:p>
+            <a:r>
+              <a:rPr lang="de-DE" sz="2800" dirty="0"/>
+              <a:t>Geschäftlicher Nutzer: Möglichkeit, Produkte einzustellen</a:t>
+            </a:r>
+          </a:p>
+          <a:p>
+            <a:endParaRPr lang="de-DE" dirty="0"/>
+          </a:p>
+        </p:txBody>
+      </p:sp>
+      <p:sp>
+        <p:nvSpPr>
+          <p:cNvPr id="4" name="Foliennummernplatzhalter 3">
+            <a:extLst>
+              <a:ext uri="{FF2B5EF4-FFF2-40B4-BE49-F238E27FC236}">
+                <a16:creationId xmlns:a16="http://schemas.microsoft.com/office/drawing/2014/main" id="{BBFEC472-605A-C2E6-922B-7CE1D967BD8B}"/>
+              </a:ext>
+            </a:extLst>
+          </p:cNvPr>
+          <p:cNvSpPr>
+            <a:spLocks noGrp="1"/>
+          </p:cNvSpPr>
+          <p:nvPr>
+            <p:ph type="sldNum" sz="quarter" idx="12"/>
+          </p:nvPr>
+        </p:nvSpPr>
+        <p:spPr/>
+        <p:txBody>
+          <a:bodyPr/>
+          <a:lstStyle/>
+          <a:p>
+            <a:r>
+              <a:rPr lang="de-DE" dirty="0"/>
+              <a:t>8</a:t>
+            </a:r>
+          </a:p>
+        </p:txBody>
+      </p:sp>
+      <p:pic>
+        <p:nvPicPr>
+          <p:cNvPr id="7" name="Grafik 6" descr="Benutzer mit einfarbiger Füllung">
+            <a:extLst>
+              <a:ext uri="{FF2B5EF4-FFF2-40B4-BE49-F238E27FC236}">
+                <a16:creationId xmlns:a16="http://schemas.microsoft.com/office/drawing/2014/main" id="{A381D2C9-ED66-67DB-2EC4-891D6F47D220}"/>
+              </a:ext>
+            </a:extLst>
+          </p:cNvPr>
+          <p:cNvPicPr>
+            <a:picLocks noChangeAspect="1"/>
+          </p:cNvPicPr>
+          <p:nvPr/>
+        </p:nvPicPr>
+        <p:blipFill>
+          <a:blip r:embed="rId2">
+            <a:extLst>
+              <a:ext uri="{28A0092B-C50C-407E-A947-70E740481C1C}">
+                <a14:useLocalDpi xmlns:a14="http://schemas.microsoft.com/office/drawing/2010/main" val="0"/>
+              </a:ext>
+              <a:ext uri="{96DAC541-7B7A-43D3-8B79-37D633B846F1}">
+                <asvg:svgBlip xmlns:asvg="http://schemas.microsoft.com/office/drawing/2016/SVG/main" r:embed="rId3"/>
+              </a:ext>
+            </a:extLst>
+          </a:blip>
+          <a:stretch>
+            <a:fillRect/>
+          </a:stretch>
+        </p:blipFill>
+        <p:spPr>
+          <a:xfrm>
+            <a:off x="3994401" y="4177799"/>
+            <a:ext cx="1080000" cy="1080000"/>
+          </a:xfrm>
+          <a:prstGeom prst="rect">
+            <a:avLst/>
+          </a:prstGeom>
+        </p:spPr>
+      </p:pic>
+      <p:pic>
+        <p:nvPicPr>
+          <p:cNvPr id="11" name="Grafik 10" descr="Gebäude mit einfarbiger Füllung">
+            <a:extLst>
+              <a:ext uri="{FF2B5EF4-FFF2-40B4-BE49-F238E27FC236}">
+                <a16:creationId xmlns:a16="http://schemas.microsoft.com/office/drawing/2014/main" id="{2FD9B2D5-8358-B2B3-2967-890DDBD8E0FC}"/>
+              </a:ext>
+            </a:extLst>
+          </p:cNvPr>
+          <p:cNvPicPr>
+            <a:picLocks noChangeAspect="1"/>
+          </p:cNvPicPr>
+          <p:nvPr/>
+        </p:nvPicPr>
+        <p:blipFill>
+          <a:blip r:embed="rId4">
+            <a:extLst>
+              <a:ext uri="{28A0092B-C50C-407E-A947-70E740481C1C}">
+                <a14:useLocalDpi xmlns:a14="http://schemas.microsoft.com/office/drawing/2010/main" val="0"/>
+              </a:ext>
+              <a:ext uri="{96DAC541-7B7A-43D3-8B79-37D633B846F1}">
+                <asvg:svgBlip xmlns:asvg="http://schemas.microsoft.com/office/drawing/2016/SVG/main" r:embed="rId5"/>
+              </a:ext>
+            </a:extLst>
+          </a:blip>
+          <a:stretch>
+            <a:fillRect/>
+          </a:stretch>
+        </p:blipFill>
+        <p:spPr>
+          <a:xfrm>
+            <a:off x="7117601" y="4177799"/>
+            <a:ext cx="1080000" cy="1080000"/>
+          </a:xfrm>
+          <a:prstGeom prst="rect">
+            <a:avLst/>
+          </a:prstGeom>
+        </p:spPr>
+      </p:pic>
+      <p:cxnSp>
+        <p:nvCxnSpPr>
+          <p:cNvPr id="18" name="Gerade Verbindung mit Pfeil 17">
+            <a:extLst>
+              <a:ext uri="{FF2B5EF4-FFF2-40B4-BE49-F238E27FC236}">
+                <a16:creationId xmlns:a16="http://schemas.microsoft.com/office/drawing/2014/main" id="{C35749F3-9E2C-DAB9-62BF-09B556BF88CB}"/>
+              </a:ext>
+            </a:extLst>
+          </p:cNvPr>
+          <p:cNvCxnSpPr/>
+          <p:nvPr/>
+        </p:nvCxnSpPr>
+        <p:spPr>
+          <a:xfrm>
+            <a:off x="5454650" y="4724400"/>
+            <a:ext cx="1282700" cy="0"/>
+          </a:xfrm>
+          <a:prstGeom prst="straightConnector1">
+            <a:avLst/>
+          </a:prstGeom>
+          <a:ln w="57150">
+            <a:solidFill>
+              <a:schemeClr val="accent2"/>
+            </a:solidFill>
+            <a:headEnd type="arrow" w="med" len="med"/>
+            <a:tailEnd type="arrow" w="med" len="med"/>
+          </a:ln>
+        </p:spPr>
+        <p:style>
+          <a:lnRef idx="1">
+            <a:schemeClr val="accent1"/>
+          </a:lnRef>
+          <a:fillRef idx="0">
+            <a:schemeClr val="accent1"/>
+          </a:fillRef>
+          <a:effectRef idx="0">
+            <a:schemeClr val="accent1"/>
+          </a:effectRef>
+          <a:fontRef idx="minor">
+            <a:schemeClr val="tx1"/>
+          </a:fontRef>
+        </p:style>
+      </p:cxnSp>
+    </p:spTree>
+    <p:extLst>
+      <p:ext uri="{BB962C8B-B14F-4D97-AF65-F5344CB8AC3E}">
+        <p14:creationId xmlns:p14="http://schemas.microsoft.com/office/powerpoint/2010/main" val="3573600852"/>
+      </p:ext>
+    </p:extLst>
+  </p:cSld>
+  <p:clrMapOvr>
+    <a:masterClrMapping/>
+  </p:clrMapOvr>
+  <mc:AlternateContent xmlns:mc="http://schemas.openxmlformats.org/markup-compatibility/2006" xmlns:p14="http://schemas.microsoft.com/office/powerpoint/2010/main">
+    <mc:Choice Requires="p14">
+      <p:transition spd="med" p14:dur="700">
+        <p:fade/>
+      </p:transition>
+    </mc:Choice>
+    <mc:Fallback xmlns="">
+      <p:transition spd="med">
+        <p:fade/>
+      </p:transition>
+    </mc:Fallback>
+  </mc:AlternateContent>
+</p:sld>
+</file>
+
+<file path=ppt/slides/slide13.xml><?xml version="1.0" encoding="utf-8"?>
+<p:sld xmlns:a="http://schemas.openxmlformats.org/drawingml/2006/main" xmlns:r="http://schemas.openxmlformats.org/officeDocument/2006/relationships" xmlns:p="http://schemas.openxmlformats.org/presentationml/2006/main">
+  <p:cSld>
+    <p:spTree>
+      <p:nvGrpSpPr>
+        <p:cNvPr id="1" name=""/>
+        <p:cNvGrpSpPr/>
+        <p:nvPr/>
+      </p:nvGrpSpPr>
+      <p:grpSpPr>
+        <a:xfrm>
+          <a:off x="0" y="0"/>
+          <a:ext cx="0" cy="0"/>
+          <a:chOff x="0" y="0"/>
+          <a:chExt cx="0" cy="0"/>
+        </a:xfrm>
+      </p:grpSpPr>
+      <p:sp>
+        <p:nvSpPr>
+          <p:cNvPr id="2" name="Titel 1">
+            <a:extLst>
+              <a:ext uri="{FF2B5EF4-FFF2-40B4-BE49-F238E27FC236}">
+                <a16:creationId xmlns:a16="http://schemas.microsoft.com/office/drawing/2014/main" id="{129402A3-9587-94D2-65CF-B78801C61EB5}"/>
+              </a:ext>
+            </a:extLst>
+          </p:cNvPr>
+          <p:cNvSpPr>
+            <a:spLocks noGrp="1"/>
+          </p:cNvSpPr>
+          <p:nvPr>
+            <p:ph type="title"/>
+          </p:nvPr>
+        </p:nvSpPr>
+        <p:spPr/>
+        <p:txBody>
+          <a:bodyPr anchor="ctr"/>
+          <a:lstStyle/>
+          <a:p>
+            <a:r>
+              <a:rPr lang="de-DE" dirty="0"/>
+              <a:t>Herausforderungen</a:t>
+            </a:r>
+          </a:p>
+        </p:txBody>
+      </p:sp>
+      <p:sp>
+        <p:nvSpPr>
+          <p:cNvPr id="3" name="Inhaltsplatzhalter 2">
+            <a:extLst>
+              <a:ext uri="{FF2B5EF4-FFF2-40B4-BE49-F238E27FC236}">
+                <a16:creationId xmlns:a16="http://schemas.microsoft.com/office/drawing/2014/main" id="{0300C9A2-5BD6-8F5C-4FDD-8DEED46069E7}"/>
+              </a:ext>
+            </a:extLst>
+          </p:cNvPr>
+          <p:cNvSpPr>
+            <a:spLocks noGrp="1"/>
+          </p:cNvSpPr>
+          <p:nvPr>
+            <p:ph idx="1"/>
+          </p:nvPr>
+        </p:nvSpPr>
+        <p:spPr/>
+        <p:txBody>
+          <a:bodyPr/>
+          <a:lstStyle/>
+          <a:p>
+            <a:endParaRPr lang="de-DE" sz="100" dirty="0"/>
+          </a:p>
+          <a:p>
+            <a:pPr>
+              <a:lnSpc>
+                <a:spcPct val="150000"/>
+              </a:lnSpc>
+            </a:pPr>
+            <a:r>
+              <a:rPr lang="de-DE" dirty="0"/>
+              <a:t>Umgang mit </a:t>
+            </a:r>
+            <a:r>
+              <a:rPr lang="de-DE" b="1" dirty="0"/>
+              <a:t>JavaScript</a:t>
+            </a:r>
+          </a:p>
+          <a:p>
+            <a:pPr>
+              <a:lnSpc>
+                <a:spcPct val="150000"/>
+              </a:lnSpc>
+            </a:pPr>
+            <a:r>
+              <a:rPr lang="de-DE" dirty="0"/>
+              <a:t>korrekte Verwendung von </a:t>
+            </a:r>
+            <a:r>
+              <a:rPr lang="de-DE" b="1" dirty="0"/>
+              <a:t>Bibliotheken</a:t>
+            </a:r>
+          </a:p>
+          <a:p>
+            <a:pPr>
+              <a:lnSpc>
+                <a:spcPct val="150000"/>
+              </a:lnSpc>
+            </a:pPr>
+            <a:r>
+              <a:rPr lang="de-DE" dirty="0"/>
+              <a:t>zu </a:t>
+            </a:r>
+            <a:r>
+              <a:rPr lang="de-DE" b="1" dirty="0"/>
+              <a:t>grobe</a:t>
+            </a:r>
+            <a:r>
+              <a:rPr lang="de-DE" dirty="0"/>
+              <a:t> Einteilung der </a:t>
+            </a:r>
+            <a:r>
+              <a:rPr lang="de-DE" b="1" dirty="0" err="1"/>
+              <a:t>Branches</a:t>
+            </a:r>
+            <a:r>
+              <a:rPr lang="de-DE" dirty="0"/>
+              <a:t> auf GitHub</a:t>
+            </a:r>
+          </a:p>
+          <a:p>
+            <a:endParaRPr lang="de-DE" dirty="0"/>
+          </a:p>
+        </p:txBody>
+      </p:sp>
+      <p:sp>
+        <p:nvSpPr>
+          <p:cNvPr id="4" name="Foliennummernplatzhalter 3">
+            <a:extLst>
+              <a:ext uri="{FF2B5EF4-FFF2-40B4-BE49-F238E27FC236}">
+                <a16:creationId xmlns:a16="http://schemas.microsoft.com/office/drawing/2014/main" id="{6289511C-08B3-9B92-E15D-AD550DC8232B}"/>
+              </a:ext>
+            </a:extLst>
+          </p:cNvPr>
+          <p:cNvSpPr>
+            <a:spLocks noGrp="1"/>
+          </p:cNvSpPr>
+          <p:nvPr>
+            <p:ph type="sldNum" sz="quarter" idx="12"/>
+          </p:nvPr>
+        </p:nvSpPr>
+        <p:spPr/>
+        <p:txBody>
+          <a:bodyPr/>
+          <a:lstStyle/>
+          <a:p>
+            <a:r>
+              <a:rPr lang="de-DE" dirty="0"/>
+              <a:t>9</a:t>
+            </a:r>
+          </a:p>
+        </p:txBody>
+      </p:sp>
+    </p:spTree>
+    <p:extLst>
+      <p:ext uri="{BB962C8B-B14F-4D97-AF65-F5344CB8AC3E}">
+        <p14:creationId xmlns:p14="http://schemas.microsoft.com/office/powerpoint/2010/main" val="1235327902"/>
+      </p:ext>
+    </p:extLst>
+  </p:cSld>
+  <p:clrMapOvr>
+    <a:masterClrMapping/>
+  </p:clrMapOvr>
+  <mc:AlternateContent xmlns:mc="http://schemas.openxmlformats.org/markup-compatibility/2006" xmlns:p14="http://schemas.microsoft.com/office/powerpoint/2010/main">
+    <mc:Choice Requires="p14">
+      <p:transition spd="med" p14:dur="700">
+        <p:fade/>
+      </p:transition>
+    </mc:Choice>
+    <mc:Fallback xmlns="">
+      <p:transition spd="med">
+        <p:fade/>
+      </p:transition>
+    </mc:Fallback>
+  </mc:AlternateContent>
+</p:sld>
+</file>
+
+<file path=ppt/slides/slide14.xml><?xml version="1.0" encoding="utf-8"?>
+<p:sld xmlns:a="http://schemas.openxmlformats.org/drawingml/2006/main" xmlns:r="http://schemas.openxmlformats.org/officeDocument/2006/relationships" xmlns:p="http://schemas.openxmlformats.org/presentationml/2006/main">
+  <p:cSld>
+    <p:spTree>
+      <p:nvGrpSpPr>
+        <p:cNvPr id="1" name=""/>
+        <p:cNvGrpSpPr/>
+        <p:nvPr/>
+      </p:nvGrpSpPr>
+      <p:grpSpPr>
+        <a:xfrm>
+          <a:off x="0" y="0"/>
+          <a:ext cx="0" cy="0"/>
+          <a:chOff x="0" y="0"/>
+          <a:chExt cx="0" cy="0"/>
+        </a:xfrm>
+      </p:grpSpPr>
+      <p:sp>
+        <p:nvSpPr>
+          <p:cNvPr id="7" name="Titel 6">
+            <a:extLst>
+              <a:ext uri="{FF2B5EF4-FFF2-40B4-BE49-F238E27FC236}">
+                <a16:creationId xmlns:a16="http://schemas.microsoft.com/office/drawing/2014/main" id="{9A123FFD-B7FB-1165-7115-6E3FA9199927}"/>
+              </a:ext>
+            </a:extLst>
+          </p:cNvPr>
+          <p:cNvSpPr>
+            <a:spLocks noGrp="1"/>
+          </p:cNvSpPr>
+          <p:nvPr>
+            <p:ph type="ctrTitle"/>
+          </p:nvPr>
+        </p:nvSpPr>
+        <p:spPr>
+          <a:xfrm>
+            <a:off x="914400" y="3145184"/>
+            <a:ext cx="10363200" cy="1470025"/>
+          </a:xfrm>
+        </p:spPr>
+        <p:txBody>
+          <a:bodyPr>
+            <a:normAutofit/>
+          </a:bodyPr>
+          <a:lstStyle/>
+          <a:p>
+            <a:r>
+              <a:rPr lang="de-DE" sz="6600" dirty="0"/>
+              <a:t>           LIVE-DEMO</a:t>
+            </a:r>
+          </a:p>
+        </p:txBody>
+      </p:sp>
+      <p:sp>
+        <p:nvSpPr>
+          <p:cNvPr id="4" name="Foliennummernplatzhalter 3">
+            <a:extLst>
+              <a:ext uri="{FF2B5EF4-FFF2-40B4-BE49-F238E27FC236}">
+                <a16:creationId xmlns:a16="http://schemas.microsoft.com/office/drawing/2014/main" id="{4444E0CD-C653-495C-28BD-5DAD2730F8D2}"/>
+              </a:ext>
+            </a:extLst>
+          </p:cNvPr>
+          <p:cNvSpPr>
+            <a:spLocks noGrp="1"/>
+          </p:cNvSpPr>
+          <p:nvPr>
+            <p:ph type="sldNum" sz="quarter" idx="4294967295"/>
+          </p:nvPr>
+        </p:nvSpPr>
+        <p:spPr>
+          <a:xfrm>
+            <a:off x="8737600" y="6356350"/>
+            <a:ext cx="2844800" cy="365125"/>
+          </a:xfrm>
+        </p:spPr>
+        <p:txBody>
+          <a:bodyPr/>
+          <a:lstStyle/>
+          <a:p>
+            <a:r>
+              <a:rPr lang="de-DE" sz="1000" dirty="0"/>
+              <a:t>10</a:t>
+            </a:r>
+          </a:p>
+        </p:txBody>
+      </p:sp>
+      <p:pic>
+        <p:nvPicPr>
+          <p:cNvPr id="10" name="Grafik 9" descr="Videokamera mit einfarbiger Füllung">
+            <a:extLst>
+              <a:ext uri="{FF2B5EF4-FFF2-40B4-BE49-F238E27FC236}">
+                <a16:creationId xmlns:a16="http://schemas.microsoft.com/office/drawing/2014/main" id="{5518E45D-C4E6-D210-F551-FB89A53E679A}"/>
+              </a:ext>
+            </a:extLst>
+          </p:cNvPr>
+          <p:cNvPicPr>
+            <a:picLocks noChangeAspect="1"/>
+          </p:cNvPicPr>
+          <p:nvPr/>
+        </p:nvPicPr>
+        <p:blipFill>
+          <a:blip r:embed="rId3">
+            <a:extLst>
+              <a:ext uri="{28A0092B-C50C-407E-A947-70E740481C1C}">
+                <a14:useLocalDpi xmlns:a14="http://schemas.microsoft.com/office/drawing/2010/main" val="0"/>
+              </a:ext>
+              <a:ext uri="{96DAC541-7B7A-43D3-8B79-37D633B846F1}">
+                <asvg:svgBlip xmlns:asvg="http://schemas.microsoft.com/office/drawing/2016/SVG/main" r:embed="rId4"/>
+              </a:ext>
+            </a:extLst>
+          </a:blip>
+          <a:stretch>
+            <a:fillRect/>
+          </a:stretch>
+        </p:blipFill>
+        <p:spPr>
+          <a:xfrm>
+            <a:off x="3346450" y="2948256"/>
+            <a:ext cx="1247689" cy="1247689"/>
+          </a:xfrm>
+          <a:prstGeom prst="rect">
+            <a:avLst/>
+          </a:prstGeom>
+        </p:spPr>
+      </p:pic>
+      <p:sp>
+        <p:nvSpPr>
+          <p:cNvPr id="11" name="Textfeld 10">
+            <a:extLst>
+              <a:ext uri="{FF2B5EF4-FFF2-40B4-BE49-F238E27FC236}">
+                <a16:creationId xmlns:a16="http://schemas.microsoft.com/office/drawing/2014/main" id="{898CE6F4-9847-C24A-E49E-CF5AE1F96798}"/>
+              </a:ext>
+            </a:extLst>
+          </p:cNvPr>
+          <p:cNvSpPr txBox="1"/>
+          <p:nvPr/>
+        </p:nvSpPr>
+        <p:spPr>
+          <a:xfrm>
+            <a:off x="3868209" y="2971935"/>
+            <a:ext cx="415498" cy="1200329"/>
+          </a:xfrm>
+          <a:prstGeom prst="rect">
+            <a:avLst/>
+          </a:prstGeom>
+          <a:noFill/>
+        </p:spPr>
+        <p:txBody>
+          <a:bodyPr wrap="none" rtlCol="0">
+            <a:spAutoFit/>
+          </a:bodyPr>
+          <a:lstStyle/>
+          <a:p>
+            <a:r>
+              <a:rPr lang="de-DE" sz="7200" dirty="0">
+                <a:solidFill>
+                  <a:schemeClr val="accent2"/>
+                </a:solidFill>
+                <a:latin typeface="Times New Roman" panose="02020603050405020304" pitchFamily="18" charset="0"/>
+                <a:ea typeface="Verdana" panose="020B0604030504040204" pitchFamily="34" charset="0"/>
+                <a:cs typeface="Times New Roman" panose="02020603050405020304" pitchFamily="18" charset="0"/>
+              </a:rPr>
+              <a:t>.</a:t>
+            </a:r>
+          </a:p>
+        </p:txBody>
+      </p:sp>
+    </p:spTree>
+    <p:extLst>
+      <p:ext uri="{BB962C8B-B14F-4D97-AF65-F5344CB8AC3E}">
+        <p14:creationId xmlns:p14="http://schemas.microsoft.com/office/powerpoint/2010/main" val="1211156781"/>
+      </p:ext>
+    </p:extLst>
+  </p:cSld>
+  <p:clrMapOvr>
+    <a:masterClrMapping/>
+  </p:clrMapOvr>
+  <mc:AlternateContent xmlns:mc="http://schemas.openxmlformats.org/markup-compatibility/2006" xmlns:p14="http://schemas.microsoft.com/office/powerpoint/2010/main">
+    <mc:Choice Requires="p14">
+      <p:transition spd="med" p14:dur="700">
+        <p:fade/>
+      </p:transition>
+    </mc:Choice>
+    <mc:Fallback xmlns="">
+      <p:transition spd="med">
+        <p:fade/>
+      </p:transition>
+    </mc:Fallback>
+  </mc:AlternateContent>
+</p:sld>
+</file>
+
+<file path=ppt/slides/slide15.xml><?xml version="1.0" encoding="utf-8"?>
+<p:sld xmlns:a="http://schemas.openxmlformats.org/drawingml/2006/main" xmlns:r="http://schemas.openxmlformats.org/officeDocument/2006/relationships" xmlns:p="http://schemas.openxmlformats.org/presentationml/2006/main">
+  <p:cSld>
+    <p:spTree>
+      <p:nvGrpSpPr>
+        <p:cNvPr id="1" name=""/>
+        <p:cNvGrpSpPr/>
+        <p:nvPr/>
+      </p:nvGrpSpPr>
+      <p:grpSpPr>
+        <a:xfrm>
+          <a:off x="0" y="0"/>
+          <a:ext cx="0" cy="0"/>
+          <a:chOff x="0" y="0"/>
+          <a:chExt cx="0" cy="0"/>
+        </a:xfrm>
+      </p:grpSpPr>
+      <p:sp>
+        <p:nvSpPr>
+          <p:cNvPr id="2" name="Titel 1">
+            <a:extLst>
+              <a:ext uri="{FF2B5EF4-FFF2-40B4-BE49-F238E27FC236}">
+                <a16:creationId xmlns:a16="http://schemas.microsoft.com/office/drawing/2014/main" id="{B810F3A7-8936-FAA6-1683-F52AD988008C}"/>
+              </a:ext>
+            </a:extLst>
+          </p:cNvPr>
+          <p:cNvSpPr>
+            <a:spLocks noGrp="1"/>
+          </p:cNvSpPr>
+          <p:nvPr>
+            <p:ph type="title"/>
+          </p:nvPr>
+        </p:nvSpPr>
+        <p:spPr/>
+        <p:txBody>
+          <a:bodyPr anchor="ctr"/>
+          <a:lstStyle/>
+          <a:p>
+            <a:r>
+              <a:rPr lang="de-DE" dirty="0"/>
+              <a:t>Zeit für Fragen!</a:t>
+            </a:r>
+          </a:p>
+        </p:txBody>
+      </p:sp>
+      <p:sp>
+        <p:nvSpPr>
+          <p:cNvPr id="4" name="Foliennummernplatzhalter 3">
+            <a:extLst>
+              <a:ext uri="{FF2B5EF4-FFF2-40B4-BE49-F238E27FC236}">
+                <a16:creationId xmlns:a16="http://schemas.microsoft.com/office/drawing/2014/main" id="{40BB8FC5-3279-0DFB-7899-90D945F9D391}"/>
+              </a:ext>
+            </a:extLst>
+          </p:cNvPr>
+          <p:cNvSpPr>
+            <a:spLocks noGrp="1"/>
+          </p:cNvSpPr>
+          <p:nvPr>
+            <p:ph type="sldNum" sz="quarter" idx="12"/>
+          </p:nvPr>
+        </p:nvSpPr>
+        <p:spPr/>
+        <p:txBody>
+          <a:bodyPr/>
+          <a:lstStyle/>
+          <a:p>
+            <a:r>
+              <a:rPr lang="de-DE" dirty="0"/>
+              <a:t>11</a:t>
+            </a:r>
+          </a:p>
+        </p:txBody>
+      </p:sp>
+      <p:pic>
+        <p:nvPicPr>
+          <p:cNvPr id="1026" name="Picture 2">
+            <a:extLst>
+              <a:ext uri="{FF2B5EF4-FFF2-40B4-BE49-F238E27FC236}">
+                <a16:creationId xmlns:a16="http://schemas.microsoft.com/office/drawing/2014/main" id="{F0C46998-F4D2-ACC2-4E87-C1A075DF24E8}"/>
+              </a:ext>
+            </a:extLst>
+          </p:cNvPr>
+          <p:cNvPicPr>
+            <a:picLocks noGrp="1" noChangeAspect="1" noChangeArrowheads="1"/>
+          </p:cNvPicPr>
+          <p:nvPr>
+            <p:ph idx="1"/>
+          </p:nvPr>
+        </p:nvPicPr>
+        <p:blipFill>
+          <a:blip r:embed="rId3">
+            <a:extLst>
+              <a:ext uri="{28A0092B-C50C-407E-A947-70E740481C1C}">
+                <a14:useLocalDpi xmlns:a14="http://schemas.microsoft.com/office/drawing/2010/main" val="0"/>
+              </a:ext>
+            </a:extLst>
+          </a:blip>
+          <a:srcRect/>
+          <a:stretch>
+            <a:fillRect/>
+          </a:stretch>
+        </p:blipFill>
+        <p:spPr bwMode="auto">
+          <a:xfrm>
+            <a:off x="2219049" y="1965325"/>
+            <a:ext cx="7753901" cy="3679065"/>
+          </a:xfrm>
+          <a:prstGeom prst="rect">
+            <a:avLst/>
+          </a:prstGeom>
+          <a:noFill/>
+          <a:extLst>
+            <a:ext uri="{909E8E84-426E-40DD-AFC4-6F175D3DCCD1}">
+              <a14:hiddenFill xmlns:a14="http://schemas.microsoft.com/office/drawing/2010/main">
+                <a:solidFill>
+                  <a:srgbClr val="FFFFFF"/>
+                </a:solidFill>
+              </a14:hiddenFill>
+            </a:ext>
+          </a:extLst>
+        </p:spPr>
+      </p:pic>
+    </p:spTree>
+    <p:extLst>
+      <p:ext uri="{BB962C8B-B14F-4D97-AF65-F5344CB8AC3E}">
+        <p14:creationId xmlns:p14="http://schemas.microsoft.com/office/powerpoint/2010/main" val="1978059231"/>
+      </p:ext>
+    </p:extLst>
+  </p:cSld>
+  <p:clrMapOvr>
+    <a:masterClrMapping/>
+  </p:clrMapOvr>
+  <mc:AlternateContent xmlns:mc="http://schemas.openxmlformats.org/markup-compatibility/2006" xmlns:p14="http://schemas.microsoft.com/office/powerpoint/2010/main">
+    <mc:Choice Requires="p14">
+      <p:transition spd="med" p14:dur="700">
+        <p:fade/>
+      </p:transition>
+    </mc:Choice>
+    <mc:Fallback xmlns="">
+      <p:transition spd="med">
+        <p:fade/>
+      </p:transition>
+    </mc:Fallback>
+  </mc:AlternateContent>
+</p:sld>
+</file>
+
+<file path=ppt/slides/slide2.xml><?xml version="1.0" encoding="utf-8"?>
+<p:sld xmlns:a="http://schemas.openxmlformats.org/drawingml/2006/main" xmlns:r="http://schemas.openxmlformats.org/officeDocument/2006/relationships" xmlns:p="http://schemas.openxmlformats.org/presentationml/2006/main">
+  <p:cSld>
+    <p:spTree>
+      <p:nvGrpSpPr>
+        <p:cNvPr id="1" name=""/>
+        <p:cNvGrpSpPr/>
+        <p:nvPr/>
+      </p:nvGrpSpPr>
+      <p:grpSpPr>
+        <a:xfrm>
+          <a:off x="0" y="0"/>
+          <a:ext cx="0" cy="0"/>
+          <a:chOff x="0" y="0"/>
+          <a:chExt cx="0" cy="0"/>
+        </a:xfrm>
+      </p:grpSpPr>
+      <p:sp>
+        <p:nvSpPr>
+          <p:cNvPr id="2" name="Titel 1">
+            <a:extLst>
+              <a:ext uri="{FF2B5EF4-FFF2-40B4-BE49-F238E27FC236}">
+                <a16:creationId xmlns:a16="http://schemas.microsoft.com/office/drawing/2014/main" id="{E91ED80D-B8C1-A613-CEA9-E38815402300}"/>
+              </a:ext>
+            </a:extLst>
+          </p:cNvPr>
+          <p:cNvSpPr>
+            <a:spLocks noGrp="1"/>
+          </p:cNvSpPr>
+          <p:nvPr>
+            <p:ph type="ctrTitle"/>
+          </p:nvPr>
+        </p:nvSpPr>
+        <p:spPr/>
+        <p:txBody>
+          <a:bodyPr anchor="ctr"/>
+          <a:lstStyle/>
+          <a:p>
+            <a:r>
+              <a:rPr lang="de-DE" dirty="0"/>
+              <a:t>Web Engineering</a:t>
+            </a:r>
+          </a:p>
+        </p:txBody>
+      </p:sp>
+      <p:sp>
+        <p:nvSpPr>
+          <p:cNvPr id="3" name="Untertitel 2">
+            <a:extLst>
+              <a:ext uri="{FF2B5EF4-FFF2-40B4-BE49-F238E27FC236}">
+                <a16:creationId xmlns:a16="http://schemas.microsoft.com/office/drawing/2014/main" id="{20621124-D7A1-C1AB-B93E-E56CF8E42349}"/>
+              </a:ext>
+            </a:extLst>
+          </p:cNvPr>
+          <p:cNvSpPr>
+            <a:spLocks noGrp="1"/>
+          </p:cNvSpPr>
+          <p:nvPr>
+            <p:ph type="subTitle" idx="1"/>
+          </p:nvPr>
+        </p:nvSpPr>
+        <p:spPr/>
+        <p:txBody>
+          <a:bodyPr/>
+          <a:lstStyle/>
+          <a:p>
+            <a:r>
+              <a:rPr lang="de-DE" dirty="0"/>
+              <a:t>Leander Gmeiner, Frederik Junk,</a:t>
+            </a:r>
+          </a:p>
+          <a:p>
+            <a:r>
+              <a:rPr lang="de-DE" dirty="0"/>
+              <a:t>Yannick Seidel, Daniel Siegert</a:t>
+            </a:r>
+          </a:p>
+        </p:txBody>
+      </p:sp>
+      <p:pic>
+        <p:nvPicPr>
+          <p:cNvPr id="4" name="Grafik 3">
+            <a:extLst>
+              <a:ext uri="{FF2B5EF4-FFF2-40B4-BE49-F238E27FC236}">
+                <a16:creationId xmlns:a16="http://schemas.microsoft.com/office/drawing/2014/main" id="{9CA4527D-0B29-6BEA-FB5F-78B5E8158AFC}"/>
+              </a:ext>
+            </a:extLst>
+          </p:cNvPr>
+          <p:cNvPicPr>
+            <a:picLocks noChangeAspect="1" noChangeArrowheads="1"/>
+          </p:cNvPicPr>
+          <p:nvPr/>
+        </p:nvPicPr>
+        <p:blipFill>
+          <a:blip r:embed="rId2">
+            <a:extLst>
+              <a:ext uri="{28A0092B-C50C-407E-A947-70E740481C1C}">
+                <a14:useLocalDpi xmlns:a14="http://schemas.microsoft.com/office/drawing/2010/main" val="0"/>
+              </a:ext>
+            </a:extLst>
+          </a:blip>
+          <a:srcRect/>
+          <a:stretch>
+            <a:fillRect/>
+          </a:stretch>
+        </p:blipFill>
+        <p:spPr bwMode="auto">
+          <a:xfrm>
+            <a:off x="-1390329" y="-4265576"/>
+            <a:ext cx="14972658" cy="11989227"/>
+          </a:xfrm>
+          <a:custGeom>
+            <a:avLst/>
+            <a:gdLst>
+              <a:gd name="connsiteX0" fmla="*/ 6781800 w 14747132"/>
+              <a:gd name="connsiteY0" fmla="*/ 8008028 h 11808639"/>
+              <a:gd name="connsiteX1" fmla="*/ 6781800 w 14747132"/>
+              <a:gd name="connsiteY1" fmla="*/ 10954428 h 11808639"/>
+              <a:gd name="connsiteX2" fmla="*/ 11729720 w 14747132"/>
+              <a:gd name="connsiteY2" fmla="*/ 10954428 h 11808639"/>
+              <a:gd name="connsiteX3" fmla="*/ 11729720 w 14747132"/>
+              <a:gd name="connsiteY3" fmla="*/ 8008028 h 11808639"/>
+              <a:gd name="connsiteX4" fmla="*/ 0 w 14747132"/>
+              <a:gd name="connsiteY4" fmla="*/ 0 h 11808639"/>
+              <a:gd name="connsiteX5" fmla="*/ 14747132 w 14747132"/>
+              <a:gd name="connsiteY5" fmla="*/ 0 h 11808639"/>
+              <a:gd name="connsiteX6" fmla="*/ 14747132 w 14747132"/>
+              <a:gd name="connsiteY6" fmla="*/ 11808639 h 11808639"/>
+              <a:gd name="connsiteX7" fmla="*/ 0 w 14747132"/>
+              <a:gd name="connsiteY7" fmla="*/ 11808639 h 11808639"/>
+            </a:gdLst>
+            <a:ahLst/>
+            <a:cxnLst>
+              <a:cxn ang="0">
+                <a:pos x="connsiteX0" y="connsiteY0"/>
+              </a:cxn>
+              <a:cxn ang="0">
+                <a:pos x="connsiteX1" y="connsiteY1"/>
+              </a:cxn>
+              <a:cxn ang="0">
+                <a:pos x="connsiteX2" y="connsiteY2"/>
+              </a:cxn>
+              <a:cxn ang="0">
+                <a:pos x="connsiteX3" y="connsiteY3"/>
+              </a:cxn>
+              <a:cxn ang="0">
+                <a:pos x="connsiteX4" y="connsiteY4"/>
+              </a:cxn>
+              <a:cxn ang="0">
+                <a:pos x="connsiteX5" y="connsiteY5"/>
+              </a:cxn>
+              <a:cxn ang="0">
+                <a:pos x="connsiteX6" y="connsiteY6"/>
+              </a:cxn>
+              <a:cxn ang="0">
+                <a:pos x="connsiteX7" y="connsiteY7"/>
+              </a:cxn>
+            </a:cxnLst>
+            <a:rect l="l" t="t" r="r" b="b"/>
+            <a:pathLst>
+              <a:path w="14747132" h="11808639">
+                <a:moveTo>
+                  <a:pt x="6781800" y="8008028"/>
+                </a:moveTo>
+                <a:lnTo>
+                  <a:pt x="6781800" y="10954428"/>
+                </a:lnTo>
+                <a:lnTo>
+                  <a:pt x="11729720" y="10954428"/>
+                </a:lnTo>
+                <a:lnTo>
+                  <a:pt x="11729720" y="8008028"/>
+                </a:lnTo>
+                <a:close/>
+                <a:moveTo>
+                  <a:pt x="0" y="0"/>
+                </a:moveTo>
+                <a:lnTo>
+                  <a:pt x="14747132" y="0"/>
+                </a:lnTo>
+                <a:lnTo>
+                  <a:pt x="14747132" y="11808639"/>
+                </a:lnTo>
+                <a:lnTo>
+                  <a:pt x="0" y="11808639"/>
+                </a:lnTo>
+                <a:close/>
+              </a:path>
+            </a:pathLst>
+          </a:custGeom>
+          <a:noFill/>
+          <a:extLst>
+            <a:ext uri="{909E8E84-426E-40DD-AFC4-6F175D3DCCD1}">
+              <a14:hiddenFill xmlns:a14="http://schemas.microsoft.com/office/drawing/2010/main">
+                <a:solidFill>
+                  <a:srgbClr val="FFFFFF"/>
+                </a:solidFill>
+              </a14:hiddenFill>
+            </a:ext>
+          </a:extLst>
+        </p:spPr>
+      </p:pic>
+    </p:spTree>
+    <p:extLst>
+      <p:ext uri="{BB962C8B-B14F-4D97-AF65-F5344CB8AC3E}">
+        <p14:creationId xmlns:p14="http://schemas.microsoft.com/office/powerpoint/2010/main" val="1495873032"/>
+      </p:ext>
+    </p:extLst>
+  </p:cSld>
+  <p:clrMapOvr>
+    <a:masterClrMapping/>
+  </p:clrMapOvr>
+  <mc:AlternateContent xmlns:mc="http://schemas.openxmlformats.org/markup-compatibility/2006" xmlns:p159="http://schemas.microsoft.com/office/powerpoint/2015/09/main">
+    <mc:Choice Requires="p159">
+      <p:transition xmlns:p14="http://schemas.microsoft.com/office/powerpoint/2010/main" spd="slow" p14:dur="2000" advTm="0">
+        <p159:morph option="byObject"/>
+      </p:transition>
+    </mc:Choice>
+    <mc:Fallback xmlns="">
+      <p:transition spd="slow" advTm="0">
+        <p:fade/>
+      </p:transition>
+    </mc:Fallback>
+  </mc:AlternateContent>
+</p:sld>
+</file>
+
+<file path=ppt/slides/slide3.xml><?xml version="1.0" encoding="utf-8"?>
+<p:sld xmlns:a="http://schemas.openxmlformats.org/drawingml/2006/main" xmlns:r="http://schemas.openxmlformats.org/officeDocument/2006/relationships" xmlns:p="http://schemas.openxmlformats.org/presentationml/2006/main">
+  <p:cSld>
+    <p:spTree>
+      <p:nvGrpSpPr>
+        <p:cNvPr id="1" name=""/>
+        <p:cNvGrpSpPr/>
+        <p:nvPr/>
+      </p:nvGrpSpPr>
+      <p:grpSpPr>
+        <a:xfrm>
+          <a:off x="0" y="0"/>
+          <a:ext cx="0" cy="0"/>
+          <a:chOff x="0" y="0"/>
+          <a:chExt cx="0" cy="0"/>
+        </a:xfrm>
+      </p:grpSpPr>
+      <p:sp>
+        <p:nvSpPr>
+          <p:cNvPr id="2" name="Titel 1">
+            <a:extLst>
+              <a:ext uri="{FF2B5EF4-FFF2-40B4-BE49-F238E27FC236}">
+                <a16:creationId xmlns:a16="http://schemas.microsoft.com/office/drawing/2014/main" id="{E91ED80D-B8C1-A613-CEA9-E38815402300}"/>
+              </a:ext>
+            </a:extLst>
+          </p:cNvPr>
+          <p:cNvSpPr>
+            <a:spLocks noGrp="1"/>
+          </p:cNvSpPr>
+          <p:nvPr>
+            <p:ph type="ctrTitle"/>
+          </p:nvPr>
+        </p:nvSpPr>
+        <p:spPr/>
+        <p:txBody>
+          <a:bodyPr anchor="ctr"/>
+          <a:lstStyle/>
+          <a:p>
+            <a:r>
+              <a:rPr lang="de-DE" dirty="0"/>
+              <a:t>Web Engineering</a:t>
+            </a:r>
+          </a:p>
+        </p:txBody>
+      </p:sp>
+      <p:sp>
+        <p:nvSpPr>
+          <p:cNvPr id="3" name="Untertitel 2">
+            <a:extLst>
+              <a:ext uri="{FF2B5EF4-FFF2-40B4-BE49-F238E27FC236}">
+                <a16:creationId xmlns:a16="http://schemas.microsoft.com/office/drawing/2014/main" id="{20621124-D7A1-C1AB-B93E-E56CF8E42349}"/>
+              </a:ext>
+            </a:extLst>
+          </p:cNvPr>
+          <p:cNvSpPr>
+            <a:spLocks noGrp="1"/>
+          </p:cNvSpPr>
+          <p:nvPr>
+            <p:ph type="subTitle" idx="1"/>
+          </p:nvPr>
+        </p:nvSpPr>
+        <p:spPr/>
+        <p:txBody>
+          <a:bodyPr/>
+          <a:lstStyle/>
+          <a:p>
+            <a:r>
+              <a:rPr lang="de-DE" dirty="0"/>
+              <a:t>Leander Gmeiner, Frederik Junk,</a:t>
+            </a:r>
+          </a:p>
+          <a:p>
+            <a:r>
+              <a:rPr lang="de-DE" dirty="0"/>
+              <a:t>Yannick Seidel, Daniel Siegert</a:t>
+            </a:r>
+          </a:p>
+        </p:txBody>
+      </p:sp>
+      <p:pic>
+        <p:nvPicPr>
+          <p:cNvPr id="4" name="Grafik 3">
+            <a:extLst>
+              <a:ext uri="{FF2B5EF4-FFF2-40B4-BE49-F238E27FC236}">
+                <a16:creationId xmlns:a16="http://schemas.microsoft.com/office/drawing/2014/main" id="{407C4956-DAFB-E0AE-B6C1-4B4208ABB6DC}"/>
+              </a:ext>
+            </a:extLst>
+          </p:cNvPr>
+          <p:cNvPicPr>
+            <a:picLocks noChangeAspect="1" noChangeArrowheads="1"/>
+          </p:cNvPicPr>
+          <p:nvPr/>
+        </p:nvPicPr>
+        <p:blipFill>
+          <a:blip r:embed="rId2">
+            <a:extLst>
+              <a:ext uri="{28A0092B-C50C-407E-A947-70E740481C1C}">
+                <a14:useLocalDpi xmlns:a14="http://schemas.microsoft.com/office/drawing/2010/main" val="0"/>
+              </a:ext>
+            </a:extLst>
+          </a:blip>
+          <a:srcRect/>
+          <a:stretch>
+            <a:fillRect/>
+          </a:stretch>
+        </p:blipFill>
+        <p:spPr bwMode="auto">
+          <a:xfrm>
+            <a:off x="-17202141" y="-20473415"/>
+            <a:ext cx="37137857" cy="29737819"/>
+          </a:xfrm>
+          <a:custGeom>
+            <a:avLst/>
+            <a:gdLst>
+              <a:gd name="connsiteX0" fmla="*/ 6781800 w 14747132"/>
+              <a:gd name="connsiteY0" fmla="*/ 8008028 h 11808639"/>
+              <a:gd name="connsiteX1" fmla="*/ 6781800 w 14747132"/>
+              <a:gd name="connsiteY1" fmla="*/ 10954428 h 11808639"/>
+              <a:gd name="connsiteX2" fmla="*/ 11729720 w 14747132"/>
+              <a:gd name="connsiteY2" fmla="*/ 10954428 h 11808639"/>
+              <a:gd name="connsiteX3" fmla="*/ 11729720 w 14747132"/>
+              <a:gd name="connsiteY3" fmla="*/ 8008028 h 11808639"/>
+              <a:gd name="connsiteX4" fmla="*/ 0 w 14747132"/>
+              <a:gd name="connsiteY4" fmla="*/ 0 h 11808639"/>
+              <a:gd name="connsiteX5" fmla="*/ 14747132 w 14747132"/>
+              <a:gd name="connsiteY5" fmla="*/ 0 h 11808639"/>
+              <a:gd name="connsiteX6" fmla="*/ 14747132 w 14747132"/>
+              <a:gd name="connsiteY6" fmla="*/ 11808639 h 11808639"/>
+              <a:gd name="connsiteX7" fmla="*/ 0 w 14747132"/>
+              <a:gd name="connsiteY7" fmla="*/ 11808639 h 11808639"/>
+            </a:gdLst>
+            <a:ahLst/>
+            <a:cxnLst>
+              <a:cxn ang="0">
+                <a:pos x="connsiteX0" y="connsiteY0"/>
+              </a:cxn>
+              <a:cxn ang="0">
+                <a:pos x="connsiteX1" y="connsiteY1"/>
+              </a:cxn>
+              <a:cxn ang="0">
+                <a:pos x="connsiteX2" y="connsiteY2"/>
+              </a:cxn>
+              <a:cxn ang="0">
+                <a:pos x="connsiteX3" y="connsiteY3"/>
+              </a:cxn>
+              <a:cxn ang="0">
+                <a:pos x="connsiteX4" y="connsiteY4"/>
+              </a:cxn>
+              <a:cxn ang="0">
+                <a:pos x="connsiteX5" y="connsiteY5"/>
+              </a:cxn>
+              <a:cxn ang="0">
+                <a:pos x="connsiteX6" y="connsiteY6"/>
+              </a:cxn>
+              <a:cxn ang="0">
+                <a:pos x="connsiteX7" y="connsiteY7"/>
+              </a:cxn>
+            </a:cxnLst>
+            <a:rect l="l" t="t" r="r" b="b"/>
+            <a:pathLst>
+              <a:path w="14747132" h="11808639">
+                <a:moveTo>
+                  <a:pt x="6781800" y="8008028"/>
+                </a:moveTo>
+                <a:lnTo>
+                  <a:pt x="6781800" y="10954428"/>
+                </a:lnTo>
+                <a:lnTo>
+                  <a:pt x="11729720" y="10954428"/>
+                </a:lnTo>
+                <a:lnTo>
+                  <a:pt x="11729720" y="8008028"/>
+                </a:lnTo>
+                <a:close/>
+                <a:moveTo>
+                  <a:pt x="0" y="0"/>
+                </a:moveTo>
+                <a:lnTo>
+                  <a:pt x="14747132" y="0"/>
+                </a:lnTo>
+                <a:lnTo>
+                  <a:pt x="14747132" y="11808639"/>
+                </a:lnTo>
+                <a:lnTo>
+                  <a:pt x="0" y="11808639"/>
+                </a:lnTo>
+                <a:close/>
+              </a:path>
+            </a:pathLst>
+          </a:custGeom>
+          <a:noFill/>
+          <a:extLst>
+            <a:ext uri="{909E8E84-426E-40DD-AFC4-6F175D3DCCD1}">
+              <a14:hiddenFill xmlns:a14="http://schemas.microsoft.com/office/drawing/2010/main">
+                <a:solidFill>
+                  <a:srgbClr val="FFFFFF"/>
+                </a:solidFill>
+              </a14:hiddenFill>
+            </a:ext>
+          </a:extLst>
+        </p:spPr>
+      </p:pic>
+    </p:spTree>
+    <p:extLst>
+      <p:ext uri="{BB962C8B-B14F-4D97-AF65-F5344CB8AC3E}">
+        <p14:creationId xmlns:p14="http://schemas.microsoft.com/office/powerpoint/2010/main" val="2318039090"/>
+      </p:ext>
+    </p:extLst>
+  </p:cSld>
+  <p:clrMapOvr>
+    <a:masterClrMapping/>
+  </p:clrMapOvr>
+  <mc:AlternateContent xmlns:mc="http://schemas.openxmlformats.org/markup-compatibility/2006" xmlns:p159="http://schemas.microsoft.com/office/powerpoint/2015/09/main">
+    <mc:Choice Requires="p159">
+      <p:transition xmlns:p14="http://schemas.microsoft.com/office/powerpoint/2010/main" spd="slow" p14:dur="2000">
+        <p159:morph option="byObject"/>
+      </p:transition>
+    </mc:Choice>
+    <mc:Fallback xmlns="">
+      <p:transition spd="slow">
+        <p:fade/>
+      </p:transition>
+    </mc:Fallback>
+  </mc:AlternateContent>
+</p:sld>
+</file>
+
+<file path=ppt/slides/slide4.xml><?xml version="1.0" encoding="utf-8"?>
+<p:sld xmlns:a="http://schemas.openxmlformats.org/drawingml/2006/main" xmlns:r="http://schemas.openxmlformats.org/officeDocument/2006/relationships" xmlns:p="http://schemas.openxmlformats.org/presentationml/2006/main">
+  <p:cSld>
+    <p:spTree>
+      <p:nvGrpSpPr>
+        <p:cNvPr id="1" name=""/>
+        <p:cNvGrpSpPr/>
+        <p:nvPr/>
+      </p:nvGrpSpPr>
+      <p:grpSpPr>
+        <a:xfrm>
+          <a:off x="0" y="0"/>
+          <a:ext cx="0" cy="0"/>
+          <a:chOff x="0" y="0"/>
+          <a:chExt cx="0" cy="0"/>
+        </a:xfrm>
+      </p:grpSpPr>
+      <p:sp>
+        <p:nvSpPr>
+          <p:cNvPr id="2" name="Titel 1">
+            <a:extLst>
+              <a:ext uri="{FF2B5EF4-FFF2-40B4-BE49-F238E27FC236}">
+                <a16:creationId xmlns:a16="http://schemas.microsoft.com/office/drawing/2014/main" id="{FCC2BB7B-E8CE-DFC7-90F6-2CD3AFEE20B7}"/>
+              </a:ext>
+            </a:extLst>
+          </p:cNvPr>
+          <p:cNvSpPr>
+            <a:spLocks noGrp="1"/>
+          </p:cNvSpPr>
+          <p:nvPr>
+            <p:ph type="title"/>
+          </p:nvPr>
+        </p:nvSpPr>
+        <p:spPr/>
+        <p:txBody>
+          <a:bodyPr/>
+          <a:lstStyle/>
+          <a:p>
+            <a:r>
+              <a:rPr lang="de-DE" dirty="0"/>
+              <a:t>Agenda</a:t>
+            </a:r>
+          </a:p>
+        </p:txBody>
+      </p:sp>
+      <p:sp>
+        <p:nvSpPr>
+          <p:cNvPr id="4" name="Foliennummernplatzhalter 3">
+            <a:extLst>
+              <a:ext uri="{FF2B5EF4-FFF2-40B4-BE49-F238E27FC236}">
+                <a16:creationId xmlns:a16="http://schemas.microsoft.com/office/drawing/2014/main" id="{20AF8C77-62AB-4338-BD7B-16F804BD7E9A}"/>
+              </a:ext>
+            </a:extLst>
+          </p:cNvPr>
+          <p:cNvSpPr>
+            <a:spLocks noGrp="1"/>
+          </p:cNvSpPr>
+          <p:nvPr>
+            <p:ph type="sldNum" sz="quarter" idx="12"/>
+          </p:nvPr>
+        </p:nvSpPr>
+        <p:spPr/>
+        <p:txBody>
+          <a:bodyPr/>
+          <a:lstStyle/>
+          <a:p>
+            <a:endParaRPr lang="de-DE" dirty="0"/>
+          </a:p>
+        </p:txBody>
+      </p:sp>
+      <mc:AlternateContent xmlns:mc="http://schemas.openxmlformats.org/markup-compatibility/2006">
+        <mc:Choice xmlns:psuz="http://schemas.microsoft.com/office/powerpoint/2016/summaryzoom" Requires="psuz">
+          <p:graphicFrame>
+            <p:nvGraphicFramePr>
+              <p:cNvPr id="6" name="Zusammenfassungszoom 5">
+                <a:extLst>
+                  <a:ext uri="{FF2B5EF4-FFF2-40B4-BE49-F238E27FC236}">
+                    <a16:creationId xmlns:a16="http://schemas.microsoft.com/office/drawing/2014/main" id="{672418B2-9551-42F7-440B-A3ACA07B93D6}"/>
+                  </a:ext>
+                </a:extLst>
+              </p:cNvPr>
+              <p:cNvGraphicFramePr>
+                <a:graphicFrameLocks noChangeAspect="1"/>
+              </p:cNvGraphicFramePr>
+              <p:nvPr>
+                <p:extLst>
+                  <p:ext uri="{D42A27DB-BD31-4B8C-83A1-F6EECF244321}">
+                    <p14:modId xmlns:p14="http://schemas.microsoft.com/office/powerpoint/2010/main" val="556192917"/>
+                  </p:ext>
+                </p:extLst>
+              </p:nvPr>
+            </p:nvGraphicFramePr>
+            <p:xfrm>
+              <a:off x="609600" y="1600200"/>
+              <a:ext cx="10972800" cy="4525963"/>
+            </p:xfrm>
+            <a:graphic>
+              <a:graphicData uri="http://schemas.microsoft.com/office/powerpoint/2016/summaryzoom">
+                <psuz:summaryZm>
+                  <psuz:summaryZmObj sectionId="{CA3EB6EA-C6D6-4A07-84D3-1841A2A91601}">
+                    <psuz:zmPr id="{D05232B0-BAF7-4448-8054-56984E8E60D5}" transitionDur="1000">
+                      <p166:blipFill xmlns:p166="http://schemas.microsoft.com/office/powerpoint/2016/6/main">
+                        <a:blip r:embed="rId3"/>
+                        <a:stretch>
+                          <a:fillRect/>
+                        </a:stretch>
+                      </p166:blipFill>
+                      <p166:spPr xmlns:p166="http://schemas.microsoft.com/office/powerpoint/2016/6/main">
+                        <a:xfrm>
+                          <a:off x="456057" y="874237"/>
+                          <a:ext cx="4937760" cy="2777490"/>
+                        </a:xfrm>
+                        <a:prstGeom prst="rect">
+                          <a:avLst/>
+                        </a:prstGeom>
+                        <a:ln w="3175">
+                          <a:solidFill>
+                            <a:prstClr val="ltGray"/>
+                          </a:solidFill>
+                        </a:ln>
+                      </p166:spPr>
+                    </psuz:zmPr>
+                  </psuz:summaryZmObj>
+                  <psuz:summaryZmObj sectionId="{96AA8565-90DB-4B66-BA03-CCE1B443894C}">
+                    <psuz:zmPr id="{ABB26B5F-0548-4CD3-A9EF-0909FE8A77A1}" transitionDur="1000">
+                      <p166:blipFill xmlns:p166="http://schemas.microsoft.com/office/powerpoint/2016/6/main">
+                        <a:blip r:embed="rId4"/>
+                        <a:stretch>
+                          <a:fillRect/>
+                        </a:stretch>
+                      </p166:blipFill>
+                      <p166:spPr xmlns:p166="http://schemas.microsoft.com/office/powerpoint/2016/6/main">
+                        <a:xfrm>
+                          <a:off x="5578983" y="874237"/>
+                          <a:ext cx="4937760" cy="2777490"/>
+                        </a:xfrm>
+                        <a:prstGeom prst="rect">
+                          <a:avLst/>
+                        </a:prstGeom>
+                        <a:ln w="3175">
+                          <a:solidFill>
+                            <a:prstClr val="ltGray"/>
+                          </a:solidFill>
+                        </a:ln>
+                      </p166:spPr>
+                    </psuz:zmPr>
+                  </psuz:summaryZmObj>
+                  <psuz:gridLayout/>
+                </psuz:summaryZm>
+              </a:graphicData>
+            </a:graphic>
+          </p:graphicFrame>
+        </mc:Choice>
+        <mc:Fallback>
+          <p:grpSp>
+            <p:nvGrpSpPr>
+              <p:cNvPr id="6" name="Zusammenfassungszoom 5">
+                <a:extLst>
+                  <a:ext uri="{FF2B5EF4-FFF2-40B4-BE49-F238E27FC236}">
+                    <a16:creationId xmlns:a16="http://schemas.microsoft.com/office/drawing/2014/main" id="{672418B2-9551-42F7-440B-A3ACA07B93D6}"/>
+                  </a:ext>
+                </a:extLst>
+              </p:cNvPr>
+              <p:cNvGrpSpPr>
+                <a:grpSpLocks noGrp="1" noUngrp="1" noRot="1" noChangeAspect="1" noMove="1" noResize="1"/>
+              </p:cNvGrpSpPr>
+              <p:nvPr/>
+            </p:nvGrpSpPr>
+            <p:grpSpPr>
+              <a:xfrm>
+                <a:off x="609600" y="1600200"/>
+                <a:ext cx="10972800" cy="4525963"/>
+                <a:chOff x="609600" y="1600200"/>
+                <a:chExt cx="10972800" cy="4525963"/>
+              </a:xfrm>
+            </p:grpSpPr>
+            <p:pic>
+              <p:nvPicPr>
+                <p:cNvPr id="3" name="Grafik 3">
+                  <a:hlinkClick r:id="rId5" action="ppaction://hlinksldjump"/>
+                </p:cNvPr>
+                <p:cNvPicPr>
+                  <a:picLocks noSelect="1" noRot="1" noChangeAspect="1" noMove="1" noResize="1" noEditPoints="1" noAdjustHandles="1" noChangeArrowheads="1" noChangeShapeType="1"/>
+                </p:cNvPicPr>
+                <p:nvPr/>
+              </p:nvPicPr>
+              <p:blipFill>
+                <a:blip r:embed="rId3"/>
+                <a:stretch>
+                  <a:fillRect/>
+                </a:stretch>
+              </p:blipFill>
+              <p:spPr>
+                <a:xfrm>
+                  <a:off x="1065657" y="2474437"/>
+                  <a:ext cx="4937760" cy="2777490"/>
+                </a:xfrm>
+                <a:prstGeom prst="rect">
+                  <a:avLst/>
+                </a:prstGeom>
+                <a:ln w="3175">
+                  <a:solidFill>
+                    <a:prstClr val="ltGray"/>
+                  </a:solidFill>
+                </a:ln>
+              </p:spPr>
+            </p:pic>
+            <p:pic>
+              <p:nvPicPr>
+                <p:cNvPr id="5" name="Grafik 5">
+                  <a:hlinkClick r:id="rId6" action="ppaction://hlinksldjump"/>
+                </p:cNvPr>
+                <p:cNvPicPr>
+                  <a:picLocks noSelect="1" noRot="1" noChangeAspect="1" noMove="1" noResize="1" noEditPoints="1" noAdjustHandles="1" noChangeArrowheads="1" noChangeShapeType="1"/>
+                </p:cNvPicPr>
+                <p:nvPr/>
+              </p:nvPicPr>
+              <p:blipFill>
+                <a:blip r:embed="rId4"/>
+                <a:stretch>
+                  <a:fillRect/>
+                </a:stretch>
+              </p:blipFill>
+              <p:spPr>
+                <a:xfrm>
+                  <a:off x="6188583" y="2474437"/>
+                  <a:ext cx="4937760" cy="2777490"/>
+                </a:xfrm>
+                <a:prstGeom prst="rect">
+                  <a:avLst/>
+                </a:prstGeom>
+                <a:ln w="3175">
+                  <a:solidFill>
+                    <a:prstClr val="ltGray"/>
+                  </a:solidFill>
+                </a:ln>
+              </p:spPr>
+            </p:pic>
+          </p:grpSp>
+        </mc:Fallback>
+      </mc:AlternateContent>
+    </p:spTree>
+    <p:extLst>
+      <p:ext uri="{BB962C8B-B14F-4D97-AF65-F5344CB8AC3E}">
+        <p14:creationId xmlns:p14="http://schemas.microsoft.com/office/powerpoint/2010/main" val="2030789095"/>
+      </p:ext>
+    </p:extLst>
+  </p:cSld>
+  <p:clrMapOvr>
+    <a:masterClrMapping/>
+  </p:clrMapOvr>
+  <mc:AlternateContent xmlns:mc="http://schemas.openxmlformats.org/markup-compatibility/2006" xmlns:p14="http://schemas.microsoft.com/office/powerpoint/2010/main">
+    <mc:Choice Requires="p14">
+      <p:transition spd="med" p14:dur="700">
+        <p:fade/>
+      </p:transition>
+    </mc:Choice>
+    <mc:Fallback xmlns="">
+      <p:transition spd="med">
+        <p:fade/>
+      </p:transition>
+    </mc:Fallback>
+  </mc:AlternateContent>
+</p:sld>
+</file>
+
+<file path=ppt/slides/slide5.xml><?xml version="1.0" encoding="utf-8"?>
+<p:sld xmlns:a="http://schemas.openxmlformats.org/drawingml/2006/main" xmlns:r="http://schemas.openxmlformats.org/officeDocument/2006/relationships" xmlns:p="http://schemas.openxmlformats.org/presentationml/2006/main">
+  <p:cSld>
+    <p:spTree>
+      <p:nvGrpSpPr>
+        <p:cNvPr id="1" name=""/>
+        <p:cNvGrpSpPr/>
+        <p:nvPr/>
+      </p:nvGrpSpPr>
+      <p:grpSpPr>
+        <a:xfrm>
+          <a:off x="0" y="0"/>
+          <a:ext cx="0" cy="0"/>
+          <a:chOff x="0" y="0"/>
+          <a:chExt cx="0" cy="0"/>
+        </a:xfrm>
+      </p:grpSpPr>
+      <p:sp>
+        <p:nvSpPr>
+          <p:cNvPr id="10" name="Title 1">
+            <a:extLst>
+              <a:ext uri="{FF2B5EF4-FFF2-40B4-BE49-F238E27FC236}">
+                <a16:creationId xmlns:a16="http://schemas.microsoft.com/office/drawing/2014/main" id="{4AFA1535-93CE-40C9-AEEE-16A232D9FCFD}"/>
+              </a:ext>
+            </a:extLst>
+          </p:cNvPr>
+          <p:cNvSpPr>
+            <a:spLocks noGrp="1"/>
+          </p:cNvSpPr>
+          <p:nvPr>
+            <p:ph type="title"/>
+          </p:nvPr>
+        </p:nvSpPr>
+        <p:spPr>
+          <a:xfrm>
+            <a:off x="609600" y="89228"/>
+            <a:ext cx="10972800" cy="1143000"/>
+          </a:xfrm>
+        </p:spPr>
+        <p:txBody>
+          <a:bodyPr anchor="ctr"/>
+          <a:lstStyle/>
+          <a:p>
+            <a:r>
+              <a:rPr lang="en-US" dirty="0"/>
+              <a:t>Idee der Website</a:t>
+            </a:r>
+          </a:p>
+        </p:txBody>
+      </p:sp>
+      <p:pic>
+        <p:nvPicPr>
+          <p:cNvPr id="5" name="Inhaltsplatzhalter 5">
+            <a:extLst>
+              <a:ext uri="{FF2B5EF4-FFF2-40B4-BE49-F238E27FC236}">
+                <a16:creationId xmlns:a16="http://schemas.microsoft.com/office/drawing/2014/main" id="{921E42A7-DE82-3720-9624-E8CC22E93667}"/>
+              </a:ext>
+            </a:extLst>
+          </p:cNvPr>
+          <p:cNvPicPr>
+            <a:picLocks noGrp="1" noChangeAspect="1"/>
+          </p:cNvPicPr>
+          <p:nvPr>
+            <p:ph idx="1"/>
+          </p:nvPr>
+        </p:nvPicPr>
+        <p:blipFill rotWithShape="1">
+          <a:blip r:embed="rId3"/>
+          <a:srcRect l="-1" r="-11"/>
+          <a:stretch/>
+        </p:blipFill>
+        <p:spPr>
+          <a:xfrm>
+            <a:off x="847809" y="1600201"/>
+            <a:ext cx="10496382" cy="4525963"/>
+          </a:xfrm>
+          <a:prstGeom prst="ellipse">
+            <a:avLst/>
+          </a:prstGeom>
+          <a:noFill/>
+          <a:effectLst>
+            <a:softEdge rad="317500"/>
+          </a:effectLst>
+        </p:spPr>
+      </p:pic>
+      <p:sp>
+        <p:nvSpPr>
+          <p:cNvPr id="4" name="Foliennummernplatzhalter 3">
+            <a:extLst>
+              <a:ext uri="{FF2B5EF4-FFF2-40B4-BE49-F238E27FC236}">
+                <a16:creationId xmlns:a16="http://schemas.microsoft.com/office/drawing/2014/main" id="{3664F8B5-4288-8689-40FD-F2F05111D534}"/>
+              </a:ext>
+            </a:extLst>
+          </p:cNvPr>
+          <p:cNvSpPr>
+            <a:spLocks noGrp="1"/>
+          </p:cNvSpPr>
+          <p:nvPr>
+            <p:ph type="sldNum" sz="quarter" idx="12"/>
+          </p:nvPr>
+        </p:nvSpPr>
+        <p:spPr>
+          <a:xfrm>
+            <a:off x="8737600" y="6356351"/>
+            <a:ext cx="2844800" cy="365125"/>
+          </a:xfrm>
+        </p:spPr>
+        <p:txBody>
+          <a:bodyPr anchor="ctr">
+            <a:normAutofit/>
+          </a:bodyPr>
+          <a:lstStyle/>
+          <a:p>
+            <a:pPr>
+              <a:spcAft>
+                <a:spcPts val="600"/>
+              </a:spcAft>
+            </a:pPr>
+            <a:r>
+              <a:rPr lang="de-DE" dirty="0"/>
+              <a:t>1</a:t>
+            </a:r>
+          </a:p>
+        </p:txBody>
+      </p:sp>
+    </p:spTree>
+    <p:extLst>
+      <p:ext uri="{BB962C8B-B14F-4D97-AF65-F5344CB8AC3E}">
+        <p14:creationId xmlns:p14="http://schemas.microsoft.com/office/powerpoint/2010/main" val="3447288858"/>
+      </p:ext>
+    </p:extLst>
+  </p:cSld>
+  <p:clrMapOvr>
+    <a:masterClrMapping/>
+  </p:clrMapOvr>
+</p:sld>
+</file>
+
+<file path=ppt/slides/slide6.xml><?xml version="1.0" encoding="utf-8"?>
+<p:sld xmlns:a="http://schemas.openxmlformats.org/drawingml/2006/main" xmlns:r="http://schemas.openxmlformats.org/officeDocument/2006/relationships" xmlns:p="http://schemas.openxmlformats.org/presentationml/2006/main">
+  <p:cSld>
+    <p:spTree>
+      <p:nvGrpSpPr>
+        <p:cNvPr id="1" name=""/>
+        <p:cNvGrpSpPr/>
+        <p:nvPr/>
+      </p:nvGrpSpPr>
+      <p:grpSpPr>
+        <a:xfrm>
+          <a:off x="0" y="0"/>
+          <a:ext cx="0" cy="0"/>
+          <a:chOff x="0" y="0"/>
+          <a:chExt cx="0" cy="0"/>
+        </a:xfrm>
+      </p:grpSpPr>
+      <p:sp>
+        <p:nvSpPr>
+          <p:cNvPr id="2" name="Titel 1">
+            <a:extLst>
+              <a:ext uri="{FF2B5EF4-FFF2-40B4-BE49-F238E27FC236}">
+                <a16:creationId xmlns:a16="http://schemas.microsoft.com/office/drawing/2014/main" id="{AE6A7BEC-3E97-EDE3-E80C-BE2BE397DAEC}"/>
+              </a:ext>
+            </a:extLst>
+          </p:cNvPr>
+          <p:cNvSpPr>
+            <a:spLocks noGrp="1"/>
+          </p:cNvSpPr>
+          <p:nvPr>
+            <p:ph type="title"/>
+          </p:nvPr>
+        </p:nvSpPr>
+        <p:spPr/>
+        <p:txBody>
+          <a:bodyPr anchor="ctr"/>
+          <a:lstStyle/>
+          <a:p>
+            <a:r>
+              <a:rPr lang="de-DE" dirty="0"/>
+              <a:t>Startseite</a:t>
+            </a:r>
+          </a:p>
+        </p:txBody>
+      </p:sp>
+      <p:sp>
+        <p:nvSpPr>
+          <p:cNvPr id="3" name="Inhaltsplatzhalter 2">
+            <a:extLst>
+              <a:ext uri="{FF2B5EF4-FFF2-40B4-BE49-F238E27FC236}">
+                <a16:creationId xmlns:a16="http://schemas.microsoft.com/office/drawing/2014/main" id="{39F0BD38-A3B4-A170-386E-C3063979287F}"/>
+              </a:ext>
+            </a:extLst>
+          </p:cNvPr>
+          <p:cNvSpPr>
+            <a:spLocks noGrp="1"/>
+          </p:cNvSpPr>
+          <p:nvPr>
+            <p:ph idx="1"/>
+          </p:nvPr>
+        </p:nvSpPr>
+        <p:spPr/>
+        <p:txBody>
+          <a:bodyPr/>
+          <a:lstStyle/>
+          <a:p>
+            <a:pPr marL="0" indent="0">
+              <a:buNone/>
+            </a:pPr>
+            <a:endParaRPr lang="de-DE" sz="100" b="1" dirty="0"/>
+          </a:p>
+          <a:p>
+            <a:pPr marL="0" indent="0">
+              <a:buNone/>
+            </a:pPr>
+            <a:r>
+              <a:rPr lang="de-DE" sz="3600" b="1" dirty="0"/>
+              <a:t>Templating Engine</a:t>
+            </a:r>
+            <a:endParaRPr lang="de-DE" sz="3600" b="1" u="sng" dirty="0"/>
+          </a:p>
+        </p:txBody>
+      </p:sp>
+      <p:sp>
+        <p:nvSpPr>
+          <p:cNvPr id="4" name="Foliennummernplatzhalter 3">
+            <a:extLst>
+              <a:ext uri="{FF2B5EF4-FFF2-40B4-BE49-F238E27FC236}">
+                <a16:creationId xmlns:a16="http://schemas.microsoft.com/office/drawing/2014/main" id="{743FE134-2636-949D-5907-BEE2AE178142}"/>
+              </a:ext>
+            </a:extLst>
+          </p:cNvPr>
+          <p:cNvSpPr>
+            <a:spLocks noGrp="1"/>
+          </p:cNvSpPr>
+          <p:nvPr>
+            <p:ph type="sldNum" sz="quarter" idx="12"/>
+          </p:nvPr>
+        </p:nvSpPr>
+        <p:spPr/>
+        <p:txBody>
+          <a:bodyPr/>
+          <a:lstStyle/>
+          <a:p>
+            <a:r>
+              <a:rPr lang="de-DE" dirty="0"/>
+              <a:t>2</a:t>
+            </a:r>
+          </a:p>
+        </p:txBody>
+      </p:sp>
+      <p:sp>
+        <p:nvSpPr>
+          <p:cNvPr id="9" name="Rechteck 8">
+            <a:extLst>
+              <a:ext uri="{FF2B5EF4-FFF2-40B4-BE49-F238E27FC236}">
+                <a16:creationId xmlns:a16="http://schemas.microsoft.com/office/drawing/2014/main" id="{13F231FE-64FE-E4BC-92B7-52F6E929E65A}"/>
+              </a:ext>
+            </a:extLst>
+          </p:cNvPr>
+          <p:cNvSpPr/>
+          <p:nvPr/>
+        </p:nvSpPr>
+        <p:spPr>
+          <a:xfrm>
+            <a:off x="2621773" y="3012752"/>
+            <a:ext cx="6948452" cy="2473648"/>
+          </a:xfrm>
+          <a:prstGeom prst="rect">
+            <a:avLst/>
+          </a:prstGeom>
+          <a:noFill/>
+          <a:effectLst>
+            <a:outerShdw blurRad="50800" dist="38100" dir="2700000" algn="tl" rotWithShape="0">
+              <a:prstClr val="black">
+                <a:alpha val="40000"/>
+              </a:prstClr>
+            </a:outerShdw>
+          </a:effectLst>
+        </p:spPr>
+        <p:style>
+          <a:lnRef idx="2">
+            <a:schemeClr val="accent1">
+              <a:shade val="50000"/>
+            </a:schemeClr>
+          </a:lnRef>
+          <a:fillRef idx="1">
+            <a:schemeClr val="accent1"/>
+          </a:fillRef>
+          <a:effectRef idx="0">
+            <a:schemeClr val="accent1"/>
+          </a:effectRef>
+          <a:fontRef idx="minor">
+            <a:schemeClr val="lt1"/>
+          </a:fontRef>
+        </p:style>
+        <p:txBody>
+          <a:bodyPr rtlCol="0" anchor="ctr"/>
+          <a:lstStyle/>
+          <a:p>
+            <a:pPr algn="ctr"/>
+            <a:endParaRPr lang="de-DE"/>
+          </a:p>
+        </p:txBody>
+      </p:sp>
+      <p:sp>
+        <p:nvSpPr>
+          <p:cNvPr id="5" name="Rechteck 4">
+            <a:extLst>
+              <a:ext uri="{FF2B5EF4-FFF2-40B4-BE49-F238E27FC236}">
+                <a16:creationId xmlns:a16="http://schemas.microsoft.com/office/drawing/2014/main" id="{D2E87BF0-58AF-9342-B01D-296FE4DF103B}"/>
+              </a:ext>
+            </a:extLst>
+          </p:cNvPr>
+          <p:cNvSpPr/>
+          <p:nvPr/>
+        </p:nvSpPr>
+        <p:spPr>
+          <a:xfrm>
+            <a:off x="2621777" y="3012752"/>
+            <a:ext cx="6948450" cy="739413"/>
+          </a:xfrm>
+          <a:prstGeom prst="rect">
+            <a:avLst/>
+          </a:prstGeom>
+          <a:solidFill>
+            <a:schemeClr val="accent2"/>
+          </a:solidFill>
+          <a:ln w="38100">
+            <a:solidFill>
+              <a:schemeClr val="bg1">
+                <a:lumMod val="65000"/>
+              </a:schemeClr>
+            </a:solidFill>
+          </a:ln>
+          <a:effectLst/>
+        </p:spPr>
+        <p:style>
+          <a:lnRef idx="2">
+            <a:schemeClr val="accent1">
+              <a:shade val="50000"/>
+            </a:schemeClr>
+          </a:lnRef>
+          <a:fillRef idx="1">
+            <a:schemeClr val="accent1"/>
+          </a:fillRef>
+          <a:effectRef idx="0">
+            <a:schemeClr val="accent1"/>
+          </a:effectRef>
+          <a:fontRef idx="minor">
+            <a:schemeClr val="lt1"/>
+          </a:fontRef>
+        </p:style>
+        <p:txBody>
+          <a:bodyPr rtlCol="0" anchor="ctr"/>
+          <a:lstStyle/>
+          <a:p>
+            <a:pPr algn="ctr"/>
+            <a:endParaRPr lang="de-DE"/>
+          </a:p>
+        </p:txBody>
+      </p:sp>
+      <p:sp>
+        <p:nvSpPr>
+          <p:cNvPr id="6" name="Rechteck 5">
+            <a:extLst>
+              <a:ext uri="{FF2B5EF4-FFF2-40B4-BE49-F238E27FC236}">
+                <a16:creationId xmlns:a16="http://schemas.microsoft.com/office/drawing/2014/main" id="{1AE0B659-9464-FC49-6D76-7B1A1515C269}"/>
+              </a:ext>
+            </a:extLst>
+          </p:cNvPr>
+          <p:cNvSpPr/>
+          <p:nvPr/>
+        </p:nvSpPr>
+        <p:spPr>
+          <a:xfrm>
+            <a:off x="2621776" y="3756040"/>
+            <a:ext cx="6948449" cy="1752881"/>
+          </a:xfrm>
+          <a:prstGeom prst="rect">
+            <a:avLst/>
+          </a:prstGeom>
+          <a:solidFill>
+            <a:schemeClr val="bg1">
+              <a:lumMod val="85000"/>
+            </a:schemeClr>
+          </a:solidFill>
+          <a:ln w="38100">
+            <a:solidFill>
+              <a:schemeClr val="bg1">
+                <a:lumMod val="65000"/>
+              </a:schemeClr>
+            </a:solidFill>
+          </a:ln>
+          <a:effectLst/>
+        </p:spPr>
+        <p:style>
+          <a:lnRef idx="2">
+            <a:schemeClr val="accent1">
+              <a:shade val="50000"/>
+            </a:schemeClr>
+          </a:lnRef>
+          <a:fillRef idx="1">
+            <a:schemeClr val="accent1"/>
+          </a:fillRef>
+          <a:effectRef idx="0">
+            <a:schemeClr val="accent1"/>
+          </a:effectRef>
+          <a:fontRef idx="minor">
+            <a:schemeClr val="lt1"/>
+          </a:fontRef>
+        </p:style>
+        <p:txBody>
+          <a:bodyPr rtlCol="0" anchor="ctr"/>
+          <a:lstStyle/>
+          <a:p>
+            <a:pPr algn="ctr"/>
+            <a:endParaRPr lang="de-DE"/>
+          </a:p>
+        </p:txBody>
+      </p:sp>
+      <p:sp>
+        <p:nvSpPr>
+          <p:cNvPr id="7" name="Textfeld 6">
+            <a:extLst>
+              <a:ext uri="{FF2B5EF4-FFF2-40B4-BE49-F238E27FC236}">
+                <a16:creationId xmlns:a16="http://schemas.microsoft.com/office/drawing/2014/main" id="{A30A987F-C147-423A-2195-DE583FAC1DA7}"/>
+              </a:ext>
+            </a:extLst>
+          </p:cNvPr>
+          <p:cNvSpPr txBox="1"/>
+          <p:nvPr/>
+        </p:nvSpPr>
+        <p:spPr>
+          <a:xfrm>
+            <a:off x="2621774" y="3105834"/>
+            <a:ext cx="6948451" cy="646331"/>
+          </a:xfrm>
+          <a:prstGeom prst="rect">
+            <a:avLst/>
+          </a:prstGeom>
+          <a:noFill/>
+          <a:ln>
+            <a:noFill/>
+          </a:ln>
+        </p:spPr>
+        <p:txBody>
+          <a:bodyPr wrap="square" rtlCol="0">
+            <a:spAutoFit/>
+          </a:bodyPr>
+          <a:lstStyle/>
+          <a:p>
+            <a:pPr algn="ctr"/>
+            <a:r>
+              <a:rPr lang="de-DE" sz="3600" b="1" dirty="0">
+                <a:solidFill>
+                  <a:schemeClr val="bg1"/>
+                </a:solidFill>
+              </a:rPr>
+              <a:t>Header</a:t>
+            </a:r>
+          </a:p>
+        </p:txBody>
+      </p:sp>
+      <p:sp>
+        <p:nvSpPr>
+          <p:cNvPr id="8" name="Textfeld 7">
+            <a:extLst>
+              <a:ext uri="{FF2B5EF4-FFF2-40B4-BE49-F238E27FC236}">
+                <a16:creationId xmlns:a16="http://schemas.microsoft.com/office/drawing/2014/main" id="{32611366-2518-530D-1772-25503A05E6DB}"/>
+              </a:ext>
+            </a:extLst>
+          </p:cNvPr>
+          <p:cNvSpPr txBox="1"/>
+          <p:nvPr/>
+        </p:nvSpPr>
+        <p:spPr>
+          <a:xfrm>
+            <a:off x="2621774" y="4014391"/>
+            <a:ext cx="6948451" cy="1261884"/>
+          </a:xfrm>
+          <a:prstGeom prst="rect">
+            <a:avLst/>
+          </a:prstGeom>
+          <a:noFill/>
+        </p:spPr>
+        <p:txBody>
+          <a:bodyPr wrap="square" rtlCol="0">
+            <a:spAutoFit/>
+          </a:bodyPr>
+          <a:lstStyle/>
+          <a:p>
+            <a:pPr algn="ctr"/>
+            <a:r>
+              <a:rPr lang="de-DE" sz="3600" b="1" dirty="0">
+                <a:solidFill>
+                  <a:srgbClr val="5D6971"/>
+                </a:solidFill>
+              </a:rPr>
+              <a:t>wechselnder Inhalt</a:t>
+            </a:r>
+          </a:p>
+          <a:p>
+            <a:pPr algn="ctr"/>
+            <a:endParaRPr lang="de-DE" sz="1050" b="1" dirty="0">
+              <a:solidFill>
+                <a:srgbClr val="5D6971"/>
+              </a:solidFill>
+            </a:endParaRPr>
+          </a:p>
+          <a:p>
+            <a:pPr algn="ctr"/>
+            <a:r>
+              <a:rPr lang="de-DE" sz="2800" b="1" dirty="0">
+                <a:solidFill>
+                  <a:srgbClr val="5D6971"/>
+                </a:solidFill>
+              </a:rPr>
+              <a:t>.</a:t>
+            </a:r>
+            <a:r>
+              <a:rPr lang="de-DE" sz="2800" b="1" dirty="0" err="1">
+                <a:solidFill>
+                  <a:srgbClr val="5D6971"/>
+                </a:solidFill>
+              </a:rPr>
+              <a:t>ejs</a:t>
+            </a:r>
+            <a:endParaRPr lang="de-DE" sz="2800" b="1" dirty="0">
+              <a:solidFill>
+                <a:srgbClr val="5D6971"/>
+              </a:solidFill>
+            </a:endParaRPr>
+          </a:p>
+        </p:txBody>
+      </p:sp>
+    </p:spTree>
+    <p:extLst>
+      <p:ext uri="{BB962C8B-B14F-4D97-AF65-F5344CB8AC3E}">
+        <p14:creationId xmlns:p14="http://schemas.microsoft.com/office/powerpoint/2010/main" val="2568044303"/>
+      </p:ext>
+    </p:extLst>
+  </p:cSld>
+  <p:clrMapOvr>
+    <a:masterClrMapping/>
+  </p:clrMapOvr>
+  <mc:AlternateContent xmlns:mc="http://schemas.openxmlformats.org/markup-compatibility/2006" xmlns:p14="http://schemas.microsoft.com/office/powerpoint/2010/main">
+    <mc:Choice Requires="p14">
+      <p:transition spd="med" p14:dur="700">
+        <p:fade/>
+      </p:transition>
+    </mc:Choice>
+    <mc:Fallback xmlns="">
+      <p:transition spd="med">
+        <p:fade/>
+      </p:transition>
+    </mc:Fallback>
+  </mc:AlternateContent>
+</p:sld>
+</file>
+
+<file path=ppt/slides/slide7.xml><?xml version="1.0" encoding="utf-8"?>
+<p:sld xmlns:a="http://schemas.openxmlformats.org/drawingml/2006/main" xmlns:r="http://schemas.openxmlformats.org/officeDocument/2006/relationships" xmlns:p="http://schemas.openxmlformats.org/presentationml/2006/main">
+  <p:cSld>
+    <p:spTree>
+      <p:nvGrpSpPr>
+        <p:cNvPr id="1" name=""/>
+        <p:cNvGrpSpPr/>
+        <p:nvPr/>
+      </p:nvGrpSpPr>
+      <p:grpSpPr>
+        <a:xfrm>
+          <a:off x="0" y="0"/>
+          <a:ext cx="0" cy="0"/>
+          <a:chOff x="0" y="0"/>
+          <a:chExt cx="0" cy="0"/>
+        </a:xfrm>
+      </p:grpSpPr>
+      <p:sp>
+        <p:nvSpPr>
+          <p:cNvPr id="2" name="Titel 1">
+            <a:extLst>
+              <a:ext uri="{FF2B5EF4-FFF2-40B4-BE49-F238E27FC236}">
+                <a16:creationId xmlns:a16="http://schemas.microsoft.com/office/drawing/2014/main" id="{447F92D2-E961-0345-38A4-AD6F817DAD54}"/>
+              </a:ext>
+            </a:extLst>
+          </p:cNvPr>
+          <p:cNvSpPr>
+            <a:spLocks noGrp="1"/>
+          </p:cNvSpPr>
+          <p:nvPr>
+            <p:ph type="title"/>
+          </p:nvPr>
+        </p:nvSpPr>
+        <p:spPr>
+          <a:xfrm>
+            <a:off x="609600" y="95424"/>
+            <a:ext cx="10972800" cy="1143000"/>
+          </a:xfrm>
+        </p:spPr>
+        <p:txBody>
+          <a:bodyPr anchor="ctr">
+            <a:normAutofit/>
+          </a:bodyPr>
+          <a:lstStyle/>
+          <a:p>
+            <a:r>
+              <a:rPr lang="de-DE" dirty="0"/>
+              <a:t>Startseite</a:t>
+            </a:r>
+          </a:p>
+        </p:txBody>
+      </p:sp>
+      <p:pic>
+        <p:nvPicPr>
+          <p:cNvPr id="6" name="Inhaltsplatzhalter 5" descr="Ein Bild, das Text enthält.&#10;&#10;Automatisch generierte Beschreibung">
+            <a:extLst>
+              <a:ext uri="{FF2B5EF4-FFF2-40B4-BE49-F238E27FC236}">
+                <a16:creationId xmlns:a16="http://schemas.microsoft.com/office/drawing/2014/main" id="{6B654EF9-9D34-76B0-925F-2647D9320F0C}"/>
+              </a:ext>
+            </a:extLst>
+          </p:cNvPr>
+          <p:cNvPicPr>
+            <a:picLocks noGrp="1" noChangeAspect="1"/>
+          </p:cNvPicPr>
+          <p:nvPr>
+            <p:ph idx="1"/>
+          </p:nvPr>
+        </p:nvPicPr>
+        <p:blipFill>
+          <a:blip r:embed="rId3"/>
+          <a:stretch>
+            <a:fillRect/>
+          </a:stretch>
+        </p:blipFill>
+        <p:spPr>
+          <a:xfrm>
+            <a:off x="654204" y="2532668"/>
+            <a:ext cx="7561459" cy="2407321"/>
+          </a:xfrm>
+          <a:noFill/>
+        </p:spPr>
+      </p:pic>
+      <p:sp>
+        <p:nvSpPr>
+          <p:cNvPr id="4" name="Foliennummernplatzhalter 3">
+            <a:extLst>
+              <a:ext uri="{FF2B5EF4-FFF2-40B4-BE49-F238E27FC236}">
+                <a16:creationId xmlns:a16="http://schemas.microsoft.com/office/drawing/2014/main" id="{DF273705-1339-3133-F8F4-322FE3DE4493}"/>
+              </a:ext>
+            </a:extLst>
+          </p:cNvPr>
+          <p:cNvSpPr>
+            <a:spLocks noGrp="1"/>
+          </p:cNvSpPr>
+          <p:nvPr>
+            <p:ph type="sldNum" sz="quarter" idx="12"/>
+          </p:nvPr>
+        </p:nvSpPr>
+        <p:spPr>
+          <a:xfrm>
+            <a:off x="8737600" y="6356351"/>
+            <a:ext cx="2844800" cy="365125"/>
+          </a:xfrm>
+        </p:spPr>
+        <p:txBody>
+          <a:bodyPr anchor="ctr">
+            <a:normAutofit/>
+          </a:bodyPr>
+          <a:lstStyle/>
+          <a:p>
+            <a:pPr>
+              <a:spcAft>
+                <a:spcPts val="600"/>
+              </a:spcAft>
+            </a:pPr>
+            <a:r>
+              <a:rPr lang="de-DE" dirty="0"/>
+              <a:t>3</a:t>
+            </a:r>
+          </a:p>
+        </p:txBody>
+      </p:sp>
+      <p:sp>
+        <p:nvSpPr>
+          <p:cNvPr id="7" name="Inhaltsplatzhalter 2">
+            <a:extLst>
+              <a:ext uri="{FF2B5EF4-FFF2-40B4-BE49-F238E27FC236}">
+                <a16:creationId xmlns:a16="http://schemas.microsoft.com/office/drawing/2014/main" id="{A4D9673A-91F2-4B58-DF48-620ED2393FA5}"/>
+              </a:ext>
+            </a:extLst>
+          </p:cNvPr>
+          <p:cNvSpPr txBox="1">
+            <a:spLocks/>
+          </p:cNvSpPr>
+          <p:nvPr/>
+        </p:nvSpPr>
+        <p:spPr>
+          <a:xfrm>
+            <a:off x="609600" y="1600201"/>
+            <a:ext cx="10972800" cy="4525963"/>
+          </a:xfrm>
+          <a:prstGeom prst="rect">
+            <a:avLst/>
+          </a:prstGeom>
+        </p:spPr>
+        <p:txBody>
+          <a:bodyPr/>
+          <a:lstStyle>
+            <a:lvl1pPr marL="342900" indent="-342900" algn="l" defTabSz="914400" rtl="0" eaLnBrk="1" latinLnBrk="0" hangingPunct="1">
+              <a:spcBef>
+                <a:spcPct val="20000"/>
+              </a:spcBef>
+              <a:buFont typeface="Arial" pitchFamily="34" charset="0"/>
+              <a:buChar char="•"/>
+              <a:defRPr sz="3200" kern="1200">
+                <a:solidFill>
+                  <a:srgbClr val="5D6971"/>
+                </a:solidFill>
+                <a:latin typeface="+mn-lt"/>
+                <a:ea typeface="+mn-ea"/>
+                <a:cs typeface="+mn-cs"/>
+              </a:defRPr>
+            </a:lvl1pPr>
+            <a:lvl2pPr marL="742950" indent="-285750" algn="l" defTabSz="914400" rtl="0" eaLnBrk="1" latinLnBrk="0" hangingPunct="1">
+              <a:spcBef>
+                <a:spcPct val="20000"/>
+              </a:spcBef>
+              <a:buFont typeface="Arial" pitchFamily="34" charset="0"/>
+              <a:buChar char="–"/>
+              <a:defRPr sz="2800" kern="1200">
+                <a:solidFill>
+                  <a:srgbClr val="5D6971"/>
+                </a:solidFill>
+                <a:latin typeface="+mn-lt"/>
+                <a:ea typeface="+mn-ea"/>
+                <a:cs typeface="+mn-cs"/>
+              </a:defRPr>
+            </a:lvl2pPr>
+            <a:lvl3pPr marL="1143000" indent="-228600" algn="l" defTabSz="914400" rtl="0" eaLnBrk="1" latinLnBrk="0" hangingPunct="1">
+              <a:spcBef>
+                <a:spcPct val="20000"/>
+              </a:spcBef>
+              <a:buFont typeface="Arial" pitchFamily="34" charset="0"/>
+              <a:buChar char="•"/>
+              <a:defRPr sz="2400" kern="1200">
+                <a:solidFill>
+                  <a:srgbClr val="5D6971"/>
+                </a:solidFill>
+                <a:latin typeface="+mn-lt"/>
+                <a:ea typeface="+mn-ea"/>
+                <a:cs typeface="+mn-cs"/>
+              </a:defRPr>
+            </a:lvl3pPr>
+            <a:lvl4pPr marL="1600200" indent="-228600" algn="l" defTabSz="914400" rtl="0" eaLnBrk="1" latinLnBrk="0" hangingPunct="1">
+              <a:spcBef>
+                <a:spcPct val="20000"/>
+              </a:spcBef>
+              <a:buFont typeface="Arial" pitchFamily="34" charset="0"/>
+              <a:buChar char="–"/>
+              <a:defRPr sz="2000" kern="1200">
+                <a:solidFill>
+                  <a:srgbClr val="5D6971"/>
+                </a:solidFill>
+                <a:latin typeface="+mn-lt"/>
+                <a:ea typeface="+mn-ea"/>
+                <a:cs typeface="+mn-cs"/>
+              </a:defRPr>
+            </a:lvl4pPr>
+            <a:lvl5pPr marL="2057400" indent="-228600" algn="l" defTabSz="914400" rtl="0" eaLnBrk="1" latinLnBrk="0" hangingPunct="1">
+              <a:spcBef>
+                <a:spcPct val="20000"/>
+              </a:spcBef>
+              <a:buFont typeface="Arial" pitchFamily="34" charset="0"/>
+              <a:buChar char="»"/>
+              <a:defRPr sz="2000" kern="1200">
+                <a:solidFill>
+                  <a:srgbClr val="5D6971"/>
+                </a:solidFill>
+                <a:latin typeface="+mn-lt"/>
+                <a:ea typeface="+mn-ea"/>
+                <a:cs typeface="+mn-cs"/>
+              </a:defRPr>
+            </a:lvl5pPr>
+            <a:lvl6pPr marL="2514600" indent="-228600" algn="l" defTabSz="914400" rtl="0" eaLnBrk="1" latinLnBrk="0" hangingPunct="1">
+              <a:spcBef>
+                <a:spcPct val="20000"/>
+              </a:spcBef>
+              <a:buFont typeface="Arial" pitchFamily="34" charset="0"/>
+              <a:buChar char="•"/>
+              <a:defRPr sz="2000" kern="1200">
+                <a:solidFill>
+                  <a:schemeClr val="tx1"/>
+                </a:solidFill>
+                <a:latin typeface="+mn-lt"/>
+                <a:ea typeface="+mn-ea"/>
+                <a:cs typeface="+mn-cs"/>
+              </a:defRPr>
+            </a:lvl6pPr>
+            <a:lvl7pPr marL="2971800" indent="-228600" algn="l" defTabSz="914400" rtl="0" eaLnBrk="1" latinLnBrk="0" hangingPunct="1">
+              <a:spcBef>
+                <a:spcPct val="20000"/>
+              </a:spcBef>
+              <a:buFont typeface="Arial" pitchFamily="34" charset="0"/>
+              <a:buChar char="•"/>
+              <a:defRPr sz="2000" kern="1200">
+                <a:solidFill>
+                  <a:schemeClr val="tx1"/>
+                </a:solidFill>
+                <a:latin typeface="+mn-lt"/>
+                <a:ea typeface="+mn-ea"/>
+                <a:cs typeface="+mn-cs"/>
+              </a:defRPr>
+            </a:lvl7pPr>
+            <a:lvl8pPr marL="3429000" indent="-228600" algn="l" defTabSz="914400" rtl="0" eaLnBrk="1" latinLnBrk="0" hangingPunct="1">
+              <a:spcBef>
+                <a:spcPct val="20000"/>
+              </a:spcBef>
+              <a:buFont typeface="Arial" pitchFamily="34" charset="0"/>
+              <a:buChar char="•"/>
+              <a:defRPr sz="2000" kern="1200">
+                <a:solidFill>
+                  <a:schemeClr val="tx1"/>
+                </a:solidFill>
+                <a:latin typeface="+mn-lt"/>
+                <a:ea typeface="+mn-ea"/>
+                <a:cs typeface="+mn-cs"/>
+              </a:defRPr>
+            </a:lvl8pPr>
+            <a:lvl9pPr marL="3886200" indent="-228600" algn="l" defTabSz="914400" rtl="0" eaLnBrk="1" latinLnBrk="0" hangingPunct="1">
+              <a:spcBef>
+                <a:spcPct val="20000"/>
+              </a:spcBef>
+              <a:buFont typeface="Arial" pitchFamily="34" charset="0"/>
+              <a:buChar char="•"/>
+              <a:defRPr sz="2000" kern="1200">
+                <a:solidFill>
+                  <a:schemeClr val="tx1"/>
+                </a:solidFill>
+                <a:latin typeface="+mn-lt"/>
+                <a:ea typeface="+mn-ea"/>
+                <a:cs typeface="+mn-cs"/>
+              </a:defRPr>
+            </a:lvl9pPr>
+          </a:lstStyle>
+          <a:p>
+            <a:pPr marL="0" indent="0">
+              <a:buFont typeface="Arial" pitchFamily="34" charset="0"/>
+              <a:buNone/>
+            </a:pPr>
+            <a:endParaRPr lang="de-DE" sz="100" b="1"/>
+          </a:p>
+          <a:p>
+            <a:pPr marL="0" indent="0">
+              <a:buFont typeface="Arial" pitchFamily="34" charset="0"/>
+              <a:buNone/>
+            </a:pPr>
+            <a:r>
+              <a:rPr lang="de-DE" sz="3600" b="1"/>
+              <a:t>Templating Engine</a:t>
+            </a:r>
+            <a:endParaRPr lang="de-DE" sz="3600" b="1" u="sng" dirty="0"/>
+          </a:p>
+        </p:txBody>
+      </p:sp>
+    </p:spTree>
+    <p:extLst>
+      <p:ext uri="{BB962C8B-B14F-4D97-AF65-F5344CB8AC3E}">
+        <p14:creationId xmlns:p14="http://schemas.microsoft.com/office/powerpoint/2010/main" val="1805205273"/>
+      </p:ext>
+    </p:extLst>
+  </p:cSld>
+  <p:clrMapOvr>
+    <a:masterClrMapping/>
+  </p:clrMapOvr>
+  <mc:AlternateContent xmlns:mc="http://schemas.openxmlformats.org/markup-compatibility/2006" xmlns:p14="http://schemas.microsoft.com/office/powerpoint/2010/main">
+    <mc:Choice Requires="p14">
+      <p:transition spd="med" p14:dur="700">
+        <p:fade/>
+      </p:transition>
+    </mc:Choice>
+    <mc:Fallback xmlns="">
+      <p:transition spd="med">
+        <p:fade/>
+      </p:transition>
+    </mc:Fallback>
+  </mc:AlternateContent>
+</p:sld>
+</file>
+
+<file path=ppt/slides/slide8.xml><?xml version="1.0" encoding="utf-8"?>
+<p:sld xmlns:a="http://schemas.openxmlformats.org/drawingml/2006/main" xmlns:r="http://schemas.openxmlformats.org/officeDocument/2006/relationships" xmlns:p="http://schemas.openxmlformats.org/presentationml/2006/main">
+  <p:cSld>
+    <p:spTree>
+      <p:nvGrpSpPr>
+        <p:cNvPr id="1" name=""/>
+        <p:cNvGrpSpPr/>
+        <p:nvPr/>
+      </p:nvGrpSpPr>
+      <p:grpSpPr>
+        <a:xfrm>
+          <a:off x="0" y="0"/>
+          <a:ext cx="0" cy="0"/>
+          <a:chOff x="0" y="0"/>
+          <a:chExt cx="0" cy="0"/>
+        </a:xfrm>
+      </p:grpSpPr>
+      <p:sp>
+        <p:nvSpPr>
+          <p:cNvPr id="39" name="Rechteck 38">
+            <a:extLst>
+              <a:ext uri="{FF2B5EF4-FFF2-40B4-BE49-F238E27FC236}">
+                <a16:creationId xmlns:a16="http://schemas.microsoft.com/office/drawing/2014/main" id="{5CE8AF55-0AC1-4E15-9582-84A208B3EB33}"/>
+              </a:ext>
+            </a:extLst>
+          </p:cNvPr>
+          <p:cNvSpPr/>
+          <p:nvPr/>
+        </p:nvSpPr>
+        <p:spPr>
+          <a:xfrm>
+            <a:off x="1203325" y="3618560"/>
+            <a:ext cx="2425700" cy="1016000"/>
+          </a:xfrm>
+          <a:prstGeom prst="rect">
+            <a:avLst/>
+          </a:prstGeom>
+          <a:noFill/>
+          <a:effectLst>
+            <a:outerShdw blurRad="50800" dist="38100" dir="2700000" algn="tl" rotWithShape="0">
+              <a:prstClr val="black">
+                <a:alpha val="40000"/>
+              </a:prstClr>
+            </a:outerShdw>
+          </a:effectLst>
+        </p:spPr>
+        <p:style>
+          <a:lnRef idx="2">
+            <a:schemeClr val="accent1">
+              <a:shade val="50000"/>
+            </a:schemeClr>
+          </a:lnRef>
+          <a:fillRef idx="1">
+            <a:schemeClr val="accent1"/>
+          </a:fillRef>
+          <a:effectRef idx="0">
+            <a:schemeClr val="accent1"/>
+          </a:effectRef>
+          <a:fontRef idx="minor">
+            <a:schemeClr val="lt1"/>
+          </a:fontRef>
+        </p:style>
+        <p:txBody>
+          <a:bodyPr rtlCol="0" anchor="ctr"/>
+          <a:lstStyle/>
+          <a:p>
+            <a:pPr algn="ctr"/>
+            <a:endParaRPr lang="de-DE"/>
+          </a:p>
+        </p:txBody>
+      </p:sp>
+      <p:sp>
+        <p:nvSpPr>
+          <p:cNvPr id="38" name="Rechteck 37">
+            <a:extLst>
+              <a:ext uri="{FF2B5EF4-FFF2-40B4-BE49-F238E27FC236}">
+                <a16:creationId xmlns:a16="http://schemas.microsoft.com/office/drawing/2014/main" id="{8D6601A8-022C-6052-515B-C0375D903F8B}"/>
+              </a:ext>
+            </a:extLst>
+          </p:cNvPr>
+          <p:cNvSpPr/>
+          <p:nvPr/>
+        </p:nvSpPr>
+        <p:spPr>
+          <a:xfrm>
+            <a:off x="4210049" y="2936239"/>
+            <a:ext cx="7074033" cy="2466472"/>
+          </a:xfrm>
+          <a:prstGeom prst="rect">
+            <a:avLst/>
+          </a:prstGeom>
+          <a:noFill/>
+          <a:effectLst>
+            <a:outerShdw blurRad="50800" dist="38100" dir="2700000" algn="tl" rotWithShape="0">
+              <a:prstClr val="black">
+                <a:alpha val="40000"/>
+              </a:prstClr>
+            </a:outerShdw>
+          </a:effectLst>
+        </p:spPr>
+        <p:style>
+          <a:lnRef idx="2">
+            <a:schemeClr val="accent1">
+              <a:shade val="50000"/>
+            </a:schemeClr>
+          </a:lnRef>
+          <a:fillRef idx="1">
+            <a:schemeClr val="accent1"/>
+          </a:fillRef>
+          <a:effectRef idx="0">
+            <a:schemeClr val="accent1"/>
+          </a:effectRef>
+          <a:fontRef idx="minor">
+            <a:schemeClr val="lt1"/>
+          </a:fontRef>
+        </p:style>
+        <p:txBody>
+          <a:bodyPr rtlCol="0" anchor="ctr"/>
+          <a:lstStyle/>
+          <a:p>
+            <a:pPr algn="ctr"/>
+            <a:endParaRPr lang="de-DE"/>
+          </a:p>
+        </p:txBody>
+      </p:sp>
+      <p:sp>
+        <p:nvSpPr>
+          <p:cNvPr id="2" name="Titel 1">
+            <a:extLst>
+              <a:ext uri="{FF2B5EF4-FFF2-40B4-BE49-F238E27FC236}">
+                <a16:creationId xmlns:a16="http://schemas.microsoft.com/office/drawing/2014/main" id="{F2115426-7491-11AC-E2CB-B436DF0BF595}"/>
+              </a:ext>
+            </a:extLst>
+          </p:cNvPr>
+          <p:cNvSpPr>
+            <a:spLocks noGrp="1"/>
+          </p:cNvSpPr>
+          <p:nvPr>
+            <p:ph type="title"/>
+          </p:nvPr>
+        </p:nvSpPr>
+        <p:spPr/>
+        <p:txBody>
+          <a:bodyPr anchor="ctr"/>
+          <a:lstStyle/>
+          <a:p>
+            <a:r>
+              <a:rPr lang="de-DE" dirty="0"/>
+              <a:t>Login/Registrierung</a:t>
+            </a:r>
+          </a:p>
+        </p:txBody>
+      </p:sp>
+      <p:sp>
+        <p:nvSpPr>
+          <p:cNvPr id="3" name="Inhaltsplatzhalter 2">
+            <a:extLst>
+              <a:ext uri="{FF2B5EF4-FFF2-40B4-BE49-F238E27FC236}">
+                <a16:creationId xmlns:a16="http://schemas.microsoft.com/office/drawing/2014/main" id="{400FA8B6-BB31-5F6F-5766-ABD6838A9BCF}"/>
+              </a:ext>
+            </a:extLst>
+          </p:cNvPr>
+          <p:cNvSpPr>
+            <a:spLocks noGrp="1"/>
+          </p:cNvSpPr>
+          <p:nvPr>
+            <p:ph idx="1"/>
+          </p:nvPr>
+        </p:nvSpPr>
+        <p:spPr/>
+        <p:txBody>
+          <a:bodyPr>
+            <a:normAutofit/>
+          </a:bodyPr>
+          <a:lstStyle/>
+          <a:p>
+            <a:pPr marL="0" indent="0">
+              <a:buNone/>
+            </a:pPr>
+            <a:endParaRPr lang="de-DE" sz="100" b="1" dirty="0"/>
+          </a:p>
+          <a:p>
+            <a:pPr marL="0" indent="0">
+              <a:buNone/>
+            </a:pPr>
+            <a:r>
+              <a:rPr lang="de-DE" sz="3600" b="1" dirty="0"/>
+              <a:t>Server mit </a:t>
+            </a:r>
+            <a:r>
+              <a:rPr lang="de-DE" sz="3600" b="1" u="sng" dirty="0"/>
+              <a:t>REST-API</a:t>
+            </a:r>
+          </a:p>
+          <a:p>
+            <a:pPr marL="0" indent="0">
+              <a:buNone/>
+            </a:pPr>
+            <a:endParaRPr lang="de-DE" sz="3600" b="1" u="sng" dirty="0"/>
+          </a:p>
+        </p:txBody>
+      </p:sp>
+      <p:sp>
+        <p:nvSpPr>
+          <p:cNvPr id="4" name="Foliennummernplatzhalter 3">
+            <a:extLst>
+              <a:ext uri="{FF2B5EF4-FFF2-40B4-BE49-F238E27FC236}">
+                <a16:creationId xmlns:a16="http://schemas.microsoft.com/office/drawing/2014/main" id="{5D8D1C76-AA18-8AC9-1A79-AD9B4685A036}"/>
+              </a:ext>
+            </a:extLst>
+          </p:cNvPr>
+          <p:cNvSpPr>
+            <a:spLocks noGrp="1"/>
+          </p:cNvSpPr>
+          <p:nvPr>
+            <p:ph type="sldNum" sz="quarter" idx="12"/>
+          </p:nvPr>
+        </p:nvSpPr>
+        <p:spPr/>
+        <p:txBody>
+          <a:bodyPr/>
+          <a:lstStyle/>
+          <a:p>
+            <a:r>
+              <a:rPr lang="de-DE" dirty="0"/>
+              <a:t>4</a:t>
+            </a:r>
+          </a:p>
+        </p:txBody>
+      </p:sp>
+      <p:sp>
+        <p:nvSpPr>
+          <p:cNvPr id="5" name="Rechteck 4">
+            <a:extLst>
+              <a:ext uri="{FF2B5EF4-FFF2-40B4-BE49-F238E27FC236}">
+                <a16:creationId xmlns:a16="http://schemas.microsoft.com/office/drawing/2014/main" id="{F7D03D49-F4EE-05BC-EF19-98B22C5707D6}"/>
+              </a:ext>
+            </a:extLst>
+          </p:cNvPr>
+          <p:cNvSpPr/>
+          <p:nvPr/>
+        </p:nvSpPr>
+        <p:spPr>
+          <a:xfrm>
+            <a:off x="1190625" y="3618560"/>
+            <a:ext cx="2438400" cy="1016000"/>
+          </a:xfrm>
+          <a:prstGeom prst="rect">
+            <a:avLst/>
+          </a:prstGeom>
+          <a:solidFill>
+            <a:schemeClr val="bg1">
+              <a:lumMod val="75000"/>
+            </a:schemeClr>
+          </a:solidFill>
+        </p:spPr>
+        <p:style>
+          <a:lnRef idx="2">
+            <a:schemeClr val="accent1">
+              <a:shade val="50000"/>
+            </a:schemeClr>
+          </a:lnRef>
+          <a:fillRef idx="1">
+            <a:schemeClr val="accent1"/>
+          </a:fillRef>
+          <a:effectRef idx="0">
+            <a:schemeClr val="accent1"/>
+          </a:effectRef>
+          <a:fontRef idx="minor">
+            <a:schemeClr val="lt1"/>
+          </a:fontRef>
+        </p:style>
+        <p:txBody>
+          <a:bodyPr rtlCol="0" anchor="ctr"/>
+          <a:lstStyle/>
+          <a:p>
+            <a:pPr algn="ctr"/>
+            <a:endParaRPr lang="de-DE" sz="2000" b="1" dirty="0"/>
+          </a:p>
+        </p:txBody>
+      </p:sp>
+      <p:sp>
+        <p:nvSpPr>
+          <p:cNvPr id="7" name="Rechteck 6">
+            <a:extLst>
+              <a:ext uri="{FF2B5EF4-FFF2-40B4-BE49-F238E27FC236}">
+                <a16:creationId xmlns:a16="http://schemas.microsoft.com/office/drawing/2014/main" id="{F4F27440-88AE-2708-1B26-D7033DDF8912}"/>
+              </a:ext>
+            </a:extLst>
+          </p:cNvPr>
+          <p:cNvSpPr/>
+          <p:nvPr/>
+        </p:nvSpPr>
+        <p:spPr>
+          <a:xfrm>
+            <a:off x="4216401" y="2939874"/>
+            <a:ext cx="7074034" cy="2466472"/>
+          </a:xfrm>
+          <a:prstGeom prst="rect">
+            <a:avLst/>
+          </a:prstGeom>
+          <a:solidFill>
+            <a:schemeClr val="bg1">
+              <a:lumMod val="85000"/>
+            </a:schemeClr>
+          </a:solidFill>
+        </p:spPr>
+        <p:style>
+          <a:lnRef idx="2">
+            <a:schemeClr val="accent1">
+              <a:shade val="50000"/>
+            </a:schemeClr>
+          </a:lnRef>
+          <a:fillRef idx="1">
+            <a:schemeClr val="accent1"/>
+          </a:fillRef>
+          <a:effectRef idx="0">
+            <a:schemeClr val="accent1"/>
+          </a:effectRef>
+          <a:fontRef idx="minor">
+            <a:schemeClr val="lt1"/>
+          </a:fontRef>
+        </p:style>
+        <p:txBody>
+          <a:bodyPr rtlCol="0" anchor="ctr"/>
+          <a:lstStyle/>
+          <a:p>
+            <a:pPr algn="ctr"/>
+            <a:endParaRPr lang="de-DE" dirty="0"/>
+          </a:p>
+        </p:txBody>
+      </p:sp>
+      <p:sp>
+        <p:nvSpPr>
+          <p:cNvPr id="8" name="Rechteck 7">
+            <a:extLst>
+              <a:ext uri="{FF2B5EF4-FFF2-40B4-BE49-F238E27FC236}">
+                <a16:creationId xmlns:a16="http://schemas.microsoft.com/office/drawing/2014/main" id="{47F66B8D-7547-6ECF-C479-6E3A625A5548}"/>
+              </a:ext>
+            </a:extLst>
+          </p:cNvPr>
+          <p:cNvSpPr/>
+          <p:nvPr/>
+        </p:nvSpPr>
+        <p:spPr>
+          <a:xfrm>
+            <a:off x="4597400" y="3796330"/>
+            <a:ext cx="1729879" cy="1240312"/>
+          </a:xfrm>
+          <a:prstGeom prst="rect">
+            <a:avLst/>
+          </a:prstGeom>
+          <a:solidFill>
+            <a:schemeClr val="bg1">
+              <a:lumMod val="95000"/>
+            </a:schemeClr>
+          </a:solidFill>
+          <a:ln>
+            <a:solidFill>
+              <a:schemeClr val="bg1">
+                <a:lumMod val="85000"/>
+              </a:schemeClr>
+            </a:solidFill>
+          </a:ln>
+        </p:spPr>
+        <p:style>
+          <a:lnRef idx="2">
+            <a:schemeClr val="accent1">
+              <a:shade val="50000"/>
+            </a:schemeClr>
+          </a:lnRef>
+          <a:fillRef idx="1">
+            <a:schemeClr val="accent1"/>
+          </a:fillRef>
+          <a:effectRef idx="0">
+            <a:schemeClr val="accent1"/>
+          </a:effectRef>
+          <a:fontRef idx="minor">
+            <a:schemeClr val="lt1"/>
+          </a:fontRef>
+        </p:style>
+        <p:txBody>
+          <a:bodyPr rtlCol="0" anchor="ctr"/>
+          <a:lstStyle/>
+          <a:p>
+            <a:pPr algn="ctr"/>
+            <a:r>
+              <a:rPr lang="de-DE" sz="2200" b="1" dirty="0">
+                <a:solidFill>
+                  <a:sysClr val="windowText" lastClr="000000"/>
+                </a:solidFill>
+              </a:rPr>
+              <a:t>Controller</a:t>
+            </a:r>
+          </a:p>
+        </p:txBody>
+      </p:sp>
+      <p:sp>
+        <p:nvSpPr>
+          <p:cNvPr id="11" name="Textfeld 10">
+            <a:extLst>
+              <a:ext uri="{FF2B5EF4-FFF2-40B4-BE49-F238E27FC236}">
+                <a16:creationId xmlns:a16="http://schemas.microsoft.com/office/drawing/2014/main" id="{5E7C9ABD-EA4C-D6FB-6C30-C90F20202A22}"/>
+              </a:ext>
+            </a:extLst>
+          </p:cNvPr>
+          <p:cNvSpPr txBox="1"/>
+          <p:nvPr/>
+        </p:nvSpPr>
+        <p:spPr>
+          <a:xfrm>
+            <a:off x="1203325" y="3849898"/>
+            <a:ext cx="2432050" cy="646331"/>
+          </a:xfrm>
+          <a:prstGeom prst="rect">
+            <a:avLst/>
+          </a:prstGeom>
+          <a:noFill/>
+        </p:spPr>
+        <p:txBody>
+          <a:bodyPr wrap="square" rtlCol="0">
+            <a:spAutoFit/>
+          </a:bodyPr>
+          <a:lstStyle/>
+          <a:p>
+            <a:pPr algn="ctr"/>
+            <a:r>
+              <a:rPr lang="de-DE" sz="3600" b="1" dirty="0">
+                <a:solidFill>
+                  <a:sysClr val="windowText" lastClr="000000"/>
+                </a:solidFill>
+              </a:rPr>
+              <a:t>Website</a:t>
+            </a:r>
+          </a:p>
+        </p:txBody>
+      </p:sp>
+      <p:sp>
+        <p:nvSpPr>
+          <p:cNvPr id="12" name="Rechteck 11">
+            <a:extLst>
+              <a:ext uri="{FF2B5EF4-FFF2-40B4-BE49-F238E27FC236}">
+                <a16:creationId xmlns:a16="http://schemas.microsoft.com/office/drawing/2014/main" id="{FFE28D8D-D029-54E6-6E76-8E0FD6B64F8E}"/>
+              </a:ext>
+            </a:extLst>
+          </p:cNvPr>
+          <p:cNvSpPr/>
+          <p:nvPr/>
+        </p:nvSpPr>
+        <p:spPr>
+          <a:xfrm>
+            <a:off x="6747372" y="3799170"/>
+            <a:ext cx="1729879" cy="1240312"/>
+          </a:xfrm>
+          <a:prstGeom prst="rect">
+            <a:avLst/>
+          </a:prstGeom>
+          <a:solidFill>
+            <a:schemeClr val="bg1">
+              <a:lumMod val="95000"/>
+            </a:schemeClr>
+          </a:solidFill>
+          <a:ln>
+            <a:solidFill>
+              <a:schemeClr val="bg1">
+                <a:lumMod val="85000"/>
+              </a:schemeClr>
+            </a:solidFill>
+          </a:ln>
+        </p:spPr>
+        <p:style>
+          <a:lnRef idx="2">
+            <a:schemeClr val="accent1">
+              <a:shade val="50000"/>
+            </a:schemeClr>
+          </a:lnRef>
+          <a:fillRef idx="1">
+            <a:schemeClr val="accent1"/>
+          </a:fillRef>
+          <a:effectRef idx="0">
+            <a:schemeClr val="accent1"/>
+          </a:effectRef>
+          <a:fontRef idx="minor">
+            <a:schemeClr val="lt1"/>
+          </a:fontRef>
+        </p:style>
+        <p:txBody>
+          <a:bodyPr rtlCol="0" anchor="ctr"/>
+          <a:lstStyle/>
+          <a:p>
+            <a:pPr algn="ctr"/>
+            <a:r>
+              <a:rPr lang="de-DE" sz="2200" b="1" dirty="0">
+                <a:solidFill>
+                  <a:sysClr val="windowText" lastClr="000000"/>
+                </a:solidFill>
+              </a:rPr>
+              <a:t>Service</a:t>
+            </a:r>
+          </a:p>
+        </p:txBody>
+      </p:sp>
+      <p:sp>
+        <p:nvSpPr>
+          <p:cNvPr id="13" name="Rechteck 12">
+            <a:extLst>
+              <a:ext uri="{FF2B5EF4-FFF2-40B4-BE49-F238E27FC236}">
+                <a16:creationId xmlns:a16="http://schemas.microsoft.com/office/drawing/2014/main" id="{5BB0A520-4F43-A798-2D66-41E7B319FCDC}"/>
+              </a:ext>
+            </a:extLst>
+          </p:cNvPr>
+          <p:cNvSpPr/>
+          <p:nvPr/>
+        </p:nvSpPr>
+        <p:spPr>
+          <a:xfrm>
+            <a:off x="8791575" y="3675680"/>
+            <a:ext cx="1729879" cy="1240312"/>
+          </a:xfrm>
+          <a:prstGeom prst="rect">
+            <a:avLst/>
+          </a:prstGeom>
+          <a:solidFill>
+            <a:schemeClr val="bg1">
+              <a:lumMod val="95000"/>
+            </a:schemeClr>
+          </a:solidFill>
+          <a:ln>
+            <a:solidFill>
+              <a:schemeClr val="bg1">
+                <a:lumMod val="85000"/>
+              </a:schemeClr>
+            </a:solidFill>
+          </a:ln>
+        </p:spPr>
+        <p:style>
+          <a:lnRef idx="2">
+            <a:schemeClr val="accent1">
+              <a:shade val="50000"/>
+            </a:schemeClr>
+          </a:lnRef>
+          <a:fillRef idx="1">
+            <a:schemeClr val="accent1"/>
+          </a:fillRef>
+          <a:effectRef idx="0">
+            <a:schemeClr val="accent1"/>
+          </a:effectRef>
+          <a:fontRef idx="minor">
+            <a:schemeClr val="lt1"/>
+          </a:fontRef>
+        </p:style>
+        <p:txBody>
+          <a:bodyPr rtlCol="0" anchor="ctr"/>
+          <a:lstStyle/>
+          <a:p>
+            <a:pPr algn="ctr"/>
+            <a:r>
+              <a:rPr lang="de-DE" sz="2000" dirty="0">
+                <a:solidFill>
+                  <a:sysClr val="windowText" lastClr="000000"/>
+                </a:solidFill>
+              </a:rPr>
+              <a:t>Controller</a:t>
+            </a:r>
+          </a:p>
+        </p:txBody>
+      </p:sp>
+      <p:sp>
+        <p:nvSpPr>
+          <p:cNvPr id="14" name="Rechteck 13">
+            <a:extLst>
+              <a:ext uri="{FF2B5EF4-FFF2-40B4-BE49-F238E27FC236}">
+                <a16:creationId xmlns:a16="http://schemas.microsoft.com/office/drawing/2014/main" id="{B1D4FE55-421E-7E37-6072-FD08F258B67F}"/>
+              </a:ext>
+            </a:extLst>
+          </p:cNvPr>
+          <p:cNvSpPr/>
+          <p:nvPr/>
+        </p:nvSpPr>
+        <p:spPr>
+          <a:xfrm>
+            <a:off x="8943975" y="3828080"/>
+            <a:ext cx="1729879" cy="1240312"/>
+          </a:xfrm>
+          <a:prstGeom prst="rect">
+            <a:avLst/>
+          </a:prstGeom>
+          <a:solidFill>
+            <a:schemeClr val="bg1">
+              <a:lumMod val="95000"/>
+            </a:schemeClr>
+          </a:solidFill>
+          <a:ln>
+            <a:solidFill>
+              <a:schemeClr val="bg1">
+                <a:lumMod val="85000"/>
+              </a:schemeClr>
+            </a:solidFill>
+          </a:ln>
+        </p:spPr>
+        <p:style>
+          <a:lnRef idx="2">
+            <a:schemeClr val="accent1">
+              <a:shade val="50000"/>
+            </a:schemeClr>
+          </a:lnRef>
+          <a:fillRef idx="1">
+            <a:schemeClr val="accent1"/>
+          </a:fillRef>
+          <a:effectRef idx="0">
+            <a:schemeClr val="accent1"/>
+          </a:effectRef>
+          <a:fontRef idx="minor">
+            <a:schemeClr val="lt1"/>
+          </a:fontRef>
+        </p:style>
+        <p:txBody>
+          <a:bodyPr rtlCol="0" anchor="ctr"/>
+          <a:lstStyle/>
+          <a:p>
+            <a:pPr algn="ctr"/>
+            <a:r>
+              <a:rPr lang="de-DE" sz="2000" dirty="0">
+                <a:solidFill>
+                  <a:sysClr val="windowText" lastClr="000000"/>
+                </a:solidFill>
+              </a:rPr>
+              <a:t>Controller</a:t>
+            </a:r>
+          </a:p>
+        </p:txBody>
+      </p:sp>
+      <p:sp>
+        <p:nvSpPr>
+          <p:cNvPr id="15" name="Rechteck 14">
+            <a:extLst>
+              <a:ext uri="{FF2B5EF4-FFF2-40B4-BE49-F238E27FC236}">
+                <a16:creationId xmlns:a16="http://schemas.microsoft.com/office/drawing/2014/main" id="{F5A08663-B789-4226-1642-FC5891DC3BD6}"/>
+              </a:ext>
+            </a:extLst>
+          </p:cNvPr>
+          <p:cNvSpPr/>
+          <p:nvPr/>
+        </p:nvSpPr>
+        <p:spPr>
+          <a:xfrm>
+            <a:off x="9096375" y="3980480"/>
+            <a:ext cx="1729879" cy="1240312"/>
+          </a:xfrm>
+          <a:prstGeom prst="rect">
+            <a:avLst/>
+          </a:prstGeom>
+          <a:solidFill>
+            <a:schemeClr val="bg1">
+              <a:lumMod val="95000"/>
+            </a:schemeClr>
+          </a:solidFill>
+          <a:ln>
+            <a:solidFill>
+              <a:schemeClr val="bg1">
+                <a:lumMod val="85000"/>
+              </a:schemeClr>
+            </a:solidFill>
+          </a:ln>
+        </p:spPr>
+        <p:style>
+          <a:lnRef idx="2">
+            <a:schemeClr val="accent1">
+              <a:shade val="50000"/>
+            </a:schemeClr>
+          </a:lnRef>
+          <a:fillRef idx="1">
+            <a:schemeClr val="accent1"/>
+          </a:fillRef>
+          <a:effectRef idx="0">
+            <a:schemeClr val="accent1"/>
+          </a:effectRef>
+          <a:fontRef idx="minor">
+            <a:schemeClr val="lt1"/>
+          </a:fontRef>
+        </p:style>
+        <p:txBody>
+          <a:bodyPr rtlCol="0" anchor="ctr"/>
+          <a:lstStyle/>
+          <a:p>
+            <a:pPr algn="ctr"/>
+            <a:r>
+              <a:rPr lang="de-DE" sz="2200" b="1" dirty="0">
+                <a:solidFill>
+                  <a:sysClr val="windowText" lastClr="000000"/>
+                </a:solidFill>
+              </a:rPr>
+              <a:t>Datenbank</a:t>
+            </a:r>
+          </a:p>
+        </p:txBody>
+      </p:sp>
+      <p:cxnSp>
+        <p:nvCxnSpPr>
+          <p:cNvPr id="19" name="Verbinder: gewinkelt 18">
+            <a:extLst>
+              <a:ext uri="{FF2B5EF4-FFF2-40B4-BE49-F238E27FC236}">
+                <a16:creationId xmlns:a16="http://schemas.microsoft.com/office/drawing/2014/main" id="{DF26007D-CA01-4AF5-DFF6-D0C1530A5462}"/>
+              </a:ext>
+            </a:extLst>
+          </p:cNvPr>
+          <p:cNvCxnSpPr>
+            <a:stCxn id="5" idx="0"/>
+          </p:cNvCxnSpPr>
+          <p:nvPr/>
+        </p:nvCxnSpPr>
+        <p:spPr>
+          <a:xfrm rot="5400000" flipH="1" flipV="1">
+            <a:off x="3144941" y="2547100"/>
+            <a:ext cx="336345" cy="1806576"/>
+          </a:xfrm>
+          <a:prstGeom prst="bentConnector2">
+            <a:avLst/>
+          </a:prstGeom>
+          <a:ln w="57150">
+            <a:solidFill>
+              <a:schemeClr val="accent2"/>
+            </a:solidFill>
+            <a:tailEnd type="triangle"/>
+          </a:ln>
+        </p:spPr>
+        <p:style>
+          <a:lnRef idx="1">
+            <a:schemeClr val="accent1"/>
+          </a:lnRef>
+          <a:fillRef idx="0">
+            <a:schemeClr val="accent1"/>
+          </a:fillRef>
+          <a:effectRef idx="0">
+            <a:schemeClr val="accent1"/>
+          </a:effectRef>
+          <a:fontRef idx="minor">
+            <a:schemeClr val="tx1"/>
+          </a:fontRef>
+        </p:style>
+      </p:cxnSp>
+      <p:cxnSp>
+        <p:nvCxnSpPr>
+          <p:cNvPr id="21" name="Verbinder: gewinkelt 20">
+            <a:extLst>
+              <a:ext uri="{FF2B5EF4-FFF2-40B4-BE49-F238E27FC236}">
+                <a16:creationId xmlns:a16="http://schemas.microsoft.com/office/drawing/2014/main" id="{6E6A7499-5069-E4BD-2807-16FBBD535A9B}"/>
+              </a:ext>
+            </a:extLst>
+          </p:cNvPr>
+          <p:cNvCxnSpPr>
+            <a:cxnSpLocks/>
+            <a:endCxn id="5" idx="2"/>
+          </p:cNvCxnSpPr>
+          <p:nvPr/>
+        </p:nvCxnSpPr>
+        <p:spPr>
+          <a:xfrm rot="10800000">
+            <a:off x="2409826" y="4634561"/>
+            <a:ext cx="1806575" cy="449673"/>
+          </a:xfrm>
+          <a:prstGeom prst="bentConnector2">
+            <a:avLst/>
+          </a:prstGeom>
+          <a:ln w="57150">
+            <a:solidFill>
+              <a:schemeClr val="accent2"/>
+            </a:solidFill>
+            <a:tailEnd type="triangle"/>
+          </a:ln>
+        </p:spPr>
+        <p:style>
+          <a:lnRef idx="1">
+            <a:schemeClr val="accent1"/>
+          </a:lnRef>
+          <a:fillRef idx="0">
+            <a:schemeClr val="accent1"/>
+          </a:fillRef>
+          <a:effectRef idx="0">
+            <a:schemeClr val="accent1"/>
+          </a:effectRef>
+          <a:fontRef idx="minor">
+            <a:schemeClr val="tx1"/>
+          </a:fontRef>
+        </p:style>
+      </p:cxnSp>
+      <p:sp>
+        <p:nvSpPr>
+          <p:cNvPr id="26" name="Textfeld 25">
+            <a:extLst>
+              <a:ext uri="{FF2B5EF4-FFF2-40B4-BE49-F238E27FC236}">
+                <a16:creationId xmlns:a16="http://schemas.microsoft.com/office/drawing/2014/main" id="{CE13CECD-00DA-CE38-C60E-4B64DD97DCF7}"/>
+              </a:ext>
+            </a:extLst>
+          </p:cNvPr>
+          <p:cNvSpPr txBox="1"/>
+          <p:nvPr/>
+        </p:nvSpPr>
+        <p:spPr>
+          <a:xfrm>
+            <a:off x="4488400" y="3108292"/>
+            <a:ext cx="3613149" cy="646331"/>
+          </a:xfrm>
+          <a:prstGeom prst="rect">
+            <a:avLst/>
+          </a:prstGeom>
+          <a:noFill/>
+        </p:spPr>
+        <p:txBody>
+          <a:bodyPr wrap="square" rtlCol="0">
+            <a:spAutoFit/>
+          </a:bodyPr>
+          <a:lstStyle/>
+          <a:p>
+            <a:r>
+              <a:rPr lang="de-DE" sz="3600" b="1" dirty="0"/>
+              <a:t>Backend</a:t>
+            </a:r>
+            <a:endParaRPr lang="de-DE" b="1" dirty="0"/>
+          </a:p>
+        </p:txBody>
+      </p:sp>
+      <p:cxnSp>
+        <p:nvCxnSpPr>
+          <p:cNvPr id="28" name="Gerader Verbinder 27">
+            <a:extLst>
+              <a:ext uri="{FF2B5EF4-FFF2-40B4-BE49-F238E27FC236}">
+                <a16:creationId xmlns:a16="http://schemas.microsoft.com/office/drawing/2014/main" id="{53272532-C65C-0ECA-20A8-4A909C52FCC2}"/>
+              </a:ext>
+            </a:extLst>
+          </p:cNvPr>
+          <p:cNvCxnSpPr>
+            <a:cxnSpLocks/>
+          </p:cNvCxnSpPr>
+          <p:nvPr/>
+        </p:nvCxnSpPr>
+        <p:spPr>
+          <a:xfrm>
+            <a:off x="6313488" y="4174067"/>
+            <a:ext cx="447675" cy="0"/>
+          </a:xfrm>
+          <a:prstGeom prst="line">
+            <a:avLst/>
+          </a:prstGeom>
+          <a:ln w="38100">
+            <a:solidFill>
+              <a:schemeClr val="accent2"/>
+            </a:solidFill>
+            <a:headEnd type="none" w="med" len="med"/>
+            <a:tailEnd type="triangle" w="med" len="med"/>
+          </a:ln>
+        </p:spPr>
+        <p:style>
+          <a:lnRef idx="1">
+            <a:schemeClr val="accent1"/>
+          </a:lnRef>
+          <a:fillRef idx="0">
+            <a:schemeClr val="accent1"/>
+          </a:fillRef>
+          <a:effectRef idx="0">
+            <a:schemeClr val="accent1"/>
+          </a:effectRef>
+          <a:fontRef idx="minor">
+            <a:schemeClr val="tx1"/>
+          </a:fontRef>
+        </p:style>
+      </p:cxnSp>
+      <p:cxnSp>
+        <p:nvCxnSpPr>
+          <p:cNvPr id="31" name="Gerader Verbinder 30">
+            <a:extLst>
+              <a:ext uri="{FF2B5EF4-FFF2-40B4-BE49-F238E27FC236}">
+                <a16:creationId xmlns:a16="http://schemas.microsoft.com/office/drawing/2014/main" id="{C9264529-D693-134D-69EC-834EBA493FF9}"/>
+              </a:ext>
+            </a:extLst>
+          </p:cNvPr>
+          <p:cNvCxnSpPr>
+            <a:cxnSpLocks/>
+          </p:cNvCxnSpPr>
+          <p:nvPr/>
+        </p:nvCxnSpPr>
+        <p:spPr>
+          <a:xfrm>
+            <a:off x="8466138" y="4173647"/>
+            <a:ext cx="477837" cy="0"/>
+          </a:xfrm>
+          <a:prstGeom prst="line">
+            <a:avLst/>
+          </a:prstGeom>
+          <a:ln w="38100">
+            <a:solidFill>
+              <a:schemeClr val="accent2"/>
+            </a:solidFill>
+            <a:headEnd type="none" w="med" len="med"/>
+            <a:tailEnd type="triangle" w="med" len="med"/>
+          </a:ln>
+        </p:spPr>
+        <p:style>
+          <a:lnRef idx="1">
+            <a:schemeClr val="accent1"/>
+          </a:lnRef>
+          <a:fillRef idx="0">
+            <a:schemeClr val="accent1"/>
+          </a:fillRef>
+          <a:effectRef idx="0">
+            <a:schemeClr val="accent1"/>
+          </a:effectRef>
+          <a:fontRef idx="minor">
+            <a:schemeClr val="tx1"/>
+          </a:fontRef>
+        </p:style>
+      </p:cxnSp>
+      <p:cxnSp>
+        <p:nvCxnSpPr>
+          <p:cNvPr id="34" name="Gerader Verbinder 33">
+            <a:extLst>
+              <a:ext uri="{FF2B5EF4-FFF2-40B4-BE49-F238E27FC236}">
+                <a16:creationId xmlns:a16="http://schemas.microsoft.com/office/drawing/2014/main" id="{474201F2-66FA-B0B2-CE7E-2BB3B6834932}"/>
+              </a:ext>
+            </a:extLst>
+          </p:cNvPr>
+          <p:cNvCxnSpPr>
+            <a:cxnSpLocks/>
+          </p:cNvCxnSpPr>
+          <p:nvPr/>
+        </p:nvCxnSpPr>
+        <p:spPr>
+          <a:xfrm>
+            <a:off x="6308408" y="4722068"/>
+            <a:ext cx="447675" cy="0"/>
+          </a:xfrm>
+          <a:prstGeom prst="line">
+            <a:avLst/>
+          </a:prstGeom>
+          <a:ln w="38100">
+            <a:solidFill>
+              <a:schemeClr val="accent2"/>
+            </a:solidFill>
+            <a:headEnd type="triangle" w="med" len="med"/>
+            <a:tailEnd type="none" w="med" len="med"/>
+          </a:ln>
+        </p:spPr>
+        <p:style>
+          <a:lnRef idx="1">
+            <a:schemeClr val="accent1"/>
+          </a:lnRef>
+          <a:fillRef idx="0">
+            <a:schemeClr val="accent1"/>
+          </a:fillRef>
+          <a:effectRef idx="0">
+            <a:schemeClr val="accent1"/>
+          </a:effectRef>
+          <a:fontRef idx="minor">
+            <a:schemeClr val="tx1"/>
+          </a:fontRef>
+        </p:style>
+      </p:cxnSp>
+      <p:cxnSp>
+        <p:nvCxnSpPr>
+          <p:cNvPr id="37" name="Gerader Verbinder 36">
+            <a:extLst>
+              <a:ext uri="{FF2B5EF4-FFF2-40B4-BE49-F238E27FC236}">
+                <a16:creationId xmlns:a16="http://schemas.microsoft.com/office/drawing/2014/main" id="{9DC7DA65-5397-11E9-3DF0-0B0BFCFB131E}"/>
+              </a:ext>
+            </a:extLst>
+          </p:cNvPr>
+          <p:cNvCxnSpPr>
+            <a:cxnSpLocks/>
+          </p:cNvCxnSpPr>
+          <p:nvPr/>
+        </p:nvCxnSpPr>
+        <p:spPr>
+          <a:xfrm>
+            <a:off x="8464020" y="4721865"/>
+            <a:ext cx="477837" cy="0"/>
+          </a:xfrm>
+          <a:prstGeom prst="line">
+            <a:avLst/>
+          </a:prstGeom>
+          <a:ln w="38100">
+            <a:solidFill>
+              <a:schemeClr val="accent2"/>
+            </a:solidFill>
+            <a:headEnd type="triangle" w="med" len="med"/>
+            <a:tailEnd type="none" w="med" len="med"/>
+          </a:ln>
+        </p:spPr>
+        <p:style>
+          <a:lnRef idx="1">
+            <a:schemeClr val="accent1"/>
+          </a:lnRef>
+          <a:fillRef idx="0">
+            <a:schemeClr val="accent1"/>
+          </a:fillRef>
+          <a:effectRef idx="0">
+            <a:schemeClr val="accent1"/>
+          </a:effectRef>
+          <a:fontRef idx="minor">
+            <a:schemeClr val="tx1"/>
+          </a:fontRef>
+        </p:style>
+      </p:cxnSp>
+    </p:spTree>
+    <p:extLst>
+      <p:ext uri="{BB962C8B-B14F-4D97-AF65-F5344CB8AC3E}">
+        <p14:creationId xmlns:p14="http://schemas.microsoft.com/office/powerpoint/2010/main" val="1199100795"/>
+      </p:ext>
+    </p:extLst>
+  </p:cSld>
+  <p:clrMapOvr>
+    <a:masterClrMapping/>
+  </p:clrMapOvr>
+  <mc:AlternateContent xmlns:mc="http://schemas.openxmlformats.org/markup-compatibility/2006" xmlns:p14="http://schemas.microsoft.com/office/powerpoint/2010/main">
+    <mc:Choice Requires="p14">
+      <p:transition spd="med" p14:dur="700">
+        <p:fade/>
+      </p:transition>
+    </mc:Choice>
+    <mc:Fallback xmlns="">
+      <p:transition spd="med">
+        <p:fade/>
+      </p:transition>
+    </mc:Fallback>
+  </mc:AlternateContent>
+</p:sld>
+</file>
+
+<file path=ppt/slides/slide9.xml><?xml version="1.0" encoding="utf-8"?>
+<p:sld xmlns:a="http://schemas.openxmlformats.org/drawingml/2006/main" xmlns:r="http://schemas.openxmlformats.org/officeDocument/2006/relationships" xmlns:p="http://schemas.openxmlformats.org/presentationml/2006/main">
+  <p:cSld>
+    <p:spTree>
+      <p:nvGrpSpPr>
+        <p:cNvPr id="1" name=""/>
+        <p:cNvGrpSpPr/>
+        <p:nvPr/>
+      </p:nvGrpSpPr>
+      <p:grpSpPr>
+        <a:xfrm>
+          <a:off x="0" y="0"/>
+          <a:ext cx="0" cy="0"/>
+          <a:chOff x="0" y="0"/>
+          <a:chExt cx="0" cy="0"/>
+        </a:xfrm>
+      </p:grpSpPr>
+      <p:sp>
+        <p:nvSpPr>
+          <p:cNvPr id="2" name="Titel 1">
+            <a:extLst>
+              <a:ext uri="{FF2B5EF4-FFF2-40B4-BE49-F238E27FC236}">
+                <a16:creationId xmlns:a16="http://schemas.microsoft.com/office/drawing/2014/main" id="{7C0BE096-D696-4C4B-934F-D38A803E8236}"/>
+              </a:ext>
+            </a:extLst>
+          </p:cNvPr>
+          <p:cNvSpPr>
+            <a:spLocks noGrp="1"/>
+          </p:cNvSpPr>
+          <p:nvPr>
+            <p:ph type="title"/>
+          </p:nvPr>
+        </p:nvSpPr>
+        <p:spPr>
+          <a:xfrm>
+            <a:off x="609600" y="95424"/>
+            <a:ext cx="10972800" cy="1143000"/>
+          </a:xfrm>
+        </p:spPr>
+        <p:txBody>
+          <a:bodyPr anchor="ctr">
+            <a:normAutofit/>
+          </a:bodyPr>
+          <a:lstStyle/>
+          <a:p>
+            <a:r>
+              <a:rPr lang="de-DE" dirty="0"/>
+              <a:t>Login/Registrierung</a:t>
+            </a:r>
+          </a:p>
+        </p:txBody>
+      </p:sp>
+      <p:pic>
+        <p:nvPicPr>
+          <p:cNvPr id="6" name="Inhaltsplatzhalter 5" descr="Ein Bild, das Text enthält.&#10;&#10;Automatisch generierte Beschreibung">
+            <a:extLst>
+              <a:ext uri="{FF2B5EF4-FFF2-40B4-BE49-F238E27FC236}">
+                <a16:creationId xmlns:a16="http://schemas.microsoft.com/office/drawing/2014/main" id="{7B283FB8-4D58-C94F-D268-EE21C0C55F55}"/>
+              </a:ext>
+            </a:extLst>
+          </p:cNvPr>
+          <p:cNvPicPr>
+            <a:picLocks noGrp="1" noChangeAspect="1"/>
+          </p:cNvPicPr>
+          <p:nvPr>
+            <p:ph idx="1"/>
+          </p:nvPr>
+        </p:nvPicPr>
+        <p:blipFill>
+          <a:blip r:embed="rId3"/>
+          <a:stretch>
+            <a:fillRect/>
+          </a:stretch>
+        </p:blipFill>
+        <p:spPr>
+          <a:xfrm>
+            <a:off x="609600" y="2662978"/>
+            <a:ext cx="10846420" cy="2196397"/>
+          </a:xfrm>
+          <a:noFill/>
+        </p:spPr>
+      </p:pic>
+      <p:sp>
+        <p:nvSpPr>
+          <p:cNvPr id="4" name="Foliennummernplatzhalter 3">
+            <a:extLst>
+              <a:ext uri="{FF2B5EF4-FFF2-40B4-BE49-F238E27FC236}">
+                <a16:creationId xmlns:a16="http://schemas.microsoft.com/office/drawing/2014/main" id="{D5BF2453-EBC7-ADD8-7575-DCE84FED9246}"/>
+              </a:ext>
+            </a:extLst>
+          </p:cNvPr>
+          <p:cNvSpPr>
+            <a:spLocks noGrp="1"/>
+          </p:cNvSpPr>
+          <p:nvPr>
+            <p:ph type="sldNum" sz="quarter" idx="12"/>
+          </p:nvPr>
+        </p:nvSpPr>
+        <p:spPr>
+          <a:xfrm>
+            <a:off x="8737600" y="6356351"/>
+            <a:ext cx="2844800" cy="365125"/>
+          </a:xfrm>
+        </p:spPr>
+        <p:txBody>
+          <a:bodyPr anchor="ctr">
+            <a:normAutofit/>
+          </a:bodyPr>
+          <a:lstStyle/>
+          <a:p>
+            <a:pPr>
+              <a:spcAft>
+                <a:spcPts val="600"/>
+              </a:spcAft>
+            </a:pPr>
+            <a:r>
+              <a:rPr lang="de-DE" dirty="0"/>
+              <a:t>5</a:t>
+            </a:r>
+          </a:p>
+        </p:txBody>
+      </p:sp>
+      <p:sp>
+        <p:nvSpPr>
+          <p:cNvPr id="7" name="Inhaltsplatzhalter 2">
+            <a:extLst>
+              <a:ext uri="{FF2B5EF4-FFF2-40B4-BE49-F238E27FC236}">
+                <a16:creationId xmlns:a16="http://schemas.microsoft.com/office/drawing/2014/main" id="{DFBCF7A0-178E-E8C9-F649-04D561855FAB}"/>
+              </a:ext>
+            </a:extLst>
+          </p:cNvPr>
+          <p:cNvSpPr txBox="1">
+            <a:spLocks/>
+          </p:cNvSpPr>
+          <p:nvPr/>
+        </p:nvSpPr>
+        <p:spPr>
+          <a:xfrm>
+            <a:off x="609600" y="1600201"/>
+            <a:ext cx="10972800" cy="4525963"/>
+          </a:xfrm>
+          <a:prstGeom prst="rect">
+            <a:avLst/>
+          </a:prstGeom>
+        </p:spPr>
+        <p:txBody>
+          <a:bodyPr>
+            <a:normAutofit/>
+          </a:bodyPr>
+          <a:lstStyle>
+            <a:lvl1pPr marL="342900" indent="-342900" algn="l" defTabSz="914400" rtl="0" eaLnBrk="1" latinLnBrk="0" hangingPunct="1">
+              <a:spcBef>
+                <a:spcPct val="20000"/>
+              </a:spcBef>
+              <a:buFont typeface="Arial" pitchFamily="34" charset="0"/>
+              <a:buChar char="•"/>
+              <a:defRPr sz="3200" kern="1200">
+                <a:solidFill>
+                  <a:srgbClr val="5D6971"/>
+                </a:solidFill>
+                <a:latin typeface="+mn-lt"/>
+                <a:ea typeface="+mn-ea"/>
+                <a:cs typeface="+mn-cs"/>
+              </a:defRPr>
+            </a:lvl1pPr>
+            <a:lvl2pPr marL="742950" indent="-285750" algn="l" defTabSz="914400" rtl="0" eaLnBrk="1" latinLnBrk="0" hangingPunct="1">
+              <a:spcBef>
+                <a:spcPct val="20000"/>
+              </a:spcBef>
+              <a:buFont typeface="Arial" pitchFamily="34" charset="0"/>
+              <a:buChar char="–"/>
+              <a:defRPr sz="2800" kern="1200">
+                <a:solidFill>
+                  <a:srgbClr val="5D6971"/>
+                </a:solidFill>
+                <a:latin typeface="+mn-lt"/>
+                <a:ea typeface="+mn-ea"/>
+                <a:cs typeface="+mn-cs"/>
+              </a:defRPr>
+            </a:lvl2pPr>
+            <a:lvl3pPr marL="1143000" indent="-228600" algn="l" defTabSz="914400" rtl="0" eaLnBrk="1" latinLnBrk="0" hangingPunct="1">
+              <a:spcBef>
+                <a:spcPct val="20000"/>
+              </a:spcBef>
+              <a:buFont typeface="Arial" pitchFamily="34" charset="0"/>
+              <a:buChar char="•"/>
+              <a:defRPr sz="2400" kern="1200">
+                <a:solidFill>
+                  <a:srgbClr val="5D6971"/>
+                </a:solidFill>
+                <a:latin typeface="+mn-lt"/>
+                <a:ea typeface="+mn-ea"/>
+                <a:cs typeface="+mn-cs"/>
+              </a:defRPr>
+            </a:lvl3pPr>
+            <a:lvl4pPr marL="1600200" indent="-228600" algn="l" defTabSz="914400" rtl="0" eaLnBrk="1" latinLnBrk="0" hangingPunct="1">
+              <a:spcBef>
+                <a:spcPct val="20000"/>
+              </a:spcBef>
+              <a:buFont typeface="Arial" pitchFamily="34" charset="0"/>
+              <a:buChar char="–"/>
+              <a:defRPr sz="2000" kern="1200">
+                <a:solidFill>
+                  <a:srgbClr val="5D6971"/>
+                </a:solidFill>
+                <a:latin typeface="+mn-lt"/>
+                <a:ea typeface="+mn-ea"/>
+                <a:cs typeface="+mn-cs"/>
+              </a:defRPr>
+            </a:lvl4pPr>
+            <a:lvl5pPr marL="2057400" indent="-228600" algn="l" defTabSz="914400" rtl="0" eaLnBrk="1" latinLnBrk="0" hangingPunct="1">
+              <a:spcBef>
+                <a:spcPct val="20000"/>
+              </a:spcBef>
+              <a:buFont typeface="Arial" pitchFamily="34" charset="0"/>
+              <a:buChar char="»"/>
+              <a:defRPr sz="2000" kern="1200">
+                <a:solidFill>
+                  <a:srgbClr val="5D6971"/>
+                </a:solidFill>
+                <a:latin typeface="+mn-lt"/>
+                <a:ea typeface="+mn-ea"/>
+                <a:cs typeface="+mn-cs"/>
+              </a:defRPr>
+            </a:lvl5pPr>
+            <a:lvl6pPr marL="2514600" indent="-228600" algn="l" defTabSz="914400" rtl="0" eaLnBrk="1" latinLnBrk="0" hangingPunct="1">
+              <a:spcBef>
+                <a:spcPct val="20000"/>
+              </a:spcBef>
+              <a:buFont typeface="Arial" pitchFamily="34" charset="0"/>
+              <a:buChar char="•"/>
+              <a:defRPr sz="2000" kern="1200">
+                <a:solidFill>
+                  <a:schemeClr val="tx1"/>
+                </a:solidFill>
+                <a:latin typeface="+mn-lt"/>
+                <a:ea typeface="+mn-ea"/>
+                <a:cs typeface="+mn-cs"/>
+              </a:defRPr>
+            </a:lvl6pPr>
+            <a:lvl7pPr marL="2971800" indent="-228600" algn="l" defTabSz="914400" rtl="0" eaLnBrk="1" latinLnBrk="0" hangingPunct="1">
+              <a:spcBef>
+                <a:spcPct val="20000"/>
+              </a:spcBef>
+              <a:buFont typeface="Arial" pitchFamily="34" charset="0"/>
+              <a:buChar char="•"/>
+              <a:defRPr sz="2000" kern="1200">
+                <a:solidFill>
+                  <a:schemeClr val="tx1"/>
+                </a:solidFill>
+                <a:latin typeface="+mn-lt"/>
+                <a:ea typeface="+mn-ea"/>
+                <a:cs typeface="+mn-cs"/>
+              </a:defRPr>
+            </a:lvl7pPr>
+            <a:lvl8pPr marL="3429000" indent="-228600" algn="l" defTabSz="914400" rtl="0" eaLnBrk="1" latinLnBrk="0" hangingPunct="1">
+              <a:spcBef>
+                <a:spcPct val="20000"/>
+              </a:spcBef>
+              <a:buFont typeface="Arial" pitchFamily="34" charset="0"/>
+              <a:buChar char="•"/>
+              <a:defRPr sz="2000" kern="1200">
+                <a:solidFill>
+                  <a:schemeClr val="tx1"/>
+                </a:solidFill>
+                <a:latin typeface="+mn-lt"/>
+                <a:ea typeface="+mn-ea"/>
+                <a:cs typeface="+mn-cs"/>
+              </a:defRPr>
+            </a:lvl8pPr>
+            <a:lvl9pPr marL="3886200" indent="-228600" algn="l" defTabSz="914400" rtl="0" eaLnBrk="1" latinLnBrk="0" hangingPunct="1">
+              <a:spcBef>
+                <a:spcPct val="20000"/>
+              </a:spcBef>
+              <a:buFont typeface="Arial" pitchFamily="34" charset="0"/>
+              <a:buChar char="•"/>
+              <a:defRPr sz="2000" kern="1200">
+                <a:solidFill>
+                  <a:schemeClr val="tx1"/>
+                </a:solidFill>
+                <a:latin typeface="+mn-lt"/>
+                <a:ea typeface="+mn-ea"/>
+                <a:cs typeface="+mn-cs"/>
+              </a:defRPr>
+            </a:lvl9pPr>
+          </a:lstStyle>
+          <a:p>
+            <a:pPr marL="0" indent="0">
+              <a:buFont typeface="Arial" pitchFamily="34" charset="0"/>
+              <a:buNone/>
+            </a:pPr>
+            <a:endParaRPr lang="de-DE" sz="100" b="1"/>
+          </a:p>
+          <a:p>
+            <a:pPr marL="0" indent="0">
+              <a:buFont typeface="Arial" pitchFamily="34" charset="0"/>
+              <a:buNone/>
+            </a:pPr>
+            <a:r>
+              <a:rPr lang="de-DE" sz="3600" b="1"/>
+              <a:t>Server mit </a:t>
+            </a:r>
+            <a:r>
+              <a:rPr lang="de-DE" sz="3600" b="1" u="sng"/>
+              <a:t>REST-API</a:t>
+            </a:r>
+          </a:p>
+          <a:p>
+            <a:pPr marL="0" indent="0">
+              <a:buFont typeface="Arial" pitchFamily="34" charset="0"/>
+              <a:buNone/>
+            </a:pPr>
+            <a:endParaRPr lang="de-DE" sz="3600" b="1" u="sng" dirty="0"/>
+          </a:p>
+        </p:txBody>
+      </p:sp>
+    </p:spTree>
+    <p:extLst>
+      <p:ext uri="{BB962C8B-B14F-4D97-AF65-F5344CB8AC3E}">
+        <p14:creationId xmlns:p14="http://schemas.microsoft.com/office/powerpoint/2010/main" val="88418452"/>
+      </p:ext>
+    </p:extLst>
+  </p:cSld>
+  <p:clrMapOvr>
+    <a:masterClrMapping/>
+  </p:clrMapOvr>
+  <mc:AlternateContent xmlns:mc="http://schemas.openxmlformats.org/markup-compatibility/2006" xmlns:p14="http://schemas.microsoft.com/office/powerpoint/2010/main">
+    <mc:Choice Requires="p14">
+      <p:transition spd="med" p14:dur="700">
+        <p:fade/>
+      </p:transition>
+    </mc:Choice>
+    <mc:Fallback xmlns="">
+      <p:transition spd="med">
+        <p:fade/>
+      </p:transition>
+    </mc:Fallback>
+  </mc:AlternateContent>
 </p:sld>
 </file>
 
@@ -7673,81 +16014,35 @@
 </file>
 
 <file path=customXml/item2.xml><?xml version="1.0" encoding="utf-8"?>
-<qs:outline xmlns:qs="urn:strategyCompass:quickSlide:basic:outline:2014">
-  <qs:settings>
-    <qs:designID>AgendaBild2</qs:designID>
-    <qs:designGroup>PorscheAG</qs:designGroup>
-    <qs:numberingChecked>True</qs:numberingChecked>
-    <qs:subNumberingChecked>False</qs:subNumberingChecked>
-    <qs:pagesNumberChecked>False</qs:pagesNumberChecked>
-    <qs:topicsChecked>True</qs:topicsChecked>
-    <qs:subtopicsChecked>False</qs:subtopicsChecked>
-    <qs:extratopicsChecked>False</qs:extratopicsChecked>
-    <qs:overviewChecked>True</qs:overviewChecked>
-    <qs:chapterNumberOnSlidesChecked>False</qs:chapterNumberOnSlidesChecked>
-    <qs:chapterNameOnSlidesChecked>False</qs:chapterNameOnSlidesChecked>
-    <qs:autoUpdateChecked>False</qs:autoUpdateChecked>
-    <qs:subChaptersOnlyOnActiveChapter>True</qs:subChaptersOnlyOnActiveChapter>
-    <qs:separatorOnlyActiveChapterChecked>True</qs:separatorOnlyActiveChapterChecked>
-    <qs:overviewWithSubchaptersChecked>False</qs:overviewWithSubchaptersChecked>
-    <qs:sectionsChecked>False</qs:sectionsChecked>
-    <qs:navigationChecked>False</qs:navigationChecked>
-    <qs:navigationSubChecked>False</qs:navigationSubChecked>
-    <qs:linkChecked>False</qs:linkChecked>
-  </qs:settings>
-  <qs:title>Inhaltsverzeichnis</qs:title>
-  <qs:overviewpage>285</qs:overviewpage>
-  <qs:chapter>
-    <qs:id>286</qs:id>
-    <qs:pageNr>4</qs:pageNr>
-    <qs:slideIndex>6</qs:slideIndex>
-    <qs:title>Projekt- &amp; Teamvorstellung</qs:title>
-    <qs:navText/>
-    <qs:number>1.</qs:number>
-    <qs:position>1</qs:position>
-    <qs:level>0</qs:level>
-  </qs:chapter>
-  <qs:chapter>
-    <qs:id>287</qs:id>
-    <qs:pageNr>10</qs:pageNr>
-    <qs:slideIndex>12</qs:slideIndex>
-    <qs:title>Verlaufe des Projekts</qs:title>
-    <qs:navText/>
-    <qs:number>2.</qs:number>
-    <qs:position>2</qs:position>
-    <qs:level>0</qs:level>
-  </qs:chapter>
-  <qs:chapter>
-    <qs:id>288</qs:id>
-    <qs:pageNr>20</qs:pageNr>
-    <qs:slideIndex>22</qs:slideIndex>
-    <qs:title>Learnings</qs:title>
-    <qs:navText/>
-    <qs:number>3.</qs:number>
-    <qs:position>3</qs:position>
-    <qs:level>0</qs:level>
-  </qs:chapter>
-  <qs:chapter>
-    <qs:id>289</qs:id>
-    <qs:pageNr>22</qs:pageNr>
-    <qs:slideIndex>24</qs:slideIndex>
-    <qs:title>Visionen</qs:title>
-    <qs:navText/>
-    <qs:number>4.</qs:number>
-    <qs:position>4</qs:position>
-    <qs:level>0</qs:level>
-  </qs:chapter>
-  <qs:chapter>
-    <qs:id>294</qs:id>
-    <qs:pageNr>26</qs:pageNr>
-    <qs:slideIndex>28</qs:slideIndex>
-    <qs:title>Fragen</qs:title>
-    <qs:navText/>
-    <qs:number>5.</qs:number>
-    <qs:position>5</qs:position>
-    <qs:level>0</qs:level>
-  </qs:chapter>
-</qs:outline>
+<p:properties xmlns:p="http://schemas.microsoft.com/office/2006/metadata/properties" xmlns:xsi="http://www.w3.org/2001/XMLSchema-instance" xmlns:pc="http://schemas.microsoft.com/office/infopath/2007/PartnerControls">
+  <documentManagement>
+    <TaxCatchAll xmlns="5270d2fc-6197-4703-b72c-11872a11c117">
+      <Value>1</Value>
+    </TaxCatchAll>
+    <lcf76f155ced4ddcb4097134ff3c332f xmlns="4c849c8d-1106-4a97-92cd-bad094fb26bc">
+      <Terms xmlns="http://schemas.microsoft.com/office/infopath/2007/PartnerControls"/>
+    </lcf76f155ced4ddcb4097134ff3c332f>
+    <i0f84bba906045b4af568ee102a52dcb xmlns="5270d2fc-6197-4703-b72c-11872a11c117">
+      <Terms xmlns="http://schemas.microsoft.com/office/infopath/2007/PartnerControls">
+        <TermInfo xmlns="http://schemas.microsoft.com/office/infopath/2007/PartnerControls">
+          <TermName xmlns="http://schemas.microsoft.com/office/infopath/2007/PartnerControls">0.2 Working documents</TermName>
+          <TermId xmlns="http://schemas.microsoft.com/office/infopath/2007/PartnerControls">860f14b0-beae-495c-93e3-3187f714d4fc</TermId>
+        </TermInfo>
+      </Terms>
+    </i0f84bba906045b4af568ee102a52dcb>
+    <RevIMDocumentOwner xmlns="5270d2fc-6197-4703-b72c-11872a11c117">
+      <UserInfo>
+        <DisplayName/>
+        <AccountId xsi:nil="true"/>
+        <AccountType/>
+      </UserInfo>
+    </RevIMDocumentOwner>
+    <RevIMComments xmlns="5270d2fc-6197-4703-b72c-11872a11c117" xsi:nil="true"/>
+    <RevIMDeletionDate xmlns="5270d2fc-6197-4703-b72c-11872a11c117">2026-12-14T08:59:11+00:00</RevIMDeletionDate>
+    <RevIMExtends xmlns="5270d2fc-6197-4703-b72c-11872a11c117">{"KSUClass":"860f14b0-beae-495c-93e3-3187f714d4fc"}</RevIMExtends>
+    <RevIMEventDate xmlns="5270d2fc-6197-4703-b72c-11872a11c117" xsi:nil="true"/>
+  </documentManagement>
+</p:properties>
 </file>
 
 <file path=customXml/item3.xml><?xml version="1.0" encoding="utf-8"?>
@@ -7982,35 +16277,81 @@
 </file>
 
 <file path=customXml/item4.xml><?xml version="1.0" encoding="utf-8"?>
-<p:properties xmlns:p="http://schemas.microsoft.com/office/2006/metadata/properties" xmlns:xsi="http://www.w3.org/2001/XMLSchema-instance" xmlns:pc="http://schemas.microsoft.com/office/infopath/2007/PartnerControls">
-  <documentManagement>
-    <TaxCatchAll xmlns="5270d2fc-6197-4703-b72c-11872a11c117">
-      <Value>1</Value>
-    </TaxCatchAll>
-    <lcf76f155ced4ddcb4097134ff3c332f xmlns="4c849c8d-1106-4a97-92cd-bad094fb26bc">
-      <Terms xmlns="http://schemas.microsoft.com/office/infopath/2007/PartnerControls"/>
-    </lcf76f155ced4ddcb4097134ff3c332f>
-    <i0f84bba906045b4af568ee102a52dcb xmlns="5270d2fc-6197-4703-b72c-11872a11c117">
-      <Terms xmlns="http://schemas.microsoft.com/office/infopath/2007/PartnerControls">
-        <TermInfo xmlns="http://schemas.microsoft.com/office/infopath/2007/PartnerControls">
-          <TermName xmlns="http://schemas.microsoft.com/office/infopath/2007/PartnerControls">0.2 Working documents</TermName>
-          <TermId xmlns="http://schemas.microsoft.com/office/infopath/2007/PartnerControls">860f14b0-beae-495c-93e3-3187f714d4fc</TermId>
-        </TermInfo>
-      </Terms>
-    </i0f84bba906045b4af568ee102a52dcb>
-    <RevIMDocumentOwner xmlns="5270d2fc-6197-4703-b72c-11872a11c117">
-      <UserInfo>
-        <DisplayName/>
-        <AccountId xsi:nil="true"/>
-        <AccountType/>
-      </UserInfo>
-    </RevIMDocumentOwner>
-    <RevIMComments xmlns="5270d2fc-6197-4703-b72c-11872a11c117" xsi:nil="true"/>
-    <RevIMDeletionDate xmlns="5270d2fc-6197-4703-b72c-11872a11c117">2026-12-14T08:59:11+00:00</RevIMDeletionDate>
-    <RevIMExtends xmlns="5270d2fc-6197-4703-b72c-11872a11c117">{"KSUClass":"860f14b0-beae-495c-93e3-3187f714d4fc"}</RevIMExtends>
-    <RevIMEventDate xmlns="5270d2fc-6197-4703-b72c-11872a11c117" xsi:nil="true"/>
-  </documentManagement>
-</p:properties>
+<qs:outline xmlns:qs="urn:strategyCompass:quickSlide:basic:outline:2014">
+  <qs:settings>
+    <qs:designID>AgendaBild2</qs:designID>
+    <qs:designGroup>PorscheAG</qs:designGroup>
+    <qs:numberingChecked>True</qs:numberingChecked>
+    <qs:subNumberingChecked>False</qs:subNumberingChecked>
+    <qs:pagesNumberChecked>False</qs:pagesNumberChecked>
+    <qs:topicsChecked>True</qs:topicsChecked>
+    <qs:subtopicsChecked>False</qs:subtopicsChecked>
+    <qs:extratopicsChecked>False</qs:extratopicsChecked>
+    <qs:overviewChecked>True</qs:overviewChecked>
+    <qs:chapterNumberOnSlidesChecked>False</qs:chapterNumberOnSlidesChecked>
+    <qs:chapterNameOnSlidesChecked>False</qs:chapterNameOnSlidesChecked>
+    <qs:autoUpdateChecked>False</qs:autoUpdateChecked>
+    <qs:subChaptersOnlyOnActiveChapter>True</qs:subChaptersOnlyOnActiveChapter>
+    <qs:separatorOnlyActiveChapterChecked>True</qs:separatorOnlyActiveChapterChecked>
+    <qs:overviewWithSubchaptersChecked>False</qs:overviewWithSubchaptersChecked>
+    <qs:sectionsChecked>False</qs:sectionsChecked>
+    <qs:navigationChecked>False</qs:navigationChecked>
+    <qs:navigationSubChecked>False</qs:navigationSubChecked>
+    <qs:linkChecked>False</qs:linkChecked>
+  </qs:settings>
+  <qs:title>Inhaltsverzeichnis</qs:title>
+  <qs:overviewpage>285</qs:overviewpage>
+  <qs:chapter>
+    <qs:id>286</qs:id>
+    <qs:pageNr>4</qs:pageNr>
+    <qs:slideIndex>6</qs:slideIndex>
+    <qs:title>Projekt- &amp; Teamvorstellung</qs:title>
+    <qs:navText/>
+    <qs:number>1.</qs:number>
+    <qs:position>1</qs:position>
+    <qs:level>0</qs:level>
+  </qs:chapter>
+  <qs:chapter>
+    <qs:id>287</qs:id>
+    <qs:pageNr>10</qs:pageNr>
+    <qs:slideIndex>12</qs:slideIndex>
+    <qs:title>Verlaufe des Projekts</qs:title>
+    <qs:navText/>
+    <qs:number>2.</qs:number>
+    <qs:position>2</qs:position>
+    <qs:level>0</qs:level>
+  </qs:chapter>
+  <qs:chapter>
+    <qs:id>288</qs:id>
+    <qs:pageNr>20</qs:pageNr>
+    <qs:slideIndex>22</qs:slideIndex>
+    <qs:title>Learnings</qs:title>
+    <qs:navText/>
+    <qs:number>3.</qs:number>
+    <qs:position>3</qs:position>
+    <qs:level>0</qs:level>
+  </qs:chapter>
+  <qs:chapter>
+    <qs:id>289</qs:id>
+    <qs:pageNr>22</qs:pageNr>
+    <qs:slideIndex>24</qs:slideIndex>
+    <qs:title>Visionen</qs:title>
+    <qs:navText/>
+    <qs:number>4.</qs:number>
+    <qs:position>4</qs:position>
+    <qs:level>0</qs:level>
+  </qs:chapter>
+  <qs:chapter>
+    <qs:id>294</qs:id>
+    <qs:pageNr>26</qs:pageNr>
+    <qs:slideIndex>28</qs:slideIndex>
+    <qs:title>Fragen</qs:title>
+    <qs:navText/>
+    <qs:number>5.</qs:number>
+    <qs:position>5</qs:position>
+    <qs:level>0</qs:level>
+  </qs:chapter>
+</qs:outline>
 </file>
 
 <file path=customXml/itemProps1.xml><?xml version="1.0" encoding="utf-8"?>
@@ -8022,9 +16363,18 @@
 </file>
 
 <file path=customXml/itemProps2.xml><?xml version="1.0" encoding="utf-8"?>
-<ds:datastoreItem xmlns:ds="http://schemas.openxmlformats.org/officeDocument/2006/customXml" ds:itemID="{D4742F88-63FA-4EE7-8DFA-2B1843D2998C}">
+<ds:datastoreItem xmlns:ds="http://schemas.openxmlformats.org/officeDocument/2006/customXml" ds:itemID="{69CCC432-BD56-4035-8D44-180075150282}">
   <ds:schemaRefs>
-    <ds:schemaRef ds:uri="urn:strategyCompass:quickSlide:basic:outline:2014"/>
+    <ds:schemaRef ds:uri="http://purl.org/dc/dcmitype/"/>
+    <ds:schemaRef ds:uri="http://schemas.microsoft.com/office/2006/documentManagement/types"/>
+    <ds:schemaRef ds:uri="5270d2fc-6197-4703-b72c-11872a11c117"/>
+    <ds:schemaRef ds:uri="http://schemas.openxmlformats.org/package/2006/metadata/core-properties"/>
+    <ds:schemaRef ds:uri="http://schemas.microsoft.com/office/2006/metadata/properties"/>
+    <ds:schemaRef ds:uri="http://purl.org/dc/elements/1.1/"/>
+    <ds:schemaRef ds:uri="http://www.w3.org/XML/1998/namespace"/>
+    <ds:schemaRef ds:uri="http://schemas.microsoft.com/office/infopath/2007/PartnerControls"/>
+    <ds:schemaRef ds:uri="4c849c8d-1106-4a97-92cd-bad094fb26bc"/>
+    <ds:schemaRef ds:uri="http://purl.org/dc/terms/"/>
   </ds:schemaRefs>
 </ds:datastoreItem>
 </file>
@@ -8032,12 +16382,13 @@
 <file path=customXml/itemProps3.xml><?xml version="1.0" encoding="utf-8"?>
 <ds:datastoreItem xmlns:ds="http://schemas.openxmlformats.org/officeDocument/2006/customXml" ds:itemID="{F52654AC-1A8B-483E-AE78-59A9DF1B98BB}">
   <ds:schemaRefs>
+    <ds:schemaRef ds:uri="4c849c8d-1106-4a97-92cd-bad094fb26bc"/>
+    <ds:schemaRef ds:uri="5270d2fc-6197-4703-b72c-11872a11c117"/>
     <ds:schemaRef ds:uri="http://schemas.microsoft.com/office/2006/metadata/contentType"/>
     <ds:schemaRef ds:uri="http://schemas.microsoft.com/office/2006/metadata/properties/metaAttributes"/>
+    <ds:schemaRef ds:uri="http://www.w3.org/2000/xmlns/"/>
     <ds:schemaRef ds:uri="http://www.w3.org/2001/XMLSchema"/>
     <ds:schemaRef ds:uri="http://schemas.microsoft.com/office/2006/metadata/properties"/>
-    <ds:schemaRef ds:uri="5270d2fc-6197-4703-b72c-11872a11c117"/>
-    <ds:schemaRef ds:uri="4c849c8d-1106-4a97-92cd-bad094fb26bc"/>
     <ds:schemaRef ds:uri="http://schemas.microsoft.com/office/2006/documentManagement/types"/>
     <ds:schemaRef ds:uri="http://schemas.microsoft.com/office/infopath/2007/PartnerControls"/>
     <ds:schemaRef ds:uri="http://schemas.openxmlformats.org/package/2006/metadata/core-properties"/>
@@ -8049,18 +16400,10 @@
 </file>
 
 <file path=customXml/itemProps4.xml><?xml version="1.0" encoding="utf-8"?>
-<ds:datastoreItem xmlns:ds="http://schemas.openxmlformats.org/officeDocument/2006/customXml" ds:itemID="{69CCC432-BD56-4035-8D44-180075150282}">
+<ds:datastoreItem xmlns:ds="http://schemas.openxmlformats.org/officeDocument/2006/customXml" ds:itemID="{D4742F88-63FA-4EE7-8DFA-2B1843D2998C}">
   <ds:schemaRefs>
-    <ds:schemaRef ds:uri="http://schemas.microsoft.com/office/2006/documentManagement/types"/>
-    <ds:schemaRef ds:uri="http://schemas.microsoft.com/office/infopath/2007/PartnerControls"/>
-    <ds:schemaRef ds:uri="http://purl.org/dc/elements/1.1/"/>
-    <ds:schemaRef ds:uri="http://schemas.microsoft.com/office/2006/metadata/properties"/>
-    <ds:schemaRef ds:uri="http://schemas.openxmlformats.org/package/2006/metadata/core-properties"/>
-    <ds:schemaRef ds:uri="http://purl.org/dc/terms/"/>
-    <ds:schemaRef ds:uri="4c849c8d-1106-4a97-92cd-bad094fb26bc"/>
-    <ds:schemaRef ds:uri="5270d2fc-6197-4703-b72c-11872a11c117"/>
-    <ds:schemaRef ds:uri="http://www.w3.org/XML/1998/namespace"/>
-    <ds:schemaRef ds:uri="http://purl.org/dc/dcmitype/"/>
+    <ds:schemaRef ds:uri="http://www.w3.org/2000/xmlns/"/>
+    <ds:schemaRef ds:uri="urn:strategyCompass:quickSlide:basic:outline:2014"/>
   </ds:schemaRefs>
 </ds:datastoreItem>
 </file>